--- a/doc/SARibbonBar.pptx
+++ b/doc/SARibbonBar.pptx
@@ -6,10 +6,11 @@
   </p:sldMasterIdLst>
   <p:sldIdLst>
     <p:sldId id="257" r:id="rId2"/>
-    <p:sldId id="259" r:id="rId3"/>
-    <p:sldId id="256" r:id="rId4"/>
-    <p:sldId id="261" r:id="rId5"/>
-    <p:sldId id="262" r:id="rId6"/>
+    <p:sldId id="263" r:id="rId3"/>
+    <p:sldId id="259" r:id="rId4"/>
+    <p:sldId id="256" r:id="rId5"/>
+    <p:sldId id="261" r:id="rId6"/>
+    <p:sldId id="262" r:id="rId7"/>
   </p:sldIdLst>
   <p:sldSz cx="12192000" cy="6858000"/>
   <p:notesSz cx="6858000" cy="9144000"/>
@@ -247,7 +248,7 @@
           <a:p>
             <a:fld id="{791025AC-6364-4DCA-9BF0-1CB07E70C9CD}" type="datetimeFigureOut">
               <a:rPr lang="zh-CN" altLang="en-US" smtClean="0"/>
-              <a:t>2021/10/6</a:t>
+              <a:t>2022/3/5</a:t>
             </a:fld>
             <a:endParaRPr lang="zh-CN" altLang="en-US"/>
           </a:p>
@@ -412,7 +413,7 @@
           <a:p>
             <a:fld id="{791025AC-6364-4DCA-9BF0-1CB07E70C9CD}" type="datetimeFigureOut">
               <a:rPr lang="zh-CN" altLang="en-US" smtClean="0"/>
-              <a:t>2021/10/6</a:t>
+              <a:t>2022/3/5</a:t>
             </a:fld>
             <a:endParaRPr lang="zh-CN" altLang="en-US"/>
           </a:p>
@@ -587,7 +588,7 @@
           <a:p>
             <a:fld id="{791025AC-6364-4DCA-9BF0-1CB07E70C9CD}" type="datetimeFigureOut">
               <a:rPr lang="zh-CN" altLang="en-US" smtClean="0"/>
-              <a:t>2021/10/6</a:t>
+              <a:t>2022/3/5</a:t>
             </a:fld>
             <a:endParaRPr lang="zh-CN" altLang="en-US"/>
           </a:p>
@@ -752,7 +753,7 @@
           <a:p>
             <a:fld id="{791025AC-6364-4DCA-9BF0-1CB07E70C9CD}" type="datetimeFigureOut">
               <a:rPr lang="zh-CN" altLang="en-US" smtClean="0"/>
-              <a:t>2021/10/6</a:t>
+              <a:t>2022/3/5</a:t>
             </a:fld>
             <a:endParaRPr lang="zh-CN" altLang="en-US"/>
           </a:p>
@@ -993,7 +994,7 @@
           <a:p>
             <a:fld id="{791025AC-6364-4DCA-9BF0-1CB07E70C9CD}" type="datetimeFigureOut">
               <a:rPr lang="zh-CN" altLang="en-US" smtClean="0"/>
-              <a:t>2021/10/6</a:t>
+              <a:t>2022/3/5</a:t>
             </a:fld>
             <a:endParaRPr lang="zh-CN" altLang="en-US"/>
           </a:p>
@@ -1220,7 +1221,7 @@
           <a:p>
             <a:fld id="{791025AC-6364-4DCA-9BF0-1CB07E70C9CD}" type="datetimeFigureOut">
               <a:rPr lang="zh-CN" altLang="en-US" smtClean="0"/>
-              <a:t>2021/10/6</a:t>
+              <a:t>2022/3/5</a:t>
             </a:fld>
             <a:endParaRPr lang="zh-CN" altLang="en-US"/>
           </a:p>
@@ -1582,7 +1583,7 @@
           <a:p>
             <a:fld id="{791025AC-6364-4DCA-9BF0-1CB07E70C9CD}" type="datetimeFigureOut">
               <a:rPr lang="zh-CN" altLang="en-US" smtClean="0"/>
-              <a:t>2021/10/6</a:t>
+              <a:t>2022/3/5</a:t>
             </a:fld>
             <a:endParaRPr lang="zh-CN" altLang="en-US"/>
           </a:p>
@@ -1695,7 +1696,7 @@
           <a:p>
             <a:fld id="{791025AC-6364-4DCA-9BF0-1CB07E70C9CD}" type="datetimeFigureOut">
               <a:rPr lang="zh-CN" altLang="en-US" smtClean="0"/>
-              <a:t>2021/10/6</a:t>
+              <a:t>2022/3/5</a:t>
             </a:fld>
             <a:endParaRPr lang="zh-CN" altLang="en-US"/>
           </a:p>
@@ -1785,7 +1786,7 @@
           <a:p>
             <a:fld id="{791025AC-6364-4DCA-9BF0-1CB07E70C9CD}" type="datetimeFigureOut">
               <a:rPr lang="zh-CN" altLang="en-US" smtClean="0"/>
-              <a:t>2021/10/6</a:t>
+              <a:t>2022/3/5</a:t>
             </a:fld>
             <a:endParaRPr lang="zh-CN" altLang="en-US"/>
           </a:p>
@@ -2057,7 +2058,7 @@
           <a:p>
             <a:fld id="{791025AC-6364-4DCA-9BF0-1CB07E70C9CD}" type="datetimeFigureOut">
               <a:rPr lang="zh-CN" altLang="en-US" smtClean="0"/>
-              <a:t>2021/10/6</a:t>
+              <a:t>2022/3/5</a:t>
             </a:fld>
             <a:endParaRPr lang="zh-CN" altLang="en-US"/>
           </a:p>
@@ -2305,7 +2306,7 @@
           <a:p>
             <a:fld id="{791025AC-6364-4DCA-9BF0-1CB07E70C9CD}" type="datetimeFigureOut">
               <a:rPr lang="zh-CN" altLang="en-US" smtClean="0"/>
-              <a:t>2021/10/6</a:t>
+              <a:t>2022/3/5</a:t>
             </a:fld>
             <a:endParaRPr lang="zh-CN" altLang="en-US"/>
           </a:p>
@@ -2513,7 +2514,7 @@
           <a:p>
             <a:fld id="{791025AC-6364-4DCA-9BF0-1CB07E70C9CD}" type="datetimeFigureOut">
               <a:rPr lang="zh-CN" altLang="en-US" smtClean="0"/>
-              <a:t>2021/10/6</a:t>
+              <a:t>2022/3/5</a:t>
             </a:fld>
             <a:endParaRPr lang="zh-CN" altLang="en-US"/>
           </a:p>
@@ -4490,8 +4491,8 @@
         </p:nvSpPr>
         <p:spPr>
           <a:xfrm>
-            <a:off x="4113530" y="2000885"/>
-            <a:ext cx="7323455" cy="1703705"/>
+            <a:off x="865753" y="1387033"/>
+            <a:ext cx="10530840" cy="1493520"/>
           </a:xfrm>
           <a:prstGeom prst="rect">
             <a:avLst/>
@@ -4541,8 +4542,8 @@
         </p:nvSpPr>
         <p:spPr>
           <a:xfrm>
-            <a:off x="4114165" y="2455545"/>
-            <a:ext cx="7322185" cy="1248410"/>
+            <a:off x="865753" y="1631508"/>
+            <a:ext cx="10530205" cy="1248410"/>
           </a:xfrm>
           <a:prstGeom prst="rect">
             <a:avLst/>
@@ -4584,7 +4585,7 @@
         </p:nvSpPr>
         <p:spPr>
           <a:xfrm>
-            <a:off x="4114165" y="2249805"/>
+            <a:off x="865753" y="1425768"/>
             <a:ext cx="412115" cy="205740"/>
           </a:xfrm>
           <a:prstGeom prst="rect">
@@ -4627,7 +4628,7 @@
         </p:nvSpPr>
         <p:spPr>
           <a:xfrm>
-            <a:off x="4586605" y="2249805"/>
+            <a:off x="1338193" y="1425768"/>
             <a:ext cx="3352800" cy="205740"/>
           </a:xfrm>
           <a:prstGeom prst="rect">
@@ -4663,10 +4664,7 @@
           <a:lstStyle/>
           <a:p>
             <a:pPr algn="ctr"/>
-            <a:r>
-              <a:rPr lang="zh-CN" altLang="en-US" sz="1000"/>
-              <a:t>SARibbonTabBar</a:t>
-            </a:r>
+            <a:endParaRPr lang="zh-CN" altLang="en-US"/>
           </a:p>
         </p:txBody>
       </p:sp>
@@ -4678,8 +4676,8 @@
         </p:nvSpPr>
         <p:spPr>
           <a:xfrm>
-            <a:off x="4792980" y="2007235"/>
-            <a:ext cx="1888490" cy="234950"/>
+            <a:off x="9008993" y="1383223"/>
+            <a:ext cx="1477010" cy="248285"/>
           </a:xfrm>
           <a:prstGeom prst="rect">
             <a:avLst/>
@@ -4717,18 +4715,7 @@
           <a:lstStyle/>
           <a:p>
             <a:pPr algn="ctr"/>
-            <a:r>
-              <a:rPr lang="en-US" altLang="zh-CN" sz="1000" b="1" dirty="0" err="1" smtClean="0">
-                <a:solidFill>
-                  <a:schemeClr val="accent1">
-                    <a:lumMod val="75000"/>
-                  </a:schemeClr>
-                </a:solidFill>
-                <a:effectLst/>
-                <a:sym typeface="+mn-ea"/>
-              </a:rPr>
-              <a:t>SARibbonQuickAccessBar</a:t>
-            </a:r>
+            <a:endParaRPr lang="zh-CN" altLang="en-US"/>
           </a:p>
         </p:txBody>
       </p:sp>
@@ -4740,8 +4727,8 @@
         </p:nvSpPr>
         <p:spPr>
           <a:xfrm>
-            <a:off x="11153775" y="2006600"/>
-            <a:ext cx="283210" cy="236220"/>
+            <a:off x="11113383" y="1383858"/>
+            <a:ext cx="283210" cy="242570"/>
           </a:xfrm>
           <a:prstGeom prst="rect">
             <a:avLst/>
@@ -4800,8 +4787,8 @@
         </p:nvSpPr>
         <p:spPr>
           <a:xfrm>
-            <a:off x="10868025" y="2006600"/>
-            <a:ext cx="283210" cy="235585"/>
+            <a:off x="10827633" y="1383858"/>
+            <a:ext cx="283210" cy="242570"/>
           </a:xfrm>
           <a:prstGeom prst="rect">
             <a:avLst/>
@@ -4860,8 +4847,8 @@
         </p:nvSpPr>
         <p:spPr>
           <a:xfrm>
-            <a:off x="10584815" y="2006600"/>
-            <a:ext cx="283210" cy="235585"/>
+            <a:off x="10544423" y="1383858"/>
+            <a:ext cx="283210" cy="242570"/>
           </a:xfrm>
           <a:prstGeom prst="rect">
             <a:avLst/>
@@ -4918,7 +4905,7 @@
         </p:nvSpPr>
         <p:spPr>
           <a:xfrm>
-            <a:off x="9255126" y="3979049"/>
+            <a:off x="6006714" y="3155012"/>
             <a:ext cx="1025525" cy="368300"/>
           </a:xfrm>
           <a:prstGeom prst="rect">
@@ -4956,7 +4943,7 @@
         </p:nvCxnSpPr>
         <p:spPr>
           <a:xfrm flipH="1" flipV="1">
-            <a:off x="9314180" y="3176270"/>
+            <a:off x="6065768" y="2352233"/>
             <a:ext cx="454025" cy="802640"/>
           </a:xfrm>
           <a:prstGeom prst="straightConnector1">
@@ -4983,14 +4970,121 @@
       </p:cxnSp>
       <p:sp>
         <p:nvSpPr>
+          <p:cNvPr id="33" name="矩形 32"/>
+          <p:cNvSpPr/>
+          <p:nvPr/>
+        </p:nvSpPr>
+        <p:spPr>
+          <a:xfrm>
+            <a:off x="3204459" y="807417"/>
+            <a:ext cx="1755140" cy="368300"/>
+          </a:xfrm>
+          <a:prstGeom prst="rect">
+            <a:avLst/>
+          </a:prstGeom>
+        </p:spPr>
+        <p:txBody>
+          <a:bodyPr wrap="none">
+            <a:spAutoFit/>
+          </a:bodyPr>
+          <a:lstStyle/>
+          <a:p>
+            <a:pPr algn="l"/>
+            <a:r>
+              <a:rPr lang="en-US" altLang="zh-CN" b="1" dirty="0" err="1" smtClean="0">
+                <a:solidFill>
+                  <a:schemeClr val="accent1">
+                    <a:lumMod val="75000"/>
+                  </a:schemeClr>
+                </a:solidFill>
+                <a:effectLst/>
+              </a:rPr>
+              <a:t>SARibbonTabBar</a:t>
+            </a:r>
+          </a:p>
+        </p:txBody>
+      </p:sp>
+      <p:cxnSp>
+        <p:nvCxnSpPr>
+          <p:cNvPr id="34" name="直接箭头连接符 33"/>
+          <p:cNvCxnSpPr>
+            <a:stCxn id="33" idx="2"/>
+          </p:cNvCxnSpPr>
+          <p:nvPr/>
+        </p:nvCxnSpPr>
+        <p:spPr>
+          <a:xfrm flipH="1">
+            <a:off x="3468618" y="1175578"/>
+            <a:ext cx="613410" cy="363855"/>
+          </a:xfrm>
+          <a:prstGeom prst="straightConnector1">
+            <a:avLst/>
+          </a:prstGeom>
+          <a:ln>
+            <a:tailEnd type="arrow"/>
+          </a:ln>
+        </p:spPr>
+        <p:style>
+          <a:lnRef idx="1">
+            <a:schemeClr val="accent1"/>
+          </a:lnRef>
+          <a:fillRef idx="0">
+            <a:schemeClr val="accent1"/>
+          </a:fillRef>
+          <a:effectRef idx="0">
+            <a:schemeClr val="accent1"/>
+          </a:effectRef>
+          <a:fontRef idx="minor">
+            <a:schemeClr val="tx1"/>
+          </a:fontRef>
+        </p:style>
+      </p:cxnSp>
+      <p:sp>
+        <p:nvSpPr>
+          <p:cNvPr id="35" name="矩形 34"/>
+          <p:cNvSpPr/>
+          <p:nvPr/>
+        </p:nvSpPr>
+        <p:spPr>
+          <a:xfrm>
+            <a:off x="6964929" y="812497"/>
+            <a:ext cx="890905" cy="368300"/>
+          </a:xfrm>
+          <a:prstGeom prst="rect">
+            <a:avLst/>
+          </a:prstGeom>
+        </p:spPr>
+        <p:txBody>
+          <a:bodyPr wrap="none">
+            <a:spAutoFit/>
+          </a:bodyPr>
+          <a:lstStyle/>
+          <a:p>
+            <a:pPr algn="l"/>
+            <a:r>
+              <a:rPr lang="en-US" altLang="zh-CN" b="1" dirty="0" err="1" smtClean="0">
+                <a:solidFill>
+                  <a:schemeClr val="accent1">
+                    <a:lumMod val="75000"/>
+                  </a:schemeClr>
+                </a:solidFill>
+                <a:effectLst/>
+              </a:rPr>
+              <a:t>titleBar</a:t>
+            </a:r>
+          </a:p>
+        </p:txBody>
+      </p:sp>
+      <p:sp>
+        <p:nvSpPr>
           <p:cNvPr id="36" name="文本框 35"/>
           <p:cNvSpPr txBox="1"/>
           <p:nvPr/>
         </p:nvSpPr>
         <p:spPr>
           <a:xfrm>
-            <a:off x="6723380" y="1997075"/>
-            <a:ext cx="3862070" cy="245110"/>
+            <a:off x="4769098" y="1386398"/>
+            <a:ext cx="4161790" cy="245110"/>
           </a:xfrm>
           <a:prstGeom prst="rect">
             <a:avLst/>
@@ -5012,11 +5106,117 @@
             <a:pPr algn="ctr"/>
             <a:r>
               <a:rPr lang="en-US" altLang="zh-CN" sz="1000"/>
-              <a:t>titleBar</a:t>
-            </a:r>
-          </a:p>
-        </p:txBody>
-      </p:sp>
+              <a:t>window title</a:t>
+            </a:r>
+          </a:p>
+        </p:txBody>
+      </p:sp>
+      <p:cxnSp>
+        <p:nvCxnSpPr>
+          <p:cNvPr id="37" name="直接箭头连接符 36"/>
+          <p:cNvCxnSpPr>
+            <a:stCxn id="35" idx="2"/>
+          </p:cNvCxnSpPr>
+          <p:nvPr/>
+        </p:nvCxnSpPr>
+        <p:spPr>
+          <a:xfrm flipH="1">
+            <a:off x="7243058" y="1180658"/>
+            <a:ext cx="167640" cy="362585"/>
+          </a:xfrm>
+          <a:prstGeom prst="straightConnector1">
+            <a:avLst/>
+          </a:prstGeom>
+          <a:ln>
+            <a:tailEnd type="arrow"/>
+          </a:ln>
+        </p:spPr>
+        <p:style>
+          <a:lnRef idx="1">
+            <a:schemeClr val="accent1"/>
+          </a:lnRef>
+          <a:fillRef idx="0">
+            <a:schemeClr val="accent1"/>
+          </a:fillRef>
+          <a:effectRef idx="0">
+            <a:schemeClr val="accent1"/>
+          </a:effectRef>
+          <a:fontRef idx="minor">
+            <a:schemeClr val="tx1"/>
+          </a:fontRef>
+        </p:style>
+      </p:cxnSp>
+      <p:sp>
+        <p:nvSpPr>
+          <p:cNvPr id="38" name="矩形 37"/>
+          <p:cNvSpPr/>
+          <p:nvPr/>
+        </p:nvSpPr>
+        <p:spPr>
+          <a:xfrm>
+            <a:off x="8234294" y="807417"/>
+            <a:ext cx="2593340" cy="368300"/>
+          </a:xfrm>
+          <a:prstGeom prst="rect">
+            <a:avLst/>
+          </a:prstGeom>
+        </p:spPr>
+        <p:txBody>
+          <a:bodyPr wrap="none">
+            <a:spAutoFit/>
+          </a:bodyPr>
+          <a:lstStyle/>
+          <a:p>
+            <a:pPr algn="l"/>
+            <a:r>
+              <a:rPr lang="en-US" altLang="zh-CN" b="1" dirty="0" err="1" smtClean="0">
+                <a:solidFill>
+                  <a:schemeClr val="accent1">
+                    <a:lumMod val="75000"/>
+                  </a:schemeClr>
+                </a:solidFill>
+                <a:effectLst/>
+              </a:rPr>
+              <a:t>SARibbonQuickAccessBar</a:t>
+            </a:r>
+          </a:p>
+        </p:txBody>
+      </p:sp>
+      <p:cxnSp>
+        <p:nvCxnSpPr>
+          <p:cNvPr id="39" name="直接箭头连接符 38"/>
+          <p:cNvCxnSpPr>
+            <a:stCxn id="38" idx="2"/>
+          </p:cNvCxnSpPr>
+          <p:nvPr/>
+        </p:nvCxnSpPr>
+        <p:spPr>
+          <a:xfrm>
+            <a:off x="9530963" y="1175578"/>
+            <a:ext cx="176530" cy="438785"/>
+          </a:xfrm>
+          <a:prstGeom prst="straightConnector1">
+            <a:avLst/>
+          </a:prstGeom>
+          <a:ln>
+            <a:tailEnd type="arrow"/>
+          </a:ln>
+        </p:spPr>
+        <p:style>
+          <a:lnRef idx="1">
+            <a:schemeClr val="accent1"/>
+          </a:lnRef>
+          <a:fillRef idx="0">
+            <a:schemeClr val="accent1"/>
+          </a:fillRef>
+          <a:effectRef idx="0">
+            <a:schemeClr val="accent1"/>
+          </a:effectRef>
+          <a:fontRef idx="minor">
+            <a:schemeClr val="tx1"/>
+          </a:fontRef>
+        </p:style>
+      </p:cxnSp>
       <p:sp>
         <p:nvSpPr>
           <p:cNvPr id="40" name="矩形 39"/>
@@ -5025,7 +5225,7 @@
         </p:nvSpPr>
         <p:spPr>
           <a:xfrm>
-            <a:off x="3098801" y="3979049"/>
+            <a:off x="599689" y="812497"/>
             <a:ext cx="1887855" cy="368300"/>
           </a:xfrm>
           <a:prstGeom prst="rect">
@@ -5061,7 +5261,7 @@
         </p:nvSpPr>
         <p:spPr>
           <a:xfrm>
-            <a:off x="4171950" y="2506980"/>
+            <a:off x="923538" y="1682943"/>
             <a:ext cx="3780155" cy="1141095"/>
           </a:xfrm>
           <a:prstGeom prst="rect">
@@ -5112,7 +5312,7 @@
         </p:nvSpPr>
         <p:spPr>
           <a:xfrm>
-            <a:off x="4172585" y="2506980"/>
+            <a:off x="924173" y="1682943"/>
             <a:ext cx="3779520" cy="976630"/>
           </a:xfrm>
           <a:prstGeom prst="rect">
@@ -5155,7 +5355,7 @@
         </p:nvSpPr>
         <p:spPr>
           <a:xfrm>
-            <a:off x="7795895" y="3507740"/>
+            <a:off x="4547483" y="2683703"/>
             <a:ext cx="132080" cy="111125"/>
           </a:xfrm>
           <a:prstGeom prst="rect">
@@ -5198,7 +5398,7 @@
         </p:nvSpPr>
         <p:spPr>
           <a:xfrm>
-            <a:off x="4227195" y="2548890"/>
+            <a:off x="978783" y="1724853"/>
             <a:ext cx="671195" cy="892175"/>
           </a:xfrm>
           <a:prstGeom prst="rect">
@@ -5238,7 +5438,7 @@
         </p:nvSpPr>
         <p:spPr>
           <a:xfrm>
-            <a:off x="4992370" y="3185795"/>
+            <a:off x="1743958" y="2361758"/>
             <a:ext cx="894715" cy="255270"/>
           </a:xfrm>
           <a:prstGeom prst="rect">
@@ -5278,7 +5478,7 @@
         </p:nvSpPr>
         <p:spPr>
           <a:xfrm>
-            <a:off x="4992370" y="2548890"/>
+            <a:off x="1743958" y="1724853"/>
             <a:ext cx="894715" cy="255270"/>
           </a:xfrm>
           <a:prstGeom prst="rect">
@@ -5318,7 +5518,7 @@
         </p:nvSpPr>
         <p:spPr>
           <a:xfrm>
-            <a:off x="4992370" y="2867660"/>
+            <a:off x="1743958" y="2043623"/>
             <a:ext cx="894715" cy="255270"/>
           </a:xfrm>
           <a:prstGeom prst="rect">
@@ -5358,7 +5558,7 @@
         </p:nvSpPr>
         <p:spPr>
           <a:xfrm>
-            <a:off x="5996940" y="3032125"/>
+            <a:off x="2748528" y="2208088"/>
             <a:ext cx="894715" cy="255270"/>
           </a:xfrm>
           <a:prstGeom prst="rect">
@@ -5398,7 +5598,7 @@
         </p:nvSpPr>
         <p:spPr>
           <a:xfrm>
-            <a:off x="5996940" y="2658745"/>
+            <a:off x="2748528" y="1834708"/>
             <a:ext cx="894715" cy="255270"/>
           </a:xfrm>
           <a:prstGeom prst="rect">
@@ -5438,7 +5638,7 @@
         </p:nvSpPr>
         <p:spPr>
           <a:xfrm>
-            <a:off x="4170045" y="3484245"/>
+            <a:off x="921633" y="2660208"/>
             <a:ext cx="3606800" cy="158750"/>
           </a:xfrm>
           <a:prstGeom prst="rect">
@@ -5480,7 +5680,7 @@
         </p:nvSpPr>
         <p:spPr>
           <a:xfrm>
-            <a:off x="6994525" y="2548890"/>
+            <a:off x="3746113" y="1724853"/>
             <a:ext cx="671195" cy="892175"/>
           </a:xfrm>
           <a:prstGeom prst="rect">
@@ -5516,15 +5716,15 @@
         <p:nvCxnSpPr>
           <p:cNvPr id="41" name="直接箭头连接符 40"/>
           <p:cNvCxnSpPr>
-            <a:stCxn id="40" idx="0"/>
+            <a:stCxn id="40" idx="2"/>
             <a:endCxn id="3" idx="2"/>
           </p:cNvCxnSpPr>
           <p:nvPr/>
         </p:nvCxnSpPr>
         <p:spPr>
-          <a:xfrm flipV="1">
-            <a:off x="4043045" y="2455545"/>
-            <a:ext cx="277495" cy="1523365"/>
+          <a:xfrm flipH="1">
+            <a:off x="1072128" y="1180658"/>
+            <a:ext cx="471805" cy="450850"/>
           </a:xfrm>
           <a:prstGeom prst="straightConnector1">
             <a:avLst/>
@@ -5559,7 +5759,7 @@
         </p:nvSpPr>
         <p:spPr>
           <a:xfrm>
-            <a:off x="6208396" y="3979049"/>
+            <a:off x="2959984" y="3155012"/>
             <a:ext cx="828675" cy="368300"/>
           </a:xfrm>
           <a:prstGeom prst="rect">
@@ -5597,7 +5797,7 @@
         </p:nvCxnSpPr>
         <p:spPr>
           <a:xfrm flipV="1">
-            <a:off x="6623050" y="3644265"/>
+            <a:off x="3374638" y="2820228"/>
             <a:ext cx="100330" cy="334645"/>
           </a:xfrm>
           <a:prstGeom prst="straightConnector1">
@@ -5675,995 +5875,46 @@
               <a:t>::</a:t>
             </a:r>
             <a:r>
+              <a:rPr b="1">
+                <a:latin typeface="微软雅黑" panose="020B0503020204020204" pitchFamily="34" charset="-122"/>
+                <a:ea typeface="微软雅黑" panose="020B0503020204020204" pitchFamily="34" charset="-122"/>
+                <a:cs typeface="微软雅黑" panose="020B0503020204020204" pitchFamily="34" charset="-122"/>
+              </a:rPr>
+              <a:t>WpsLiteStyle</a:t>
+            </a:r>
+            <a:r>
               <a:rPr lang="zh-CN" altLang="en-US" b="1">
                 <a:latin typeface="微软雅黑" panose="020B0503020204020204" pitchFamily="34" charset="-122"/>
                 <a:ea typeface="微软雅黑" panose="020B0503020204020204" pitchFamily="34" charset="-122"/>
                 <a:cs typeface="微软雅黑" panose="020B0503020204020204" pitchFamily="34" charset="-122"/>
               </a:rPr>
-              <a:t>OfficeStyle 尺寸定位</a:t>
-            </a:r>
-          </a:p>
-        </p:txBody>
-      </p:sp>
-      <p:sp>
-        <p:nvSpPr>
-          <p:cNvPr id="5" name="矩形 4"/>
-          <p:cNvSpPr/>
-          <p:nvPr/>
-        </p:nvSpPr>
-        <p:spPr>
-          <a:xfrm>
-            <a:off x="4113530" y="2000250"/>
-            <a:ext cx="287655" cy="241935"/>
-          </a:xfrm>
-          <a:prstGeom prst="rect">
-            <a:avLst/>
-          </a:prstGeom>
-        </p:spPr>
-        <p:style>
-          <a:lnRef idx="2">
-            <a:schemeClr val="accent4">
-              <a:shade val="50000"/>
-            </a:schemeClr>
-          </a:lnRef>
-          <a:fillRef idx="1">
-            <a:schemeClr val="accent4"/>
-          </a:fillRef>
-          <a:effectRef idx="0">
-            <a:schemeClr val="accent4"/>
-          </a:effectRef>
-          <a:fontRef idx="minor">
-            <a:schemeClr val="lt1"/>
-          </a:fontRef>
-        </p:style>
-        <p:txBody>
-          <a:bodyPr rtlCol="0" anchor="ctr"/>
-          <a:lstStyle/>
-          <a:p>
-            <a:pPr algn="ctr"/>
-            <a:endParaRPr lang="zh-CN" altLang="en-US"/>
-          </a:p>
-        </p:txBody>
-      </p:sp>
-      <p:sp>
-        <p:nvSpPr>
-          <p:cNvPr id="6" name="矩形 5"/>
-          <p:cNvSpPr/>
-          <p:nvPr/>
-        </p:nvSpPr>
-        <p:spPr>
-          <a:xfrm>
-            <a:off x="4792980" y="1084580"/>
-            <a:ext cx="3678555" cy="368300"/>
-          </a:xfrm>
-          <a:prstGeom prst="rect">
-            <a:avLst/>
-          </a:prstGeom>
-        </p:spPr>
-        <p:txBody>
-          <a:bodyPr wrap="none" rtlCol="0" anchor="t">
-            <a:spAutoFit/>
-          </a:bodyPr>
-          <a:lstStyle/>
-          <a:p>
-            <a:pPr lvl="0" algn="l">
-              <a:buClrTx/>
-              <a:buSzTx/>
-              <a:buFontTx/>
-            </a:pPr>
-            <a:r>
-              <a:rPr lang="en-US" altLang="zh-CN" b="1" dirty="0" err="1" smtClean="0">
-                <a:solidFill>
-                  <a:schemeClr val="accent1">
-                    <a:lumMod val="75000"/>
-                  </a:schemeClr>
-                </a:solidFill>
-                <a:effectLst/>
-                <a:sym typeface="+mn-ea"/>
-              </a:rPr>
-              <a:t>2</a:t>
-            </a:r>
-            <a:r>
-              <a:rPr lang="zh-CN" altLang="en-US" b="1" dirty="0" err="1" smtClean="0">
-                <a:solidFill>
-                  <a:schemeClr val="accent1">
-                    <a:lumMod val="75000"/>
-                  </a:schemeClr>
-                </a:solidFill>
-                <a:effectLst/>
-                <a:sym typeface="+mn-ea"/>
-              </a:rPr>
-              <a:t>、</a:t>
-            </a:r>
-            <a:r>
-              <a:rPr lang="en-US" altLang="zh-CN" b="1" dirty="0" err="1" smtClean="0">
-                <a:solidFill>
-                  <a:schemeClr val="accent1">
-                    <a:lumMod val="75000"/>
-                  </a:schemeClr>
-                </a:solidFill>
-                <a:effectLst/>
-                <a:sym typeface="+mn-ea"/>
-              </a:rPr>
-              <a:t>cornerWidget(Qt::TopLeftCorner)</a:t>
-            </a:r>
-          </a:p>
-        </p:txBody>
-      </p:sp>
-      <p:cxnSp>
-        <p:nvCxnSpPr>
-          <p:cNvPr id="8" name="直接箭头连接符 7"/>
-          <p:cNvCxnSpPr>
-            <a:endCxn id="28" idx="0"/>
-          </p:cNvCxnSpPr>
-          <p:nvPr/>
-        </p:nvCxnSpPr>
-        <p:spPr>
-          <a:xfrm>
-            <a:off x="4587875" y="1459230"/>
-            <a:ext cx="6350" cy="548005"/>
-          </a:xfrm>
-          <a:prstGeom prst="straightConnector1">
-            <a:avLst/>
-          </a:prstGeom>
-          <a:ln>
-            <a:tailEnd type="arrow"/>
-          </a:ln>
-        </p:spPr>
-        <p:style>
-          <a:lnRef idx="1">
-            <a:schemeClr val="accent1"/>
-          </a:lnRef>
-          <a:fillRef idx="0">
-            <a:schemeClr val="accent1"/>
-          </a:fillRef>
-          <a:effectRef idx="0">
-            <a:schemeClr val="accent1"/>
-          </a:effectRef>
-          <a:fontRef idx="minor">
-            <a:schemeClr val="tx1"/>
-          </a:fontRef>
-        </p:style>
-      </p:cxnSp>
-      <p:sp>
-        <p:nvSpPr>
-          <p:cNvPr id="9" name="文本框 8"/>
-          <p:cNvSpPr txBox="1"/>
-          <p:nvPr/>
-        </p:nvSpPr>
-        <p:spPr>
-          <a:xfrm>
-            <a:off x="229235" y="1452880"/>
-            <a:ext cx="3220085" cy="368300"/>
-          </a:xfrm>
-          <a:prstGeom prst="rect">
-            <a:avLst/>
-          </a:prstGeom>
-          <a:noFill/>
-        </p:spPr>
-        <p:txBody>
-          <a:bodyPr wrap="square" rtlCol="0">
-            <a:spAutoFit/>
-          </a:bodyPr>
-          <a:lstStyle/>
-          <a:p>
-            <a:r>
-              <a:rPr lang="zh-CN" altLang="en-US">
-                <a:latin typeface="微软雅黑" panose="020B0503020204020204" pitchFamily="34" charset="-122"/>
-                <a:ea typeface="微软雅黑" panose="020B0503020204020204" pitchFamily="34" charset="-122"/>
-              </a:rPr>
-              <a:t>一般为图标，如果存在会显示</a:t>
-            </a:r>
-          </a:p>
-        </p:txBody>
-      </p:sp>
-      <p:sp>
-        <p:nvSpPr>
-          <p:cNvPr id="11" name="文本框 10"/>
-          <p:cNvSpPr txBox="1"/>
-          <p:nvPr/>
-        </p:nvSpPr>
-        <p:spPr>
-          <a:xfrm>
-            <a:off x="1607185" y="1933575"/>
-            <a:ext cx="1578610" cy="368300"/>
-          </a:xfrm>
-          <a:prstGeom prst="rect">
-            <a:avLst/>
-          </a:prstGeom>
-          <a:noFill/>
-        </p:spPr>
-        <p:txBody>
-          <a:bodyPr wrap="square" rtlCol="0" anchor="t">
-            <a:spAutoFit/>
-          </a:bodyPr>
-          <a:lstStyle/>
-          <a:p>
-            <a:r>
-              <a:rPr lang="zh-CN" altLang="en-US">
-                <a:solidFill>
-                  <a:schemeClr val="accent2">
-                    <a:lumMod val="75000"/>
-                  </a:schemeClr>
-                </a:solidFill>
-              </a:rPr>
-              <a:t>titleBarHeight</a:t>
-            </a:r>
-          </a:p>
-        </p:txBody>
-      </p:sp>
-      <p:cxnSp>
-        <p:nvCxnSpPr>
-          <p:cNvPr id="12" name="直接连接符 11"/>
-          <p:cNvCxnSpPr/>
-          <p:nvPr/>
-        </p:nvCxnSpPr>
-        <p:spPr>
-          <a:xfrm flipH="1">
-            <a:off x="1244600" y="2006600"/>
-            <a:ext cx="2798445" cy="0"/>
-          </a:xfrm>
-          <a:prstGeom prst="line">
-            <a:avLst/>
-          </a:prstGeom>
-          <a:ln>
-            <a:solidFill>
-              <a:schemeClr val="bg1">
-                <a:lumMod val="50000"/>
-              </a:schemeClr>
-            </a:solidFill>
-          </a:ln>
-        </p:spPr>
-        <p:style>
-          <a:lnRef idx="1">
-            <a:schemeClr val="accent1"/>
-          </a:lnRef>
-          <a:fillRef idx="0">
-            <a:schemeClr val="accent1"/>
-          </a:fillRef>
-          <a:effectRef idx="0">
-            <a:schemeClr val="accent1"/>
-          </a:effectRef>
-          <a:fontRef idx="minor">
-            <a:schemeClr val="tx1"/>
-          </a:fontRef>
-        </p:style>
-      </p:cxnSp>
-      <p:cxnSp>
-        <p:nvCxnSpPr>
-          <p:cNvPr id="14" name="直接连接符 13"/>
-          <p:cNvCxnSpPr/>
-          <p:nvPr/>
-        </p:nvCxnSpPr>
-        <p:spPr>
-          <a:xfrm flipH="1">
-            <a:off x="3177540" y="2249805"/>
-            <a:ext cx="857250" cy="0"/>
-          </a:xfrm>
-          <a:prstGeom prst="line">
-            <a:avLst/>
-          </a:prstGeom>
-          <a:ln>
-            <a:solidFill>
-              <a:schemeClr val="bg1">
-                <a:lumMod val="50000"/>
-              </a:schemeClr>
-            </a:solidFill>
-          </a:ln>
-        </p:spPr>
-        <p:style>
-          <a:lnRef idx="1">
-            <a:schemeClr val="accent1"/>
-          </a:lnRef>
-          <a:fillRef idx="0">
-            <a:schemeClr val="accent1"/>
-          </a:fillRef>
-          <a:effectRef idx="0">
-            <a:schemeClr val="accent1"/>
-          </a:effectRef>
-          <a:fontRef idx="minor">
-            <a:schemeClr val="tx1"/>
-          </a:fontRef>
-        </p:style>
-      </p:cxnSp>
-      <p:cxnSp>
-        <p:nvCxnSpPr>
-          <p:cNvPr id="15" name="直接箭头连接符 14"/>
-          <p:cNvCxnSpPr/>
-          <p:nvPr/>
-        </p:nvCxnSpPr>
-        <p:spPr>
-          <a:xfrm flipH="1">
-            <a:off x="3265805" y="1993900"/>
-            <a:ext cx="4445" cy="255905"/>
-          </a:xfrm>
-          <a:prstGeom prst="straightConnector1">
-            <a:avLst/>
-          </a:prstGeom>
-          <a:ln>
-            <a:solidFill>
-              <a:schemeClr val="bg1">
-                <a:lumMod val="50000"/>
-              </a:schemeClr>
-            </a:solidFill>
-            <a:headEnd type="arrow" w="med" len="med"/>
-            <a:tailEnd type="arrow" w="med" len="med"/>
-          </a:ln>
-        </p:spPr>
-        <p:style>
-          <a:lnRef idx="1">
-            <a:schemeClr val="accent1"/>
-          </a:lnRef>
-          <a:fillRef idx="0">
-            <a:schemeClr val="accent1"/>
-          </a:fillRef>
-          <a:effectRef idx="0">
-            <a:schemeClr val="accent1"/>
-          </a:effectRef>
-          <a:fontRef idx="minor">
-            <a:schemeClr val="tx1"/>
-          </a:fontRef>
-        </p:style>
-      </p:cxnSp>
-      <p:cxnSp>
-        <p:nvCxnSpPr>
-          <p:cNvPr id="17" name="直接连接符 16"/>
-          <p:cNvCxnSpPr/>
-          <p:nvPr/>
-        </p:nvCxnSpPr>
-        <p:spPr>
-          <a:xfrm flipH="1">
-            <a:off x="3177540" y="2455545"/>
-            <a:ext cx="857250" cy="0"/>
-          </a:xfrm>
-          <a:prstGeom prst="line">
-            <a:avLst/>
-          </a:prstGeom>
-          <a:ln>
-            <a:solidFill>
-              <a:schemeClr val="bg1">
-                <a:lumMod val="50000"/>
-              </a:schemeClr>
-            </a:solidFill>
-          </a:ln>
-        </p:spPr>
-        <p:style>
-          <a:lnRef idx="1">
-            <a:schemeClr val="accent1"/>
-          </a:lnRef>
-          <a:fillRef idx="0">
-            <a:schemeClr val="accent1"/>
-          </a:fillRef>
-          <a:effectRef idx="0">
-            <a:schemeClr val="accent1"/>
-          </a:effectRef>
-          <a:fontRef idx="minor">
-            <a:schemeClr val="tx1"/>
-          </a:fontRef>
-        </p:style>
-      </p:cxnSp>
-      <p:cxnSp>
-        <p:nvCxnSpPr>
-          <p:cNvPr id="18" name="直接箭头连接符 17"/>
-          <p:cNvCxnSpPr/>
-          <p:nvPr/>
-        </p:nvCxnSpPr>
-        <p:spPr>
-          <a:xfrm>
-            <a:off x="3270250" y="2242185"/>
-            <a:ext cx="0" cy="207010"/>
-          </a:xfrm>
-          <a:prstGeom prst="straightConnector1">
-            <a:avLst/>
-          </a:prstGeom>
-          <a:ln>
-            <a:solidFill>
-              <a:schemeClr val="bg1">
-                <a:lumMod val="50000"/>
-              </a:schemeClr>
-            </a:solidFill>
-            <a:headEnd type="arrow" w="med" len="med"/>
-            <a:tailEnd type="arrow" w="med" len="med"/>
-          </a:ln>
-        </p:spPr>
-        <p:style>
-          <a:lnRef idx="1">
-            <a:schemeClr val="accent1"/>
-          </a:lnRef>
-          <a:fillRef idx="0">
-            <a:schemeClr val="accent1"/>
-          </a:fillRef>
-          <a:effectRef idx="0">
-            <a:schemeClr val="accent1"/>
-          </a:effectRef>
-          <a:fontRef idx="minor">
-            <a:schemeClr val="tx1"/>
-          </a:fontRef>
-        </p:style>
-      </p:cxnSp>
-      <p:sp>
-        <p:nvSpPr>
-          <p:cNvPr id="19" name="文本框 18"/>
-          <p:cNvSpPr txBox="1"/>
-          <p:nvPr/>
-        </p:nvSpPr>
-        <p:spPr>
-          <a:xfrm>
-            <a:off x="1598930" y="2168525"/>
-            <a:ext cx="1578610" cy="368300"/>
-          </a:xfrm>
-          <a:prstGeom prst="rect">
-            <a:avLst/>
-          </a:prstGeom>
-          <a:noFill/>
-        </p:spPr>
-        <p:txBody>
-          <a:bodyPr wrap="square" rtlCol="0" anchor="t">
-            <a:spAutoFit/>
-          </a:bodyPr>
-          <a:lstStyle/>
-          <a:p>
-            <a:r>
-              <a:rPr lang="zh-CN" altLang="en-US">
-                <a:solidFill>
-                  <a:schemeClr val="accent2">
-                    <a:lumMod val="75000"/>
-                  </a:schemeClr>
-                </a:solidFill>
-              </a:rPr>
-              <a:t>t</a:t>
-            </a:r>
-            <a:r>
-              <a:rPr lang="en-US" altLang="zh-CN">
-                <a:solidFill>
-                  <a:schemeClr val="accent2">
-                    <a:lumMod val="75000"/>
-                  </a:schemeClr>
-                </a:solidFill>
-              </a:rPr>
-              <a:t>ab</a:t>
-            </a:r>
-            <a:r>
-              <a:rPr lang="zh-CN" altLang="en-US">
-                <a:solidFill>
-                  <a:schemeClr val="accent2">
-                    <a:lumMod val="75000"/>
-                  </a:schemeClr>
-                </a:solidFill>
-              </a:rPr>
-              <a:t>BarHeight</a:t>
-            </a:r>
-          </a:p>
-        </p:txBody>
-      </p:sp>
-      <p:cxnSp>
-        <p:nvCxnSpPr>
-          <p:cNvPr id="20" name="直接连接符 19"/>
-          <p:cNvCxnSpPr/>
-          <p:nvPr/>
-        </p:nvCxnSpPr>
-        <p:spPr>
-          <a:xfrm flipH="1" flipV="1">
-            <a:off x="1226820" y="3697605"/>
-            <a:ext cx="2729230" cy="6985"/>
-          </a:xfrm>
-          <a:prstGeom prst="line">
-            <a:avLst/>
-          </a:prstGeom>
-          <a:ln>
-            <a:solidFill>
-              <a:schemeClr val="bg1">
-                <a:lumMod val="50000"/>
-              </a:schemeClr>
-            </a:solidFill>
-          </a:ln>
-        </p:spPr>
-        <p:style>
-          <a:lnRef idx="1">
-            <a:schemeClr val="accent1"/>
-          </a:lnRef>
-          <a:fillRef idx="0">
-            <a:schemeClr val="accent1"/>
-          </a:fillRef>
-          <a:effectRef idx="0">
-            <a:schemeClr val="accent1"/>
-          </a:effectRef>
-          <a:fontRef idx="minor">
-            <a:schemeClr val="tx1"/>
-          </a:fontRef>
-        </p:style>
-      </p:cxnSp>
-      <p:cxnSp>
-        <p:nvCxnSpPr>
-          <p:cNvPr id="21" name="直接箭头连接符 20"/>
-          <p:cNvCxnSpPr/>
-          <p:nvPr/>
-        </p:nvCxnSpPr>
-        <p:spPr>
-          <a:xfrm>
-            <a:off x="1517650" y="2006600"/>
-            <a:ext cx="6350" cy="1683385"/>
-          </a:xfrm>
-          <a:prstGeom prst="straightConnector1">
-            <a:avLst/>
-          </a:prstGeom>
-          <a:ln>
-            <a:solidFill>
-              <a:schemeClr val="bg1">
-                <a:lumMod val="50000"/>
-              </a:schemeClr>
-            </a:solidFill>
-            <a:headEnd type="arrow" w="med" len="med"/>
-            <a:tailEnd type="arrow" w="med" len="med"/>
-          </a:ln>
-        </p:spPr>
-        <p:style>
-          <a:lnRef idx="1">
-            <a:schemeClr val="accent1"/>
-          </a:lnRef>
-          <a:fillRef idx="0">
-            <a:schemeClr val="accent1"/>
-          </a:fillRef>
-          <a:effectRef idx="0">
-            <a:schemeClr val="accent1"/>
-          </a:effectRef>
-          <a:fontRef idx="minor">
-            <a:schemeClr val="tx1"/>
-          </a:fontRef>
-        </p:style>
-      </p:cxnSp>
-      <p:sp>
-        <p:nvSpPr>
-          <p:cNvPr id="22" name="文本框 21"/>
-          <p:cNvSpPr txBox="1"/>
-          <p:nvPr/>
-        </p:nvSpPr>
-        <p:spPr>
-          <a:xfrm>
-            <a:off x="556260" y="2754630"/>
-            <a:ext cx="1578610" cy="368300"/>
-          </a:xfrm>
-          <a:prstGeom prst="rect">
-            <a:avLst/>
-          </a:prstGeom>
-          <a:noFill/>
-        </p:spPr>
-        <p:txBody>
-          <a:bodyPr wrap="square" rtlCol="0" anchor="t">
-            <a:spAutoFit/>
-          </a:bodyPr>
-          <a:lstStyle/>
-          <a:p>
-            <a:r>
-              <a:rPr>
-                <a:solidFill>
-                  <a:schemeClr val="accent2">
-                    <a:lumMod val="75000"/>
-                  </a:schemeClr>
-                </a:solidFill>
-              </a:rPr>
-              <a:t>mainBarHeight</a:t>
-            </a:r>
-          </a:p>
-        </p:txBody>
-      </p:sp>
-      <p:sp>
-        <p:nvSpPr>
-          <p:cNvPr id="23" name="文本框 22"/>
-          <p:cNvSpPr txBox="1"/>
-          <p:nvPr/>
-        </p:nvSpPr>
-        <p:spPr>
-          <a:xfrm>
-            <a:off x="556260" y="3840480"/>
-            <a:ext cx="2006600" cy="645160"/>
-          </a:xfrm>
-          <a:prstGeom prst="rect">
-            <a:avLst/>
-          </a:prstGeom>
-          <a:noFill/>
-        </p:spPr>
-        <p:txBody>
-          <a:bodyPr wrap="square" rtlCol="0">
-            <a:spAutoFit/>
-          </a:bodyPr>
-          <a:lstStyle/>
-          <a:p>
-            <a:r>
-              <a:rPr lang="en-US" altLang="zh-CN">
+              <a:t> </a:t>
+            </a:r>
+            <a:r>
+              <a:rPr lang="en-US" altLang="zh-CN" b="1">
                 <a:latin typeface="微软雅黑" panose="020B0503020204020204" pitchFamily="34" charset="-122"/>
                 <a:ea typeface="微软雅黑" panose="020B0503020204020204" pitchFamily="34" charset="-122"/>
                 <a:cs typeface="微软雅黑" panose="020B0503020204020204" pitchFamily="34" charset="-122"/>
               </a:rPr>
-              <a:t>1</a:t>
-            </a:r>
-            <a:r>
-              <a:rPr lang="zh-CN" altLang="en-US">
+              <a:t>Ribbon</a:t>
+            </a:r>
+            <a:r>
+              <a:rPr lang="zh-CN" altLang="en-US" b="1">
                 <a:latin typeface="微软雅黑" panose="020B0503020204020204" pitchFamily="34" charset="-122"/>
                 <a:ea typeface="微软雅黑" panose="020B0503020204020204" pitchFamily="34" charset="-122"/>
                 <a:cs typeface="微软雅黑" panose="020B0503020204020204" pitchFamily="34" charset="-122"/>
               </a:rPr>
-              <a:t>、垂直方向通过三个高度确定</a:t>
-            </a:r>
-          </a:p>
-        </p:txBody>
-      </p:sp>
-      <p:sp>
-        <p:nvSpPr>
-          <p:cNvPr id="25" name="文本框 24"/>
-          <p:cNvSpPr txBox="1"/>
-          <p:nvPr/>
-        </p:nvSpPr>
-        <p:spPr>
-          <a:xfrm>
-            <a:off x="4211955" y="1576070"/>
-            <a:ext cx="443865" cy="245110"/>
-          </a:xfrm>
-          <a:prstGeom prst="rect">
-            <a:avLst/>
-          </a:prstGeom>
-          <a:noFill/>
-        </p:spPr>
-        <p:txBody>
-          <a:bodyPr wrap="square" rtlCol="0">
-            <a:spAutoFit/>
-          </a:bodyPr>
-          <a:lstStyle/>
-          <a:p>
-            <a:r>
-              <a:rPr lang="en-US" altLang="zh-CN" sz="1000"/>
-              <a:t>5px</a:t>
-            </a:r>
-          </a:p>
-        </p:txBody>
-      </p:sp>
-      <p:cxnSp>
-        <p:nvCxnSpPr>
-          <p:cNvPr id="27" name="直接箭头连接符 26"/>
-          <p:cNvCxnSpPr>
-            <a:stCxn id="25" idx="2"/>
-          </p:cNvCxnSpPr>
-          <p:nvPr/>
-        </p:nvCxnSpPr>
-        <p:spPr>
-          <a:xfrm flipH="1">
-            <a:off x="4431030" y="1821180"/>
-            <a:ext cx="3175" cy="104775"/>
-          </a:xfrm>
-          <a:prstGeom prst="straightConnector1">
-            <a:avLst/>
-          </a:prstGeom>
-          <a:ln>
-            <a:solidFill>
-              <a:schemeClr val="bg1">
-                <a:lumMod val="50000"/>
-              </a:schemeClr>
-            </a:solidFill>
-            <a:tailEnd type="arrow"/>
-          </a:ln>
-        </p:spPr>
-        <p:style>
-          <a:lnRef idx="1">
-            <a:schemeClr val="accent1"/>
-          </a:lnRef>
-          <a:fillRef idx="0">
-            <a:schemeClr val="accent1"/>
-          </a:fillRef>
-          <a:effectRef idx="0">
-            <a:schemeClr val="accent1"/>
-          </a:effectRef>
-          <a:fontRef idx="minor">
-            <a:schemeClr val="tx1"/>
-          </a:fontRef>
-        </p:style>
-      </p:cxnSp>
-      <p:sp>
-        <p:nvSpPr>
-          <p:cNvPr id="28" name="矩形 27"/>
-          <p:cNvSpPr/>
-          <p:nvPr/>
-        </p:nvSpPr>
-        <p:spPr>
-          <a:xfrm>
-            <a:off x="4450080" y="2007235"/>
-            <a:ext cx="287655" cy="234950"/>
-          </a:xfrm>
-          <a:prstGeom prst="rect">
-            <a:avLst/>
-          </a:prstGeom>
-        </p:spPr>
-        <p:style>
-          <a:lnRef idx="2">
-            <a:schemeClr val="accent6">
-              <a:shade val="50000"/>
-            </a:schemeClr>
-          </a:lnRef>
-          <a:fillRef idx="1">
-            <a:schemeClr val="accent6"/>
-          </a:fillRef>
-          <a:effectRef idx="0">
-            <a:schemeClr val="accent6"/>
-          </a:effectRef>
-          <a:fontRef idx="minor">
-            <a:schemeClr val="lt1"/>
-          </a:fontRef>
-        </p:style>
-        <p:txBody>
-          <a:bodyPr rtlCol="0" anchor="ctr"/>
-          <a:lstStyle/>
-          <a:p>
-            <a:pPr algn="ctr"/>
-            <a:endParaRPr lang="zh-CN" altLang="en-US"/>
-          </a:p>
-        </p:txBody>
-      </p:sp>
-      <p:sp>
-        <p:nvSpPr>
-          <p:cNvPr id="31" name="文本框 30"/>
-          <p:cNvSpPr txBox="1"/>
-          <p:nvPr/>
-        </p:nvSpPr>
-        <p:spPr>
-          <a:xfrm>
-            <a:off x="4548505" y="1572260"/>
-            <a:ext cx="443865" cy="245110"/>
-          </a:xfrm>
-          <a:prstGeom prst="rect">
-            <a:avLst/>
-          </a:prstGeom>
-          <a:noFill/>
-        </p:spPr>
-        <p:txBody>
-          <a:bodyPr wrap="square" rtlCol="0">
-            <a:spAutoFit/>
-          </a:bodyPr>
-          <a:lstStyle/>
-          <a:p>
-            <a:r>
-              <a:rPr lang="en-US" altLang="zh-CN" sz="1000"/>
-              <a:t>5px</a:t>
-            </a:r>
-          </a:p>
-        </p:txBody>
-      </p:sp>
-      <p:cxnSp>
-        <p:nvCxnSpPr>
-          <p:cNvPr id="32" name="直接箭头连接符 31"/>
-          <p:cNvCxnSpPr>
-            <a:stCxn id="31" idx="2"/>
-          </p:cNvCxnSpPr>
-          <p:nvPr/>
-        </p:nvCxnSpPr>
-        <p:spPr>
-          <a:xfrm flipH="1">
-            <a:off x="4767580" y="1817370"/>
-            <a:ext cx="3175" cy="104775"/>
-          </a:xfrm>
-          <a:prstGeom prst="straightConnector1">
-            <a:avLst/>
-          </a:prstGeom>
-          <a:ln>
-            <a:solidFill>
-              <a:schemeClr val="bg1">
-                <a:lumMod val="50000"/>
-              </a:schemeClr>
-            </a:solidFill>
-            <a:tailEnd type="arrow"/>
-          </a:ln>
-        </p:spPr>
-        <p:style>
-          <a:lnRef idx="1">
-            <a:schemeClr val="accent1"/>
-          </a:lnRef>
-          <a:fillRef idx="0">
-            <a:schemeClr val="accent1"/>
-          </a:fillRef>
-          <a:effectRef idx="0">
-            <a:schemeClr val="accent1"/>
-          </a:effectRef>
-          <a:fontRef idx="minor">
-            <a:schemeClr val="tx1"/>
-          </a:fontRef>
-        </p:style>
-      </p:cxnSp>
-      <p:cxnSp>
-        <p:nvCxnSpPr>
-          <p:cNvPr id="56" name="直接箭头连接符 55"/>
-          <p:cNvCxnSpPr/>
-          <p:nvPr/>
-        </p:nvCxnSpPr>
-        <p:spPr>
-          <a:xfrm>
-            <a:off x="4248150" y="1390650"/>
-            <a:ext cx="10795" cy="606425"/>
-          </a:xfrm>
-          <a:prstGeom prst="straightConnector1">
-            <a:avLst/>
-          </a:prstGeom>
-          <a:ln>
-            <a:tailEnd type="arrow"/>
-          </a:ln>
-        </p:spPr>
-        <p:style>
-          <a:lnRef idx="1">
-            <a:schemeClr val="accent1"/>
-          </a:lnRef>
-          <a:fillRef idx="0">
-            <a:schemeClr val="accent1"/>
-          </a:fillRef>
-          <a:effectRef idx="0">
-            <a:schemeClr val="accent1"/>
-          </a:effectRef>
-          <a:fontRef idx="minor">
-            <a:schemeClr val="tx1"/>
-          </a:fontRef>
-        </p:style>
-      </p:cxnSp>
-      <p:sp>
-        <p:nvSpPr>
-          <p:cNvPr id="57" name="矩形 56"/>
-          <p:cNvSpPr/>
-          <p:nvPr/>
-        </p:nvSpPr>
-        <p:spPr>
-          <a:xfrm>
-            <a:off x="3395980" y="1096010"/>
-            <a:ext cx="924560" cy="368300"/>
-          </a:xfrm>
-          <a:prstGeom prst="rect">
-            <a:avLst/>
-          </a:prstGeom>
-        </p:spPr>
-        <p:txBody>
-          <a:bodyPr wrap="none" rtlCol="0" anchor="t">
-            <a:spAutoFit/>
-          </a:bodyPr>
-          <a:lstStyle/>
-          <a:p>
-            <a:pPr lvl="0" algn="l">
-              <a:buClrTx/>
-              <a:buSzTx/>
-              <a:buFontTx/>
-            </a:pPr>
-            <a:r>
-              <a:rPr lang="en-US" altLang="zh-CN" b="1" dirty="0" err="1" smtClean="0">
-                <a:solidFill>
-                  <a:schemeClr val="accent1">
-                    <a:lumMod val="75000"/>
-                  </a:schemeClr>
-                </a:solidFill>
-                <a:effectLst/>
-                <a:sym typeface="+mn-ea"/>
-              </a:rPr>
-              <a:t>1</a:t>
-            </a:r>
-            <a:r>
-              <a:rPr lang="zh-CN" altLang="en-US" b="1" dirty="0" err="1" smtClean="0">
-                <a:solidFill>
-                  <a:schemeClr val="accent1">
-                    <a:lumMod val="75000"/>
-                  </a:schemeClr>
-                </a:solidFill>
-                <a:effectLst/>
-                <a:sym typeface="+mn-ea"/>
-              </a:rPr>
-              <a:t>、</a:t>
-            </a:r>
-            <a:r>
-              <a:rPr lang="en-US" altLang="zh-CN" b="1" dirty="0" err="1" smtClean="0">
-                <a:solidFill>
-                  <a:schemeClr val="accent1">
-                    <a:lumMod val="75000"/>
-                  </a:schemeClr>
-                </a:solidFill>
-                <a:effectLst/>
-                <a:sym typeface="+mn-ea"/>
-              </a:rPr>
-              <a:t>icon</a:t>
-            </a:r>
-          </a:p>
-        </p:txBody>
-      </p:sp>
-      <p:cxnSp>
-        <p:nvCxnSpPr>
-          <p:cNvPr id="58" name="直接连接符 57"/>
-          <p:cNvCxnSpPr/>
-          <p:nvPr/>
-        </p:nvCxnSpPr>
-        <p:spPr>
-          <a:xfrm>
-            <a:off x="4592320" y="1464310"/>
-            <a:ext cx="285750" cy="0"/>
-          </a:xfrm>
-          <a:prstGeom prst="line">
-            <a:avLst/>
-          </a:prstGeom>
-        </p:spPr>
-        <p:style>
-          <a:lnRef idx="1">
-            <a:schemeClr val="accent1"/>
-          </a:lnRef>
-          <a:fillRef idx="0">
-            <a:schemeClr val="accent1"/>
-          </a:fillRef>
-          <a:effectRef idx="0">
-            <a:schemeClr val="accent1"/>
-          </a:effectRef>
-          <a:fontRef idx="minor">
-            <a:schemeClr val="tx1"/>
-          </a:fontRef>
-        </p:style>
-      </p:cxnSp>
-      <p:sp>
-        <p:nvSpPr>
-          <p:cNvPr id="59" name="文本框 58"/>
-          <p:cNvSpPr txBox="1"/>
-          <p:nvPr/>
-        </p:nvSpPr>
-        <p:spPr>
-          <a:xfrm>
-            <a:off x="6489065" y="1610360"/>
-            <a:ext cx="443865" cy="245110"/>
-          </a:xfrm>
-          <a:prstGeom prst="rect">
-            <a:avLst/>
-          </a:prstGeom>
-          <a:noFill/>
-        </p:spPr>
-        <p:txBody>
-          <a:bodyPr wrap="square" rtlCol="0">
-            <a:spAutoFit/>
-          </a:bodyPr>
-          <a:lstStyle/>
-          <a:p>
-            <a:r>
-              <a:rPr lang="en-US" altLang="zh-CN" sz="1000"/>
-              <a:t>1px</a:t>
-            </a:r>
-          </a:p>
-        </p:txBody>
-      </p:sp>
-      <p:cxnSp>
-        <p:nvCxnSpPr>
-          <p:cNvPr id="60" name="直接箭头连接符 59"/>
-          <p:cNvCxnSpPr>
-            <a:stCxn id="59" idx="2"/>
-          </p:cNvCxnSpPr>
-          <p:nvPr/>
-        </p:nvCxnSpPr>
-        <p:spPr>
-          <a:xfrm flipH="1">
-            <a:off x="6700520" y="1855470"/>
-            <a:ext cx="3175" cy="104775"/>
-          </a:xfrm>
-          <a:prstGeom prst="straightConnector1">
-            <a:avLst/>
-          </a:prstGeom>
-          <a:ln>
-            <a:solidFill>
-              <a:schemeClr val="bg1">
-                <a:lumMod val="50000"/>
-              </a:schemeClr>
-            </a:solidFill>
-            <a:tailEnd type="arrow"/>
-          </a:ln>
-        </p:spPr>
-        <p:style>
-          <a:lnRef idx="1">
-            <a:schemeClr val="accent1"/>
-          </a:lnRef>
-          <a:fillRef idx="0">
-            <a:schemeClr val="accent1"/>
-          </a:fillRef>
-          <a:effectRef idx="0">
-            <a:schemeClr val="accent1"/>
-          </a:effectRef>
-          <a:fontRef idx="minor">
-            <a:schemeClr val="tx1"/>
-          </a:fontRef>
-        </p:style>
-      </p:cxnSp>
+              <a:t>模式示例</a:t>
+            </a:r>
+          </a:p>
+        </p:txBody>
+      </p:sp>
     </p:spTree>
+    <p:extLst>
+      <p:ext uri="{BB962C8B-B14F-4D97-AF65-F5344CB8AC3E}">
+        <p14:creationId xmlns:p14="http://schemas.microsoft.com/office/powerpoint/2010/main" val="1024006020"/>
+      </p:ext>
+    </p:extLst>
   </p:cSld>
   <p:clrMapOvr>
     <a:masterClrMapping/>
@@ -6690,23 +5941,416 @@
       </p:grpSpPr>
       <p:sp>
         <p:nvSpPr>
-          <p:cNvPr id="4" name="矩形 3"/>
-          <p:cNvSpPr/>
-          <p:nvPr/>
-        </p:nvSpPr>
-        <p:spPr>
-          <a:xfrm>
-            <a:off x="1210611" y="1309512"/>
-            <a:ext cx="4828347" cy="1703750"/>
-          </a:xfrm>
-          <a:prstGeom prst="rect">
+          <p:cNvPr id="55" name="文本框 54"/>
+          <p:cNvSpPr txBox="1"/>
+          <p:nvPr/>
+        </p:nvSpPr>
+        <p:spPr>
+          <a:xfrm>
+            <a:off x="4053840" y="137795"/>
+            <a:ext cx="5345430" cy="368300"/>
+          </a:xfrm>
+          <a:prstGeom prst="rect">
+            <a:avLst/>
+          </a:prstGeom>
+        </p:spPr>
+        <p:style>
+          <a:lnRef idx="2">
+            <a:schemeClr val="dk1"/>
+          </a:lnRef>
+          <a:fillRef idx="1">
+            <a:schemeClr val="lt1"/>
+          </a:fillRef>
+          <a:effectRef idx="0">
+            <a:schemeClr val="dk1"/>
+          </a:effectRef>
+          <a:fontRef idx="minor">
+            <a:schemeClr val="dk1"/>
+          </a:fontRef>
+        </p:style>
+        <p:txBody>
+          <a:bodyPr wrap="square" rtlCol="0" anchor="t">
+            <a:spAutoFit/>
+          </a:bodyPr>
+          <a:lstStyle/>
+          <a:p>
+            <a:pPr algn="ctr"/>
+            <a:r>
+              <a:rPr lang="en-US" altLang="zh-CN" b="1" dirty="0" smtClean="0">
+                <a:latin typeface="微软雅黑" panose="020B0503020204020204" pitchFamily="34" charset="-122"/>
+                <a:ea typeface="微软雅黑" panose="020B0503020204020204" pitchFamily="34" charset="-122"/>
+                <a:cs typeface="微软雅黑" panose="020B0503020204020204" pitchFamily="34" charset="-122"/>
+              </a:rPr>
+              <a:t>3</a:t>
+            </a:r>
+            <a:r>
+              <a:rPr lang="zh-CN" altLang="en-US" b="1" dirty="0" smtClean="0">
+                <a:latin typeface="微软雅黑" panose="020B0503020204020204" pitchFamily="34" charset="-122"/>
+                <a:ea typeface="微软雅黑" panose="020B0503020204020204" pitchFamily="34" charset="-122"/>
+                <a:cs typeface="微软雅黑" panose="020B0503020204020204" pitchFamily="34" charset="-122"/>
+              </a:rPr>
+              <a:t>行模式下的</a:t>
+            </a:r>
+            <a:r>
+              <a:rPr lang="zh-CN" altLang="en-US" b="1" dirty="0" smtClean="0">
+                <a:latin typeface="微软雅黑" panose="020B0503020204020204" pitchFamily="34" charset="-122"/>
+                <a:ea typeface="微软雅黑" panose="020B0503020204020204" pitchFamily="34" charset="-122"/>
+                <a:cs typeface="微软雅黑" panose="020B0503020204020204" pitchFamily="34" charset="-122"/>
+              </a:rPr>
+              <a:t>按钮尺寸</a:t>
+            </a:r>
+            <a:endParaRPr lang="zh-CN" altLang="en-US" b="1" dirty="0">
+              <a:latin typeface="微软雅黑" panose="020B0503020204020204" pitchFamily="34" charset="-122"/>
+              <a:ea typeface="微软雅黑" panose="020B0503020204020204" pitchFamily="34" charset="-122"/>
+              <a:cs typeface="微软雅黑" panose="020B0503020204020204" pitchFamily="34" charset="-122"/>
+            </a:endParaRPr>
+          </a:p>
+        </p:txBody>
+      </p:sp>
+      <p:sp>
+        <p:nvSpPr>
+          <p:cNvPr id="62" name="矩形 61"/>
+          <p:cNvSpPr/>
+          <p:nvPr/>
+        </p:nvSpPr>
+        <p:spPr>
+          <a:xfrm>
+            <a:off x="368300" y="941208"/>
+            <a:ext cx="1556703" cy="2069222"/>
+          </a:xfrm>
+          <a:prstGeom prst="rect">
+            <a:avLst/>
+          </a:prstGeom>
+        </p:spPr>
+        <p:style>
+          <a:lnRef idx="2">
+            <a:schemeClr val="accent1">
+              <a:shade val="50000"/>
+            </a:schemeClr>
+          </a:lnRef>
+          <a:fillRef idx="1">
+            <a:schemeClr val="accent1"/>
+          </a:fillRef>
+          <a:effectRef idx="0">
+            <a:schemeClr val="accent1"/>
+          </a:effectRef>
+          <a:fontRef idx="minor">
+            <a:schemeClr val="lt1"/>
+          </a:fontRef>
+        </p:style>
+        <p:txBody>
+          <a:bodyPr rtlCol="0" anchor="ctr"/>
+          <a:lstStyle/>
+          <a:p>
+            <a:pPr algn="ctr"/>
+            <a:endParaRPr lang="zh-CN" altLang="en-US"/>
+          </a:p>
+        </p:txBody>
+      </p:sp>
+      <p:sp>
+        <p:nvSpPr>
+          <p:cNvPr id="16" name="矩形 15"/>
+          <p:cNvSpPr/>
+          <p:nvPr/>
+        </p:nvSpPr>
+        <p:spPr>
+          <a:xfrm>
+            <a:off x="548323" y="1087259"/>
+            <a:ext cx="1206500" cy="889000"/>
+          </a:xfrm>
+          <a:prstGeom prst="rect">
+            <a:avLst/>
+          </a:prstGeom>
+        </p:spPr>
+        <p:style>
+          <a:lnRef idx="2">
+            <a:schemeClr val="dk1">
+              <a:shade val="50000"/>
+            </a:schemeClr>
+          </a:lnRef>
+          <a:fillRef idx="1">
+            <a:schemeClr val="dk1"/>
+          </a:fillRef>
+          <a:effectRef idx="0">
+            <a:schemeClr val="dk1"/>
+          </a:effectRef>
+          <a:fontRef idx="minor">
+            <a:schemeClr val="lt1"/>
+          </a:fontRef>
+        </p:style>
+        <p:txBody>
+          <a:bodyPr rtlCol="0" anchor="ctr"/>
+          <a:lstStyle/>
+          <a:p>
+            <a:pPr algn="ctr"/>
+            <a:r>
+              <a:rPr lang="en-US" altLang="zh-CN" dirty="0" smtClean="0"/>
+              <a:t>ICON</a:t>
+            </a:r>
+            <a:endParaRPr lang="zh-CN" altLang="en-US" dirty="0"/>
+          </a:p>
+        </p:txBody>
+      </p:sp>
+      <p:sp>
+        <p:nvSpPr>
+          <p:cNvPr id="63" name="矩形 62"/>
+          <p:cNvSpPr/>
+          <p:nvPr/>
+        </p:nvSpPr>
+        <p:spPr>
+          <a:xfrm>
+            <a:off x="548323" y="2005468"/>
+            <a:ext cx="1206500" cy="914400"/>
+          </a:xfrm>
+          <a:prstGeom prst="rect">
+            <a:avLst/>
+          </a:prstGeom>
+        </p:spPr>
+        <p:style>
+          <a:lnRef idx="2">
+            <a:schemeClr val="accent2">
+              <a:shade val="50000"/>
+            </a:schemeClr>
+          </a:lnRef>
+          <a:fillRef idx="1">
+            <a:schemeClr val="accent2"/>
+          </a:fillRef>
+          <a:effectRef idx="0">
+            <a:schemeClr val="accent2"/>
+          </a:effectRef>
+          <a:fontRef idx="minor">
+            <a:schemeClr val="lt1"/>
+          </a:fontRef>
+        </p:style>
+        <p:txBody>
+          <a:bodyPr rtlCol="0" anchor="ctr"/>
+          <a:lstStyle/>
+          <a:p>
+            <a:pPr algn="ctr"/>
+            <a:r>
+              <a:rPr lang="en-US" altLang="zh-CN" dirty="0" smtClean="0"/>
+              <a:t>Text </a:t>
+            </a:r>
+            <a:r>
+              <a:rPr lang="en-US" altLang="zh-CN" dirty="0" err="1" smtClean="0"/>
+              <a:t>Line1</a:t>
+            </a:r>
+            <a:endParaRPr lang="en-US" altLang="zh-CN" dirty="0" smtClean="0"/>
+          </a:p>
+          <a:p>
+            <a:pPr algn="ctr"/>
+            <a:r>
+              <a:rPr lang="en-US" altLang="zh-CN" dirty="0" smtClean="0"/>
+              <a:t>Text </a:t>
+            </a:r>
+            <a:r>
+              <a:rPr lang="en-US" altLang="zh-CN" dirty="0" err="1" smtClean="0"/>
+              <a:t>Line2</a:t>
+            </a:r>
+            <a:endParaRPr lang="zh-CN" altLang="en-US" dirty="0"/>
+          </a:p>
+        </p:txBody>
+      </p:sp>
+      <p:sp>
+        <p:nvSpPr>
+          <p:cNvPr id="64" name="矩形 63"/>
+          <p:cNvSpPr/>
+          <p:nvPr/>
+        </p:nvSpPr>
+        <p:spPr>
+          <a:xfrm>
+            <a:off x="4971059" y="941208"/>
+            <a:ext cx="1753712" cy="2069222"/>
+          </a:xfrm>
+          <a:prstGeom prst="rect">
+            <a:avLst/>
+          </a:prstGeom>
+        </p:spPr>
+        <p:style>
+          <a:lnRef idx="2">
+            <a:schemeClr val="accent1">
+              <a:shade val="50000"/>
+            </a:schemeClr>
+          </a:lnRef>
+          <a:fillRef idx="1">
+            <a:schemeClr val="accent1"/>
+          </a:fillRef>
+          <a:effectRef idx="0">
+            <a:schemeClr val="accent1"/>
+          </a:effectRef>
+          <a:fontRef idx="minor">
+            <a:schemeClr val="lt1"/>
+          </a:fontRef>
+        </p:style>
+        <p:txBody>
+          <a:bodyPr rtlCol="0" anchor="ctr"/>
+          <a:lstStyle/>
+          <a:p>
+            <a:pPr algn="ctr"/>
+            <a:endParaRPr lang="zh-CN" altLang="en-US"/>
+          </a:p>
+        </p:txBody>
+      </p:sp>
+      <p:sp>
+        <p:nvSpPr>
+          <p:cNvPr id="65" name="矩形 64"/>
+          <p:cNvSpPr/>
+          <p:nvPr/>
+        </p:nvSpPr>
+        <p:spPr>
+          <a:xfrm>
+            <a:off x="5151081" y="1087259"/>
+            <a:ext cx="1459389" cy="889000"/>
+          </a:xfrm>
+          <a:prstGeom prst="rect">
+            <a:avLst/>
+          </a:prstGeom>
+        </p:spPr>
+        <p:style>
+          <a:lnRef idx="2">
+            <a:schemeClr val="dk1">
+              <a:shade val="50000"/>
+            </a:schemeClr>
+          </a:lnRef>
+          <a:fillRef idx="1">
+            <a:schemeClr val="dk1"/>
+          </a:fillRef>
+          <a:effectRef idx="0">
+            <a:schemeClr val="dk1"/>
+          </a:effectRef>
+          <a:fontRef idx="minor">
+            <a:schemeClr val="lt1"/>
+          </a:fontRef>
+        </p:style>
+        <p:txBody>
+          <a:bodyPr rtlCol="0" anchor="ctr"/>
+          <a:lstStyle/>
+          <a:p>
+            <a:pPr algn="ctr"/>
+            <a:r>
+              <a:rPr lang="en-US" altLang="zh-CN" dirty="0" smtClean="0"/>
+              <a:t>ICON</a:t>
+            </a:r>
+            <a:endParaRPr lang="zh-CN" altLang="en-US" dirty="0"/>
+          </a:p>
+        </p:txBody>
+      </p:sp>
+      <p:sp>
+        <p:nvSpPr>
+          <p:cNvPr id="66" name="矩形 65"/>
+          <p:cNvSpPr/>
+          <p:nvPr/>
+        </p:nvSpPr>
+        <p:spPr>
+          <a:xfrm>
+            <a:off x="5151082" y="2005468"/>
+            <a:ext cx="1206500" cy="914400"/>
+          </a:xfrm>
+          <a:prstGeom prst="rect">
+            <a:avLst/>
+          </a:prstGeom>
+        </p:spPr>
+        <p:style>
+          <a:lnRef idx="2">
+            <a:schemeClr val="accent2">
+              <a:shade val="50000"/>
+            </a:schemeClr>
+          </a:lnRef>
+          <a:fillRef idx="1">
+            <a:schemeClr val="accent2"/>
+          </a:fillRef>
+          <a:effectRef idx="0">
+            <a:schemeClr val="accent2"/>
+          </a:effectRef>
+          <a:fontRef idx="minor">
+            <a:schemeClr val="lt1"/>
+          </a:fontRef>
+        </p:style>
+        <p:txBody>
+          <a:bodyPr rtlCol="0" anchor="ctr"/>
+          <a:lstStyle/>
+          <a:p>
+            <a:pPr algn="ctr"/>
+            <a:r>
+              <a:rPr lang="en-US" altLang="zh-CN" dirty="0" smtClean="0"/>
+              <a:t>Text </a:t>
+            </a:r>
+            <a:r>
+              <a:rPr lang="en-US" altLang="zh-CN" dirty="0" err="1" smtClean="0"/>
+              <a:t>Line1</a:t>
+            </a:r>
+            <a:endParaRPr lang="en-US" altLang="zh-CN" dirty="0" smtClean="0"/>
+          </a:p>
+          <a:p>
+            <a:pPr algn="ctr"/>
+            <a:r>
+              <a:rPr lang="en-US" altLang="zh-CN" dirty="0" smtClean="0"/>
+              <a:t>Text </a:t>
+            </a:r>
+            <a:r>
+              <a:rPr lang="en-US" altLang="zh-CN" dirty="0" err="1" smtClean="0"/>
+              <a:t>Line2</a:t>
+            </a:r>
+            <a:endParaRPr lang="zh-CN" altLang="en-US" dirty="0"/>
+          </a:p>
+        </p:txBody>
+      </p:sp>
+      <p:sp>
+        <p:nvSpPr>
+          <p:cNvPr id="33" name="矩形 32"/>
+          <p:cNvSpPr/>
+          <p:nvPr/>
+        </p:nvSpPr>
+        <p:spPr>
+          <a:xfrm>
+            <a:off x="6357582" y="2005028"/>
+            <a:ext cx="252888" cy="914400"/>
+          </a:xfrm>
+          <a:prstGeom prst="rect">
+            <a:avLst/>
+          </a:prstGeom>
+        </p:spPr>
+        <p:style>
+          <a:lnRef idx="2">
+            <a:schemeClr val="accent6">
+              <a:shade val="50000"/>
+            </a:schemeClr>
+          </a:lnRef>
+          <a:fillRef idx="1">
+            <a:schemeClr val="accent6"/>
+          </a:fillRef>
+          <a:effectRef idx="0">
+            <a:schemeClr val="accent6"/>
+          </a:effectRef>
+          <a:fontRef idx="minor">
+            <a:schemeClr val="lt1"/>
+          </a:fontRef>
+        </p:style>
+        <p:txBody>
+          <a:bodyPr rtlCol="0" anchor="ctr"/>
+          <a:lstStyle/>
+          <a:p>
+            <a:pPr algn="ctr"/>
+            <a:endParaRPr lang="zh-CN" altLang="en-US"/>
+          </a:p>
+        </p:txBody>
+      </p:sp>
+      <p:sp>
+        <p:nvSpPr>
+          <p:cNvPr id="35" name="等腰三角形 34"/>
+          <p:cNvSpPr/>
+          <p:nvPr/>
+        </p:nvSpPr>
+        <p:spPr>
+          <a:xfrm rot="10800000">
+            <a:off x="6445926" y="2665812"/>
+            <a:ext cx="76200" cy="76200"/>
+          </a:xfrm>
+          <a:prstGeom prst="triangle">
             <a:avLst/>
           </a:prstGeom>
           <a:solidFill>
-            <a:schemeClr val="accent1">
-              <a:lumMod val="20000"/>
-              <a:lumOff val="80000"/>
-            </a:schemeClr>
+            <a:schemeClr val="tx1"/>
           </a:solidFill>
           <a:ln>
             <a:solidFill>
@@ -6741,1665 +6385,32 @@
       </p:sp>
       <p:sp>
         <p:nvSpPr>
-          <p:cNvPr id="5" name="文本框 4"/>
+          <p:cNvPr id="37" name="文本框 36"/>
           <p:cNvSpPr txBox="1"/>
           <p:nvPr/>
         </p:nvSpPr>
         <p:spPr>
           <a:xfrm>
-            <a:off x="2450761" y="450436"/>
-            <a:ext cx="2468368" cy="369332"/>
-          </a:xfrm>
-          <a:prstGeom prst="rect">
-            <a:avLst/>
-          </a:prstGeom>
-        </p:spPr>
-        <p:txBody>
-          <a:bodyPr wrap="none">
+            <a:off x="203200" y="3100036"/>
+            <a:ext cx="2031325" cy="369332"/>
+          </a:xfrm>
+          <a:prstGeom prst="rect">
+            <a:avLst/>
+          </a:prstGeom>
+          <a:noFill/>
+        </p:spPr>
+        <p:txBody>
+          <a:bodyPr wrap="none" rtlCol="0">
             <a:spAutoFit/>
           </a:bodyPr>
-          <a:lstStyle>
-            <a:defPPr>
-              <a:defRPr lang="zh-CN"/>
-            </a:defPPr>
-            <a:lvl1pPr>
-              <a:defRPr b="1">
-                <a:solidFill>
-                  <a:srgbClr val="D5412A"/>
-                </a:solidFill>
-                <a:effectLst/>
-              </a:defRPr>
-            </a:lvl1pPr>
-          </a:lstStyle>
-          <a:p>
-            <a:r>
-              <a:rPr lang="en-US" altLang="zh-CN" dirty="0" err="1" smtClean="0">
-                <a:solidFill>
-                  <a:srgbClr val="C00000"/>
-                </a:solidFill>
-              </a:rPr>
-              <a:t>SARibbonPannel</a:t>
-            </a:r>
-            <a:r>
-              <a:rPr lang="en-US" altLang="zh-CN" dirty="0" smtClean="0">
-                <a:solidFill>
-                  <a:srgbClr val="C00000"/>
-                </a:solidFill>
-              </a:rPr>
-              <a:t> : </a:t>
-            </a:r>
-            <a:r>
-              <a:rPr lang="en-US" altLang="zh-CN" dirty="0" err="1" smtClean="0">
-                <a:solidFill>
-                  <a:srgbClr val="C00000"/>
-                </a:solidFill>
-              </a:rPr>
-              <a:t>3Row</a:t>
-            </a:r>
-            <a:endParaRPr lang="zh-CN" altLang="en-US" dirty="0">
-              <a:solidFill>
-                <a:srgbClr val="C00000"/>
-              </a:solidFill>
-            </a:endParaRPr>
-          </a:p>
-        </p:txBody>
-      </p:sp>
-      <p:sp>
-        <p:nvSpPr>
-          <p:cNvPr id="6" name="矩形 5"/>
-          <p:cNvSpPr/>
-          <p:nvPr/>
-        </p:nvSpPr>
-        <p:spPr>
-          <a:xfrm>
-            <a:off x="1316047" y="1383331"/>
-            <a:ext cx="4638675" cy="1333500"/>
-          </a:xfrm>
-          <a:prstGeom prst="rect">
-            <a:avLst/>
-          </a:prstGeom>
-          <a:solidFill>
-            <a:schemeClr val="bg1"/>
-          </a:solidFill>
-        </p:spPr>
-        <p:style>
-          <a:lnRef idx="2">
-            <a:schemeClr val="accent1">
-              <a:shade val="50000"/>
-            </a:schemeClr>
-          </a:lnRef>
-          <a:fillRef idx="1">
-            <a:schemeClr val="accent1"/>
-          </a:fillRef>
-          <a:effectRef idx="0">
-            <a:schemeClr val="accent1"/>
-          </a:effectRef>
-          <a:fontRef idx="minor">
-            <a:schemeClr val="lt1"/>
-          </a:fontRef>
-        </p:style>
-        <p:txBody>
-          <a:bodyPr rtlCol="0" anchor="ctr"/>
-          <a:lstStyle/>
-          <a:p>
-            <a:pPr algn="ctr"/>
-            <a:endParaRPr lang="zh-CN" altLang="en-US"/>
-          </a:p>
-        </p:txBody>
-      </p:sp>
-      <p:cxnSp>
-        <p:nvCxnSpPr>
-          <p:cNvPr id="8" name="直接箭头连接符 7"/>
-          <p:cNvCxnSpPr/>
-          <p:nvPr/>
-        </p:nvCxnSpPr>
-        <p:spPr>
-          <a:xfrm flipH="1">
-            <a:off x="4211648" y="1145206"/>
-            <a:ext cx="171450" cy="164306"/>
-          </a:xfrm>
-          <a:prstGeom prst="straightConnector1">
-            <a:avLst/>
-          </a:prstGeom>
-          <a:ln>
-            <a:solidFill>
-              <a:srgbClr val="C00000"/>
-            </a:solidFill>
-            <a:tailEnd type="triangle"/>
-          </a:ln>
-        </p:spPr>
-        <p:style>
-          <a:lnRef idx="1">
-            <a:schemeClr val="accent1"/>
-          </a:lnRef>
-          <a:fillRef idx="0">
-            <a:schemeClr val="accent1"/>
-          </a:fillRef>
-          <a:effectRef idx="0">
-            <a:schemeClr val="accent1"/>
-          </a:effectRef>
-          <a:fontRef idx="minor">
-            <a:schemeClr val="tx1"/>
-          </a:fontRef>
-        </p:style>
-      </p:cxnSp>
-      <p:sp>
-        <p:nvSpPr>
-          <p:cNvPr id="9" name="矩形 8"/>
-          <p:cNvSpPr/>
-          <p:nvPr/>
-        </p:nvSpPr>
-        <p:spPr>
-          <a:xfrm>
-            <a:off x="3666711" y="852590"/>
-            <a:ext cx="1784784" cy="369332"/>
-          </a:xfrm>
-          <a:prstGeom prst="rect">
-            <a:avLst/>
-          </a:prstGeom>
-        </p:spPr>
-        <p:txBody>
-          <a:bodyPr wrap="none">
-            <a:spAutoFit/>
-          </a:bodyPr>
-          <a:lstStyle/>
-          <a:p>
-            <a:r>
-              <a:rPr lang="en-US" altLang="zh-CN" b="1" dirty="0" err="1" smtClean="0">
-                <a:solidFill>
-                  <a:schemeClr val="accent1">
-                    <a:lumMod val="75000"/>
-                  </a:schemeClr>
-                </a:solidFill>
-                <a:effectLst/>
-              </a:rPr>
-              <a:t>contentsMargins</a:t>
-            </a:r>
-            <a:endParaRPr lang="zh-CN" altLang="en-US" dirty="0">
-              <a:solidFill>
-                <a:schemeClr val="accent1">
-                  <a:lumMod val="75000"/>
-                </a:schemeClr>
-              </a:solidFill>
-            </a:endParaRPr>
-          </a:p>
-        </p:txBody>
-      </p:sp>
-      <p:sp>
-        <p:nvSpPr>
-          <p:cNvPr id="11" name="矩形 10"/>
-          <p:cNvSpPr/>
-          <p:nvPr/>
-        </p:nvSpPr>
-        <p:spPr>
-          <a:xfrm>
-            <a:off x="5786537" y="2774397"/>
-            <a:ext cx="168185" cy="164756"/>
-          </a:xfrm>
-          <a:prstGeom prst="rect">
-            <a:avLst/>
-          </a:prstGeom>
-          <a:solidFill>
-            <a:schemeClr val="accent2"/>
-          </a:solidFill>
-        </p:spPr>
-        <p:style>
-          <a:lnRef idx="2">
-            <a:schemeClr val="accent1">
-              <a:shade val="50000"/>
-            </a:schemeClr>
-          </a:lnRef>
-          <a:fillRef idx="1">
-            <a:schemeClr val="accent1"/>
-          </a:fillRef>
-          <a:effectRef idx="0">
-            <a:schemeClr val="accent1"/>
-          </a:effectRef>
-          <a:fontRef idx="minor">
-            <a:schemeClr val="lt1"/>
-          </a:fontRef>
-        </p:style>
-        <p:txBody>
-          <a:bodyPr rtlCol="0" anchor="ctr"/>
-          <a:lstStyle/>
-          <a:p>
-            <a:pPr algn="ctr"/>
-            <a:endParaRPr lang="zh-CN" altLang="en-US"/>
-          </a:p>
-        </p:txBody>
-      </p:sp>
-      <p:sp>
-        <p:nvSpPr>
-          <p:cNvPr id="12" name="矩形 11"/>
-          <p:cNvSpPr/>
-          <p:nvPr/>
-        </p:nvSpPr>
-        <p:spPr>
-          <a:xfrm>
-            <a:off x="4936689" y="3215412"/>
-            <a:ext cx="1464568" cy="369332"/>
-          </a:xfrm>
-          <a:prstGeom prst="rect">
-            <a:avLst/>
-          </a:prstGeom>
-        </p:spPr>
-        <p:txBody>
-          <a:bodyPr wrap="none">
-            <a:spAutoFit/>
-          </a:bodyPr>
-          <a:lstStyle/>
-          <a:p>
-            <a:r>
-              <a:rPr lang="en-US" altLang="zh-CN" b="1" dirty="0" err="1" smtClean="0">
-                <a:solidFill>
-                  <a:srgbClr val="D5412A"/>
-                </a:solidFill>
-                <a:effectLst/>
-              </a:rPr>
-              <a:t>OptionAction</a:t>
-            </a:r>
-            <a:endParaRPr lang="zh-CN" altLang="en-US" dirty="0"/>
-          </a:p>
-        </p:txBody>
-      </p:sp>
-      <p:cxnSp>
-        <p:nvCxnSpPr>
-          <p:cNvPr id="14" name="直接箭头连接符 13"/>
-          <p:cNvCxnSpPr/>
-          <p:nvPr/>
-        </p:nvCxnSpPr>
-        <p:spPr>
-          <a:xfrm flipV="1">
-            <a:off x="5668973" y="3079401"/>
-            <a:ext cx="75407" cy="123825"/>
-          </a:xfrm>
-          <a:prstGeom prst="straightConnector1">
-            <a:avLst/>
-          </a:prstGeom>
-          <a:ln>
-            <a:solidFill>
-              <a:schemeClr val="accent2"/>
-            </a:solidFill>
-            <a:tailEnd type="triangle"/>
-          </a:ln>
-        </p:spPr>
-        <p:style>
-          <a:lnRef idx="1">
-            <a:schemeClr val="accent1"/>
-          </a:lnRef>
-          <a:fillRef idx="0">
-            <a:schemeClr val="accent1"/>
-          </a:fillRef>
-          <a:effectRef idx="0">
-            <a:schemeClr val="accent1"/>
-          </a:effectRef>
-          <a:fontRef idx="minor">
-            <a:schemeClr val="tx1"/>
-          </a:fontRef>
-        </p:style>
-      </p:cxnSp>
-      <p:sp>
-        <p:nvSpPr>
-          <p:cNvPr id="15" name="矩形 14"/>
-          <p:cNvSpPr/>
-          <p:nvPr/>
-        </p:nvSpPr>
-        <p:spPr>
-          <a:xfrm>
-            <a:off x="1316047" y="1383331"/>
-            <a:ext cx="857251" cy="1333500"/>
-          </a:xfrm>
-          <a:prstGeom prst="rect">
-            <a:avLst/>
-          </a:prstGeom>
-        </p:spPr>
-        <p:style>
-          <a:lnRef idx="2">
-            <a:schemeClr val="accent1">
-              <a:shade val="50000"/>
-            </a:schemeClr>
-          </a:lnRef>
-          <a:fillRef idx="1">
-            <a:schemeClr val="accent1"/>
-          </a:fillRef>
-          <a:effectRef idx="0">
-            <a:schemeClr val="accent1"/>
-          </a:effectRef>
-          <a:fontRef idx="minor">
-            <a:schemeClr val="lt1"/>
-          </a:fontRef>
-        </p:style>
-        <p:txBody>
-          <a:bodyPr rtlCol="0" anchor="ctr"/>
-          <a:lstStyle/>
-          <a:p>
-            <a:pPr algn="ctr"/>
-            <a:endParaRPr lang="zh-CN" altLang="en-US"/>
-          </a:p>
-        </p:txBody>
-      </p:sp>
-      <p:sp>
-        <p:nvSpPr>
-          <p:cNvPr id="16" name="矩形 15"/>
-          <p:cNvSpPr/>
-          <p:nvPr/>
-        </p:nvSpPr>
-        <p:spPr>
-          <a:xfrm>
-            <a:off x="1404119" y="3035528"/>
-            <a:ext cx="697242" cy="369332"/>
-          </a:xfrm>
-          <a:prstGeom prst="rect">
-            <a:avLst/>
-          </a:prstGeom>
-        </p:spPr>
-        <p:txBody>
-          <a:bodyPr wrap="none">
-            <a:spAutoFit/>
-          </a:bodyPr>
-          <a:lstStyle/>
-          <a:p>
-            <a:r>
-              <a:rPr lang="en-US" altLang="zh-CN" b="1" dirty="0" smtClean="0">
-                <a:solidFill>
-                  <a:srgbClr val="048138"/>
-                </a:solidFill>
-                <a:effectLst/>
-              </a:rPr>
-              <a:t>Large</a:t>
-            </a:r>
-            <a:endParaRPr lang="zh-CN" altLang="en-US" dirty="0"/>
-          </a:p>
-        </p:txBody>
-      </p:sp>
-      <p:sp>
-        <p:nvSpPr>
-          <p:cNvPr id="17" name="矩形 16"/>
-          <p:cNvSpPr/>
-          <p:nvPr/>
-        </p:nvSpPr>
-        <p:spPr>
-          <a:xfrm>
-            <a:off x="2268548" y="1383331"/>
-            <a:ext cx="1143000" cy="381000"/>
-          </a:xfrm>
-          <a:prstGeom prst="rect">
-            <a:avLst/>
-          </a:prstGeom>
-        </p:spPr>
-        <p:style>
-          <a:lnRef idx="2">
-            <a:schemeClr val="accent1">
-              <a:shade val="50000"/>
-            </a:schemeClr>
-          </a:lnRef>
-          <a:fillRef idx="1">
-            <a:schemeClr val="accent1"/>
-          </a:fillRef>
-          <a:effectRef idx="0">
-            <a:schemeClr val="accent1"/>
-          </a:effectRef>
-          <a:fontRef idx="minor">
-            <a:schemeClr val="lt1"/>
-          </a:fontRef>
-        </p:style>
-        <p:txBody>
-          <a:bodyPr rtlCol="0" anchor="ctr"/>
-          <a:lstStyle/>
-          <a:p>
-            <a:pPr algn="ctr"/>
-            <a:endParaRPr lang="zh-CN" altLang="en-US"/>
-          </a:p>
-        </p:txBody>
-      </p:sp>
-      <p:sp>
-        <p:nvSpPr>
-          <p:cNvPr id="18" name="矩形 17"/>
-          <p:cNvSpPr/>
-          <p:nvPr/>
-        </p:nvSpPr>
-        <p:spPr>
-          <a:xfrm>
-            <a:off x="2268548" y="1859581"/>
-            <a:ext cx="1143000" cy="381000"/>
-          </a:xfrm>
-          <a:prstGeom prst="rect">
-            <a:avLst/>
-          </a:prstGeom>
-        </p:spPr>
-        <p:style>
-          <a:lnRef idx="2">
-            <a:schemeClr val="accent1">
-              <a:shade val="50000"/>
-            </a:schemeClr>
-          </a:lnRef>
-          <a:fillRef idx="1">
-            <a:schemeClr val="accent1"/>
-          </a:fillRef>
-          <a:effectRef idx="0">
-            <a:schemeClr val="accent1"/>
-          </a:effectRef>
-          <a:fontRef idx="minor">
-            <a:schemeClr val="lt1"/>
-          </a:fontRef>
-        </p:style>
-        <p:txBody>
-          <a:bodyPr rtlCol="0" anchor="ctr"/>
-          <a:lstStyle/>
-          <a:p>
-            <a:pPr algn="ctr"/>
-            <a:endParaRPr lang="zh-CN" altLang="en-US"/>
-          </a:p>
-        </p:txBody>
-      </p:sp>
-      <p:sp>
-        <p:nvSpPr>
-          <p:cNvPr id="19" name="矩形 18"/>
-          <p:cNvSpPr/>
-          <p:nvPr/>
-        </p:nvSpPr>
-        <p:spPr>
-          <a:xfrm>
-            <a:off x="2268548" y="2327134"/>
-            <a:ext cx="1143000" cy="381000"/>
-          </a:xfrm>
-          <a:prstGeom prst="rect">
-            <a:avLst/>
-          </a:prstGeom>
-        </p:spPr>
-        <p:style>
-          <a:lnRef idx="2">
-            <a:schemeClr val="accent1">
-              <a:shade val="50000"/>
-            </a:schemeClr>
-          </a:lnRef>
-          <a:fillRef idx="1">
-            <a:schemeClr val="accent1"/>
-          </a:fillRef>
-          <a:effectRef idx="0">
-            <a:schemeClr val="accent1"/>
-          </a:effectRef>
-          <a:fontRef idx="minor">
-            <a:schemeClr val="lt1"/>
-          </a:fontRef>
-        </p:style>
-        <p:txBody>
-          <a:bodyPr rtlCol="0" anchor="ctr"/>
-          <a:lstStyle/>
-          <a:p>
-            <a:pPr algn="ctr"/>
-            <a:endParaRPr lang="zh-CN" altLang="en-US"/>
-          </a:p>
-        </p:txBody>
-      </p:sp>
-      <p:sp>
-        <p:nvSpPr>
-          <p:cNvPr id="20" name="矩形 19"/>
-          <p:cNvSpPr/>
-          <p:nvPr/>
-        </p:nvSpPr>
-        <p:spPr>
-          <a:xfrm>
-            <a:off x="2395495" y="3035528"/>
-            <a:ext cx="707245" cy="369332"/>
-          </a:xfrm>
-          <a:prstGeom prst="rect">
-            <a:avLst/>
-          </a:prstGeom>
-        </p:spPr>
-        <p:txBody>
-          <a:bodyPr wrap="none">
-            <a:spAutoFit/>
-          </a:bodyPr>
-          <a:lstStyle/>
-          <a:p>
-            <a:r>
-              <a:rPr lang="en-US" altLang="zh-CN" b="1" dirty="0" smtClean="0">
-                <a:solidFill>
-                  <a:srgbClr val="048138"/>
-                </a:solidFill>
-                <a:effectLst/>
-              </a:rPr>
-              <a:t>Small</a:t>
-            </a:r>
-            <a:endParaRPr lang="zh-CN" altLang="en-US" dirty="0"/>
-          </a:p>
-        </p:txBody>
-      </p:sp>
-      <p:sp>
-        <p:nvSpPr>
-          <p:cNvPr id="21" name="矩形 20"/>
-          <p:cNvSpPr/>
-          <p:nvPr/>
-        </p:nvSpPr>
-        <p:spPr>
-          <a:xfrm>
-            <a:off x="3492510" y="1566171"/>
-            <a:ext cx="1143000" cy="381000"/>
-          </a:xfrm>
-          <a:prstGeom prst="rect">
-            <a:avLst/>
-          </a:prstGeom>
-        </p:spPr>
-        <p:style>
-          <a:lnRef idx="2">
-            <a:schemeClr val="accent1">
-              <a:shade val="50000"/>
-            </a:schemeClr>
-          </a:lnRef>
-          <a:fillRef idx="1">
-            <a:schemeClr val="accent1"/>
-          </a:fillRef>
-          <a:effectRef idx="0">
-            <a:schemeClr val="accent1"/>
-          </a:effectRef>
-          <a:fontRef idx="minor">
-            <a:schemeClr val="lt1"/>
-          </a:fontRef>
-        </p:style>
-        <p:txBody>
-          <a:bodyPr rtlCol="0" anchor="ctr"/>
-          <a:lstStyle/>
-          <a:p>
-            <a:pPr algn="ctr"/>
-            <a:endParaRPr lang="zh-CN" altLang="en-US"/>
-          </a:p>
-        </p:txBody>
-      </p:sp>
-      <p:sp>
-        <p:nvSpPr>
-          <p:cNvPr id="22" name="矩形 21"/>
-          <p:cNvSpPr/>
-          <p:nvPr/>
-        </p:nvSpPr>
-        <p:spPr>
-          <a:xfrm>
-            <a:off x="3492510" y="2126003"/>
-            <a:ext cx="1143000" cy="381000"/>
-          </a:xfrm>
-          <a:prstGeom prst="rect">
-            <a:avLst/>
-          </a:prstGeom>
-        </p:spPr>
-        <p:style>
-          <a:lnRef idx="2">
-            <a:schemeClr val="accent1">
-              <a:shade val="50000"/>
-            </a:schemeClr>
-          </a:lnRef>
-          <a:fillRef idx="1">
-            <a:schemeClr val="accent1"/>
-          </a:fillRef>
-          <a:effectRef idx="0">
-            <a:schemeClr val="accent1"/>
-          </a:effectRef>
-          <a:fontRef idx="minor">
-            <a:schemeClr val="lt1"/>
-          </a:fontRef>
-        </p:style>
-        <p:txBody>
-          <a:bodyPr rtlCol="0" anchor="ctr"/>
-          <a:lstStyle/>
-          <a:p>
-            <a:pPr algn="ctr"/>
-            <a:endParaRPr lang="zh-CN" altLang="en-US"/>
-          </a:p>
-        </p:txBody>
-      </p:sp>
-      <p:sp>
-        <p:nvSpPr>
-          <p:cNvPr id="23" name="矩形 22"/>
-          <p:cNvSpPr/>
-          <p:nvPr/>
-        </p:nvSpPr>
-        <p:spPr>
-          <a:xfrm>
-            <a:off x="3674779" y="3035528"/>
-            <a:ext cx="992579" cy="369332"/>
-          </a:xfrm>
-          <a:prstGeom prst="rect">
-            <a:avLst/>
-          </a:prstGeom>
-        </p:spPr>
-        <p:txBody>
-          <a:bodyPr wrap="none">
-            <a:spAutoFit/>
-          </a:bodyPr>
-          <a:lstStyle/>
-          <a:p>
-            <a:r>
-              <a:rPr lang="en-US" altLang="zh-CN" b="1" dirty="0" smtClean="0">
-                <a:solidFill>
-                  <a:srgbClr val="048138"/>
-                </a:solidFill>
-                <a:effectLst/>
-              </a:rPr>
-              <a:t>Medium</a:t>
-            </a:r>
-            <a:endParaRPr lang="zh-CN" altLang="en-US" dirty="0"/>
-          </a:p>
-        </p:txBody>
-      </p:sp>
-      <p:cxnSp>
-        <p:nvCxnSpPr>
-          <p:cNvPr id="25" name="直接箭头连接符 24"/>
-          <p:cNvCxnSpPr>
-            <a:stCxn id="27" idx="2"/>
-          </p:cNvCxnSpPr>
-          <p:nvPr/>
-        </p:nvCxnSpPr>
-        <p:spPr>
-          <a:xfrm flipH="1">
-            <a:off x="2211398" y="1097581"/>
-            <a:ext cx="478727" cy="476250"/>
-          </a:xfrm>
-          <a:prstGeom prst="straightConnector1">
-            <a:avLst/>
-          </a:prstGeom>
-          <a:ln>
-            <a:solidFill>
-              <a:schemeClr val="tx1"/>
-            </a:solidFill>
-            <a:tailEnd type="triangle"/>
-          </a:ln>
-        </p:spPr>
-        <p:style>
-          <a:lnRef idx="1">
-            <a:schemeClr val="accent1"/>
-          </a:lnRef>
-          <a:fillRef idx="0">
-            <a:schemeClr val="accent1"/>
-          </a:fillRef>
-          <a:effectRef idx="0">
-            <a:schemeClr val="accent1"/>
-          </a:effectRef>
-          <a:fontRef idx="minor">
-            <a:schemeClr val="tx1"/>
-          </a:fontRef>
-        </p:style>
-      </p:cxnSp>
-      <p:sp>
-        <p:nvSpPr>
-          <p:cNvPr id="27" name="矩形 26"/>
-          <p:cNvSpPr/>
-          <p:nvPr/>
-        </p:nvSpPr>
-        <p:spPr>
-          <a:xfrm>
-            <a:off x="2245932" y="728249"/>
-            <a:ext cx="888385" cy="369332"/>
-          </a:xfrm>
-          <a:prstGeom prst="rect">
-            <a:avLst/>
-          </a:prstGeom>
-        </p:spPr>
-        <p:txBody>
-          <a:bodyPr wrap="none">
-            <a:spAutoFit/>
-          </a:bodyPr>
-          <a:lstStyle/>
-          <a:p>
-            <a:r>
-              <a:rPr lang="en-US" altLang="zh-CN" dirty="0" smtClean="0">
-                <a:solidFill>
-                  <a:srgbClr val="000000"/>
-                </a:solidFill>
-                <a:effectLst/>
-              </a:rPr>
-              <a:t>spacing</a:t>
-            </a:r>
-            <a:endParaRPr lang="zh-CN" altLang="en-US" dirty="0"/>
-          </a:p>
-        </p:txBody>
-      </p:sp>
-      <p:cxnSp>
-        <p:nvCxnSpPr>
-          <p:cNvPr id="28" name="直接箭头连接符 27"/>
-          <p:cNvCxnSpPr>
-            <a:stCxn id="27" idx="2"/>
-          </p:cNvCxnSpPr>
-          <p:nvPr/>
-        </p:nvCxnSpPr>
-        <p:spPr>
-          <a:xfrm>
-            <a:off x="2690125" y="1097581"/>
-            <a:ext cx="13400" cy="729178"/>
-          </a:xfrm>
-          <a:prstGeom prst="straightConnector1">
-            <a:avLst/>
-          </a:prstGeom>
-          <a:ln>
-            <a:solidFill>
-              <a:schemeClr val="tx1"/>
-            </a:solidFill>
-            <a:tailEnd type="triangle"/>
-          </a:ln>
-        </p:spPr>
-        <p:style>
-          <a:lnRef idx="1">
-            <a:schemeClr val="accent1"/>
-          </a:lnRef>
-          <a:fillRef idx="0">
-            <a:schemeClr val="accent1"/>
-          </a:fillRef>
-          <a:effectRef idx="0">
-            <a:schemeClr val="accent1"/>
-          </a:effectRef>
-          <a:fontRef idx="minor">
-            <a:schemeClr val="tx1"/>
-          </a:fontRef>
-        </p:style>
-      </p:cxnSp>
-      <p:cxnSp>
-        <p:nvCxnSpPr>
-          <p:cNvPr id="32" name="直接箭头连接符 31"/>
-          <p:cNvCxnSpPr>
-            <a:stCxn id="27" idx="2"/>
-          </p:cNvCxnSpPr>
-          <p:nvPr/>
-        </p:nvCxnSpPr>
-        <p:spPr>
-          <a:xfrm>
-            <a:off x="2690125" y="1097581"/>
-            <a:ext cx="766490" cy="542389"/>
-          </a:xfrm>
-          <a:prstGeom prst="straightConnector1">
-            <a:avLst/>
-          </a:prstGeom>
-          <a:ln>
-            <a:solidFill>
-              <a:schemeClr val="tx1"/>
-            </a:solidFill>
-            <a:tailEnd type="triangle"/>
-          </a:ln>
-        </p:spPr>
-        <p:style>
-          <a:lnRef idx="1">
-            <a:schemeClr val="accent1"/>
-          </a:lnRef>
-          <a:fillRef idx="0">
-            <a:schemeClr val="accent1"/>
-          </a:fillRef>
-          <a:effectRef idx="0">
-            <a:schemeClr val="accent1"/>
-          </a:effectRef>
-          <a:fontRef idx="minor">
-            <a:schemeClr val="tx1"/>
-          </a:fontRef>
-        </p:style>
-      </p:cxnSp>
-      <p:sp>
-        <p:nvSpPr>
-          <p:cNvPr id="56" name="矩形 55"/>
-          <p:cNvSpPr/>
-          <p:nvPr/>
-        </p:nvSpPr>
-        <p:spPr>
-          <a:xfrm>
-            <a:off x="1210611" y="4783863"/>
-            <a:ext cx="4895022" cy="1063040"/>
-          </a:xfrm>
-          <a:prstGeom prst="rect">
-            <a:avLst/>
-          </a:prstGeom>
-          <a:solidFill>
-            <a:schemeClr val="accent1">
-              <a:lumMod val="20000"/>
-              <a:lumOff val="80000"/>
-            </a:schemeClr>
-          </a:solidFill>
-          <a:ln>
-            <a:solidFill>
-              <a:schemeClr val="tx1"/>
-            </a:solidFill>
-          </a:ln>
-        </p:spPr>
-        <p:style>
-          <a:lnRef idx="2">
-            <a:schemeClr val="accent1">
-              <a:shade val="50000"/>
-            </a:schemeClr>
-          </a:lnRef>
-          <a:fillRef idx="1">
-            <a:schemeClr val="accent1"/>
-          </a:fillRef>
-          <a:effectRef idx="0">
-            <a:schemeClr val="accent1"/>
-          </a:effectRef>
-          <a:fontRef idx="minor">
-            <a:schemeClr val="lt1"/>
-          </a:fontRef>
-        </p:style>
-        <p:txBody>
-          <a:bodyPr rtlCol="0" anchor="ctr"/>
-          <a:lstStyle/>
-          <a:p>
-            <a:pPr algn="ctr"/>
-            <a:endParaRPr lang="zh-CN" altLang="en-US"/>
-          </a:p>
-        </p:txBody>
-      </p:sp>
-      <p:sp>
-        <p:nvSpPr>
-          <p:cNvPr id="58" name="矩形 57"/>
-          <p:cNvSpPr/>
-          <p:nvPr/>
-        </p:nvSpPr>
-        <p:spPr>
-          <a:xfrm>
-            <a:off x="1333607" y="4915555"/>
-            <a:ext cx="4638675" cy="857250"/>
-          </a:xfrm>
-          <a:prstGeom prst="rect">
-            <a:avLst/>
-          </a:prstGeom>
-          <a:solidFill>
-            <a:schemeClr val="bg1"/>
-          </a:solidFill>
-        </p:spPr>
-        <p:style>
-          <a:lnRef idx="2">
-            <a:schemeClr val="accent1">
-              <a:shade val="50000"/>
-            </a:schemeClr>
-          </a:lnRef>
-          <a:fillRef idx="1">
-            <a:schemeClr val="accent1"/>
-          </a:fillRef>
-          <a:effectRef idx="0">
-            <a:schemeClr val="accent1"/>
-          </a:effectRef>
-          <a:fontRef idx="minor">
-            <a:schemeClr val="lt1"/>
-          </a:fontRef>
-        </p:style>
-        <p:txBody>
-          <a:bodyPr rtlCol="0" anchor="ctr"/>
-          <a:lstStyle/>
-          <a:p>
-            <a:pPr algn="ctr"/>
-            <a:endParaRPr lang="zh-CN" altLang="en-US"/>
-          </a:p>
-        </p:txBody>
-      </p:sp>
-      <p:cxnSp>
-        <p:nvCxnSpPr>
-          <p:cNvPr id="59" name="直接箭头连接符 58"/>
-          <p:cNvCxnSpPr/>
-          <p:nvPr/>
-        </p:nvCxnSpPr>
-        <p:spPr>
-          <a:xfrm flipH="1">
-            <a:off x="4229208" y="4677430"/>
-            <a:ext cx="171450" cy="164306"/>
-          </a:xfrm>
-          <a:prstGeom prst="straightConnector1">
-            <a:avLst/>
-          </a:prstGeom>
-          <a:ln>
-            <a:solidFill>
-              <a:srgbClr val="C00000"/>
-            </a:solidFill>
-            <a:tailEnd type="triangle"/>
-          </a:ln>
-        </p:spPr>
-        <p:style>
-          <a:lnRef idx="1">
-            <a:schemeClr val="accent1"/>
-          </a:lnRef>
-          <a:fillRef idx="0">
-            <a:schemeClr val="accent1"/>
-          </a:fillRef>
-          <a:effectRef idx="0">
-            <a:schemeClr val="accent1"/>
-          </a:effectRef>
-          <a:fontRef idx="minor">
-            <a:schemeClr val="tx1"/>
-          </a:fontRef>
-        </p:style>
-      </p:cxnSp>
-      <p:sp>
-        <p:nvSpPr>
-          <p:cNvPr id="60" name="矩形 59"/>
-          <p:cNvSpPr/>
-          <p:nvPr/>
-        </p:nvSpPr>
-        <p:spPr>
-          <a:xfrm>
-            <a:off x="3684271" y="4384814"/>
-            <a:ext cx="1784784" cy="369332"/>
-          </a:xfrm>
-          <a:prstGeom prst="rect">
-            <a:avLst/>
-          </a:prstGeom>
-        </p:spPr>
-        <p:txBody>
-          <a:bodyPr wrap="none">
-            <a:spAutoFit/>
-          </a:bodyPr>
-          <a:lstStyle/>
-          <a:p>
-            <a:r>
-              <a:rPr lang="en-US" altLang="zh-CN" b="1" dirty="0" err="1" smtClean="0">
-                <a:solidFill>
-                  <a:schemeClr val="accent1">
-                    <a:lumMod val="75000"/>
-                  </a:schemeClr>
-                </a:solidFill>
-                <a:effectLst/>
-              </a:rPr>
-              <a:t>contentsMargins</a:t>
-            </a:r>
-            <a:endParaRPr lang="zh-CN" altLang="en-US" dirty="0">
-              <a:solidFill>
-                <a:schemeClr val="accent1">
-                  <a:lumMod val="75000"/>
-                </a:schemeClr>
-              </a:solidFill>
-            </a:endParaRPr>
-          </a:p>
-        </p:txBody>
-      </p:sp>
-      <p:sp>
-        <p:nvSpPr>
-          <p:cNvPr id="61" name="矩形 60"/>
-          <p:cNvSpPr/>
-          <p:nvPr/>
-        </p:nvSpPr>
-        <p:spPr>
-          <a:xfrm>
-            <a:off x="5972283" y="5713296"/>
-            <a:ext cx="133350" cy="123825"/>
-          </a:xfrm>
-          <a:prstGeom prst="rect">
-            <a:avLst/>
-          </a:prstGeom>
-          <a:solidFill>
-            <a:schemeClr val="accent2"/>
-          </a:solidFill>
-        </p:spPr>
-        <p:style>
-          <a:lnRef idx="2">
-            <a:schemeClr val="accent1">
-              <a:shade val="50000"/>
-            </a:schemeClr>
-          </a:lnRef>
-          <a:fillRef idx="1">
-            <a:schemeClr val="accent1"/>
-          </a:fillRef>
-          <a:effectRef idx="0">
-            <a:schemeClr val="accent1"/>
-          </a:effectRef>
-          <a:fontRef idx="minor">
-            <a:schemeClr val="lt1"/>
-          </a:fontRef>
-        </p:style>
-        <p:txBody>
-          <a:bodyPr rtlCol="0" anchor="ctr"/>
-          <a:lstStyle/>
-          <a:p>
-            <a:pPr algn="ctr"/>
-            <a:endParaRPr lang="zh-CN" altLang="en-US"/>
-          </a:p>
-        </p:txBody>
-      </p:sp>
-      <p:sp>
-        <p:nvSpPr>
-          <p:cNvPr id="62" name="矩形 61"/>
-          <p:cNvSpPr/>
-          <p:nvPr/>
-        </p:nvSpPr>
-        <p:spPr>
-          <a:xfrm>
-            <a:off x="4936689" y="5877126"/>
-            <a:ext cx="1464568" cy="369332"/>
-          </a:xfrm>
-          <a:prstGeom prst="rect">
-            <a:avLst/>
-          </a:prstGeom>
-        </p:spPr>
-        <p:txBody>
-          <a:bodyPr wrap="none">
-            <a:spAutoFit/>
-          </a:bodyPr>
-          <a:lstStyle/>
-          <a:p>
-            <a:r>
-              <a:rPr lang="en-US" altLang="zh-CN" b="1" dirty="0" err="1" smtClean="0">
-                <a:solidFill>
-                  <a:srgbClr val="D5412A"/>
-                </a:solidFill>
-                <a:effectLst/>
-              </a:rPr>
-              <a:t>OptionAction</a:t>
-            </a:r>
-            <a:endParaRPr lang="zh-CN" altLang="en-US" dirty="0"/>
-          </a:p>
-        </p:txBody>
-      </p:sp>
-      <p:cxnSp>
-        <p:nvCxnSpPr>
-          <p:cNvPr id="63" name="直接箭头连接符 62"/>
-          <p:cNvCxnSpPr>
-            <a:endCxn id="61" idx="2"/>
-          </p:cNvCxnSpPr>
-          <p:nvPr/>
-        </p:nvCxnSpPr>
-        <p:spPr>
-          <a:xfrm flipV="1">
-            <a:off x="5888145" y="5837121"/>
-            <a:ext cx="150813" cy="114043"/>
-          </a:xfrm>
-          <a:prstGeom prst="straightConnector1">
-            <a:avLst/>
-          </a:prstGeom>
-          <a:ln>
-            <a:solidFill>
-              <a:schemeClr val="accent2"/>
-            </a:solidFill>
-            <a:tailEnd type="triangle"/>
-          </a:ln>
-        </p:spPr>
-        <p:style>
-          <a:lnRef idx="1">
-            <a:schemeClr val="accent1"/>
-          </a:lnRef>
-          <a:fillRef idx="0">
-            <a:schemeClr val="accent1"/>
-          </a:fillRef>
-          <a:effectRef idx="0">
-            <a:schemeClr val="accent1"/>
-          </a:effectRef>
-          <a:fontRef idx="minor">
-            <a:schemeClr val="tx1"/>
-          </a:fontRef>
-        </p:style>
-      </p:cxnSp>
-      <p:sp>
-        <p:nvSpPr>
-          <p:cNvPr id="64" name="矩形 63"/>
-          <p:cNvSpPr/>
-          <p:nvPr/>
-        </p:nvSpPr>
-        <p:spPr>
-          <a:xfrm>
-            <a:off x="1333607" y="4915555"/>
-            <a:ext cx="857251" cy="857250"/>
-          </a:xfrm>
-          <a:prstGeom prst="rect">
-            <a:avLst/>
-          </a:prstGeom>
-        </p:spPr>
-        <p:style>
-          <a:lnRef idx="2">
-            <a:schemeClr val="accent1">
-              <a:shade val="50000"/>
-            </a:schemeClr>
-          </a:lnRef>
-          <a:fillRef idx="1">
-            <a:schemeClr val="accent1"/>
-          </a:fillRef>
-          <a:effectRef idx="0">
-            <a:schemeClr val="accent1"/>
-          </a:effectRef>
-          <a:fontRef idx="minor">
-            <a:schemeClr val="lt1"/>
-          </a:fontRef>
-        </p:style>
-        <p:txBody>
-          <a:bodyPr rtlCol="0" anchor="ctr"/>
-          <a:lstStyle/>
-          <a:p>
-            <a:pPr algn="ctr"/>
-            <a:endParaRPr lang="zh-CN" altLang="en-US"/>
-          </a:p>
-        </p:txBody>
-      </p:sp>
-      <p:sp>
-        <p:nvSpPr>
-          <p:cNvPr id="65" name="矩形 64"/>
-          <p:cNvSpPr/>
-          <p:nvPr/>
-        </p:nvSpPr>
-        <p:spPr>
-          <a:xfrm>
-            <a:off x="1389831" y="5848151"/>
-            <a:ext cx="697242" cy="369332"/>
-          </a:xfrm>
-          <a:prstGeom prst="rect">
-            <a:avLst/>
-          </a:prstGeom>
-        </p:spPr>
-        <p:txBody>
-          <a:bodyPr wrap="none">
-            <a:spAutoFit/>
-          </a:bodyPr>
-          <a:lstStyle/>
-          <a:p>
-            <a:r>
-              <a:rPr lang="en-US" altLang="zh-CN" b="1" dirty="0" smtClean="0">
-                <a:solidFill>
-                  <a:srgbClr val="048138"/>
-                </a:solidFill>
-                <a:effectLst/>
-              </a:rPr>
-              <a:t>Large</a:t>
-            </a:r>
-            <a:endParaRPr lang="zh-CN" altLang="en-US" dirty="0"/>
-          </a:p>
-        </p:txBody>
-      </p:sp>
-      <p:sp>
-        <p:nvSpPr>
-          <p:cNvPr id="66" name="矩形 65"/>
-          <p:cNvSpPr/>
-          <p:nvPr/>
-        </p:nvSpPr>
-        <p:spPr>
-          <a:xfrm>
-            <a:off x="2286108" y="4915555"/>
-            <a:ext cx="1143000" cy="381000"/>
-          </a:xfrm>
-          <a:prstGeom prst="rect">
-            <a:avLst/>
-          </a:prstGeom>
-        </p:spPr>
-        <p:style>
-          <a:lnRef idx="2">
-            <a:schemeClr val="accent1">
-              <a:shade val="50000"/>
-            </a:schemeClr>
-          </a:lnRef>
-          <a:fillRef idx="1">
-            <a:schemeClr val="accent1"/>
-          </a:fillRef>
-          <a:effectRef idx="0">
-            <a:schemeClr val="accent1"/>
-          </a:effectRef>
-          <a:fontRef idx="minor">
-            <a:schemeClr val="lt1"/>
-          </a:fontRef>
-        </p:style>
-        <p:txBody>
-          <a:bodyPr rtlCol="0" anchor="ctr"/>
-          <a:lstStyle/>
-          <a:p>
-            <a:pPr algn="ctr"/>
-            <a:endParaRPr lang="zh-CN" altLang="en-US"/>
-          </a:p>
-        </p:txBody>
-      </p:sp>
-      <p:sp>
-        <p:nvSpPr>
-          <p:cNvPr id="67" name="矩形 66"/>
-          <p:cNvSpPr/>
-          <p:nvPr/>
-        </p:nvSpPr>
-        <p:spPr>
-          <a:xfrm>
-            <a:off x="2286108" y="5391805"/>
-            <a:ext cx="1143000" cy="381000"/>
-          </a:xfrm>
-          <a:prstGeom prst="rect">
-            <a:avLst/>
-          </a:prstGeom>
-        </p:spPr>
-        <p:style>
-          <a:lnRef idx="2">
-            <a:schemeClr val="accent1">
-              <a:shade val="50000"/>
-            </a:schemeClr>
-          </a:lnRef>
-          <a:fillRef idx="1">
-            <a:schemeClr val="accent1"/>
-          </a:fillRef>
-          <a:effectRef idx="0">
-            <a:schemeClr val="accent1"/>
-          </a:effectRef>
-          <a:fontRef idx="minor">
-            <a:schemeClr val="lt1"/>
-          </a:fontRef>
-        </p:style>
-        <p:txBody>
-          <a:bodyPr rtlCol="0" anchor="ctr"/>
-          <a:lstStyle/>
-          <a:p>
-            <a:pPr algn="ctr"/>
-            <a:endParaRPr lang="zh-CN" altLang="en-US"/>
-          </a:p>
-        </p:txBody>
-      </p:sp>
-      <p:sp>
-        <p:nvSpPr>
-          <p:cNvPr id="69" name="矩形 68"/>
-          <p:cNvSpPr/>
-          <p:nvPr/>
-        </p:nvSpPr>
-        <p:spPr>
-          <a:xfrm>
-            <a:off x="2520159" y="5848151"/>
-            <a:ext cx="707245" cy="369332"/>
-          </a:xfrm>
-          <a:prstGeom prst="rect">
-            <a:avLst/>
-          </a:prstGeom>
-        </p:spPr>
-        <p:txBody>
-          <a:bodyPr wrap="none">
-            <a:spAutoFit/>
-          </a:bodyPr>
-          <a:lstStyle/>
-          <a:p>
-            <a:r>
-              <a:rPr lang="en-US" altLang="zh-CN" b="1" dirty="0" smtClean="0">
-                <a:solidFill>
-                  <a:srgbClr val="048138"/>
-                </a:solidFill>
-                <a:effectLst/>
-              </a:rPr>
-              <a:t>Small</a:t>
-            </a:r>
-            <a:endParaRPr lang="zh-CN" altLang="en-US" dirty="0"/>
-          </a:p>
-        </p:txBody>
-      </p:sp>
-      <p:sp>
-        <p:nvSpPr>
-          <p:cNvPr id="70" name="矩形 69"/>
-          <p:cNvSpPr/>
-          <p:nvPr/>
-        </p:nvSpPr>
-        <p:spPr>
-          <a:xfrm>
-            <a:off x="3510070" y="4925082"/>
-            <a:ext cx="1143000" cy="381000"/>
-          </a:xfrm>
-          <a:prstGeom prst="rect">
-            <a:avLst/>
-          </a:prstGeom>
-        </p:spPr>
-        <p:style>
-          <a:lnRef idx="2">
-            <a:schemeClr val="accent1">
-              <a:shade val="50000"/>
-            </a:schemeClr>
-          </a:lnRef>
-          <a:fillRef idx="1">
-            <a:schemeClr val="accent1"/>
-          </a:fillRef>
-          <a:effectRef idx="0">
-            <a:schemeClr val="accent1"/>
-          </a:effectRef>
-          <a:fontRef idx="minor">
-            <a:schemeClr val="lt1"/>
-          </a:fontRef>
-        </p:style>
-        <p:txBody>
-          <a:bodyPr rtlCol="0" anchor="ctr"/>
-          <a:lstStyle/>
-          <a:p>
-            <a:pPr algn="ctr"/>
-            <a:endParaRPr lang="zh-CN" altLang="en-US"/>
-          </a:p>
-        </p:txBody>
-      </p:sp>
-      <p:sp>
-        <p:nvSpPr>
-          <p:cNvPr id="71" name="矩形 70"/>
-          <p:cNvSpPr/>
-          <p:nvPr/>
-        </p:nvSpPr>
-        <p:spPr>
-          <a:xfrm>
-            <a:off x="3524358" y="5379933"/>
-            <a:ext cx="1143000" cy="381000"/>
-          </a:xfrm>
-          <a:prstGeom prst="rect">
-            <a:avLst/>
-          </a:prstGeom>
-        </p:spPr>
-        <p:style>
-          <a:lnRef idx="2">
-            <a:schemeClr val="accent1">
-              <a:shade val="50000"/>
-            </a:schemeClr>
-          </a:lnRef>
-          <a:fillRef idx="1">
-            <a:schemeClr val="accent1"/>
-          </a:fillRef>
-          <a:effectRef idx="0">
-            <a:schemeClr val="accent1"/>
-          </a:effectRef>
-          <a:fontRef idx="minor">
-            <a:schemeClr val="lt1"/>
-          </a:fontRef>
-        </p:style>
-        <p:txBody>
-          <a:bodyPr rtlCol="0" anchor="ctr"/>
-          <a:lstStyle/>
-          <a:p>
-            <a:pPr algn="ctr"/>
-            <a:endParaRPr lang="zh-CN" altLang="en-US"/>
-          </a:p>
-        </p:txBody>
-      </p:sp>
-      <p:sp>
-        <p:nvSpPr>
-          <p:cNvPr id="72" name="矩形 71"/>
-          <p:cNvSpPr/>
-          <p:nvPr/>
-        </p:nvSpPr>
-        <p:spPr>
-          <a:xfrm>
-            <a:off x="3660491" y="5848151"/>
-            <a:ext cx="992579" cy="369332"/>
-          </a:xfrm>
-          <a:prstGeom prst="rect">
-            <a:avLst/>
-          </a:prstGeom>
-        </p:spPr>
-        <p:txBody>
-          <a:bodyPr wrap="none">
-            <a:spAutoFit/>
-          </a:bodyPr>
-          <a:lstStyle/>
-          <a:p>
-            <a:r>
-              <a:rPr lang="en-US" altLang="zh-CN" b="1" dirty="0" smtClean="0">
-                <a:solidFill>
-                  <a:srgbClr val="048138"/>
-                </a:solidFill>
-                <a:effectLst/>
-              </a:rPr>
-              <a:t>Medium</a:t>
-            </a:r>
-            <a:endParaRPr lang="zh-CN" altLang="en-US" dirty="0"/>
-          </a:p>
-        </p:txBody>
-      </p:sp>
-      <p:cxnSp>
-        <p:nvCxnSpPr>
-          <p:cNvPr id="73" name="直接箭头连接符 72"/>
-          <p:cNvCxnSpPr>
-            <a:stCxn id="74" idx="2"/>
-          </p:cNvCxnSpPr>
-          <p:nvPr/>
-        </p:nvCxnSpPr>
-        <p:spPr>
-          <a:xfrm flipH="1">
-            <a:off x="2228958" y="4629805"/>
-            <a:ext cx="478727" cy="476250"/>
-          </a:xfrm>
-          <a:prstGeom prst="straightConnector1">
-            <a:avLst/>
-          </a:prstGeom>
-          <a:ln>
-            <a:solidFill>
-              <a:schemeClr val="tx1"/>
-            </a:solidFill>
-            <a:tailEnd type="triangle"/>
-          </a:ln>
-        </p:spPr>
-        <p:style>
-          <a:lnRef idx="1">
-            <a:schemeClr val="accent1"/>
-          </a:lnRef>
-          <a:fillRef idx="0">
-            <a:schemeClr val="accent1"/>
-          </a:fillRef>
-          <a:effectRef idx="0">
-            <a:schemeClr val="accent1"/>
-          </a:effectRef>
-          <a:fontRef idx="minor">
-            <a:schemeClr val="tx1"/>
-          </a:fontRef>
-        </p:style>
-      </p:cxnSp>
-      <p:sp>
-        <p:nvSpPr>
-          <p:cNvPr id="74" name="矩形 73"/>
-          <p:cNvSpPr/>
-          <p:nvPr/>
-        </p:nvSpPr>
-        <p:spPr>
-          <a:xfrm>
-            <a:off x="2263492" y="4260473"/>
-            <a:ext cx="888385" cy="369332"/>
-          </a:xfrm>
-          <a:prstGeom prst="rect">
-            <a:avLst/>
-          </a:prstGeom>
-        </p:spPr>
-        <p:txBody>
-          <a:bodyPr wrap="none">
-            <a:spAutoFit/>
-          </a:bodyPr>
-          <a:lstStyle/>
-          <a:p>
-            <a:r>
-              <a:rPr lang="en-US" altLang="zh-CN" dirty="0" smtClean="0">
-                <a:solidFill>
-                  <a:srgbClr val="000000"/>
-                </a:solidFill>
-                <a:effectLst/>
-              </a:rPr>
-              <a:t>spacing</a:t>
-            </a:r>
-            <a:endParaRPr lang="zh-CN" altLang="en-US" dirty="0"/>
-          </a:p>
-        </p:txBody>
-      </p:sp>
-      <p:cxnSp>
-        <p:nvCxnSpPr>
-          <p:cNvPr id="75" name="直接箭头连接符 74"/>
-          <p:cNvCxnSpPr>
-            <a:stCxn id="74" idx="2"/>
-          </p:cNvCxnSpPr>
-          <p:nvPr/>
-        </p:nvCxnSpPr>
-        <p:spPr>
-          <a:xfrm>
-            <a:off x="2707685" y="4629805"/>
-            <a:ext cx="13400" cy="729178"/>
-          </a:xfrm>
-          <a:prstGeom prst="straightConnector1">
-            <a:avLst/>
-          </a:prstGeom>
-          <a:ln>
-            <a:solidFill>
-              <a:schemeClr val="tx1"/>
-            </a:solidFill>
-            <a:tailEnd type="triangle"/>
-          </a:ln>
-        </p:spPr>
-        <p:style>
-          <a:lnRef idx="1">
-            <a:schemeClr val="accent1"/>
-          </a:lnRef>
-          <a:fillRef idx="0">
-            <a:schemeClr val="accent1"/>
-          </a:fillRef>
-          <a:effectRef idx="0">
-            <a:schemeClr val="accent1"/>
-          </a:effectRef>
-          <a:fontRef idx="minor">
-            <a:schemeClr val="tx1"/>
-          </a:fontRef>
-        </p:style>
-      </p:cxnSp>
-      <p:cxnSp>
-        <p:nvCxnSpPr>
-          <p:cNvPr id="76" name="直接箭头连接符 75"/>
-          <p:cNvCxnSpPr>
-            <a:stCxn id="74" idx="2"/>
-          </p:cNvCxnSpPr>
-          <p:nvPr/>
-        </p:nvCxnSpPr>
-        <p:spPr>
-          <a:xfrm>
-            <a:off x="2707685" y="4629805"/>
-            <a:ext cx="766490" cy="542389"/>
-          </a:xfrm>
-          <a:prstGeom prst="straightConnector1">
-            <a:avLst/>
-          </a:prstGeom>
-          <a:ln>
-            <a:solidFill>
-              <a:schemeClr val="tx1"/>
-            </a:solidFill>
-            <a:tailEnd type="triangle"/>
-          </a:ln>
-        </p:spPr>
-        <p:style>
-          <a:lnRef idx="1">
-            <a:schemeClr val="accent1"/>
-          </a:lnRef>
-          <a:fillRef idx="0">
-            <a:schemeClr val="accent1"/>
-          </a:fillRef>
-          <a:effectRef idx="0">
-            <a:schemeClr val="accent1"/>
-          </a:effectRef>
-          <a:fontRef idx="minor">
-            <a:schemeClr val="tx1"/>
-          </a:fontRef>
-        </p:style>
-      </p:cxnSp>
-      <p:sp>
-        <p:nvSpPr>
-          <p:cNvPr id="77" name="文本框 76"/>
-          <p:cNvSpPr txBox="1"/>
-          <p:nvPr/>
-        </p:nvSpPr>
-        <p:spPr>
-          <a:xfrm>
-            <a:off x="2485881" y="4025759"/>
-            <a:ext cx="2468368" cy="369332"/>
-          </a:xfrm>
-          <a:prstGeom prst="rect">
-            <a:avLst/>
-          </a:prstGeom>
-        </p:spPr>
-        <p:txBody>
-          <a:bodyPr wrap="none">
-            <a:spAutoFit/>
-          </a:bodyPr>
-          <a:lstStyle>
-            <a:defPPr>
-              <a:defRPr lang="zh-CN"/>
-            </a:defPPr>
-            <a:lvl1pPr>
-              <a:defRPr b="1">
-                <a:solidFill>
-                  <a:srgbClr val="D5412A"/>
-                </a:solidFill>
-                <a:effectLst/>
-              </a:defRPr>
-            </a:lvl1pPr>
-          </a:lstStyle>
-          <a:p>
-            <a:r>
-              <a:rPr lang="en-US" altLang="zh-CN" dirty="0" err="1" smtClean="0">
-                <a:solidFill>
-                  <a:srgbClr val="C00000"/>
-                </a:solidFill>
-              </a:rPr>
-              <a:t>SARibbonPannel</a:t>
-            </a:r>
-            <a:r>
-              <a:rPr lang="en-US" altLang="zh-CN" dirty="0" smtClean="0">
-                <a:solidFill>
-                  <a:srgbClr val="C00000"/>
-                </a:solidFill>
-              </a:rPr>
-              <a:t> : </a:t>
-            </a:r>
-            <a:r>
-              <a:rPr lang="en-US" altLang="zh-CN" dirty="0" err="1" smtClean="0">
-                <a:solidFill>
-                  <a:srgbClr val="C00000"/>
-                </a:solidFill>
-              </a:rPr>
-              <a:t>2Row</a:t>
-            </a:r>
-            <a:endParaRPr lang="zh-CN" altLang="en-US" dirty="0">
-              <a:solidFill>
-                <a:srgbClr val="C00000"/>
-              </a:solidFill>
-            </a:endParaRPr>
-          </a:p>
-        </p:txBody>
-      </p:sp>
-      <p:sp>
-        <p:nvSpPr>
-          <p:cNvPr id="80" name="文本框 79"/>
-          <p:cNvSpPr txBox="1"/>
-          <p:nvPr/>
-        </p:nvSpPr>
-        <p:spPr>
-          <a:xfrm>
-            <a:off x="7184581" y="1321113"/>
-            <a:ext cx="4729980" cy="369332"/>
-          </a:xfrm>
-          <a:prstGeom prst="rect">
-            <a:avLst/>
-          </a:prstGeom>
-          <a:noFill/>
-        </p:spPr>
-        <p:txBody>
-          <a:bodyPr wrap="square" rtlCol="0">
-            <a:spAutoFit/>
-          </a:bodyPr>
-          <a:lstStyle/>
-          <a:p>
-            <a:r>
-              <a:rPr lang="en-US" altLang="zh-CN" dirty="0" smtClean="0">
-                <a:latin typeface="微软雅黑" panose="020B0503020204020204" pitchFamily="34" charset="-122"/>
-                <a:ea typeface="微软雅黑" panose="020B0503020204020204" pitchFamily="34" charset="-122"/>
-              </a:rPr>
-              <a:t>3</a:t>
-            </a:r>
+          <a:lstStyle/>
+          <a:p>
             <a:r>
               <a:rPr lang="zh-CN" altLang="en-US" dirty="0" smtClean="0">
                 <a:latin typeface="微软雅黑" panose="020B0503020204020204" pitchFamily="34" charset="-122"/>
                 <a:ea typeface="微软雅黑" panose="020B0503020204020204" pitchFamily="34" charset="-122"/>
               </a:rPr>
-              <a:t>行模式下，</a:t>
-            </a:r>
-            <a:r>
-              <a:rPr lang="en-US" altLang="zh-CN" dirty="0" smtClean="0">
-                <a:latin typeface="微软雅黑" panose="020B0503020204020204" pitchFamily="34" charset="-122"/>
-                <a:ea typeface="微软雅黑" panose="020B0503020204020204" pitchFamily="34" charset="-122"/>
-              </a:rPr>
-              <a:t>Medium</a:t>
-            </a:r>
-            <a:r>
-              <a:rPr lang="zh-CN" altLang="en-US" dirty="0" smtClean="0">
-                <a:latin typeface="微软雅黑" panose="020B0503020204020204" pitchFamily="34" charset="-122"/>
-                <a:ea typeface="微软雅黑" panose="020B0503020204020204" pitchFamily="34" charset="-122"/>
-              </a:rPr>
-              <a:t>占两行</a:t>
-            </a:r>
-            <a:r>
-              <a:rPr lang="zh-CN" altLang="en-US" dirty="0">
-                <a:latin typeface="微软雅黑" panose="020B0503020204020204" pitchFamily="34" charset="-122"/>
-                <a:ea typeface="微软雅黑" panose="020B0503020204020204" pitchFamily="34" charset="-122"/>
-              </a:rPr>
-              <a:t>，</a:t>
-            </a:r>
-            <a:r>
-              <a:rPr lang="en-US" altLang="zh-CN" dirty="0" smtClean="0">
-                <a:latin typeface="微软雅黑" panose="020B0503020204020204" pitchFamily="34" charset="-122"/>
-                <a:ea typeface="微软雅黑" panose="020B0503020204020204" pitchFamily="34" charset="-122"/>
-              </a:rPr>
-              <a:t>Office</a:t>
-            </a:r>
-            <a:r>
-              <a:rPr lang="zh-CN" altLang="en-US" dirty="0" smtClean="0">
-                <a:latin typeface="微软雅黑" panose="020B0503020204020204" pitchFamily="34" charset="-122"/>
-                <a:ea typeface="微软雅黑" panose="020B0503020204020204" pitchFamily="34" charset="-122"/>
-              </a:rPr>
-              <a:t>示例</a:t>
+              <a:t>三行模式下的按钮</a:t>
             </a:r>
             <a:endParaRPr lang="zh-CN" altLang="en-US" dirty="0">
               <a:latin typeface="微软雅黑" panose="020B0503020204020204" pitchFamily="34" charset="-122"/>
@@ -8408,100 +6419,9 @@
           </a:p>
         </p:txBody>
       </p:sp>
-      <p:sp>
-        <p:nvSpPr>
-          <p:cNvPr id="81" name="文本框 80"/>
-          <p:cNvSpPr txBox="1"/>
-          <p:nvPr/>
-        </p:nvSpPr>
-        <p:spPr>
-          <a:xfrm>
-            <a:off x="6945079" y="4019725"/>
-            <a:ext cx="4975733" cy="646331"/>
-          </a:xfrm>
-          <a:prstGeom prst="rect">
-            <a:avLst/>
-          </a:prstGeom>
-          <a:noFill/>
-        </p:spPr>
-        <p:txBody>
-          <a:bodyPr wrap="square" rtlCol="0">
-            <a:spAutoFit/>
-          </a:bodyPr>
-          <a:lstStyle/>
-          <a:p>
-            <a:r>
-              <a:rPr lang="en-US" altLang="zh-CN" dirty="0" smtClean="0">
-                <a:latin typeface="微软雅黑" panose="020B0503020204020204" pitchFamily="34" charset="-122"/>
-                <a:ea typeface="微软雅黑" panose="020B0503020204020204" pitchFamily="34" charset="-122"/>
-              </a:rPr>
-              <a:t>2</a:t>
-            </a:r>
-            <a:r>
-              <a:rPr lang="zh-CN" altLang="en-US" dirty="0" smtClean="0">
-                <a:latin typeface="微软雅黑" panose="020B0503020204020204" pitchFamily="34" charset="-122"/>
-                <a:ea typeface="微软雅黑" panose="020B0503020204020204" pitchFamily="34" charset="-122"/>
-              </a:rPr>
-              <a:t>行模式下，</a:t>
-            </a:r>
-            <a:r>
-              <a:rPr lang="en-US" altLang="zh-CN" dirty="0" smtClean="0">
-                <a:latin typeface="微软雅黑" panose="020B0503020204020204" pitchFamily="34" charset="-122"/>
-                <a:ea typeface="微软雅黑" panose="020B0503020204020204" pitchFamily="34" charset="-122"/>
-              </a:rPr>
-              <a:t>Medium</a:t>
-            </a:r>
-            <a:r>
-              <a:rPr lang="zh-CN" altLang="en-US" dirty="0" smtClean="0">
-                <a:latin typeface="微软雅黑" panose="020B0503020204020204" pitchFamily="34" charset="-122"/>
-                <a:ea typeface="微软雅黑" panose="020B0503020204020204" pitchFamily="34" charset="-122"/>
-              </a:rPr>
-              <a:t>和</a:t>
-            </a:r>
-            <a:r>
-              <a:rPr lang="en-US" altLang="zh-CN" dirty="0" smtClean="0">
-                <a:latin typeface="微软雅黑" panose="020B0503020204020204" pitchFamily="34" charset="-122"/>
-                <a:ea typeface="微软雅黑" panose="020B0503020204020204" pitchFamily="34" charset="-122"/>
-              </a:rPr>
-              <a:t>Small</a:t>
-            </a:r>
-            <a:r>
-              <a:rPr lang="zh-CN" altLang="en-US" dirty="0" smtClean="0">
-                <a:latin typeface="微软雅黑" panose="020B0503020204020204" pitchFamily="34" charset="-122"/>
-                <a:ea typeface="微软雅黑" panose="020B0503020204020204" pitchFamily="34" charset="-122"/>
-              </a:rPr>
-              <a:t>一样，不做区分</a:t>
-            </a:r>
-            <a:endParaRPr lang="en-US" altLang="zh-CN" dirty="0" smtClean="0">
-              <a:latin typeface="微软雅黑" panose="020B0503020204020204" pitchFamily="34" charset="-122"/>
-              <a:ea typeface="微软雅黑" panose="020B0503020204020204" pitchFamily="34" charset="-122"/>
-            </a:endParaRPr>
-          </a:p>
-          <a:p>
-            <a:r>
-              <a:rPr lang="en-US" altLang="zh-CN" dirty="0" smtClean="0">
-                <a:latin typeface="微软雅黑" panose="020B0503020204020204" pitchFamily="34" charset="-122"/>
-                <a:ea typeface="微软雅黑" panose="020B0503020204020204" pitchFamily="34" charset="-122"/>
-              </a:rPr>
-              <a:t>WPS</a:t>
-            </a:r>
-            <a:r>
-              <a:rPr lang="zh-CN" altLang="en-US" dirty="0" smtClean="0">
-                <a:latin typeface="微软雅黑" panose="020B0503020204020204" pitchFamily="34" charset="-122"/>
-                <a:ea typeface="微软雅黑" panose="020B0503020204020204" pitchFamily="34" charset="-122"/>
-              </a:rPr>
-              <a:t>示例</a:t>
-            </a:r>
-            <a:endParaRPr lang="zh-CN" altLang="en-US" dirty="0">
-              <a:latin typeface="微软雅黑" panose="020B0503020204020204" pitchFamily="34" charset="-122"/>
-              <a:ea typeface="微软雅黑" panose="020B0503020204020204" pitchFamily="34" charset="-122"/>
-            </a:endParaRPr>
-          </a:p>
-        </p:txBody>
-      </p:sp>
       <p:pic>
         <p:nvPicPr>
-          <p:cNvPr id="82" name="图片 81"/>
+          <p:cNvPr id="38" name="图片 37"/>
           <p:cNvPicPr>
             <a:picLocks noChangeAspect="1"/>
           </p:cNvPicPr>
@@ -8515,412 +6435,17 @@
         </p:blipFill>
         <p:spPr>
           <a:xfrm>
-            <a:off x="7184581" y="1811380"/>
-            <a:ext cx="4457143" cy="1142857"/>
+            <a:off x="9087238" y="805359"/>
+            <a:ext cx="3104762" cy="1371429"/>
           </a:xfrm>
           <a:prstGeom prst="rect">
             <a:avLst/>
           </a:prstGeom>
         </p:spPr>
       </p:pic>
-      <p:sp>
-        <p:nvSpPr>
-          <p:cNvPr id="83" name="矩形 82"/>
-          <p:cNvSpPr/>
-          <p:nvPr/>
-        </p:nvSpPr>
-        <p:spPr>
-          <a:xfrm>
-            <a:off x="7003474" y="2975351"/>
-            <a:ext cx="697242" cy="369332"/>
-          </a:xfrm>
-          <a:prstGeom prst="rect">
-            <a:avLst/>
-          </a:prstGeom>
-        </p:spPr>
-        <p:txBody>
-          <a:bodyPr wrap="none">
-            <a:spAutoFit/>
-          </a:bodyPr>
-          <a:lstStyle/>
-          <a:p>
-            <a:r>
-              <a:rPr lang="en-US" altLang="zh-CN" b="1" dirty="0" smtClean="0">
-                <a:solidFill>
-                  <a:srgbClr val="048138"/>
-                </a:solidFill>
-                <a:effectLst/>
-              </a:rPr>
-              <a:t>Large</a:t>
-            </a:r>
-            <a:endParaRPr lang="zh-CN" altLang="en-US" dirty="0"/>
-          </a:p>
-        </p:txBody>
-      </p:sp>
-      <p:sp>
-        <p:nvSpPr>
-          <p:cNvPr id="84" name="矩形 83"/>
-          <p:cNvSpPr/>
-          <p:nvPr/>
-        </p:nvSpPr>
-        <p:spPr>
-          <a:xfrm>
-            <a:off x="8783146" y="3011241"/>
-            <a:ext cx="707245" cy="369332"/>
-          </a:xfrm>
-          <a:prstGeom prst="rect">
-            <a:avLst/>
-          </a:prstGeom>
-        </p:spPr>
-        <p:txBody>
-          <a:bodyPr wrap="none">
-            <a:spAutoFit/>
-          </a:bodyPr>
-          <a:lstStyle/>
-          <a:p>
-            <a:r>
-              <a:rPr lang="en-US" altLang="zh-CN" b="1" dirty="0" smtClean="0">
-                <a:solidFill>
-                  <a:srgbClr val="048138"/>
-                </a:solidFill>
-                <a:effectLst/>
-              </a:rPr>
-              <a:t>Small</a:t>
-            </a:r>
-            <a:endParaRPr lang="zh-CN" altLang="en-US" dirty="0"/>
-          </a:p>
-        </p:txBody>
-      </p:sp>
-      <p:sp>
-        <p:nvSpPr>
-          <p:cNvPr id="85" name="矩形 84"/>
-          <p:cNvSpPr/>
-          <p:nvPr/>
-        </p:nvSpPr>
-        <p:spPr>
-          <a:xfrm>
-            <a:off x="9840030" y="3011241"/>
-            <a:ext cx="992579" cy="369332"/>
-          </a:xfrm>
-          <a:prstGeom prst="rect">
-            <a:avLst/>
-          </a:prstGeom>
-        </p:spPr>
-        <p:txBody>
-          <a:bodyPr wrap="none">
-            <a:spAutoFit/>
-          </a:bodyPr>
-          <a:lstStyle/>
-          <a:p>
-            <a:r>
-              <a:rPr lang="en-US" altLang="zh-CN" b="1" dirty="0" smtClean="0">
-                <a:solidFill>
-                  <a:srgbClr val="048138"/>
-                </a:solidFill>
-                <a:effectLst/>
-              </a:rPr>
-              <a:t>Medium</a:t>
-            </a:r>
-            <a:endParaRPr lang="zh-CN" altLang="en-US" dirty="0"/>
-          </a:p>
-        </p:txBody>
-      </p:sp>
-      <p:sp>
-        <p:nvSpPr>
-          <p:cNvPr id="86" name="文本框 85"/>
-          <p:cNvSpPr txBox="1"/>
-          <p:nvPr/>
-        </p:nvSpPr>
-        <p:spPr>
-          <a:xfrm>
-            <a:off x="1316047" y="2753189"/>
-            <a:ext cx="4428333" cy="236652"/>
-          </a:xfrm>
-          <a:prstGeom prst="rect">
-            <a:avLst/>
-          </a:prstGeom>
-          <a:noFill/>
-          <a:ln>
-            <a:solidFill>
-              <a:schemeClr val="bg1">
-                <a:lumMod val="50000"/>
-              </a:schemeClr>
-            </a:solidFill>
-            <a:prstDash val="dash"/>
-          </a:ln>
-        </p:spPr>
-        <p:txBody>
-          <a:bodyPr wrap="square" lIns="0" tIns="0" rIns="0" bIns="0" rtlCol="0">
-            <a:noAutofit/>
-          </a:bodyPr>
-          <a:lstStyle/>
-          <a:p>
-            <a:pPr algn="ctr"/>
-            <a:r>
-              <a:rPr lang="en-US" altLang="zh-CN" sz="1400" dirty="0" err="1" smtClean="0"/>
-              <a:t>Pannel</a:t>
-            </a:r>
-            <a:r>
-              <a:rPr lang="en-US" altLang="zh-CN" sz="1400" dirty="0" smtClean="0"/>
-              <a:t> Title</a:t>
-            </a:r>
-            <a:endParaRPr lang="zh-CN" altLang="en-US" sz="1400" dirty="0"/>
-          </a:p>
-        </p:txBody>
-      </p:sp>
-      <p:cxnSp>
-        <p:nvCxnSpPr>
-          <p:cNvPr id="88" name="直接箭头连接符 87"/>
-          <p:cNvCxnSpPr>
-            <a:stCxn id="83" idx="0"/>
-          </p:cNvCxnSpPr>
-          <p:nvPr/>
-        </p:nvCxnSpPr>
-        <p:spPr>
-          <a:xfrm flipV="1">
-            <a:off x="7352095" y="2727661"/>
-            <a:ext cx="0" cy="247690"/>
-          </a:xfrm>
-          <a:prstGeom prst="straightConnector1">
-            <a:avLst/>
-          </a:prstGeom>
-          <a:ln>
-            <a:solidFill>
-              <a:srgbClr val="00B050"/>
-            </a:solidFill>
-            <a:tailEnd type="triangle"/>
-          </a:ln>
-        </p:spPr>
-        <p:style>
-          <a:lnRef idx="1">
-            <a:schemeClr val="accent1"/>
-          </a:lnRef>
-          <a:fillRef idx="0">
-            <a:schemeClr val="accent1"/>
-          </a:fillRef>
-          <a:effectRef idx="0">
-            <a:schemeClr val="accent1"/>
-          </a:effectRef>
-          <a:fontRef idx="minor">
-            <a:schemeClr val="tx1"/>
-          </a:fontRef>
-        </p:style>
-      </p:cxnSp>
-      <p:sp>
-        <p:nvSpPr>
-          <p:cNvPr id="90" name="矩形 89"/>
-          <p:cNvSpPr/>
-          <p:nvPr/>
-        </p:nvSpPr>
-        <p:spPr>
-          <a:xfrm>
-            <a:off x="8783146" y="2053251"/>
-            <a:ext cx="648565" cy="674410"/>
-          </a:xfrm>
-          <a:prstGeom prst="rect">
-            <a:avLst/>
-          </a:prstGeom>
-          <a:noFill/>
-          <a:ln>
-            <a:solidFill>
-              <a:srgbClr val="00B050"/>
-            </a:solidFill>
-          </a:ln>
-        </p:spPr>
-        <p:style>
-          <a:lnRef idx="2">
-            <a:schemeClr val="accent1">
-              <a:shade val="50000"/>
-            </a:schemeClr>
-          </a:lnRef>
-          <a:fillRef idx="1">
-            <a:schemeClr val="accent1"/>
-          </a:fillRef>
-          <a:effectRef idx="0">
-            <a:schemeClr val="accent1"/>
-          </a:effectRef>
-          <a:fontRef idx="minor">
-            <a:schemeClr val="lt1"/>
-          </a:fontRef>
-        </p:style>
-        <p:txBody>
-          <a:bodyPr rtlCol="0" anchor="ctr"/>
-          <a:lstStyle/>
-          <a:p>
-            <a:pPr algn="ctr"/>
-            <a:endParaRPr lang="zh-CN" altLang="en-US"/>
-          </a:p>
-        </p:txBody>
-      </p:sp>
-      <p:cxnSp>
-        <p:nvCxnSpPr>
-          <p:cNvPr id="92" name="直接箭头连接符 91"/>
-          <p:cNvCxnSpPr>
-            <a:stCxn id="84" idx="0"/>
-          </p:cNvCxnSpPr>
-          <p:nvPr/>
-        </p:nvCxnSpPr>
-        <p:spPr>
-          <a:xfrm flipH="1" flipV="1">
-            <a:off x="9126911" y="2727661"/>
-            <a:ext cx="9858" cy="283580"/>
-          </a:xfrm>
-          <a:prstGeom prst="straightConnector1">
-            <a:avLst/>
-          </a:prstGeom>
-          <a:ln>
-            <a:solidFill>
-              <a:srgbClr val="00B050"/>
-            </a:solidFill>
-            <a:tailEnd type="triangle"/>
-          </a:ln>
-        </p:spPr>
-        <p:style>
-          <a:lnRef idx="1">
-            <a:schemeClr val="accent1"/>
-          </a:lnRef>
-          <a:fillRef idx="0">
-            <a:schemeClr val="accent1"/>
-          </a:fillRef>
-          <a:effectRef idx="0">
-            <a:schemeClr val="accent1"/>
-          </a:effectRef>
-          <a:fontRef idx="minor">
-            <a:schemeClr val="tx1"/>
-          </a:fontRef>
-        </p:style>
-      </p:cxnSp>
-      <p:sp>
-        <p:nvSpPr>
-          <p:cNvPr id="93" name="矩形 92"/>
-          <p:cNvSpPr/>
-          <p:nvPr/>
-        </p:nvSpPr>
-        <p:spPr>
-          <a:xfrm>
-            <a:off x="9490391" y="2116751"/>
-            <a:ext cx="2084445" cy="285750"/>
-          </a:xfrm>
-          <a:prstGeom prst="rect">
-            <a:avLst/>
-          </a:prstGeom>
-          <a:noFill/>
-          <a:ln>
-            <a:solidFill>
-              <a:srgbClr val="00B050"/>
-            </a:solidFill>
-          </a:ln>
-        </p:spPr>
-        <p:style>
-          <a:lnRef idx="2">
-            <a:schemeClr val="accent1">
-              <a:shade val="50000"/>
-            </a:schemeClr>
-          </a:lnRef>
-          <a:fillRef idx="1">
-            <a:schemeClr val="accent1"/>
-          </a:fillRef>
-          <a:effectRef idx="0">
-            <a:schemeClr val="accent1"/>
-          </a:effectRef>
-          <a:fontRef idx="minor">
-            <a:schemeClr val="lt1"/>
-          </a:fontRef>
-        </p:style>
-        <p:txBody>
-          <a:bodyPr rtlCol="0" anchor="ctr"/>
-          <a:lstStyle/>
-          <a:p>
-            <a:pPr algn="ctr"/>
-            <a:endParaRPr lang="zh-CN" altLang="en-US"/>
-          </a:p>
-        </p:txBody>
-      </p:sp>
-      <p:sp>
-        <p:nvSpPr>
-          <p:cNvPr id="94" name="矩形 93"/>
-          <p:cNvSpPr/>
-          <p:nvPr/>
-        </p:nvSpPr>
-        <p:spPr>
-          <a:xfrm>
-            <a:off x="9490391" y="2441172"/>
-            <a:ext cx="2084445" cy="285750"/>
-          </a:xfrm>
-          <a:prstGeom prst="rect">
-            <a:avLst/>
-          </a:prstGeom>
-          <a:noFill/>
-          <a:ln>
-            <a:solidFill>
-              <a:srgbClr val="00B050"/>
-            </a:solidFill>
-          </a:ln>
-        </p:spPr>
-        <p:style>
-          <a:lnRef idx="2">
-            <a:schemeClr val="accent1">
-              <a:shade val="50000"/>
-            </a:schemeClr>
-          </a:lnRef>
-          <a:fillRef idx="1">
-            <a:schemeClr val="accent1"/>
-          </a:fillRef>
-          <a:effectRef idx="0">
-            <a:schemeClr val="accent1"/>
-          </a:effectRef>
-          <a:fontRef idx="minor">
-            <a:schemeClr val="lt1"/>
-          </a:fontRef>
-        </p:style>
-        <p:txBody>
-          <a:bodyPr rtlCol="0" anchor="ctr"/>
-          <a:lstStyle/>
-          <a:p>
-            <a:pPr algn="ctr"/>
-            <a:endParaRPr lang="zh-CN" altLang="en-US"/>
-          </a:p>
-        </p:txBody>
-      </p:sp>
-      <p:cxnSp>
-        <p:nvCxnSpPr>
-          <p:cNvPr id="95" name="直接箭头连接符 94"/>
-          <p:cNvCxnSpPr/>
-          <p:nvPr/>
-        </p:nvCxnSpPr>
-        <p:spPr>
-          <a:xfrm flipH="1" flipV="1">
-            <a:off x="10384317" y="2721134"/>
-            <a:ext cx="9858" cy="283580"/>
-          </a:xfrm>
-          <a:prstGeom prst="straightConnector1">
-            <a:avLst/>
-          </a:prstGeom>
-          <a:ln>
-            <a:solidFill>
-              <a:srgbClr val="00B050"/>
-            </a:solidFill>
-            <a:tailEnd type="triangle"/>
-          </a:ln>
-        </p:spPr>
-        <p:style>
-          <a:lnRef idx="1">
-            <a:schemeClr val="accent1"/>
-          </a:lnRef>
-          <a:fillRef idx="0">
-            <a:schemeClr val="accent1"/>
-          </a:fillRef>
-          <a:effectRef idx="0">
-            <a:schemeClr val="accent1"/>
-          </a:effectRef>
-          <a:fontRef idx="minor">
-            <a:schemeClr val="tx1"/>
-          </a:fontRef>
-        </p:style>
-      </p:cxnSp>
       <p:pic>
         <p:nvPicPr>
-          <p:cNvPr id="96" name="图片 95"/>
+          <p:cNvPr id="39" name="图片 38"/>
           <p:cNvPicPr>
             <a:picLocks noChangeAspect="1"/>
           </p:cNvPicPr>
@@ -8934,248 +6459,52 @@
         </p:blipFill>
         <p:spPr>
           <a:xfrm>
-            <a:off x="7018253" y="4615579"/>
-            <a:ext cx="4590476" cy="980952"/>
+            <a:off x="9087238" y="2563124"/>
+            <a:ext cx="3019048" cy="942857"/>
           </a:xfrm>
           <a:prstGeom prst="rect">
             <a:avLst/>
           </a:prstGeom>
         </p:spPr>
       </p:pic>
-      <p:sp>
-        <p:nvSpPr>
-          <p:cNvPr id="97" name="矩形 96"/>
-          <p:cNvSpPr/>
-          <p:nvPr/>
-        </p:nvSpPr>
-        <p:spPr>
-          <a:xfrm>
-            <a:off x="7003474" y="5736915"/>
-            <a:ext cx="697242" cy="369332"/>
-          </a:xfrm>
-          <a:prstGeom prst="rect">
-            <a:avLst/>
-          </a:prstGeom>
-        </p:spPr>
-        <p:txBody>
-          <a:bodyPr wrap="none">
-            <a:spAutoFit/>
-          </a:bodyPr>
-          <a:lstStyle/>
-          <a:p>
-            <a:r>
-              <a:rPr lang="en-US" altLang="zh-CN" b="1" dirty="0" smtClean="0">
-                <a:solidFill>
-                  <a:srgbClr val="048138"/>
-                </a:solidFill>
-                <a:effectLst/>
-              </a:rPr>
-              <a:t>Large</a:t>
-            </a:r>
-            <a:endParaRPr lang="zh-CN" altLang="en-US" dirty="0"/>
-          </a:p>
-        </p:txBody>
-      </p:sp>
-      <p:sp>
-        <p:nvSpPr>
-          <p:cNvPr id="98" name="矩形 97"/>
-          <p:cNvSpPr/>
-          <p:nvPr/>
-        </p:nvSpPr>
-        <p:spPr>
-          <a:xfrm>
-            <a:off x="7752508" y="5772805"/>
-            <a:ext cx="707245" cy="369332"/>
-          </a:xfrm>
-          <a:prstGeom prst="rect">
-            <a:avLst/>
-          </a:prstGeom>
-        </p:spPr>
-        <p:txBody>
-          <a:bodyPr wrap="none">
-            <a:spAutoFit/>
-          </a:bodyPr>
-          <a:lstStyle/>
-          <a:p>
-            <a:r>
-              <a:rPr lang="en-US" altLang="zh-CN" b="1" dirty="0" smtClean="0">
-                <a:solidFill>
-                  <a:srgbClr val="048138"/>
-                </a:solidFill>
-                <a:effectLst/>
-              </a:rPr>
-              <a:t>Small</a:t>
-            </a:r>
-            <a:endParaRPr lang="zh-CN" altLang="en-US" dirty="0"/>
-          </a:p>
-        </p:txBody>
-      </p:sp>
-      <p:sp>
-        <p:nvSpPr>
-          <p:cNvPr id="99" name="矩形 98"/>
-          <p:cNvSpPr/>
-          <p:nvPr/>
-        </p:nvSpPr>
-        <p:spPr>
-          <a:xfrm>
-            <a:off x="9840030" y="5772805"/>
-            <a:ext cx="992579" cy="369332"/>
-          </a:xfrm>
-          <a:prstGeom prst="rect">
-            <a:avLst/>
-          </a:prstGeom>
-        </p:spPr>
-        <p:txBody>
-          <a:bodyPr wrap="none">
-            <a:spAutoFit/>
-          </a:bodyPr>
-          <a:lstStyle/>
-          <a:p>
-            <a:r>
-              <a:rPr lang="en-US" altLang="zh-CN" b="1" dirty="0" smtClean="0">
-                <a:solidFill>
-                  <a:srgbClr val="048138"/>
-                </a:solidFill>
-                <a:effectLst/>
-              </a:rPr>
-              <a:t>Medium</a:t>
-            </a:r>
-            <a:endParaRPr lang="zh-CN" altLang="en-US" dirty="0"/>
-          </a:p>
-        </p:txBody>
-      </p:sp>
-      <p:cxnSp>
-        <p:nvCxnSpPr>
-          <p:cNvPr id="100" name="直接箭头连接符 99"/>
-          <p:cNvCxnSpPr>
-            <a:stCxn id="97" idx="0"/>
-          </p:cNvCxnSpPr>
-          <p:nvPr/>
-        </p:nvCxnSpPr>
-        <p:spPr>
-          <a:xfrm flipV="1">
-            <a:off x="7352095" y="5489225"/>
-            <a:ext cx="0" cy="247690"/>
-          </a:xfrm>
-          <a:prstGeom prst="straightConnector1">
-            <a:avLst/>
-          </a:prstGeom>
-          <a:ln>
-            <a:solidFill>
-              <a:srgbClr val="00B050"/>
-            </a:solidFill>
-            <a:tailEnd type="triangle"/>
-          </a:ln>
-        </p:spPr>
-        <p:style>
-          <a:lnRef idx="1">
-            <a:schemeClr val="accent1"/>
-          </a:lnRef>
-          <a:fillRef idx="0">
-            <a:schemeClr val="accent1"/>
-          </a:fillRef>
-          <a:effectRef idx="0">
-            <a:schemeClr val="accent1"/>
-          </a:effectRef>
-          <a:fontRef idx="minor">
-            <a:schemeClr val="tx1"/>
-          </a:fontRef>
-        </p:style>
-      </p:cxnSp>
-      <p:cxnSp>
-        <p:nvCxnSpPr>
-          <p:cNvPr id="101" name="直接箭头连接符 100"/>
-          <p:cNvCxnSpPr>
-            <a:stCxn id="98" idx="0"/>
-          </p:cNvCxnSpPr>
-          <p:nvPr/>
-        </p:nvCxnSpPr>
-        <p:spPr>
-          <a:xfrm flipH="1" flipV="1">
-            <a:off x="7870097" y="5489225"/>
-            <a:ext cx="236034" cy="283580"/>
-          </a:xfrm>
-          <a:prstGeom prst="straightConnector1">
-            <a:avLst/>
-          </a:prstGeom>
-          <a:ln>
-            <a:solidFill>
-              <a:srgbClr val="00B050"/>
-            </a:solidFill>
-            <a:tailEnd type="triangle"/>
-          </a:ln>
-        </p:spPr>
-        <p:style>
-          <a:lnRef idx="1">
-            <a:schemeClr val="accent1"/>
-          </a:lnRef>
-          <a:fillRef idx="0">
-            <a:schemeClr val="accent1"/>
-          </a:fillRef>
-          <a:effectRef idx="0">
-            <a:schemeClr val="accent1"/>
-          </a:effectRef>
-          <a:fontRef idx="minor">
-            <a:schemeClr val="tx1"/>
-          </a:fontRef>
-        </p:style>
-      </p:cxnSp>
-      <p:cxnSp>
-        <p:nvCxnSpPr>
-          <p:cNvPr id="102" name="直接箭头连接符 101"/>
-          <p:cNvCxnSpPr/>
-          <p:nvPr/>
-        </p:nvCxnSpPr>
-        <p:spPr>
-          <a:xfrm flipH="1" flipV="1">
-            <a:off x="10384317" y="5482698"/>
-            <a:ext cx="9858" cy="283580"/>
-          </a:xfrm>
-          <a:prstGeom prst="straightConnector1">
-            <a:avLst/>
-          </a:prstGeom>
-          <a:ln>
-            <a:solidFill>
-              <a:srgbClr val="00B050"/>
-            </a:solidFill>
-            <a:tailEnd type="triangle"/>
-          </a:ln>
-        </p:spPr>
-        <p:style>
-          <a:lnRef idx="1">
-            <a:schemeClr val="accent1"/>
-          </a:lnRef>
-          <a:fillRef idx="0">
-            <a:schemeClr val="accent1"/>
-          </a:fillRef>
-          <a:effectRef idx="0">
-            <a:schemeClr val="accent1"/>
-          </a:effectRef>
-          <a:fontRef idx="minor">
-            <a:schemeClr val="tx1"/>
-          </a:fontRef>
-        </p:style>
-      </p:cxnSp>
-      <p:sp>
-        <p:nvSpPr>
-          <p:cNvPr id="104" name="矩形 103"/>
-          <p:cNvSpPr/>
-          <p:nvPr/>
-        </p:nvSpPr>
-        <p:spPr>
-          <a:xfrm>
-            <a:off x="7468407" y="4925082"/>
-            <a:ext cx="565015" cy="613608"/>
-          </a:xfrm>
-          <a:prstGeom prst="rect">
-            <a:avLst/>
-          </a:prstGeom>
-          <a:noFill/>
-          <a:ln>
-            <a:solidFill>
-              <a:srgbClr val="00B050"/>
-            </a:solidFill>
-          </a:ln>
+      <p:pic>
+        <p:nvPicPr>
+          <p:cNvPr id="67" name="图片 66"/>
+          <p:cNvPicPr>
+            <a:picLocks noChangeAspect="1"/>
+          </p:cNvPicPr>
+          <p:nvPr/>
+        </p:nvPicPr>
+        <p:blipFill>
+          <a:blip r:embed="rId4"/>
+          <a:stretch>
+            <a:fillRect/>
+          </a:stretch>
+        </p:blipFill>
+        <p:spPr>
+          <a:xfrm>
+            <a:off x="9106286" y="3551402"/>
+            <a:ext cx="2980952" cy="980952"/>
+          </a:xfrm>
+          <a:prstGeom prst="rect">
+            <a:avLst/>
+          </a:prstGeom>
+        </p:spPr>
+      </p:pic>
+      <p:sp>
+        <p:nvSpPr>
+          <p:cNvPr id="69" name="矩形 68"/>
+          <p:cNvSpPr/>
+          <p:nvPr/>
+        </p:nvSpPr>
+        <p:spPr>
+          <a:xfrm>
+            <a:off x="2522450" y="941208"/>
+            <a:ext cx="1753712" cy="2069222"/>
+          </a:xfrm>
+          <a:prstGeom prst="rect">
+            <a:avLst/>
+          </a:prstGeom>
         </p:spPr>
         <p:style>
           <a:lnRef idx="2">
@@ -9204,22 +6533,156 @@
       </p:sp>
       <p:sp>
         <p:nvSpPr>
-          <p:cNvPr id="105" name="矩形 104"/>
-          <p:cNvSpPr/>
-          <p:nvPr/>
-        </p:nvSpPr>
-        <p:spPr>
-          <a:xfrm>
-            <a:off x="8518416" y="4941455"/>
-            <a:ext cx="2978259" cy="320455"/>
-          </a:xfrm>
-          <a:prstGeom prst="rect">
-            <a:avLst/>
-          </a:prstGeom>
-          <a:noFill/>
+          <p:cNvPr id="70" name="矩形 69"/>
+          <p:cNvSpPr/>
+          <p:nvPr/>
+        </p:nvSpPr>
+        <p:spPr>
+          <a:xfrm>
+            <a:off x="2702472" y="1087259"/>
+            <a:ext cx="1459389" cy="889000"/>
+          </a:xfrm>
+          <a:prstGeom prst="rect">
+            <a:avLst/>
+          </a:prstGeom>
+        </p:spPr>
+        <p:style>
+          <a:lnRef idx="2">
+            <a:schemeClr val="dk1">
+              <a:shade val="50000"/>
+            </a:schemeClr>
+          </a:lnRef>
+          <a:fillRef idx="1">
+            <a:schemeClr val="dk1"/>
+          </a:fillRef>
+          <a:effectRef idx="0">
+            <a:schemeClr val="dk1"/>
+          </a:effectRef>
+          <a:fontRef idx="minor">
+            <a:schemeClr val="lt1"/>
+          </a:fontRef>
+        </p:style>
+        <p:txBody>
+          <a:bodyPr rtlCol="0" anchor="ctr"/>
+          <a:lstStyle/>
+          <a:p>
+            <a:pPr algn="ctr"/>
+            <a:r>
+              <a:rPr lang="en-US" altLang="zh-CN" dirty="0" smtClean="0"/>
+              <a:t>ICON</a:t>
+            </a:r>
+            <a:endParaRPr lang="zh-CN" altLang="en-US" dirty="0"/>
+          </a:p>
+        </p:txBody>
+      </p:sp>
+      <p:sp>
+        <p:nvSpPr>
+          <p:cNvPr id="71" name="矩形 70"/>
+          <p:cNvSpPr/>
+          <p:nvPr/>
+        </p:nvSpPr>
+        <p:spPr>
+          <a:xfrm>
+            <a:off x="2702473" y="2005468"/>
+            <a:ext cx="1459388" cy="509132"/>
+          </a:xfrm>
+          <a:prstGeom prst="rect">
+            <a:avLst/>
+          </a:prstGeom>
+        </p:spPr>
+        <p:style>
+          <a:lnRef idx="2">
+            <a:schemeClr val="accent2">
+              <a:shade val="50000"/>
+            </a:schemeClr>
+          </a:lnRef>
+          <a:fillRef idx="1">
+            <a:schemeClr val="accent2"/>
+          </a:fillRef>
+          <a:effectRef idx="0">
+            <a:schemeClr val="accent2"/>
+          </a:effectRef>
+          <a:fontRef idx="minor">
+            <a:schemeClr val="lt1"/>
+          </a:fontRef>
+        </p:style>
+        <p:txBody>
+          <a:bodyPr rtlCol="0" anchor="ctr"/>
+          <a:lstStyle/>
+          <a:p>
+            <a:pPr algn="ctr"/>
+            <a:r>
+              <a:rPr lang="en-US" altLang="zh-CN" dirty="0" smtClean="0"/>
+              <a:t>Text </a:t>
+            </a:r>
+            <a:r>
+              <a:rPr lang="en-US" altLang="zh-CN" dirty="0" err="1" smtClean="0"/>
+              <a:t>Line1</a:t>
+            </a:r>
+            <a:endParaRPr lang="en-US" altLang="zh-CN" dirty="0" smtClean="0"/>
+          </a:p>
+        </p:txBody>
+      </p:sp>
+      <p:sp>
+        <p:nvSpPr>
+          <p:cNvPr id="72" name="矩形 71"/>
+          <p:cNvSpPr/>
+          <p:nvPr/>
+        </p:nvSpPr>
+        <p:spPr>
+          <a:xfrm>
+            <a:off x="2702472" y="2543808"/>
+            <a:ext cx="1459389" cy="375619"/>
+          </a:xfrm>
+          <a:prstGeom prst="rect">
+            <a:avLst/>
+          </a:prstGeom>
+        </p:spPr>
+        <p:style>
+          <a:lnRef idx="2">
+            <a:schemeClr val="accent6">
+              <a:shade val="50000"/>
+            </a:schemeClr>
+          </a:lnRef>
+          <a:fillRef idx="1">
+            <a:schemeClr val="accent6"/>
+          </a:fillRef>
+          <a:effectRef idx="0">
+            <a:schemeClr val="accent6"/>
+          </a:effectRef>
+          <a:fontRef idx="minor">
+            <a:schemeClr val="lt1"/>
+          </a:fontRef>
+        </p:style>
+        <p:txBody>
+          <a:bodyPr rtlCol="0" anchor="ctr"/>
+          <a:lstStyle/>
+          <a:p>
+            <a:pPr algn="ctr"/>
+            <a:endParaRPr lang="zh-CN" altLang="en-US"/>
+          </a:p>
+        </p:txBody>
+      </p:sp>
+      <p:sp>
+        <p:nvSpPr>
+          <p:cNvPr id="73" name="等腰三角形 72"/>
+          <p:cNvSpPr/>
+          <p:nvPr/>
+        </p:nvSpPr>
+        <p:spPr>
+          <a:xfrm rot="10800000">
+            <a:off x="3400417" y="2665812"/>
+            <a:ext cx="76200" cy="76200"/>
+          </a:xfrm>
+          <a:prstGeom prst="triangle">
+            <a:avLst/>
+          </a:prstGeom>
+          <a:solidFill>
+            <a:schemeClr val="tx1"/>
+          </a:solidFill>
           <a:ln>
             <a:solidFill>
-              <a:srgbClr val="00B050"/>
+              <a:schemeClr val="tx1"/>
             </a:solidFill>
           </a:ln>
         </p:spPr>
@@ -9250,47 +6713,73 @@
       </p:sp>
       <p:sp>
         <p:nvSpPr>
-          <p:cNvPr id="106" name="矩形 105"/>
-          <p:cNvSpPr/>
-          <p:nvPr/>
-        </p:nvSpPr>
-        <p:spPr>
-          <a:xfrm>
-            <a:off x="8518416" y="5256645"/>
-            <a:ext cx="2978259" cy="320455"/>
+          <p:cNvPr id="74" name="文本框 73"/>
+          <p:cNvSpPr txBox="1"/>
+          <p:nvPr/>
+        </p:nvSpPr>
+        <p:spPr>
+          <a:xfrm>
+            <a:off x="4832252" y="3099596"/>
+            <a:ext cx="2533748" cy="646331"/>
           </a:xfrm>
           <a:prstGeom prst="rect">
             <a:avLst/>
           </a:prstGeom>
           <a:noFill/>
-          <a:ln>
-            <a:solidFill>
-              <a:srgbClr val="00B050"/>
-            </a:solidFill>
-          </a:ln>
-        </p:spPr>
-        <p:style>
-          <a:lnRef idx="2">
-            <a:schemeClr val="accent1">
-              <a:shade val="50000"/>
-            </a:schemeClr>
-          </a:lnRef>
-          <a:fillRef idx="1">
-            <a:schemeClr val="accent1"/>
-          </a:fillRef>
-          <a:effectRef idx="0">
-            <a:schemeClr val="accent1"/>
-          </a:effectRef>
-          <a:fontRef idx="minor">
-            <a:schemeClr val="lt1"/>
-          </a:fontRef>
-        </p:style>
-        <p:txBody>
-          <a:bodyPr rtlCol="0" anchor="ctr"/>
-          <a:lstStyle/>
-          <a:p>
-            <a:pPr algn="ctr"/>
-            <a:endParaRPr lang="zh-CN" altLang="en-US"/>
+        </p:spPr>
+        <p:txBody>
+          <a:bodyPr wrap="square" rtlCol="0">
+            <a:spAutoFit/>
+          </a:bodyPr>
+          <a:lstStyle/>
+          <a:p>
+            <a:r>
+              <a:rPr lang="zh-CN" altLang="en-US" dirty="0" smtClean="0">
+                <a:latin typeface="微软雅黑" panose="020B0503020204020204" pitchFamily="34" charset="-122"/>
+                <a:ea typeface="微软雅黑" panose="020B0503020204020204" pitchFamily="34" charset="-122"/>
+              </a:rPr>
+              <a:t>三行模式下的按钮，文本换行，带下拉引导</a:t>
+            </a:r>
+            <a:endParaRPr lang="zh-CN" altLang="en-US" dirty="0">
+              <a:latin typeface="微软雅黑" panose="020B0503020204020204" pitchFamily="34" charset="-122"/>
+              <a:ea typeface="微软雅黑" panose="020B0503020204020204" pitchFamily="34" charset="-122"/>
+            </a:endParaRPr>
+          </a:p>
+        </p:txBody>
+      </p:sp>
+      <p:sp>
+        <p:nvSpPr>
+          <p:cNvPr id="75" name="文本框 74"/>
+          <p:cNvSpPr txBox="1"/>
+          <p:nvPr/>
+        </p:nvSpPr>
+        <p:spPr>
+          <a:xfrm>
+            <a:off x="2530357" y="3100036"/>
+            <a:ext cx="2155943" cy="923330"/>
+          </a:xfrm>
+          <a:prstGeom prst="rect">
+            <a:avLst/>
+          </a:prstGeom>
+          <a:noFill/>
+        </p:spPr>
+        <p:txBody>
+          <a:bodyPr wrap="square" rtlCol="0">
+            <a:spAutoFit/>
+          </a:bodyPr>
+          <a:lstStyle/>
+          <a:p>
+            <a:r>
+              <a:rPr lang="zh-CN" altLang="en-US" dirty="0" smtClean="0">
+                <a:latin typeface="微软雅黑" panose="020B0503020204020204" pitchFamily="34" charset="-122"/>
+                <a:ea typeface="微软雅黑" panose="020B0503020204020204" pitchFamily="34" charset="-122"/>
+              </a:rPr>
+              <a:t>三行模式下的按钮，文本不换行，带下拉引导</a:t>
+            </a:r>
+            <a:endParaRPr lang="zh-CN" altLang="en-US" dirty="0">
+              <a:latin typeface="微软雅黑" panose="020B0503020204020204" pitchFamily="34" charset="-122"/>
+              <a:ea typeface="微软雅黑" panose="020B0503020204020204" pitchFamily="34" charset="-122"/>
+            </a:endParaRPr>
           </a:p>
         </p:txBody>
       </p:sp>
@@ -9327,8 +6816,8 @@
         </p:nvSpPr>
         <p:spPr>
           <a:xfrm>
-            <a:off x="1210310" y="1519555"/>
-            <a:ext cx="10530840" cy="1493520"/>
+            <a:off x="1210611" y="1309512"/>
+            <a:ext cx="4828347" cy="1703750"/>
           </a:xfrm>
           <a:prstGeom prst="rect">
             <a:avLst/>
@@ -9372,6 +6861,2637 @@
       </p:sp>
       <p:sp>
         <p:nvSpPr>
+          <p:cNvPr id="5" name="文本框 4"/>
+          <p:cNvSpPr txBox="1"/>
+          <p:nvPr/>
+        </p:nvSpPr>
+        <p:spPr>
+          <a:xfrm>
+            <a:off x="2450761" y="450436"/>
+            <a:ext cx="2468368" cy="369332"/>
+          </a:xfrm>
+          <a:prstGeom prst="rect">
+            <a:avLst/>
+          </a:prstGeom>
+        </p:spPr>
+        <p:txBody>
+          <a:bodyPr wrap="none">
+            <a:spAutoFit/>
+          </a:bodyPr>
+          <a:lstStyle>
+            <a:defPPr>
+              <a:defRPr lang="zh-CN"/>
+            </a:defPPr>
+            <a:lvl1pPr>
+              <a:defRPr b="1">
+                <a:solidFill>
+                  <a:srgbClr val="D5412A"/>
+                </a:solidFill>
+                <a:effectLst/>
+              </a:defRPr>
+            </a:lvl1pPr>
+          </a:lstStyle>
+          <a:p>
+            <a:r>
+              <a:rPr lang="en-US" altLang="zh-CN" dirty="0" err="1" smtClean="0">
+                <a:solidFill>
+                  <a:srgbClr val="C00000"/>
+                </a:solidFill>
+              </a:rPr>
+              <a:t>SARibbonPannel</a:t>
+            </a:r>
+            <a:r>
+              <a:rPr lang="en-US" altLang="zh-CN" dirty="0" smtClean="0">
+                <a:solidFill>
+                  <a:srgbClr val="C00000"/>
+                </a:solidFill>
+              </a:rPr>
+              <a:t> : </a:t>
+            </a:r>
+            <a:r>
+              <a:rPr lang="en-US" altLang="zh-CN" dirty="0" err="1" smtClean="0">
+                <a:solidFill>
+                  <a:srgbClr val="C00000"/>
+                </a:solidFill>
+              </a:rPr>
+              <a:t>3Row</a:t>
+            </a:r>
+            <a:endParaRPr lang="zh-CN" altLang="en-US" dirty="0">
+              <a:solidFill>
+                <a:srgbClr val="C00000"/>
+              </a:solidFill>
+            </a:endParaRPr>
+          </a:p>
+        </p:txBody>
+      </p:sp>
+      <p:sp>
+        <p:nvSpPr>
+          <p:cNvPr id="6" name="矩形 5"/>
+          <p:cNvSpPr/>
+          <p:nvPr/>
+        </p:nvSpPr>
+        <p:spPr>
+          <a:xfrm>
+            <a:off x="1316047" y="1383331"/>
+            <a:ext cx="4638675" cy="1333500"/>
+          </a:xfrm>
+          <a:prstGeom prst="rect">
+            <a:avLst/>
+          </a:prstGeom>
+          <a:solidFill>
+            <a:schemeClr val="bg1"/>
+          </a:solidFill>
+        </p:spPr>
+        <p:style>
+          <a:lnRef idx="2">
+            <a:schemeClr val="accent1">
+              <a:shade val="50000"/>
+            </a:schemeClr>
+          </a:lnRef>
+          <a:fillRef idx="1">
+            <a:schemeClr val="accent1"/>
+          </a:fillRef>
+          <a:effectRef idx="0">
+            <a:schemeClr val="accent1"/>
+          </a:effectRef>
+          <a:fontRef idx="minor">
+            <a:schemeClr val="lt1"/>
+          </a:fontRef>
+        </p:style>
+        <p:txBody>
+          <a:bodyPr rtlCol="0" anchor="ctr"/>
+          <a:lstStyle/>
+          <a:p>
+            <a:pPr algn="ctr"/>
+            <a:endParaRPr lang="zh-CN" altLang="en-US"/>
+          </a:p>
+        </p:txBody>
+      </p:sp>
+      <p:cxnSp>
+        <p:nvCxnSpPr>
+          <p:cNvPr id="8" name="直接箭头连接符 7"/>
+          <p:cNvCxnSpPr/>
+          <p:nvPr/>
+        </p:nvCxnSpPr>
+        <p:spPr>
+          <a:xfrm flipH="1">
+            <a:off x="4211648" y="1145206"/>
+            <a:ext cx="171450" cy="164306"/>
+          </a:xfrm>
+          <a:prstGeom prst="straightConnector1">
+            <a:avLst/>
+          </a:prstGeom>
+          <a:ln>
+            <a:solidFill>
+              <a:srgbClr val="C00000"/>
+            </a:solidFill>
+            <a:tailEnd type="triangle"/>
+          </a:ln>
+        </p:spPr>
+        <p:style>
+          <a:lnRef idx="1">
+            <a:schemeClr val="accent1"/>
+          </a:lnRef>
+          <a:fillRef idx="0">
+            <a:schemeClr val="accent1"/>
+          </a:fillRef>
+          <a:effectRef idx="0">
+            <a:schemeClr val="accent1"/>
+          </a:effectRef>
+          <a:fontRef idx="minor">
+            <a:schemeClr val="tx1"/>
+          </a:fontRef>
+        </p:style>
+      </p:cxnSp>
+      <p:sp>
+        <p:nvSpPr>
+          <p:cNvPr id="9" name="矩形 8"/>
+          <p:cNvSpPr/>
+          <p:nvPr/>
+        </p:nvSpPr>
+        <p:spPr>
+          <a:xfrm>
+            <a:off x="3666711" y="852590"/>
+            <a:ext cx="1784784" cy="369332"/>
+          </a:xfrm>
+          <a:prstGeom prst="rect">
+            <a:avLst/>
+          </a:prstGeom>
+        </p:spPr>
+        <p:txBody>
+          <a:bodyPr wrap="none">
+            <a:spAutoFit/>
+          </a:bodyPr>
+          <a:lstStyle/>
+          <a:p>
+            <a:r>
+              <a:rPr lang="en-US" altLang="zh-CN" b="1" dirty="0" err="1" smtClean="0">
+                <a:solidFill>
+                  <a:schemeClr val="accent1">
+                    <a:lumMod val="75000"/>
+                  </a:schemeClr>
+                </a:solidFill>
+                <a:effectLst/>
+              </a:rPr>
+              <a:t>contentsMargins</a:t>
+            </a:r>
+            <a:endParaRPr lang="zh-CN" altLang="en-US" dirty="0">
+              <a:solidFill>
+                <a:schemeClr val="accent1">
+                  <a:lumMod val="75000"/>
+                </a:schemeClr>
+              </a:solidFill>
+            </a:endParaRPr>
+          </a:p>
+        </p:txBody>
+      </p:sp>
+      <p:sp>
+        <p:nvSpPr>
+          <p:cNvPr id="11" name="矩形 10"/>
+          <p:cNvSpPr/>
+          <p:nvPr/>
+        </p:nvSpPr>
+        <p:spPr>
+          <a:xfrm>
+            <a:off x="5786537" y="2774397"/>
+            <a:ext cx="168185" cy="164756"/>
+          </a:xfrm>
+          <a:prstGeom prst="rect">
+            <a:avLst/>
+          </a:prstGeom>
+          <a:solidFill>
+            <a:schemeClr val="accent2"/>
+          </a:solidFill>
+        </p:spPr>
+        <p:style>
+          <a:lnRef idx="2">
+            <a:schemeClr val="accent1">
+              <a:shade val="50000"/>
+            </a:schemeClr>
+          </a:lnRef>
+          <a:fillRef idx="1">
+            <a:schemeClr val="accent1"/>
+          </a:fillRef>
+          <a:effectRef idx="0">
+            <a:schemeClr val="accent1"/>
+          </a:effectRef>
+          <a:fontRef idx="minor">
+            <a:schemeClr val="lt1"/>
+          </a:fontRef>
+        </p:style>
+        <p:txBody>
+          <a:bodyPr rtlCol="0" anchor="ctr"/>
+          <a:lstStyle/>
+          <a:p>
+            <a:pPr algn="ctr"/>
+            <a:endParaRPr lang="zh-CN" altLang="en-US"/>
+          </a:p>
+        </p:txBody>
+      </p:sp>
+      <p:sp>
+        <p:nvSpPr>
+          <p:cNvPr id="12" name="矩形 11"/>
+          <p:cNvSpPr/>
+          <p:nvPr/>
+        </p:nvSpPr>
+        <p:spPr>
+          <a:xfrm>
+            <a:off x="4936689" y="3215412"/>
+            <a:ext cx="1464568" cy="369332"/>
+          </a:xfrm>
+          <a:prstGeom prst="rect">
+            <a:avLst/>
+          </a:prstGeom>
+        </p:spPr>
+        <p:txBody>
+          <a:bodyPr wrap="none">
+            <a:spAutoFit/>
+          </a:bodyPr>
+          <a:lstStyle/>
+          <a:p>
+            <a:r>
+              <a:rPr lang="en-US" altLang="zh-CN" b="1" dirty="0" err="1" smtClean="0">
+                <a:solidFill>
+                  <a:srgbClr val="D5412A"/>
+                </a:solidFill>
+                <a:effectLst/>
+              </a:rPr>
+              <a:t>OptionAction</a:t>
+            </a:r>
+            <a:endParaRPr lang="zh-CN" altLang="en-US" dirty="0"/>
+          </a:p>
+        </p:txBody>
+      </p:sp>
+      <p:cxnSp>
+        <p:nvCxnSpPr>
+          <p:cNvPr id="14" name="直接箭头连接符 13"/>
+          <p:cNvCxnSpPr/>
+          <p:nvPr/>
+        </p:nvCxnSpPr>
+        <p:spPr>
+          <a:xfrm flipV="1">
+            <a:off x="5668973" y="3079401"/>
+            <a:ext cx="75407" cy="123825"/>
+          </a:xfrm>
+          <a:prstGeom prst="straightConnector1">
+            <a:avLst/>
+          </a:prstGeom>
+          <a:ln>
+            <a:solidFill>
+              <a:schemeClr val="accent2"/>
+            </a:solidFill>
+            <a:tailEnd type="triangle"/>
+          </a:ln>
+        </p:spPr>
+        <p:style>
+          <a:lnRef idx="1">
+            <a:schemeClr val="accent1"/>
+          </a:lnRef>
+          <a:fillRef idx="0">
+            <a:schemeClr val="accent1"/>
+          </a:fillRef>
+          <a:effectRef idx="0">
+            <a:schemeClr val="accent1"/>
+          </a:effectRef>
+          <a:fontRef idx="minor">
+            <a:schemeClr val="tx1"/>
+          </a:fontRef>
+        </p:style>
+      </p:cxnSp>
+      <p:sp>
+        <p:nvSpPr>
+          <p:cNvPr id="15" name="矩形 14"/>
+          <p:cNvSpPr/>
+          <p:nvPr/>
+        </p:nvSpPr>
+        <p:spPr>
+          <a:xfrm>
+            <a:off x="1316047" y="1383331"/>
+            <a:ext cx="857251" cy="1333500"/>
+          </a:xfrm>
+          <a:prstGeom prst="rect">
+            <a:avLst/>
+          </a:prstGeom>
+        </p:spPr>
+        <p:style>
+          <a:lnRef idx="2">
+            <a:schemeClr val="accent1">
+              <a:shade val="50000"/>
+            </a:schemeClr>
+          </a:lnRef>
+          <a:fillRef idx="1">
+            <a:schemeClr val="accent1"/>
+          </a:fillRef>
+          <a:effectRef idx="0">
+            <a:schemeClr val="accent1"/>
+          </a:effectRef>
+          <a:fontRef idx="minor">
+            <a:schemeClr val="lt1"/>
+          </a:fontRef>
+        </p:style>
+        <p:txBody>
+          <a:bodyPr rtlCol="0" anchor="ctr"/>
+          <a:lstStyle/>
+          <a:p>
+            <a:pPr algn="ctr"/>
+            <a:endParaRPr lang="zh-CN" altLang="en-US"/>
+          </a:p>
+        </p:txBody>
+      </p:sp>
+      <p:sp>
+        <p:nvSpPr>
+          <p:cNvPr id="16" name="矩形 15"/>
+          <p:cNvSpPr/>
+          <p:nvPr/>
+        </p:nvSpPr>
+        <p:spPr>
+          <a:xfrm>
+            <a:off x="1404119" y="3035528"/>
+            <a:ext cx="697242" cy="369332"/>
+          </a:xfrm>
+          <a:prstGeom prst="rect">
+            <a:avLst/>
+          </a:prstGeom>
+        </p:spPr>
+        <p:txBody>
+          <a:bodyPr wrap="none">
+            <a:spAutoFit/>
+          </a:bodyPr>
+          <a:lstStyle/>
+          <a:p>
+            <a:r>
+              <a:rPr lang="en-US" altLang="zh-CN" b="1" dirty="0" smtClean="0">
+                <a:solidFill>
+                  <a:srgbClr val="048138"/>
+                </a:solidFill>
+                <a:effectLst/>
+              </a:rPr>
+              <a:t>Large</a:t>
+            </a:r>
+            <a:endParaRPr lang="zh-CN" altLang="en-US" dirty="0"/>
+          </a:p>
+        </p:txBody>
+      </p:sp>
+      <p:sp>
+        <p:nvSpPr>
+          <p:cNvPr id="17" name="矩形 16"/>
+          <p:cNvSpPr/>
+          <p:nvPr/>
+        </p:nvSpPr>
+        <p:spPr>
+          <a:xfrm>
+            <a:off x="2268548" y="1383331"/>
+            <a:ext cx="1143000" cy="381000"/>
+          </a:xfrm>
+          <a:prstGeom prst="rect">
+            <a:avLst/>
+          </a:prstGeom>
+        </p:spPr>
+        <p:style>
+          <a:lnRef idx="2">
+            <a:schemeClr val="accent1">
+              <a:shade val="50000"/>
+            </a:schemeClr>
+          </a:lnRef>
+          <a:fillRef idx="1">
+            <a:schemeClr val="accent1"/>
+          </a:fillRef>
+          <a:effectRef idx="0">
+            <a:schemeClr val="accent1"/>
+          </a:effectRef>
+          <a:fontRef idx="minor">
+            <a:schemeClr val="lt1"/>
+          </a:fontRef>
+        </p:style>
+        <p:txBody>
+          <a:bodyPr rtlCol="0" anchor="ctr"/>
+          <a:lstStyle/>
+          <a:p>
+            <a:pPr algn="ctr"/>
+            <a:endParaRPr lang="zh-CN" altLang="en-US"/>
+          </a:p>
+        </p:txBody>
+      </p:sp>
+      <p:sp>
+        <p:nvSpPr>
+          <p:cNvPr id="18" name="矩形 17"/>
+          <p:cNvSpPr/>
+          <p:nvPr/>
+        </p:nvSpPr>
+        <p:spPr>
+          <a:xfrm>
+            <a:off x="2268548" y="1859581"/>
+            <a:ext cx="1143000" cy="381000"/>
+          </a:xfrm>
+          <a:prstGeom prst="rect">
+            <a:avLst/>
+          </a:prstGeom>
+        </p:spPr>
+        <p:style>
+          <a:lnRef idx="2">
+            <a:schemeClr val="accent1">
+              <a:shade val="50000"/>
+            </a:schemeClr>
+          </a:lnRef>
+          <a:fillRef idx="1">
+            <a:schemeClr val="accent1"/>
+          </a:fillRef>
+          <a:effectRef idx="0">
+            <a:schemeClr val="accent1"/>
+          </a:effectRef>
+          <a:fontRef idx="minor">
+            <a:schemeClr val="lt1"/>
+          </a:fontRef>
+        </p:style>
+        <p:txBody>
+          <a:bodyPr rtlCol="0" anchor="ctr"/>
+          <a:lstStyle/>
+          <a:p>
+            <a:pPr algn="ctr"/>
+            <a:endParaRPr lang="zh-CN" altLang="en-US"/>
+          </a:p>
+        </p:txBody>
+      </p:sp>
+      <p:sp>
+        <p:nvSpPr>
+          <p:cNvPr id="19" name="矩形 18"/>
+          <p:cNvSpPr/>
+          <p:nvPr/>
+        </p:nvSpPr>
+        <p:spPr>
+          <a:xfrm>
+            <a:off x="2268548" y="2327134"/>
+            <a:ext cx="1143000" cy="381000"/>
+          </a:xfrm>
+          <a:prstGeom prst="rect">
+            <a:avLst/>
+          </a:prstGeom>
+        </p:spPr>
+        <p:style>
+          <a:lnRef idx="2">
+            <a:schemeClr val="accent1">
+              <a:shade val="50000"/>
+            </a:schemeClr>
+          </a:lnRef>
+          <a:fillRef idx="1">
+            <a:schemeClr val="accent1"/>
+          </a:fillRef>
+          <a:effectRef idx="0">
+            <a:schemeClr val="accent1"/>
+          </a:effectRef>
+          <a:fontRef idx="minor">
+            <a:schemeClr val="lt1"/>
+          </a:fontRef>
+        </p:style>
+        <p:txBody>
+          <a:bodyPr rtlCol="0" anchor="ctr"/>
+          <a:lstStyle/>
+          <a:p>
+            <a:pPr algn="ctr"/>
+            <a:endParaRPr lang="zh-CN" altLang="en-US"/>
+          </a:p>
+        </p:txBody>
+      </p:sp>
+      <p:sp>
+        <p:nvSpPr>
+          <p:cNvPr id="20" name="矩形 19"/>
+          <p:cNvSpPr/>
+          <p:nvPr/>
+        </p:nvSpPr>
+        <p:spPr>
+          <a:xfrm>
+            <a:off x="2395495" y="3035528"/>
+            <a:ext cx="707245" cy="369332"/>
+          </a:xfrm>
+          <a:prstGeom prst="rect">
+            <a:avLst/>
+          </a:prstGeom>
+        </p:spPr>
+        <p:txBody>
+          <a:bodyPr wrap="none">
+            <a:spAutoFit/>
+          </a:bodyPr>
+          <a:lstStyle/>
+          <a:p>
+            <a:r>
+              <a:rPr lang="en-US" altLang="zh-CN" b="1" dirty="0" smtClean="0">
+                <a:solidFill>
+                  <a:srgbClr val="048138"/>
+                </a:solidFill>
+                <a:effectLst/>
+              </a:rPr>
+              <a:t>Small</a:t>
+            </a:r>
+            <a:endParaRPr lang="zh-CN" altLang="en-US" dirty="0"/>
+          </a:p>
+        </p:txBody>
+      </p:sp>
+      <p:sp>
+        <p:nvSpPr>
+          <p:cNvPr id="21" name="矩形 20"/>
+          <p:cNvSpPr/>
+          <p:nvPr/>
+        </p:nvSpPr>
+        <p:spPr>
+          <a:xfrm>
+            <a:off x="3492510" y="1566171"/>
+            <a:ext cx="1143000" cy="381000"/>
+          </a:xfrm>
+          <a:prstGeom prst="rect">
+            <a:avLst/>
+          </a:prstGeom>
+        </p:spPr>
+        <p:style>
+          <a:lnRef idx="2">
+            <a:schemeClr val="accent1">
+              <a:shade val="50000"/>
+            </a:schemeClr>
+          </a:lnRef>
+          <a:fillRef idx="1">
+            <a:schemeClr val="accent1"/>
+          </a:fillRef>
+          <a:effectRef idx="0">
+            <a:schemeClr val="accent1"/>
+          </a:effectRef>
+          <a:fontRef idx="minor">
+            <a:schemeClr val="lt1"/>
+          </a:fontRef>
+        </p:style>
+        <p:txBody>
+          <a:bodyPr rtlCol="0" anchor="ctr"/>
+          <a:lstStyle/>
+          <a:p>
+            <a:pPr algn="ctr"/>
+            <a:endParaRPr lang="zh-CN" altLang="en-US"/>
+          </a:p>
+        </p:txBody>
+      </p:sp>
+      <p:sp>
+        <p:nvSpPr>
+          <p:cNvPr id="22" name="矩形 21"/>
+          <p:cNvSpPr/>
+          <p:nvPr/>
+        </p:nvSpPr>
+        <p:spPr>
+          <a:xfrm>
+            <a:off x="3492510" y="2126003"/>
+            <a:ext cx="1143000" cy="381000"/>
+          </a:xfrm>
+          <a:prstGeom prst="rect">
+            <a:avLst/>
+          </a:prstGeom>
+        </p:spPr>
+        <p:style>
+          <a:lnRef idx="2">
+            <a:schemeClr val="accent1">
+              <a:shade val="50000"/>
+            </a:schemeClr>
+          </a:lnRef>
+          <a:fillRef idx="1">
+            <a:schemeClr val="accent1"/>
+          </a:fillRef>
+          <a:effectRef idx="0">
+            <a:schemeClr val="accent1"/>
+          </a:effectRef>
+          <a:fontRef idx="minor">
+            <a:schemeClr val="lt1"/>
+          </a:fontRef>
+        </p:style>
+        <p:txBody>
+          <a:bodyPr rtlCol="0" anchor="ctr"/>
+          <a:lstStyle/>
+          <a:p>
+            <a:pPr algn="ctr"/>
+            <a:endParaRPr lang="zh-CN" altLang="en-US"/>
+          </a:p>
+        </p:txBody>
+      </p:sp>
+      <p:sp>
+        <p:nvSpPr>
+          <p:cNvPr id="23" name="矩形 22"/>
+          <p:cNvSpPr/>
+          <p:nvPr/>
+        </p:nvSpPr>
+        <p:spPr>
+          <a:xfrm>
+            <a:off x="3674779" y="3035528"/>
+            <a:ext cx="992579" cy="369332"/>
+          </a:xfrm>
+          <a:prstGeom prst="rect">
+            <a:avLst/>
+          </a:prstGeom>
+        </p:spPr>
+        <p:txBody>
+          <a:bodyPr wrap="none">
+            <a:spAutoFit/>
+          </a:bodyPr>
+          <a:lstStyle/>
+          <a:p>
+            <a:r>
+              <a:rPr lang="en-US" altLang="zh-CN" b="1" dirty="0" smtClean="0">
+                <a:solidFill>
+                  <a:srgbClr val="048138"/>
+                </a:solidFill>
+                <a:effectLst/>
+              </a:rPr>
+              <a:t>Medium</a:t>
+            </a:r>
+            <a:endParaRPr lang="zh-CN" altLang="en-US" dirty="0"/>
+          </a:p>
+        </p:txBody>
+      </p:sp>
+      <p:cxnSp>
+        <p:nvCxnSpPr>
+          <p:cNvPr id="25" name="直接箭头连接符 24"/>
+          <p:cNvCxnSpPr>
+            <a:stCxn id="27" idx="2"/>
+          </p:cNvCxnSpPr>
+          <p:nvPr/>
+        </p:nvCxnSpPr>
+        <p:spPr>
+          <a:xfrm flipH="1">
+            <a:off x="2211398" y="1097581"/>
+            <a:ext cx="478727" cy="476250"/>
+          </a:xfrm>
+          <a:prstGeom prst="straightConnector1">
+            <a:avLst/>
+          </a:prstGeom>
+          <a:ln>
+            <a:solidFill>
+              <a:schemeClr val="tx1"/>
+            </a:solidFill>
+            <a:tailEnd type="triangle"/>
+          </a:ln>
+        </p:spPr>
+        <p:style>
+          <a:lnRef idx="1">
+            <a:schemeClr val="accent1"/>
+          </a:lnRef>
+          <a:fillRef idx="0">
+            <a:schemeClr val="accent1"/>
+          </a:fillRef>
+          <a:effectRef idx="0">
+            <a:schemeClr val="accent1"/>
+          </a:effectRef>
+          <a:fontRef idx="minor">
+            <a:schemeClr val="tx1"/>
+          </a:fontRef>
+        </p:style>
+      </p:cxnSp>
+      <p:sp>
+        <p:nvSpPr>
+          <p:cNvPr id="27" name="矩形 26"/>
+          <p:cNvSpPr/>
+          <p:nvPr/>
+        </p:nvSpPr>
+        <p:spPr>
+          <a:xfrm>
+            <a:off x="2245932" y="728249"/>
+            <a:ext cx="888385" cy="369332"/>
+          </a:xfrm>
+          <a:prstGeom prst="rect">
+            <a:avLst/>
+          </a:prstGeom>
+        </p:spPr>
+        <p:txBody>
+          <a:bodyPr wrap="none">
+            <a:spAutoFit/>
+          </a:bodyPr>
+          <a:lstStyle/>
+          <a:p>
+            <a:r>
+              <a:rPr lang="en-US" altLang="zh-CN" dirty="0" smtClean="0">
+                <a:solidFill>
+                  <a:srgbClr val="000000"/>
+                </a:solidFill>
+                <a:effectLst/>
+              </a:rPr>
+              <a:t>spacing</a:t>
+            </a:r>
+            <a:endParaRPr lang="zh-CN" altLang="en-US" dirty="0"/>
+          </a:p>
+        </p:txBody>
+      </p:sp>
+      <p:cxnSp>
+        <p:nvCxnSpPr>
+          <p:cNvPr id="28" name="直接箭头连接符 27"/>
+          <p:cNvCxnSpPr>
+            <a:stCxn id="27" idx="2"/>
+          </p:cNvCxnSpPr>
+          <p:nvPr/>
+        </p:nvCxnSpPr>
+        <p:spPr>
+          <a:xfrm>
+            <a:off x="2690125" y="1097581"/>
+            <a:ext cx="13400" cy="729178"/>
+          </a:xfrm>
+          <a:prstGeom prst="straightConnector1">
+            <a:avLst/>
+          </a:prstGeom>
+          <a:ln>
+            <a:solidFill>
+              <a:schemeClr val="tx1"/>
+            </a:solidFill>
+            <a:tailEnd type="triangle"/>
+          </a:ln>
+        </p:spPr>
+        <p:style>
+          <a:lnRef idx="1">
+            <a:schemeClr val="accent1"/>
+          </a:lnRef>
+          <a:fillRef idx="0">
+            <a:schemeClr val="accent1"/>
+          </a:fillRef>
+          <a:effectRef idx="0">
+            <a:schemeClr val="accent1"/>
+          </a:effectRef>
+          <a:fontRef idx="minor">
+            <a:schemeClr val="tx1"/>
+          </a:fontRef>
+        </p:style>
+      </p:cxnSp>
+      <p:cxnSp>
+        <p:nvCxnSpPr>
+          <p:cNvPr id="32" name="直接箭头连接符 31"/>
+          <p:cNvCxnSpPr>
+            <a:stCxn id="27" idx="2"/>
+          </p:cNvCxnSpPr>
+          <p:nvPr/>
+        </p:nvCxnSpPr>
+        <p:spPr>
+          <a:xfrm>
+            <a:off x="2690125" y="1097581"/>
+            <a:ext cx="766490" cy="542389"/>
+          </a:xfrm>
+          <a:prstGeom prst="straightConnector1">
+            <a:avLst/>
+          </a:prstGeom>
+          <a:ln>
+            <a:solidFill>
+              <a:schemeClr val="tx1"/>
+            </a:solidFill>
+            <a:tailEnd type="triangle"/>
+          </a:ln>
+        </p:spPr>
+        <p:style>
+          <a:lnRef idx="1">
+            <a:schemeClr val="accent1"/>
+          </a:lnRef>
+          <a:fillRef idx="0">
+            <a:schemeClr val="accent1"/>
+          </a:fillRef>
+          <a:effectRef idx="0">
+            <a:schemeClr val="accent1"/>
+          </a:effectRef>
+          <a:fontRef idx="minor">
+            <a:schemeClr val="tx1"/>
+          </a:fontRef>
+        </p:style>
+      </p:cxnSp>
+      <p:sp>
+        <p:nvSpPr>
+          <p:cNvPr id="56" name="矩形 55"/>
+          <p:cNvSpPr/>
+          <p:nvPr/>
+        </p:nvSpPr>
+        <p:spPr>
+          <a:xfrm>
+            <a:off x="1210611" y="4783863"/>
+            <a:ext cx="4895022" cy="1063040"/>
+          </a:xfrm>
+          <a:prstGeom prst="rect">
+            <a:avLst/>
+          </a:prstGeom>
+          <a:solidFill>
+            <a:schemeClr val="accent1">
+              <a:lumMod val="20000"/>
+              <a:lumOff val="80000"/>
+            </a:schemeClr>
+          </a:solidFill>
+          <a:ln>
+            <a:solidFill>
+              <a:schemeClr val="tx1"/>
+            </a:solidFill>
+          </a:ln>
+        </p:spPr>
+        <p:style>
+          <a:lnRef idx="2">
+            <a:schemeClr val="accent1">
+              <a:shade val="50000"/>
+            </a:schemeClr>
+          </a:lnRef>
+          <a:fillRef idx="1">
+            <a:schemeClr val="accent1"/>
+          </a:fillRef>
+          <a:effectRef idx="0">
+            <a:schemeClr val="accent1"/>
+          </a:effectRef>
+          <a:fontRef idx="minor">
+            <a:schemeClr val="lt1"/>
+          </a:fontRef>
+        </p:style>
+        <p:txBody>
+          <a:bodyPr rtlCol="0" anchor="ctr"/>
+          <a:lstStyle/>
+          <a:p>
+            <a:pPr algn="ctr"/>
+            <a:endParaRPr lang="zh-CN" altLang="en-US"/>
+          </a:p>
+        </p:txBody>
+      </p:sp>
+      <p:sp>
+        <p:nvSpPr>
+          <p:cNvPr id="58" name="矩形 57"/>
+          <p:cNvSpPr/>
+          <p:nvPr/>
+        </p:nvSpPr>
+        <p:spPr>
+          <a:xfrm>
+            <a:off x="1333607" y="4915555"/>
+            <a:ext cx="4638675" cy="857250"/>
+          </a:xfrm>
+          <a:prstGeom prst="rect">
+            <a:avLst/>
+          </a:prstGeom>
+          <a:solidFill>
+            <a:schemeClr val="bg1"/>
+          </a:solidFill>
+        </p:spPr>
+        <p:style>
+          <a:lnRef idx="2">
+            <a:schemeClr val="accent1">
+              <a:shade val="50000"/>
+            </a:schemeClr>
+          </a:lnRef>
+          <a:fillRef idx="1">
+            <a:schemeClr val="accent1"/>
+          </a:fillRef>
+          <a:effectRef idx="0">
+            <a:schemeClr val="accent1"/>
+          </a:effectRef>
+          <a:fontRef idx="minor">
+            <a:schemeClr val="lt1"/>
+          </a:fontRef>
+        </p:style>
+        <p:txBody>
+          <a:bodyPr rtlCol="0" anchor="ctr"/>
+          <a:lstStyle/>
+          <a:p>
+            <a:pPr algn="ctr"/>
+            <a:endParaRPr lang="zh-CN" altLang="en-US"/>
+          </a:p>
+        </p:txBody>
+      </p:sp>
+      <p:cxnSp>
+        <p:nvCxnSpPr>
+          <p:cNvPr id="59" name="直接箭头连接符 58"/>
+          <p:cNvCxnSpPr/>
+          <p:nvPr/>
+        </p:nvCxnSpPr>
+        <p:spPr>
+          <a:xfrm flipH="1">
+            <a:off x="4229208" y="4677430"/>
+            <a:ext cx="171450" cy="164306"/>
+          </a:xfrm>
+          <a:prstGeom prst="straightConnector1">
+            <a:avLst/>
+          </a:prstGeom>
+          <a:ln>
+            <a:solidFill>
+              <a:srgbClr val="C00000"/>
+            </a:solidFill>
+            <a:tailEnd type="triangle"/>
+          </a:ln>
+        </p:spPr>
+        <p:style>
+          <a:lnRef idx="1">
+            <a:schemeClr val="accent1"/>
+          </a:lnRef>
+          <a:fillRef idx="0">
+            <a:schemeClr val="accent1"/>
+          </a:fillRef>
+          <a:effectRef idx="0">
+            <a:schemeClr val="accent1"/>
+          </a:effectRef>
+          <a:fontRef idx="minor">
+            <a:schemeClr val="tx1"/>
+          </a:fontRef>
+        </p:style>
+      </p:cxnSp>
+      <p:sp>
+        <p:nvSpPr>
+          <p:cNvPr id="60" name="矩形 59"/>
+          <p:cNvSpPr/>
+          <p:nvPr/>
+        </p:nvSpPr>
+        <p:spPr>
+          <a:xfrm>
+            <a:off x="3684271" y="4384814"/>
+            <a:ext cx="1784784" cy="369332"/>
+          </a:xfrm>
+          <a:prstGeom prst="rect">
+            <a:avLst/>
+          </a:prstGeom>
+        </p:spPr>
+        <p:txBody>
+          <a:bodyPr wrap="none">
+            <a:spAutoFit/>
+          </a:bodyPr>
+          <a:lstStyle/>
+          <a:p>
+            <a:r>
+              <a:rPr lang="en-US" altLang="zh-CN" b="1" dirty="0" err="1" smtClean="0">
+                <a:solidFill>
+                  <a:schemeClr val="accent1">
+                    <a:lumMod val="75000"/>
+                  </a:schemeClr>
+                </a:solidFill>
+                <a:effectLst/>
+              </a:rPr>
+              <a:t>contentsMargins</a:t>
+            </a:r>
+            <a:endParaRPr lang="zh-CN" altLang="en-US" dirty="0">
+              <a:solidFill>
+                <a:schemeClr val="accent1">
+                  <a:lumMod val="75000"/>
+                </a:schemeClr>
+              </a:solidFill>
+            </a:endParaRPr>
+          </a:p>
+        </p:txBody>
+      </p:sp>
+      <p:sp>
+        <p:nvSpPr>
+          <p:cNvPr id="61" name="矩形 60"/>
+          <p:cNvSpPr/>
+          <p:nvPr/>
+        </p:nvSpPr>
+        <p:spPr>
+          <a:xfrm>
+            <a:off x="5972283" y="5713296"/>
+            <a:ext cx="133350" cy="123825"/>
+          </a:xfrm>
+          <a:prstGeom prst="rect">
+            <a:avLst/>
+          </a:prstGeom>
+          <a:solidFill>
+            <a:schemeClr val="accent2"/>
+          </a:solidFill>
+        </p:spPr>
+        <p:style>
+          <a:lnRef idx="2">
+            <a:schemeClr val="accent1">
+              <a:shade val="50000"/>
+            </a:schemeClr>
+          </a:lnRef>
+          <a:fillRef idx="1">
+            <a:schemeClr val="accent1"/>
+          </a:fillRef>
+          <a:effectRef idx="0">
+            <a:schemeClr val="accent1"/>
+          </a:effectRef>
+          <a:fontRef idx="minor">
+            <a:schemeClr val="lt1"/>
+          </a:fontRef>
+        </p:style>
+        <p:txBody>
+          <a:bodyPr rtlCol="0" anchor="ctr"/>
+          <a:lstStyle/>
+          <a:p>
+            <a:pPr algn="ctr"/>
+            <a:endParaRPr lang="zh-CN" altLang="en-US"/>
+          </a:p>
+        </p:txBody>
+      </p:sp>
+      <p:sp>
+        <p:nvSpPr>
+          <p:cNvPr id="62" name="矩形 61"/>
+          <p:cNvSpPr/>
+          <p:nvPr/>
+        </p:nvSpPr>
+        <p:spPr>
+          <a:xfrm>
+            <a:off x="4936689" y="5877126"/>
+            <a:ext cx="1464568" cy="369332"/>
+          </a:xfrm>
+          <a:prstGeom prst="rect">
+            <a:avLst/>
+          </a:prstGeom>
+        </p:spPr>
+        <p:txBody>
+          <a:bodyPr wrap="none">
+            <a:spAutoFit/>
+          </a:bodyPr>
+          <a:lstStyle/>
+          <a:p>
+            <a:r>
+              <a:rPr lang="en-US" altLang="zh-CN" b="1" dirty="0" err="1" smtClean="0">
+                <a:solidFill>
+                  <a:srgbClr val="D5412A"/>
+                </a:solidFill>
+                <a:effectLst/>
+              </a:rPr>
+              <a:t>OptionAction</a:t>
+            </a:r>
+            <a:endParaRPr lang="zh-CN" altLang="en-US" dirty="0"/>
+          </a:p>
+        </p:txBody>
+      </p:sp>
+      <p:cxnSp>
+        <p:nvCxnSpPr>
+          <p:cNvPr id="63" name="直接箭头连接符 62"/>
+          <p:cNvCxnSpPr>
+            <a:endCxn id="61" idx="2"/>
+          </p:cNvCxnSpPr>
+          <p:nvPr/>
+        </p:nvCxnSpPr>
+        <p:spPr>
+          <a:xfrm flipV="1">
+            <a:off x="5888145" y="5837121"/>
+            <a:ext cx="150813" cy="114043"/>
+          </a:xfrm>
+          <a:prstGeom prst="straightConnector1">
+            <a:avLst/>
+          </a:prstGeom>
+          <a:ln>
+            <a:solidFill>
+              <a:schemeClr val="accent2"/>
+            </a:solidFill>
+            <a:tailEnd type="triangle"/>
+          </a:ln>
+        </p:spPr>
+        <p:style>
+          <a:lnRef idx="1">
+            <a:schemeClr val="accent1"/>
+          </a:lnRef>
+          <a:fillRef idx="0">
+            <a:schemeClr val="accent1"/>
+          </a:fillRef>
+          <a:effectRef idx="0">
+            <a:schemeClr val="accent1"/>
+          </a:effectRef>
+          <a:fontRef idx="minor">
+            <a:schemeClr val="tx1"/>
+          </a:fontRef>
+        </p:style>
+      </p:cxnSp>
+      <p:sp>
+        <p:nvSpPr>
+          <p:cNvPr id="64" name="矩形 63"/>
+          <p:cNvSpPr/>
+          <p:nvPr/>
+        </p:nvSpPr>
+        <p:spPr>
+          <a:xfrm>
+            <a:off x="1333607" y="4915555"/>
+            <a:ext cx="857251" cy="857250"/>
+          </a:xfrm>
+          <a:prstGeom prst="rect">
+            <a:avLst/>
+          </a:prstGeom>
+        </p:spPr>
+        <p:style>
+          <a:lnRef idx="2">
+            <a:schemeClr val="accent1">
+              <a:shade val="50000"/>
+            </a:schemeClr>
+          </a:lnRef>
+          <a:fillRef idx="1">
+            <a:schemeClr val="accent1"/>
+          </a:fillRef>
+          <a:effectRef idx="0">
+            <a:schemeClr val="accent1"/>
+          </a:effectRef>
+          <a:fontRef idx="minor">
+            <a:schemeClr val="lt1"/>
+          </a:fontRef>
+        </p:style>
+        <p:txBody>
+          <a:bodyPr rtlCol="0" anchor="ctr"/>
+          <a:lstStyle/>
+          <a:p>
+            <a:pPr algn="ctr"/>
+            <a:endParaRPr lang="zh-CN" altLang="en-US"/>
+          </a:p>
+        </p:txBody>
+      </p:sp>
+      <p:sp>
+        <p:nvSpPr>
+          <p:cNvPr id="65" name="矩形 64"/>
+          <p:cNvSpPr/>
+          <p:nvPr/>
+        </p:nvSpPr>
+        <p:spPr>
+          <a:xfrm>
+            <a:off x="1389831" y="5848151"/>
+            <a:ext cx="697242" cy="369332"/>
+          </a:xfrm>
+          <a:prstGeom prst="rect">
+            <a:avLst/>
+          </a:prstGeom>
+        </p:spPr>
+        <p:txBody>
+          <a:bodyPr wrap="none">
+            <a:spAutoFit/>
+          </a:bodyPr>
+          <a:lstStyle/>
+          <a:p>
+            <a:r>
+              <a:rPr lang="en-US" altLang="zh-CN" b="1" dirty="0" smtClean="0">
+                <a:solidFill>
+                  <a:srgbClr val="048138"/>
+                </a:solidFill>
+                <a:effectLst/>
+              </a:rPr>
+              <a:t>Large</a:t>
+            </a:r>
+            <a:endParaRPr lang="zh-CN" altLang="en-US" dirty="0"/>
+          </a:p>
+        </p:txBody>
+      </p:sp>
+      <p:sp>
+        <p:nvSpPr>
+          <p:cNvPr id="66" name="矩形 65"/>
+          <p:cNvSpPr/>
+          <p:nvPr/>
+        </p:nvSpPr>
+        <p:spPr>
+          <a:xfrm>
+            <a:off x="2286108" y="4915555"/>
+            <a:ext cx="1143000" cy="381000"/>
+          </a:xfrm>
+          <a:prstGeom prst="rect">
+            <a:avLst/>
+          </a:prstGeom>
+        </p:spPr>
+        <p:style>
+          <a:lnRef idx="2">
+            <a:schemeClr val="accent1">
+              <a:shade val="50000"/>
+            </a:schemeClr>
+          </a:lnRef>
+          <a:fillRef idx="1">
+            <a:schemeClr val="accent1"/>
+          </a:fillRef>
+          <a:effectRef idx="0">
+            <a:schemeClr val="accent1"/>
+          </a:effectRef>
+          <a:fontRef idx="minor">
+            <a:schemeClr val="lt1"/>
+          </a:fontRef>
+        </p:style>
+        <p:txBody>
+          <a:bodyPr rtlCol="0" anchor="ctr"/>
+          <a:lstStyle/>
+          <a:p>
+            <a:pPr algn="ctr"/>
+            <a:endParaRPr lang="zh-CN" altLang="en-US"/>
+          </a:p>
+        </p:txBody>
+      </p:sp>
+      <p:sp>
+        <p:nvSpPr>
+          <p:cNvPr id="67" name="矩形 66"/>
+          <p:cNvSpPr/>
+          <p:nvPr/>
+        </p:nvSpPr>
+        <p:spPr>
+          <a:xfrm>
+            <a:off x="2286108" y="5391805"/>
+            <a:ext cx="1143000" cy="381000"/>
+          </a:xfrm>
+          <a:prstGeom prst="rect">
+            <a:avLst/>
+          </a:prstGeom>
+        </p:spPr>
+        <p:style>
+          <a:lnRef idx="2">
+            <a:schemeClr val="accent1">
+              <a:shade val="50000"/>
+            </a:schemeClr>
+          </a:lnRef>
+          <a:fillRef idx="1">
+            <a:schemeClr val="accent1"/>
+          </a:fillRef>
+          <a:effectRef idx="0">
+            <a:schemeClr val="accent1"/>
+          </a:effectRef>
+          <a:fontRef idx="minor">
+            <a:schemeClr val="lt1"/>
+          </a:fontRef>
+        </p:style>
+        <p:txBody>
+          <a:bodyPr rtlCol="0" anchor="ctr"/>
+          <a:lstStyle/>
+          <a:p>
+            <a:pPr algn="ctr"/>
+            <a:endParaRPr lang="zh-CN" altLang="en-US"/>
+          </a:p>
+        </p:txBody>
+      </p:sp>
+      <p:sp>
+        <p:nvSpPr>
+          <p:cNvPr id="69" name="矩形 68"/>
+          <p:cNvSpPr/>
+          <p:nvPr/>
+        </p:nvSpPr>
+        <p:spPr>
+          <a:xfrm>
+            <a:off x="2520159" y="5848151"/>
+            <a:ext cx="707245" cy="369332"/>
+          </a:xfrm>
+          <a:prstGeom prst="rect">
+            <a:avLst/>
+          </a:prstGeom>
+        </p:spPr>
+        <p:txBody>
+          <a:bodyPr wrap="none">
+            <a:spAutoFit/>
+          </a:bodyPr>
+          <a:lstStyle/>
+          <a:p>
+            <a:r>
+              <a:rPr lang="en-US" altLang="zh-CN" b="1" dirty="0" smtClean="0">
+                <a:solidFill>
+                  <a:srgbClr val="048138"/>
+                </a:solidFill>
+                <a:effectLst/>
+              </a:rPr>
+              <a:t>Small</a:t>
+            </a:r>
+            <a:endParaRPr lang="zh-CN" altLang="en-US" dirty="0"/>
+          </a:p>
+        </p:txBody>
+      </p:sp>
+      <p:sp>
+        <p:nvSpPr>
+          <p:cNvPr id="70" name="矩形 69"/>
+          <p:cNvSpPr/>
+          <p:nvPr/>
+        </p:nvSpPr>
+        <p:spPr>
+          <a:xfrm>
+            <a:off x="3510070" y="4925082"/>
+            <a:ext cx="1143000" cy="381000"/>
+          </a:xfrm>
+          <a:prstGeom prst="rect">
+            <a:avLst/>
+          </a:prstGeom>
+        </p:spPr>
+        <p:style>
+          <a:lnRef idx="2">
+            <a:schemeClr val="accent1">
+              <a:shade val="50000"/>
+            </a:schemeClr>
+          </a:lnRef>
+          <a:fillRef idx="1">
+            <a:schemeClr val="accent1"/>
+          </a:fillRef>
+          <a:effectRef idx="0">
+            <a:schemeClr val="accent1"/>
+          </a:effectRef>
+          <a:fontRef idx="minor">
+            <a:schemeClr val="lt1"/>
+          </a:fontRef>
+        </p:style>
+        <p:txBody>
+          <a:bodyPr rtlCol="0" anchor="ctr"/>
+          <a:lstStyle/>
+          <a:p>
+            <a:pPr algn="ctr"/>
+            <a:endParaRPr lang="zh-CN" altLang="en-US"/>
+          </a:p>
+        </p:txBody>
+      </p:sp>
+      <p:sp>
+        <p:nvSpPr>
+          <p:cNvPr id="71" name="矩形 70"/>
+          <p:cNvSpPr/>
+          <p:nvPr/>
+        </p:nvSpPr>
+        <p:spPr>
+          <a:xfrm>
+            <a:off x="3524358" y="5379933"/>
+            <a:ext cx="1143000" cy="381000"/>
+          </a:xfrm>
+          <a:prstGeom prst="rect">
+            <a:avLst/>
+          </a:prstGeom>
+        </p:spPr>
+        <p:style>
+          <a:lnRef idx="2">
+            <a:schemeClr val="accent1">
+              <a:shade val="50000"/>
+            </a:schemeClr>
+          </a:lnRef>
+          <a:fillRef idx="1">
+            <a:schemeClr val="accent1"/>
+          </a:fillRef>
+          <a:effectRef idx="0">
+            <a:schemeClr val="accent1"/>
+          </a:effectRef>
+          <a:fontRef idx="minor">
+            <a:schemeClr val="lt1"/>
+          </a:fontRef>
+        </p:style>
+        <p:txBody>
+          <a:bodyPr rtlCol="0" anchor="ctr"/>
+          <a:lstStyle/>
+          <a:p>
+            <a:pPr algn="ctr"/>
+            <a:endParaRPr lang="zh-CN" altLang="en-US"/>
+          </a:p>
+        </p:txBody>
+      </p:sp>
+      <p:sp>
+        <p:nvSpPr>
+          <p:cNvPr id="72" name="矩形 71"/>
+          <p:cNvSpPr/>
+          <p:nvPr/>
+        </p:nvSpPr>
+        <p:spPr>
+          <a:xfrm>
+            <a:off x="3660491" y="5848151"/>
+            <a:ext cx="992579" cy="369332"/>
+          </a:xfrm>
+          <a:prstGeom prst="rect">
+            <a:avLst/>
+          </a:prstGeom>
+        </p:spPr>
+        <p:txBody>
+          <a:bodyPr wrap="none">
+            <a:spAutoFit/>
+          </a:bodyPr>
+          <a:lstStyle/>
+          <a:p>
+            <a:r>
+              <a:rPr lang="en-US" altLang="zh-CN" b="1" dirty="0" smtClean="0">
+                <a:solidFill>
+                  <a:srgbClr val="048138"/>
+                </a:solidFill>
+                <a:effectLst/>
+              </a:rPr>
+              <a:t>Medium</a:t>
+            </a:r>
+            <a:endParaRPr lang="zh-CN" altLang="en-US" dirty="0"/>
+          </a:p>
+        </p:txBody>
+      </p:sp>
+      <p:cxnSp>
+        <p:nvCxnSpPr>
+          <p:cNvPr id="73" name="直接箭头连接符 72"/>
+          <p:cNvCxnSpPr>
+            <a:stCxn id="74" idx="2"/>
+          </p:cNvCxnSpPr>
+          <p:nvPr/>
+        </p:nvCxnSpPr>
+        <p:spPr>
+          <a:xfrm flipH="1">
+            <a:off x="2228958" y="4629805"/>
+            <a:ext cx="478727" cy="476250"/>
+          </a:xfrm>
+          <a:prstGeom prst="straightConnector1">
+            <a:avLst/>
+          </a:prstGeom>
+          <a:ln>
+            <a:solidFill>
+              <a:schemeClr val="tx1"/>
+            </a:solidFill>
+            <a:tailEnd type="triangle"/>
+          </a:ln>
+        </p:spPr>
+        <p:style>
+          <a:lnRef idx="1">
+            <a:schemeClr val="accent1"/>
+          </a:lnRef>
+          <a:fillRef idx="0">
+            <a:schemeClr val="accent1"/>
+          </a:fillRef>
+          <a:effectRef idx="0">
+            <a:schemeClr val="accent1"/>
+          </a:effectRef>
+          <a:fontRef idx="minor">
+            <a:schemeClr val="tx1"/>
+          </a:fontRef>
+        </p:style>
+      </p:cxnSp>
+      <p:sp>
+        <p:nvSpPr>
+          <p:cNvPr id="74" name="矩形 73"/>
+          <p:cNvSpPr/>
+          <p:nvPr/>
+        </p:nvSpPr>
+        <p:spPr>
+          <a:xfrm>
+            <a:off x="2263492" y="4260473"/>
+            <a:ext cx="888385" cy="369332"/>
+          </a:xfrm>
+          <a:prstGeom prst="rect">
+            <a:avLst/>
+          </a:prstGeom>
+        </p:spPr>
+        <p:txBody>
+          <a:bodyPr wrap="none">
+            <a:spAutoFit/>
+          </a:bodyPr>
+          <a:lstStyle/>
+          <a:p>
+            <a:r>
+              <a:rPr lang="en-US" altLang="zh-CN" dirty="0" smtClean="0">
+                <a:solidFill>
+                  <a:srgbClr val="000000"/>
+                </a:solidFill>
+                <a:effectLst/>
+              </a:rPr>
+              <a:t>spacing</a:t>
+            </a:r>
+            <a:endParaRPr lang="zh-CN" altLang="en-US" dirty="0"/>
+          </a:p>
+        </p:txBody>
+      </p:sp>
+      <p:cxnSp>
+        <p:nvCxnSpPr>
+          <p:cNvPr id="75" name="直接箭头连接符 74"/>
+          <p:cNvCxnSpPr>
+            <a:stCxn id="74" idx="2"/>
+          </p:cNvCxnSpPr>
+          <p:nvPr/>
+        </p:nvCxnSpPr>
+        <p:spPr>
+          <a:xfrm>
+            <a:off x="2707685" y="4629805"/>
+            <a:ext cx="13400" cy="729178"/>
+          </a:xfrm>
+          <a:prstGeom prst="straightConnector1">
+            <a:avLst/>
+          </a:prstGeom>
+          <a:ln>
+            <a:solidFill>
+              <a:schemeClr val="tx1"/>
+            </a:solidFill>
+            <a:tailEnd type="triangle"/>
+          </a:ln>
+        </p:spPr>
+        <p:style>
+          <a:lnRef idx="1">
+            <a:schemeClr val="accent1"/>
+          </a:lnRef>
+          <a:fillRef idx="0">
+            <a:schemeClr val="accent1"/>
+          </a:fillRef>
+          <a:effectRef idx="0">
+            <a:schemeClr val="accent1"/>
+          </a:effectRef>
+          <a:fontRef idx="minor">
+            <a:schemeClr val="tx1"/>
+          </a:fontRef>
+        </p:style>
+      </p:cxnSp>
+      <p:cxnSp>
+        <p:nvCxnSpPr>
+          <p:cNvPr id="76" name="直接箭头连接符 75"/>
+          <p:cNvCxnSpPr>
+            <a:stCxn id="74" idx="2"/>
+          </p:cNvCxnSpPr>
+          <p:nvPr/>
+        </p:nvCxnSpPr>
+        <p:spPr>
+          <a:xfrm>
+            <a:off x="2707685" y="4629805"/>
+            <a:ext cx="766490" cy="542389"/>
+          </a:xfrm>
+          <a:prstGeom prst="straightConnector1">
+            <a:avLst/>
+          </a:prstGeom>
+          <a:ln>
+            <a:solidFill>
+              <a:schemeClr val="tx1"/>
+            </a:solidFill>
+            <a:tailEnd type="triangle"/>
+          </a:ln>
+        </p:spPr>
+        <p:style>
+          <a:lnRef idx="1">
+            <a:schemeClr val="accent1"/>
+          </a:lnRef>
+          <a:fillRef idx="0">
+            <a:schemeClr val="accent1"/>
+          </a:fillRef>
+          <a:effectRef idx="0">
+            <a:schemeClr val="accent1"/>
+          </a:effectRef>
+          <a:fontRef idx="minor">
+            <a:schemeClr val="tx1"/>
+          </a:fontRef>
+        </p:style>
+      </p:cxnSp>
+      <p:sp>
+        <p:nvSpPr>
+          <p:cNvPr id="77" name="文本框 76"/>
+          <p:cNvSpPr txBox="1"/>
+          <p:nvPr/>
+        </p:nvSpPr>
+        <p:spPr>
+          <a:xfrm>
+            <a:off x="2485881" y="4025759"/>
+            <a:ext cx="2468368" cy="369332"/>
+          </a:xfrm>
+          <a:prstGeom prst="rect">
+            <a:avLst/>
+          </a:prstGeom>
+        </p:spPr>
+        <p:txBody>
+          <a:bodyPr wrap="none">
+            <a:spAutoFit/>
+          </a:bodyPr>
+          <a:lstStyle>
+            <a:defPPr>
+              <a:defRPr lang="zh-CN"/>
+            </a:defPPr>
+            <a:lvl1pPr>
+              <a:defRPr b="1">
+                <a:solidFill>
+                  <a:srgbClr val="D5412A"/>
+                </a:solidFill>
+                <a:effectLst/>
+              </a:defRPr>
+            </a:lvl1pPr>
+          </a:lstStyle>
+          <a:p>
+            <a:r>
+              <a:rPr lang="en-US" altLang="zh-CN" dirty="0" err="1" smtClean="0">
+                <a:solidFill>
+                  <a:srgbClr val="C00000"/>
+                </a:solidFill>
+              </a:rPr>
+              <a:t>SARibbonPannel</a:t>
+            </a:r>
+            <a:r>
+              <a:rPr lang="en-US" altLang="zh-CN" dirty="0" smtClean="0">
+                <a:solidFill>
+                  <a:srgbClr val="C00000"/>
+                </a:solidFill>
+              </a:rPr>
+              <a:t> : </a:t>
+            </a:r>
+            <a:r>
+              <a:rPr lang="en-US" altLang="zh-CN" dirty="0" err="1" smtClean="0">
+                <a:solidFill>
+                  <a:srgbClr val="C00000"/>
+                </a:solidFill>
+              </a:rPr>
+              <a:t>2Row</a:t>
+            </a:r>
+            <a:endParaRPr lang="zh-CN" altLang="en-US" dirty="0">
+              <a:solidFill>
+                <a:srgbClr val="C00000"/>
+              </a:solidFill>
+            </a:endParaRPr>
+          </a:p>
+        </p:txBody>
+      </p:sp>
+      <p:sp>
+        <p:nvSpPr>
+          <p:cNvPr id="80" name="文本框 79"/>
+          <p:cNvSpPr txBox="1"/>
+          <p:nvPr/>
+        </p:nvSpPr>
+        <p:spPr>
+          <a:xfrm>
+            <a:off x="7184581" y="1321113"/>
+            <a:ext cx="4729980" cy="369332"/>
+          </a:xfrm>
+          <a:prstGeom prst="rect">
+            <a:avLst/>
+          </a:prstGeom>
+          <a:noFill/>
+        </p:spPr>
+        <p:txBody>
+          <a:bodyPr wrap="square" rtlCol="0">
+            <a:spAutoFit/>
+          </a:bodyPr>
+          <a:lstStyle/>
+          <a:p>
+            <a:r>
+              <a:rPr lang="en-US" altLang="zh-CN" dirty="0" smtClean="0">
+                <a:latin typeface="微软雅黑" panose="020B0503020204020204" pitchFamily="34" charset="-122"/>
+                <a:ea typeface="微软雅黑" panose="020B0503020204020204" pitchFamily="34" charset="-122"/>
+              </a:rPr>
+              <a:t>3</a:t>
+            </a:r>
+            <a:r>
+              <a:rPr lang="zh-CN" altLang="en-US" dirty="0" smtClean="0">
+                <a:latin typeface="微软雅黑" panose="020B0503020204020204" pitchFamily="34" charset="-122"/>
+                <a:ea typeface="微软雅黑" panose="020B0503020204020204" pitchFamily="34" charset="-122"/>
+              </a:rPr>
+              <a:t>行模式下，</a:t>
+            </a:r>
+            <a:r>
+              <a:rPr lang="en-US" altLang="zh-CN" dirty="0" smtClean="0">
+                <a:latin typeface="微软雅黑" panose="020B0503020204020204" pitchFamily="34" charset="-122"/>
+                <a:ea typeface="微软雅黑" panose="020B0503020204020204" pitchFamily="34" charset="-122"/>
+              </a:rPr>
+              <a:t>Medium</a:t>
+            </a:r>
+            <a:r>
+              <a:rPr lang="zh-CN" altLang="en-US" dirty="0" smtClean="0">
+                <a:latin typeface="微软雅黑" panose="020B0503020204020204" pitchFamily="34" charset="-122"/>
+                <a:ea typeface="微软雅黑" panose="020B0503020204020204" pitchFamily="34" charset="-122"/>
+              </a:rPr>
+              <a:t>占两行</a:t>
+            </a:r>
+            <a:r>
+              <a:rPr lang="zh-CN" altLang="en-US" dirty="0">
+                <a:latin typeface="微软雅黑" panose="020B0503020204020204" pitchFamily="34" charset="-122"/>
+                <a:ea typeface="微软雅黑" panose="020B0503020204020204" pitchFamily="34" charset="-122"/>
+              </a:rPr>
+              <a:t>，</a:t>
+            </a:r>
+            <a:r>
+              <a:rPr lang="en-US" altLang="zh-CN" dirty="0" smtClean="0">
+                <a:latin typeface="微软雅黑" panose="020B0503020204020204" pitchFamily="34" charset="-122"/>
+                <a:ea typeface="微软雅黑" panose="020B0503020204020204" pitchFamily="34" charset="-122"/>
+              </a:rPr>
+              <a:t>Office</a:t>
+            </a:r>
+            <a:r>
+              <a:rPr lang="zh-CN" altLang="en-US" dirty="0" smtClean="0">
+                <a:latin typeface="微软雅黑" panose="020B0503020204020204" pitchFamily="34" charset="-122"/>
+                <a:ea typeface="微软雅黑" panose="020B0503020204020204" pitchFamily="34" charset="-122"/>
+              </a:rPr>
+              <a:t>示例</a:t>
+            </a:r>
+            <a:endParaRPr lang="zh-CN" altLang="en-US" dirty="0">
+              <a:latin typeface="微软雅黑" panose="020B0503020204020204" pitchFamily="34" charset="-122"/>
+              <a:ea typeface="微软雅黑" panose="020B0503020204020204" pitchFamily="34" charset="-122"/>
+            </a:endParaRPr>
+          </a:p>
+        </p:txBody>
+      </p:sp>
+      <p:sp>
+        <p:nvSpPr>
+          <p:cNvPr id="81" name="文本框 80"/>
+          <p:cNvSpPr txBox="1"/>
+          <p:nvPr/>
+        </p:nvSpPr>
+        <p:spPr>
+          <a:xfrm>
+            <a:off x="6945079" y="4019725"/>
+            <a:ext cx="4975733" cy="646331"/>
+          </a:xfrm>
+          <a:prstGeom prst="rect">
+            <a:avLst/>
+          </a:prstGeom>
+          <a:noFill/>
+        </p:spPr>
+        <p:txBody>
+          <a:bodyPr wrap="square" rtlCol="0">
+            <a:spAutoFit/>
+          </a:bodyPr>
+          <a:lstStyle/>
+          <a:p>
+            <a:r>
+              <a:rPr lang="en-US" altLang="zh-CN" dirty="0" smtClean="0">
+                <a:latin typeface="微软雅黑" panose="020B0503020204020204" pitchFamily="34" charset="-122"/>
+                <a:ea typeface="微软雅黑" panose="020B0503020204020204" pitchFamily="34" charset="-122"/>
+              </a:rPr>
+              <a:t>2</a:t>
+            </a:r>
+            <a:r>
+              <a:rPr lang="zh-CN" altLang="en-US" dirty="0" smtClean="0">
+                <a:latin typeface="微软雅黑" panose="020B0503020204020204" pitchFamily="34" charset="-122"/>
+                <a:ea typeface="微软雅黑" panose="020B0503020204020204" pitchFamily="34" charset="-122"/>
+              </a:rPr>
+              <a:t>行模式下，</a:t>
+            </a:r>
+            <a:r>
+              <a:rPr lang="en-US" altLang="zh-CN" dirty="0" smtClean="0">
+                <a:latin typeface="微软雅黑" panose="020B0503020204020204" pitchFamily="34" charset="-122"/>
+                <a:ea typeface="微软雅黑" panose="020B0503020204020204" pitchFamily="34" charset="-122"/>
+              </a:rPr>
+              <a:t>Medium</a:t>
+            </a:r>
+            <a:r>
+              <a:rPr lang="zh-CN" altLang="en-US" dirty="0" smtClean="0">
+                <a:latin typeface="微软雅黑" panose="020B0503020204020204" pitchFamily="34" charset="-122"/>
+                <a:ea typeface="微软雅黑" panose="020B0503020204020204" pitchFamily="34" charset="-122"/>
+              </a:rPr>
+              <a:t>和</a:t>
+            </a:r>
+            <a:r>
+              <a:rPr lang="en-US" altLang="zh-CN" dirty="0" smtClean="0">
+                <a:latin typeface="微软雅黑" panose="020B0503020204020204" pitchFamily="34" charset="-122"/>
+                <a:ea typeface="微软雅黑" panose="020B0503020204020204" pitchFamily="34" charset="-122"/>
+              </a:rPr>
+              <a:t>Small</a:t>
+            </a:r>
+            <a:r>
+              <a:rPr lang="zh-CN" altLang="en-US" dirty="0" smtClean="0">
+                <a:latin typeface="微软雅黑" panose="020B0503020204020204" pitchFamily="34" charset="-122"/>
+                <a:ea typeface="微软雅黑" panose="020B0503020204020204" pitchFamily="34" charset="-122"/>
+              </a:rPr>
+              <a:t>一样，不做区分</a:t>
+            </a:r>
+            <a:endParaRPr lang="en-US" altLang="zh-CN" dirty="0" smtClean="0">
+              <a:latin typeface="微软雅黑" panose="020B0503020204020204" pitchFamily="34" charset="-122"/>
+              <a:ea typeface="微软雅黑" panose="020B0503020204020204" pitchFamily="34" charset="-122"/>
+            </a:endParaRPr>
+          </a:p>
+          <a:p>
+            <a:r>
+              <a:rPr lang="en-US" altLang="zh-CN" dirty="0" smtClean="0">
+                <a:latin typeface="微软雅黑" panose="020B0503020204020204" pitchFamily="34" charset="-122"/>
+                <a:ea typeface="微软雅黑" panose="020B0503020204020204" pitchFamily="34" charset="-122"/>
+              </a:rPr>
+              <a:t>WPS</a:t>
+            </a:r>
+            <a:r>
+              <a:rPr lang="zh-CN" altLang="en-US" dirty="0" smtClean="0">
+                <a:latin typeface="微软雅黑" panose="020B0503020204020204" pitchFamily="34" charset="-122"/>
+                <a:ea typeface="微软雅黑" panose="020B0503020204020204" pitchFamily="34" charset="-122"/>
+              </a:rPr>
+              <a:t>示例</a:t>
+            </a:r>
+            <a:endParaRPr lang="zh-CN" altLang="en-US" dirty="0">
+              <a:latin typeface="微软雅黑" panose="020B0503020204020204" pitchFamily="34" charset="-122"/>
+              <a:ea typeface="微软雅黑" panose="020B0503020204020204" pitchFamily="34" charset="-122"/>
+            </a:endParaRPr>
+          </a:p>
+        </p:txBody>
+      </p:sp>
+      <p:pic>
+        <p:nvPicPr>
+          <p:cNvPr id="82" name="图片 81"/>
+          <p:cNvPicPr>
+            <a:picLocks noChangeAspect="1"/>
+          </p:cNvPicPr>
+          <p:nvPr/>
+        </p:nvPicPr>
+        <p:blipFill>
+          <a:blip r:embed="rId2"/>
+          <a:stretch>
+            <a:fillRect/>
+          </a:stretch>
+        </p:blipFill>
+        <p:spPr>
+          <a:xfrm>
+            <a:off x="7184581" y="1811380"/>
+            <a:ext cx="4457143" cy="1142857"/>
+          </a:xfrm>
+          <a:prstGeom prst="rect">
+            <a:avLst/>
+          </a:prstGeom>
+        </p:spPr>
+      </p:pic>
+      <p:sp>
+        <p:nvSpPr>
+          <p:cNvPr id="83" name="矩形 82"/>
+          <p:cNvSpPr/>
+          <p:nvPr/>
+        </p:nvSpPr>
+        <p:spPr>
+          <a:xfrm>
+            <a:off x="7003474" y="2975351"/>
+            <a:ext cx="697242" cy="369332"/>
+          </a:xfrm>
+          <a:prstGeom prst="rect">
+            <a:avLst/>
+          </a:prstGeom>
+        </p:spPr>
+        <p:txBody>
+          <a:bodyPr wrap="none">
+            <a:spAutoFit/>
+          </a:bodyPr>
+          <a:lstStyle/>
+          <a:p>
+            <a:r>
+              <a:rPr lang="en-US" altLang="zh-CN" b="1" dirty="0" smtClean="0">
+                <a:solidFill>
+                  <a:srgbClr val="048138"/>
+                </a:solidFill>
+                <a:effectLst/>
+              </a:rPr>
+              <a:t>Large</a:t>
+            </a:r>
+            <a:endParaRPr lang="zh-CN" altLang="en-US" dirty="0"/>
+          </a:p>
+        </p:txBody>
+      </p:sp>
+      <p:sp>
+        <p:nvSpPr>
+          <p:cNvPr id="84" name="矩形 83"/>
+          <p:cNvSpPr/>
+          <p:nvPr/>
+        </p:nvSpPr>
+        <p:spPr>
+          <a:xfrm>
+            <a:off x="8783146" y="3011241"/>
+            <a:ext cx="707245" cy="369332"/>
+          </a:xfrm>
+          <a:prstGeom prst="rect">
+            <a:avLst/>
+          </a:prstGeom>
+        </p:spPr>
+        <p:txBody>
+          <a:bodyPr wrap="none">
+            <a:spAutoFit/>
+          </a:bodyPr>
+          <a:lstStyle/>
+          <a:p>
+            <a:r>
+              <a:rPr lang="en-US" altLang="zh-CN" b="1" dirty="0" smtClean="0">
+                <a:solidFill>
+                  <a:srgbClr val="048138"/>
+                </a:solidFill>
+                <a:effectLst/>
+              </a:rPr>
+              <a:t>Small</a:t>
+            </a:r>
+            <a:endParaRPr lang="zh-CN" altLang="en-US" dirty="0"/>
+          </a:p>
+        </p:txBody>
+      </p:sp>
+      <p:sp>
+        <p:nvSpPr>
+          <p:cNvPr id="85" name="矩形 84"/>
+          <p:cNvSpPr/>
+          <p:nvPr/>
+        </p:nvSpPr>
+        <p:spPr>
+          <a:xfrm>
+            <a:off x="9840030" y="3011241"/>
+            <a:ext cx="992579" cy="369332"/>
+          </a:xfrm>
+          <a:prstGeom prst="rect">
+            <a:avLst/>
+          </a:prstGeom>
+        </p:spPr>
+        <p:txBody>
+          <a:bodyPr wrap="none">
+            <a:spAutoFit/>
+          </a:bodyPr>
+          <a:lstStyle/>
+          <a:p>
+            <a:r>
+              <a:rPr lang="en-US" altLang="zh-CN" b="1" dirty="0" smtClean="0">
+                <a:solidFill>
+                  <a:srgbClr val="048138"/>
+                </a:solidFill>
+                <a:effectLst/>
+              </a:rPr>
+              <a:t>Medium</a:t>
+            </a:r>
+            <a:endParaRPr lang="zh-CN" altLang="en-US" dirty="0"/>
+          </a:p>
+        </p:txBody>
+      </p:sp>
+      <p:sp>
+        <p:nvSpPr>
+          <p:cNvPr id="86" name="文本框 85"/>
+          <p:cNvSpPr txBox="1"/>
+          <p:nvPr/>
+        </p:nvSpPr>
+        <p:spPr>
+          <a:xfrm>
+            <a:off x="1316047" y="2753189"/>
+            <a:ext cx="4428333" cy="236652"/>
+          </a:xfrm>
+          <a:prstGeom prst="rect">
+            <a:avLst/>
+          </a:prstGeom>
+          <a:noFill/>
+          <a:ln>
+            <a:solidFill>
+              <a:schemeClr val="bg1">
+                <a:lumMod val="50000"/>
+              </a:schemeClr>
+            </a:solidFill>
+            <a:prstDash val="dash"/>
+          </a:ln>
+        </p:spPr>
+        <p:txBody>
+          <a:bodyPr wrap="square" lIns="0" tIns="0" rIns="0" bIns="0" rtlCol="0">
+            <a:noAutofit/>
+          </a:bodyPr>
+          <a:lstStyle/>
+          <a:p>
+            <a:pPr algn="ctr"/>
+            <a:r>
+              <a:rPr lang="en-US" altLang="zh-CN" sz="1400" dirty="0" err="1" smtClean="0"/>
+              <a:t>Pannel</a:t>
+            </a:r>
+            <a:r>
+              <a:rPr lang="en-US" altLang="zh-CN" sz="1400" dirty="0" smtClean="0"/>
+              <a:t> Title</a:t>
+            </a:r>
+            <a:endParaRPr lang="zh-CN" altLang="en-US" sz="1400" dirty="0"/>
+          </a:p>
+        </p:txBody>
+      </p:sp>
+      <p:cxnSp>
+        <p:nvCxnSpPr>
+          <p:cNvPr id="88" name="直接箭头连接符 87"/>
+          <p:cNvCxnSpPr>
+            <a:stCxn id="83" idx="0"/>
+          </p:cNvCxnSpPr>
+          <p:nvPr/>
+        </p:nvCxnSpPr>
+        <p:spPr>
+          <a:xfrm flipV="1">
+            <a:off x="7352095" y="2727661"/>
+            <a:ext cx="0" cy="247690"/>
+          </a:xfrm>
+          <a:prstGeom prst="straightConnector1">
+            <a:avLst/>
+          </a:prstGeom>
+          <a:ln>
+            <a:solidFill>
+              <a:srgbClr val="00B050"/>
+            </a:solidFill>
+            <a:tailEnd type="triangle"/>
+          </a:ln>
+        </p:spPr>
+        <p:style>
+          <a:lnRef idx="1">
+            <a:schemeClr val="accent1"/>
+          </a:lnRef>
+          <a:fillRef idx="0">
+            <a:schemeClr val="accent1"/>
+          </a:fillRef>
+          <a:effectRef idx="0">
+            <a:schemeClr val="accent1"/>
+          </a:effectRef>
+          <a:fontRef idx="minor">
+            <a:schemeClr val="tx1"/>
+          </a:fontRef>
+        </p:style>
+      </p:cxnSp>
+      <p:sp>
+        <p:nvSpPr>
+          <p:cNvPr id="90" name="矩形 89"/>
+          <p:cNvSpPr/>
+          <p:nvPr/>
+        </p:nvSpPr>
+        <p:spPr>
+          <a:xfrm>
+            <a:off x="8783146" y="2053251"/>
+            <a:ext cx="648565" cy="674410"/>
+          </a:xfrm>
+          <a:prstGeom prst="rect">
+            <a:avLst/>
+          </a:prstGeom>
+          <a:noFill/>
+          <a:ln>
+            <a:solidFill>
+              <a:srgbClr val="00B050"/>
+            </a:solidFill>
+          </a:ln>
+        </p:spPr>
+        <p:style>
+          <a:lnRef idx="2">
+            <a:schemeClr val="accent1">
+              <a:shade val="50000"/>
+            </a:schemeClr>
+          </a:lnRef>
+          <a:fillRef idx="1">
+            <a:schemeClr val="accent1"/>
+          </a:fillRef>
+          <a:effectRef idx="0">
+            <a:schemeClr val="accent1"/>
+          </a:effectRef>
+          <a:fontRef idx="minor">
+            <a:schemeClr val="lt1"/>
+          </a:fontRef>
+        </p:style>
+        <p:txBody>
+          <a:bodyPr rtlCol="0" anchor="ctr"/>
+          <a:lstStyle/>
+          <a:p>
+            <a:pPr algn="ctr"/>
+            <a:endParaRPr lang="zh-CN" altLang="en-US"/>
+          </a:p>
+        </p:txBody>
+      </p:sp>
+      <p:cxnSp>
+        <p:nvCxnSpPr>
+          <p:cNvPr id="92" name="直接箭头连接符 91"/>
+          <p:cNvCxnSpPr>
+            <a:stCxn id="84" idx="0"/>
+          </p:cNvCxnSpPr>
+          <p:nvPr/>
+        </p:nvCxnSpPr>
+        <p:spPr>
+          <a:xfrm flipH="1" flipV="1">
+            <a:off x="9126911" y="2727661"/>
+            <a:ext cx="9858" cy="283580"/>
+          </a:xfrm>
+          <a:prstGeom prst="straightConnector1">
+            <a:avLst/>
+          </a:prstGeom>
+          <a:ln>
+            <a:solidFill>
+              <a:srgbClr val="00B050"/>
+            </a:solidFill>
+            <a:tailEnd type="triangle"/>
+          </a:ln>
+        </p:spPr>
+        <p:style>
+          <a:lnRef idx="1">
+            <a:schemeClr val="accent1"/>
+          </a:lnRef>
+          <a:fillRef idx="0">
+            <a:schemeClr val="accent1"/>
+          </a:fillRef>
+          <a:effectRef idx="0">
+            <a:schemeClr val="accent1"/>
+          </a:effectRef>
+          <a:fontRef idx="minor">
+            <a:schemeClr val="tx1"/>
+          </a:fontRef>
+        </p:style>
+      </p:cxnSp>
+      <p:sp>
+        <p:nvSpPr>
+          <p:cNvPr id="93" name="矩形 92"/>
+          <p:cNvSpPr/>
+          <p:nvPr/>
+        </p:nvSpPr>
+        <p:spPr>
+          <a:xfrm>
+            <a:off x="9490391" y="2116751"/>
+            <a:ext cx="2084445" cy="285750"/>
+          </a:xfrm>
+          <a:prstGeom prst="rect">
+            <a:avLst/>
+          </a:prstGeom>
+          <a:noFill/>
+          <a:ln>
+            <a:solidFill>
+              <a:srgbClr val="00B050"/>
+            </a:solidFill>
+          </a:ln>
+        </p:spPr>
+        <p:style>
+          <a:lnRef idx="2">
+            <a:schemeClr val="accent1">
+              <a:shade val="50000"/>
+            </a:schemeClr>
+          </a:lnRef>
+          <a:fillRef idx="1">
+            <a:schemeClr val="accent1"/>
+          </a:fillRef>
+          <a:effectRef idx="0">
+            <a:schemeClr val="accent1"/>
+          </a:effectRef>
+          <a:fontRef idx="minor">
+            <a:schemeClr val="lt1"/>
+          </a:fontRef>
+        </p:style>
+        <p:txBody>
+          <a:bodyPr rtlCol="0" anchor="ctr"/>
+          <a:lstStyle/>
+          <a:p>
+            <a:pPr algn="ctr"/>
+            <a:endParaRPr lang="zh-CN" altLang="en-US"/>
+          </a:p>
+        </p:txBody>
+      </p:sp>
+      <p:sp>
+        <p:nvSpPr>
+          <p:cNvPr id="94" name="矩形 93"/>
+          <p:cNvSpPr/>
+          <p:nvPr/>
+        </p:nvSpPr>
+        <p:spPr>
+          <a:xfrm>
+            <a:off x="9490391" y="2441172"/>
+            <a:ext cx="2084445" cy="285750"/>
+          </a:xfrm>
+          <a:prstGeom prst="rect">
+            <a:avLst/>
+          </a:prstGeom>
+          <a:noFill/>
+          <a:ln>
+            <a:solidFill>
+              <a:srgbClr val="00B050"/>
+            </a:solidFill>
+          </a:ln>
+        </p:spPr>
+        <p:style>
+          <a:lnRef idx="2">
+            <a:schemeClr val="accent1">
+              <a:shade val="50000"/>
+            </a:schemeClr>
+          </a:lnRef>
+          <a:fillRef idx="1">
+            <a:schemeClr val="accent1"/>
+          </a:fillRef>
+          <a:effectRef idx="0">
+            <a:schemeClr val="accent1"/>
+          </a:effectRef>
+          <a:fontRef idx="minor">
+            <a:schemeClr val="lt1"/>
+          </a:fontRef>
+        </p:style>
+        <p:txBody>
+          <a:bodyPr rtlCol="0" anchor="ctr"/>
+          <a:lstStyle/>
+          <a:p>
+            <a:pPr algn="ctr"/>
+            <a:endParaRPr lang="zh-CN" altLang="en-US"/>
+          </a:p>
+        </p:txBody>
+      </p:sp>
+      <p:cxnSp>
+        <p:nvCxnSpPr>
+          <p:cNvPr id="95" name="直接箭头连接符 94"/>
+          <p:cNvCxnSpPr/>
+          <p:nvPr/>
+        </p:nvCxnSpPr>
+        <p:spPr>
+          <a:xfrm flipH="1" flipV="1">
+            <a:off x="10384317" y="2721134"/>
+            <a:ext cx="9858" cy="283580"/>
+          </a:xfrm>
+          <a:prstGeom prst="straightConnector1">
+            <a:avLst/>
+          </a:prstGeom>
+          <a:ln>
+            <a:solidFill>
+              <a:srgbClr val="00B050"/>
+            </a:solidFill>
+            <a:tailEnd type="triangle"/>
+          </a:ln>
+        </p:spPr>
+        <p:style>
+          <a:lnRef idx="1">
+            <a:schemeClr val="accent1"/>
+          </a:lnRef>
+          <a:fillRef idx="0">
+            <a:schemeClr val="accent1"/>
+          </a:fillRef>
+          <a:effectRef idx="0">
+            <a:schemeClr val="accent1"/>
+          </a:effectRef>
+          <a:fontRef idx="minor">
+            <a:schemeClr val="tx1"/>
+          </a:fontRef>
+        </p:style>
+      </p:cxnSp>
+      <p:pic>
+        <p:nvPicPr>
+          <p:cNvPr id="96" name="图片 95"/>
+          <p:cNvPicPr>
+            <a:picLocks noChangeAspect="1"/>
+          </p:cNvPicPr>
+          <p:nvPr/>
+        </p:nvPicPr>
+        <p:blipFill>
+          <a:blip r:embed="rId3"/>
+          <a:stretch>
+            <a:fillRect/>
+          </a:stretch>
+        </p:blipFill>
+        <p:spPr>
+          <a:xfrm>
+            <a:off x="7018253" y="4615579"/>
+            <a:ext cx="4590476" cy="980952"/>
+          </a:xfrm>
+          <a:prstGeom prst="rect">
+            <a:avLst/>
+          </a:prstGeom>
+        </p:spPr>
+      </p:pic>
+      <p:sp>
+        <p:nvSpPr>
+          <p:cNvPr id="97" name="矩形 96"/>
+          <p:cNvSpPr/>
+          <p:nvPr/>
+        </p:nvSpPr>
+        <p:spPr>
+          <a:xfrm>
+            <a:off x="7003474" y="5736915"/>
+            <a:ext cx="697242" cy="369332"/>
+          </a:xfrm>
+          <a:prstGeom prst="rect">
+            <a:avLst/>
+          </a:prstGeom>
+        </p:spPr>
+        <p:txBody>
+          <a:bodyPr wrap="none">
+            <a:spAutoFit/>
+          </a:bodyPr>
+          <a:lstStyle/>
+          <a:p>
+            <a:r>
+              <a:rPr lang="en-US" altLang="zh-CN" b="1" dirty="0" smtClean="0">
+                <a:solidFill>
+                  <a:srgbClr val="048138"/>
+                </a:solidFill>
+                <a:effectLst/>
+              </a:rPr>
+              <a:t>Large</a:t>
+            </a:r>
+            <a:endParaRPr lang="zh-CN" altLang="en-US" dirty="0"/>
+          </a:p>
+        </p:txBody>
+      </p:sp>
+      <p:sp>
+        <p:nvSpPr>
+          <p:cNvPr id="98" name="矩形 97"/>
+          <p:cNvSpPr/>
+          <p:nvPr/>
+        </p:nvSpPr>
+        <p:spPr>
+          <a:xfrm>
+            <a:off x="7752508" y="5772805"/>
+            <a:ext cx="707245" cy="369332"/>
+          </a:xfrm>
+          <a:prstGeom prst="rect">
+            <a:avLst/>
+          </a:prstGeom>
+        </p:spPr>
+        <p:txBody>
+          <a:bodyPr wrap="none">
+            <a:spAutoFit/>
+          </a:bodyPr>
+          <a:lstStyle/>
+          <a:p>
+            <a:r>
+              <a:rPr lang="en-US" altLang="zh-CN" b="1" dirty="0" smtClean="0">
+                <a:solidFill>
+                  <a:srgbClr val="048138"/>
+                </a:solidFill>
+                <a:effectLst/>
+              </a:rPr>
+              <a:t>Small</a:t>
+            </a:r>
+            <a:endParaRPr lang="zh-CN" altLang="en-US" dirty="0"/>
+          </a:p>
+        </p:txBody>
+      </p:sp>
+      <p:sp>
+        <p:nvSpPr>
+          <p:cNvPr id="99" name="矩形 98"/>
+          <p:cNvSpPr/>
+          <p:nvPr/>
+        </p:nvSpPr>
+        <p:spPr>
+          <a:xfrm>
+            <a:off x="9840030" y="5772805"/>
+            <a:ext cx="992579" cy="369332"/>
+          </a:xfrm>
+          <a:prstGeom prst="rect">
+            <a:avLst/>
+          </a:prstGeom>
+        </p:spPr>
+        <p:txBody>
+          <a:bodyPr wrap="none">
+            <a:spAutoFit/>
+          </a:bodyPr>
+          <a:lstStyle/>
+          <a:p>
+            <a:r>
+              <a:rPr lang="en-US" altLang="zh-CN" b="1" dirty="0" smtClean="0">
+                <a:solidFill>
+                  <a:srgbClr val="048138"/>
+                </a:solidFill>
+                <a:effectLst/>
+              </a:rPr>
+              <a:t>Medium</a:t>
+            </a:r>
+            <a:endParaRPr lang="zh-CN" altLang="en-US" dirty="0"/>
+          </a:p>
+        </p:txBody>
+      </p:sp>
+      <p:cxnSp>
+        <p:nvCxnSpPr>
+          <p:cNvPr id="100" name="直接箭头连接符 99"/>
+          <p:cNvCxnSpPr>
+            <a:stCxn id="97" idx="0"/>
+          </p:cNvCxnSpPr>
+          <p:nvPr/>
+        </p:nvCxnSpPr>
+        <p:spPr>
+          <a:xfrm flipV="1">
+            <a:off x="7352095" y="5489225"/>
+            <a:ext cx="0" cy="247690"/>
+          </a:xfrm>
+          <a:prstGeom prst="straightConnector1">
+            <a:avLst/>
+          </a:prstGeom>
+          <a:ln>
+            <a:solidFill>
+              <a:srgbClr val="00B050"/>
+            </a:solidFill>
+            <a:tailEnd type="triangle"/>
+          </a:ln>
+        </p:spPr>
+        <p:style>
+          <a:lnRef idx="1">
+            <a:schemeClr val="accent1"/>
+          </a:lnRef>
+          <a:fillRef idx="0">
+            <a:schemeClr val="accent1"/>
+          </a:fillRef>
+          <a:effectRef idx="0">
+            <a:schemeClr val="accent1"/>
+          </a:effectRef>
+          <a:fontRef idx="minor">
+            <a:schemeClr val="tx1"/>
+          </a:fontRef>
+        </p:style>
+      </p:cxnSp>
+      <p:cxnSp>
+        <p:nvCxnSpPr>
+          <p:cNvPr id="101" name="直接箭头连接符 100"/>
+          <p:cNvCxnSpPr>
+            <a:stCxn id="98" idx="0"/>
+          </p:cNvCxnSpPr>
+          <p:nvPr/>
+        </p:nvCxnSpPr>
+        <p:spPr>
+          <a:xfrm flipH="1" flipV="1">
+            <a:off x="7870097" y="5489225"/>
+            <a:ext cx="236034" cy="283580"/>
+          </a:xfrm>
+          <a:prstGeom prst="straightConnector1">
+            <a:avLst/>
+          </a:prstGeom>
+          <a:ln>
+            <a:solidFill>
+              <a:srgbClr val="00B050"/>
+            </a:solidFill>
+            <a:tailEnd type="triangle"/>
+          </a:ln>
+        </p:spPr>
+        <p:style>
+          <a:lnRef idx="1">
+            <a:schemeClr val="accent1"/>
+          </a:lnRef>
+          <a:fillRef idx="0">
+            <a:schemeClr val="accent1"/>
+          </a:fillRef>
+          <a:effectRef idx="0">
+            <a:schemeClr val="accent1"/>
+          </a:effectRef>
+          <a:fontRef idx="minor">
+            <a:schemeClr val="tx1"/>
+          </a:fontRef>
+        </p:style>
+      </p:cxnSp>
+      <p:cxnSp>
+        <p:nvCxnSpPr>
+          <p:cNvPr id="102" name="直接箭头连接符 101"/>
+          <p:cNvCxnSpPr/>
+          <p:nvPr/>
+        </p:nvCxnSpPr>
+        <p:spPr>
+          <a:xfrm flipH="1" flipV="1">
+            <a:off x="10384317" y="5482698"/>
+            <a:ext cx="9858" cy="283580"/>
+          </a:xfrm>
+          <a:prstGeom prst="straightConnector1">
+            <a:avLst/>
+          </a:prstGeom>
+          <a:ln>
+            <a:solidFill>
+              <a:srgbClr val="00B050"/>
+            </a:solidFill>
+            <a:tailEnd type="triangle"/>
+          </a:ln>
+        </p:spPr>
+        <p:style>
+          <a:lnRef idx="1">
+            <a:schemeClr val="accent1"/>
+          </a:lnRef>
+          <a:fillRef idx="0">
+            <a:schemeClr val="accent1"/>
+          </a:fillRef>
+          <a:effectRef idx="0">
+            <a:schemeClr val="accent1"/>
+          </a:effectRef>
+          <a:fontRef idx="minor">
+            <a:schemeClr val="tx1"/>
+          </a:fontRef>
+        </p:style>
+      </p:cxnSp>
+      <p:sp>
+        <p:nvSpPr>
+          <p:cNvPr id="104" name="矩形 103"/>
+          <p:cNvSpPr/>
+          <p:nvPr/>
+        </p:nvSpPr>
+        <p:spPr>
+          <a:xfrm>
+            <a:off x="7468407" y="4925082"/>
+            <a:ext cx="565015" cy="613608"/>
+          </a:xfrm>
+          <a:prstGeom prst="rect">
+            <a:avLst/>
+          </a:prstGeom>
+          <a:noFill/>
+          <a:ln>
+            <a:solidFill>
+              <a:srgbClr val="00B050"/>
+            </a:solidFill>
+          </a:ln>
+        </p:spPr>
+        <p:style>
+          <a:lnRef idx="2">
+            <a:schemeClr val="accent1">
+              <a:shade val="50000"/>
+            </a:schemeClr>
+          </a:lnRef>
+          <a:fillRef idx="1">
+            <a:schemeClr val="accent1"/>
+          </a:fillRef>
+          <a:effectRef idx="0">
+            <a:schemeClr val="accent1"/>
+          </a:effectRef>
+          <a:fontRef idx="minor">
+            <a:schemeClr val="lt1"/>
+          </a:fontRef>
+        </p:style>
+        <p:txBody>
+          <a:bodyPr rtlCol="0" anchor="ctr"/>
+          <a:lstStyle/>
+          <a:p>
+            <a:pPr algn="ctr"/>
+            <a:endParaRPr lang="zh-CN" altLang="en-US"/>
+          </a:p>
+        </p:txBody>
+      </p:sp>
+      <p:sp>
+        <p:nvSpPr>
+          <p:cNvPr id="105" name="矩形 104"/>
+          <p:cNvSpPr/>
+          <p:nvPr/>
+        </p:nvSpPr>
+        <p:spPr>
+          <a:xfrm>
+            <a:off x="8518416" y="4941455"/>
+            <a:ext cx="2978259" cy="320455"/>
+          </a:xfrm>
+          <a:prstGeom prst="rect">
+            <a:avLst/>
+          </a:prstGeom>
+          <a:noFill/>
+          <a:ln>
+            <a:solidFill>
+              <a:srgbClr val="00B050"/>
+            </a:solidFill>
+          </a:ln>
+        </p:spPr>
+        <p:style>
+          <a:lnRef idx="2">
+            <a:schemeClr val="accent1">
+              <a:shade val="50000"/>
+            </a:schemeClr>
+          </a:lnRef>
+          <a:fillRef idx="1">
+            <a:schemeClr val="accent1"/>
+          </a:fillRef>
+          <a:effectRef idx="0">
+            <a:schemeClr val="accent1"/>
+          </a:effectRef>
+          <a:fontRef idx="minor">
+            <a:schemeClr val="lt1"/>
+          </a:fontRef>
+        </p:style>
+        <p:txBody>
+          <a:bodyPr rtlCol="0" anchor="ctr"/>
+          <a:lstStyle/>
+          <a:p>
+            <a:pPr algn="ctr"/>
+            <a:endParaRPr lang="zh-CN" altLang="en-US"/>
+          </a:p>
+        </p:txBody>
+      </p:sp>
+      <p:sp>
+        <p:nvSpPr>
+          <p:cNvPr id="106" name="矩形 105"/>
+          <p:cNvSpPr/>
+          <p:nvPr/>
+        </p:nvSpPr>
+        <p:spPr>
+          <a:xfrm>
+            <a:off x="8518416" y="5256645"/>
+            <a:ext cx="2978259" cy="320455"/>
+          </a:xfrm>
+          <a:prstGeom prst="rect">
+            <a:avLst/>
+          </a:prstGeom>
+          <a:noFill/>
+          <a:ln>
+            <a:solidFill>
+              <a:srgbClr val="00B050"/>
+            </a:solidFill>
+          </a:ln>
+        </p:spPr>
+        <p:style>
+          <a:lnRef idx="2">
+            <a:schemeClr val="accent1">
+              <a:shade val="50000"/>
+            </a:schemeClr>
+          </a:lnRef>
+          <a:fillRef idx="1">
+            <a:schemeClr val="accent1"/>
+          </a:fillRef>
+          <a:effectRef idx="0">
+            <a:schemeClr val="accent1"/>
+          </a:effectRef>
+          <a:fontRef idx="minor">
+            <a:schemeClr val="lt1"/>
+          </a:fontRef>
+        </p:style>
+        <p:txBody>
+          <a:bodyPr rtlCol="0" anchor="ctr"/>
+          <a:lstStyle/>
+          <a:p>
+            <a:pPr algn="ctr"/>
+            <a:endParaRPr lang="zh-CN" altLang="en-US"/>
+          </a:p>
+        </p:txBody>
+      </p:sp>
+    </p:spTree>
+  </p:cSld>
+  <p:clrMapOvr>
+    <a:masterClrMapping/>
+  </p:clrMapOvr>
+</p:sld>
+</file>
+
+<file path=ppt/slides/slide5.xml><?xml version="1.0" encoding="utf-8"?>
+<p:sld xmlns:a="http://schemas.openxmlformats.org/drawingml/2006/main" xmlns:r="http://schemas.openxmlformats.org/officeDocument/2006/relationships" xmlns:p="http://schemas.openxmlformats.org/presentationml/2006/main">
+  <p:cSld>
+    <p:spTree>
+      <p:nvGrpSpPr>
+        <p:cNvPr id="1" name=""/>
+        <p:cNvGrpSpPr/>
+        <p:nvPr/>
+      </p:nvGrpSpPr>
+      <p:grpSpPr>
+        <a:xfrm>
+          <a:off x="0" y="0"/>
+          <a:ext cx="0" cy="0"/>
+          <a:chOff x="0" y="0"/>
+          <a:chExt cx="0" cy="0"/>
+        </a:xfrm>
+      </p:grpSpPr>
+      <p:sp>
+        <p:nvSpPr>
+          <p:cNvPr id="4" name="矩形 3"/>
+          <p:cNvSpPr/>
+          <p:nvPr/>
+        </p:nvSpPr>
+        <p:spPr>
+          <a:xfrm>
+            <a:off x="1210310" y="1519555"/>
+            <a:ext cx="10530840" cy="1493520"/>
+          </a:xfrm>
+          <a:prstGeom prst="rect">
+            <a:avLst/>
+          </a:prstGeom>
+          <a:solidFill>
+            <a:schemeClr val="accent1">
+              <a:lumMod val="20000"/>
+              <a:lumOff val="80000"/>
+            </a:schemeClr>
+          </a:solidFill>
+          <a:ln>
+            <a:solidFill>
+              <a:schemeClr val="tx1"/>
+            </a:solidFill>
+          </a:ln>
+        </p:spPr>
+        <p:style>
+          <a:lnRef idx="2">
+            <a:schemeClr val="accent1">
+              <a:shade val="50000"/>
+            </a:schemeClr>
+          </a:lnRef>
+          <a:fillRef idx="1">
+            <a:schemeClr val="accent1"/>
+          </a:fillRef>
+          <a:effectRef idx="0">
+            <a:schemeClr val="accent1"/>
+          </a:effectRef>
+          <a:fontRef idx="minor">
+            <a:schemeClr val="lt1"/>
+          </a:fontRef>
+        </p:style>
+        <p:txBody>
+          <a:bodyPr rtlCol="0" anchor="ctr"/>
+          <a:lstStyle/>
+          <a:p>
+            <a:pPr algn="ctr"/>
+            <a:endParaRPr lang="zh-CN" altLang="en-US"/>
+          </a:p>
+        </p:txBody>
+      </p:sp>
+      <p:sp>
+        <p:nvSpPr>
           <p:cNvPr id="2" name="矩形 1"/>
           <p:cNvSpPr/>
           <p:nvPr/>
@@ -10753,7 +10873,7 @@
 </p:sld>
 </file>
 
-<file path=ppt/slides/slide5.xml><?xml version="1.0" encoding="utf-8"?>
+<file path=ppt/slides/slide6.xml><?xml version="1.0" encoding="utf-8"?>
 <p:sld xmlns:a="http://schemas.openxmlformats.org/drawingml/2006/main" xmlns:r="http://schemas.openxmlformats.org/officeDocument/2006/relationships" xmlns:p="http://schemas.openxmlformats.org/presentationml/2006/main">
   <p:cSld>
     <p:spTree>
@@ -12187,15 +12307,7 @@
                 <a:ea typeface="微软雅黑" panose="020B0503020204020204" pitchFamily="34" charset="-122"/>
                 <a:cs typeface="微软雅黑" panose="020B0503020204020204" pitchFamily="34" charset="-122"/>
               </a:rPr>
-              <a:t>SARibbonBar</a:t>
-            </a:r>
-            <a:r>
-              <a:rPr lang="zh-CN" altLang="en-US" b="1" dirty="0" smtClean="0">
-                <a:latin typeface="微软雅黑" panose="020B0503020204020204" pitchFamily="34" charset="-122"/>
-                <a:ea typeface="微软雅黑" panose="020B0503020204020204" pitchFamily="34" charset="-122"/>
-                <a:cs typeface="微软雅黑" panose="020B0503020204020204" pitchFamily="34" charset="-122"/>
-              </a:rPr>
-              <a:t>层级关系</a:t>
+              <a:t>SARibbonBar层级关系</a:t>
             </a:r>
             <a:endParaRPr lang="zh-CN" altLang="en-US" b="1" dirty="0">
               <a:latin typeface="微软雅黑" panose="020B0503020204020204" pitchFamily="34" charset="-122"/>

--- a/doc/SARibbonBar.pptx
+++ b/doc/SARibbonBar.pptx
@@ -4,13 +4,17 @@
   <p:sldMasterIdLst>
     <p:sldMasterId id="2147483648" r:id="rId1"/>
   </p:sldMasterIdLst>
+  <p:notesMasterIdLst>
+    <p:notesMasterId r:id="rId10"/>
+  </p:notesMasterIdLst>
   <p:sldIdLst>
-    <p:sldId id="257" r:id="rId2"/>
-    <p:sldId id="263" r:id="rId3"/>
-    <p:sldId id="259" r:id="rId4"/>
-    <p:sldId id="256" r:id="rId5"/>
-    <p:sldId id="261" r:id="rId6"/>
-    <p:sldId id="262" r:id="rId7"/>
+    <p:sldId id="257" r:id="rId3"/>
+    <p:sldId id="263" r:id="rId4"/>
+    <p:sldId id="259" r:id="rId5"/>
+    <p:sldId id="256" r:id="rId6"/>
+    <p:sldId id="261" r:id="rId7"/>
+    <p:sldId id="262" r:id="rId8"/>
+    <p:sldId id="265" r:id="rId9"/>
   </p:sldIdLst>
   <p:sldSz cx="12192000" cy="6858000"/>
   <p:notesSz cx="6858000" cy="9144000"/>
@@ -109,12 +113,402 @@
       </a:defRPr>
     </a:lvl9pPr>
   </p:defaultTextStyle>
-  <p:extLst>
-    <p:ext uri="{EFAFB233-063F-42B5-8137-9DF3F51BA10A}">
-      <p15:sldGuideLst xmlns:p15="http://schemas.microsoft.com/office/powerpoint/2012/main"/>
-    </p:ext>
-  </p:extLst>
 </p:presentation>
+</file>
+
+<file path=ppt/notesMasters/notesMaster1.xml><?xml version="1.0" encoding="utf-8"?>
+<p:notesMaster xmlns:a="http://schemas.openxmlformats.org/drawingml/2006/main" xmlns:r="http://schemas.openxmlformats.org/officeDocument/2006/relationships" xmlns:p="http://schemas.openxmlformats.org/presentationml/2006/main">
+  <p:cSld>
+    <p:bg>
+      <p:bgRef idx="1001">
+        <a:schemeClr val="bg1"/>
+      </p:bgRef>
+    </p:bg>
+    <p:spTree>
+      <p:nvGrpSpPr>
+        <p:cNvPr id="1" name=""/>
+        <p:cNvGrpSpPr/>
+        <p:nvPr/>
+      </p:nvGrpSpPr>
+      <p:grpSpPr>
+        <a:xfrm>
+          <a:off x="0" y="0"/>
+          <a:ext cx="0" cy="0"/>
+          <a:chOff x="0" y="0"/>
+          <a:chExt cx="0" cy="0"/>
+        </a:xfrm>
+      </p:grpSpPr>
+      <p:sp>
+        <p:nvSpPr>
+          <p:cNvPr id="2" name="页眉占位符 1"/>
+          <p:cNvSpPr>
+            <a:spLocks noGrp="1"/>
+          </p:cNvSpPr>
+          <p:nvPr>
+            <p:ph type="hdr" sz="quarter"/>
+          </p:nvPr>
+        </p:nvSpPr>
+        <p:spPr>
+          <a:xfrm>
+            <a:off x="0" y="0"/>
+            <a:ext cx="2971800" cy="458788"/>
+          </a:xfrm>
+          <a:prstGeom prst="rect">
+            <a:avLst/>
+          </a:prstGeom>
+        </p:spPr>
+        <p:txBody>
+          <a:bodyPr vert="horz" lIns="91440" tIns="45720" rIns="91440" bIns="45720" rtlCol="0"/>
+          <a:lstStyle>
+            <a:lvl1pPr algn="l">
+              <a:defRPr sz="1200"/>
+            </a:lvl1pPr>
+          </a:lstStyle>
+          <a:p>
+            <a:endParaRPr lang="zh-CN" altLang="en-US"/>
+          </a:p>
+        </p:txBody>
+      </p:sp>
+      <p:sp>
+        <p:nvSpPr>
+          <p:cNvPr id="3" name="日期占位符 2"/>
+          <p:cNvSpPr>
+            <a:spLocks noGrp="1"/>
+          </p:cNvSpPr>
+          <p:nvPr>
+            <p:ph type="dt" idx="1"/>
+          </p:nvPr>
+        </p:nvSpPr>
+        <p:spPr>
+          <a:xfrm>
+            <a:off x="3884613" y="0"/>
+            <a:ext cx="2971800" cy="458788"/>
+          </a:xfrm>
+          <a:prstGeom prst="rect">
+            <a:avLst/>
+          </a:prstGeom>
+        </p:spPr>
+        <p:txBody>
+          <a:bodyPr vert="horz" lIns="91440" tIns="45720" rIns="91440" bIns="45720" rtlCol="0"/>
+          <a:lstStyle>
+            <a:lvl1pPr algn="r">
+              <a:defRPr sz="1200"/>
+            </a:lvl1pPr>
+          </a:lstStyle>
+          <a:p>
+            <a:fld id="{D2A48B96-639E-45A3-A0BA-2464DFDB1FAA}" type="datetimeFigureOut">
+              <a:rPr lang="zh-CN" altLang="en-US" smtClean="0"/>
+            </a:fld>
+            <a:endParaRPr lang="zh-CN" altLang="en-US"/>
+          </a:p>
+        </p:txBody>
+      </p:sp>
+      <p:sp>
+        <p:nvSpPr>
+          <p:cNvPr id="4" name="幻灯片图像占位符 3"/>
+          <p:cNvSpPr>
+            <a:spLocks noGrp="1" noRot="1" noChangeAspect="1"/>
+          </p:cNvSpPr>
+          <p:nvPr>
+            <p:ph type="sldImg" idx="2"/>
+          </p:nvPr>
+        </p:nvSpPr>
+        <p:spPr>
+          <a:xfrm>
+            <a:off x="685800" y="1143000"/>
+            <a:ext cx="5486400" cy="3086100"/>
+          </a:xfrm>
+          <a:prstGeom prst="rect">
+            <a:avLst/>
+          </a:prstGeom>
+          <a:noFill/>
+          <a:ln w="12700">
+            <a:solidFill>
+              <a:prstClr val="black"/>
+            </a:solidFill>
+          </a:ln>
+        </p:spPr>
+        <p:txBody>
+          <a:bodyPr vert="horz" lIns="91440" tIns="45720" rIns="91440" bIns="45720" rtlCol="0" anchor="ctr"/>
+          <a:lstStyle/>
+          <a:p>
+            <a:endParaRPr lang="zh-CN" altLang="en-US"/>
+          </a:p>
+        </p:txBody>
+      </p:sp>
+      <p:sp>
+        <p:nvSpPr>
+          <p:cNvPr id="5" name="备注占位符 4"/>
+          <p:cNvSpPr>
+            <a:spLocks noGrp="1"/>
+          </p:cNvSpPr>
+          <p:nvPr>
+            <p:ph type="body" sz="quarter" idx="3"/>
+          </p:nvPr>
+        </p:nvSpPr>
+        <p:spPr>
+          <a:xfrm>
+            <a:off x="685800" y="4400550"/>
+            <a:ext cx="5486400" cy="3600450"/>
+          </a:xfrm>
+          <a:prstGeom prst="rect">
+            <a:avLst/>
+          </a:prstGeom>
+        </p:spPr>
+        <p:txBody>
+          <a:bodyPr vert="horz" lIns="91440" tIns="45720" rIns="91440" bIns="45720" rtlCol="0"/>
+          <a:lstStyle/>
+          <a:p>
+            <a:pPr lvl="0"/>
+            <a:r>
+              <a:rPr lang="zh-CN" altLang="en-US" smtClean="0"/>
+              <a:t>单击此处编辑母版文本样式</a:t>
+            </a:r>
+            <a:endParaRPr lang="zh-CN" altLang="en-US" smtClean="0"/>
+          </a:p>
+          <a:p>
+            <a:pPr lvl="1"/>
+            <a:r>
+              <a:rPr lang="zh-CN" altLang="en-US" smtClean="0"/>
+              <a:t>第二级</a:t>
+            </a:r>
+            <a:endParaRPr lang="zh-CN" altLang="en-US" smtClean="0"/>
+          </a:p>
+          <a:p>
+            <a:pPr lvl="2"/>
+            <a:r>
+              <a:rPr lang="zh-CN" altLang="en-US" smtClean="0"/>
+              <a:t>第三级</a:t>
+            </a:r>
+            <a:endParaRPr lang="zh-CN" altLang="en-US" smtClean="0"/>
+          </a:p>
+          <a:p>
+            <a:pPr lvl="3"/>
+            <a:r>
+              <a:rPr lang="zh-CN" altLang="en-US" smtClean="0"/>
+              <a:t>第四级</a:t>
+            </a:r>
+            <a:endParaRPr lang="zh-CN" altLang="en-US" smtClean="0"/>
+          </a:p>
+          <a:p>
+            <a:pPr lvl="4"/>
+            <a:r>
+              <a:rPr lang="zh-CN" altLang="en-US" smtClean="0"/>
+              <a:t>第五级</a:t>
+            </a:r>
+            <a:endParaRPr lang="zh-CN" altLang="en-US"/>
+          </a:p>
+        </p:txBody>
+      </p:sp>
+      <p:sp>
+        <p:nvSpPr>
+          <p:cNvPr id="6" name="页脚占位符 5"/>
+          <p:cNvSpPr>
+            <a:spLocks noGrp="1"/>
+          </p:cNvSpPr>
+          <p:nvPr>
+            <p:ph type="ftr" sz="quarter" idx="4"/>
+          </p:nvPr>
+        </p:nvSpPr>
+        <p:spPr>
+          <a:xfrm>
+            <a:off x="0" y="8685213"/>
+            <a:ext cx="2971800" cy="458787"/>
+          </a:xfrm>
+          <a:prstGeom prst="rect">
+            <a:avLst/>
+          </a:prstGeom>
+        </p:spPr>
+        <p:txBody>
+          <a:bodyPr vert="horz" lIns="91440" tIns="45720" rIns="91440" bIns="45720" rtlCol="0" anchor="b"/>
+          <a:lstStyle>
+            <a:lvl1pPr algn="l">
+              <a:defRPr sz="1200"/>
+            </a:lvl1pPr>
+          </a:lstStyle>
+          <a:p>
+            <a:endParaRPr lang="zh-CN" altLang="en-US"/>
+          </a:p>
+        </p:txBody>
+      </p:sp>
+      <p:sp>
+        <p:nvSpPr>
+          <p:cNvPr id="7" name="灯片编号占位符 6"/>
+          <p:cNvSpPr>
+            <a:spLocks noGrp="1"/>
+          </p:cNvSpPr>
+          <p:nvPr>
+            <p:ph type="sldNum" sz="quarter" idx="5"/>
+          </p:nvPr>
+        </p:nvSpPr>
+        <p:spPr>
+          <a:xfrm>
+            <a:off x="3884613" y="8685213"/>
+            <a:ext cx="2971800" cy="458787"/>
+          </a:xfrm>
+          <a:prstGeom prst="rect">
+            <a:avLst/>
+          </a:prstGeom>
+        </p:spPr>
+        <p:txBody>
+          <a:bodyPr vert="horz" lIns="91440" tIns="45720" rIns="91440" bIns="45720" rtlCol="0" anchor="b"/>
+          <a:lstStyle>
+            <a:lvl1pPr algn="r">
+              <a:defRPr sz="1200"/>
+            </a:lvl1pPr>
+          </a:lstStyle>
+          <a:p>
+            <a:fld id="{A6837353-30EB-4A48-80EB-173D804AEFBD}" type="slidenum">
+              <a:rPr lang="zh-CN" altLang="en-US" smtClean="0"/>
+            </a:fld>
+            <a:endParaRPr lang="zh-CN" altLang="en-US"/>
+          </a:p>
+        </p:txBody>
+      </p:sp>
+    </p:spTree>
+  </p:cSld>
+  <p:clrMap bg1="lt1" tx1="dk1" bg2="lt2" tx2="dk2" accent1="accent1" accent2="accent2" accent3="accent3" accent4="accent4" accent5="accent5" accent6="accent6" hlink="hlink" folHlink="folHlink"/>
+  <p:notesStyle>
+    <a:lvl1pPr marL="0" algn="l" defTabSz="914400" rtl="0" eaLnBrk="1" latinLnBrk="0" hangingPunct="1">
+      <a:defRPr sz="1200" kern="1200">
+        <a:solidFill>
+          <a:schemeClr val="tx1"/>
+        </a:solidFill>
+        <a:latin typeface="+mn-lt"/>
+        <a:ea typeface="+mn-ea"/>
+        <a:cs typeface="+mn-cs"/>
+      </a:defRPr>
+    </a:lvl1pPr>
+    <a:lvl2pPr marL="457200" algn="l" defTabSz="914400" rtl="0" eaLnBrk="1" latinLnBrk="0" hangingPunct="1">
+      <a:defRPr sz="1200" kern="1200">
+        <a:solidFill>
+          <a:schemeClr val="tx1"/>
+        </a:solidFill>
+        <a:latin typeface="+mn-lt"/>
+        <a:ea typeface="+mn-ea"/>
+        <a:cs typeface="+mn-cs"/>
+      </a:defRPr>
+    </a:lvl2pPr>
+    <a:lvl3pPr marL="914400" algn="l" defTabSz="914400" rtl="0" eaLnBrk="1" latinLnBrk="0" hangingPunct="1">
+      <a:defRPr sz="1200" kern="1200">
+        <a:solidFill>
+          <a:schemeClr val="tx1"/>
+        </a:solidFill>
+        <a:latin typeface="+mn-lt"/>
+        <a:ea typeface="+mn-ea"/>
+        <a:cs typeface="+mn-cs"/>
+      </a:defRPr>
+    </a:lvl3pPr>
+    <a:lvl4pPr marL="1371600" algn="l" defTabSz="914400" rtl="0" eaLnBrk="1" latinLnBrk="0" hangingPunct="1">
+      <a:defRPr sz="1200" kern="1200">
+        <a:solidFill>
+          <a:schemeClr val="tx1"/>
+        </a:solidFill>
+        <a:latin typeface="+mn-lt"/>
+        <a:ea typeface="+mn-ea"/>
+        <a:cs typeface="+mn-cs"/>
+      </a:defRPr>
+    </a:lvl4pPr>
+    <a:lvl5pPr marL="1828800" algn="l" defTabSz="914400" rtl="0" eaLnBrk="1" latinLnBrk="0" hangingPunct="1">
+      <a:defRPr sz="1200" kern="1200">
+        <a:solidFill>
+          <a:schemeClr val="tx1"/>
+        </a:solidFill>
+        <a:latin typeface="+mn-lt"/>
+        <a:ea typeface="+mn-ea"/>
+        <a:cs typeface="+mn-cs"/>
+      </a:defRPr>
+    </a:lvl5pPr>
+    <a:lvl6pPr marL="2286000" algn="l" defTabSz="914400" rtl="0" eaLnBrk="1" latinLnBrk="0" hangingPunct="1">
+      <a:defRPr sz="1200" kern="1200">
+        <a:solidFill>
+          <a:schemeClr val="tx1"/>
+        </a:solidFill>
+        <a:latin typeface="+mn-lt"/>
+        <a:ea typeface="+mn-ea"/>
+        <a:cs typeface="+mn-cs"/>
+      </a:defRPr>
+    </a:lvl6pPr>
+    <a:lvl7pPr marL="2743200" algn="l" defTabSz="914400" rtl="0" eaLnBrk="1" latinLnBrk="0" hangingPunct="1">
+      <a:defRPr sz="1200" kern="1200">
+        <a:solidFill>
+          <a:schemeClr val="tx1"/>
+        </a:solidFill>
+        <a:latin typeface="+mn-lt"/>
+        <a:ea typeface="+mn-ea"/>
+        <a:cs typeface="+mn-cs"/>
+      </a:defRPr>
+    </a:lvl7pPr>
+    <a:lvl8pPr marL="3200400" algn="l" defTabSz="914400" rtl="0" eaLnBrk="1" latinLnBrk="0" hangingPunct="1">
+      <a:defRPr sz="1200" kern="1200">
+        <a:solidFill>
+          <a:schemeClr val="tx1"/>
+        </a:solidFill>
+        <a:latin typeface="+mn-lt"/>
+        <a:ea typeface="+mn-ea"/>
+        <a:cs typeface="+mn-cs"/>
+      </a:defRPr>
+    </a:lvl8pPr>
+    <a:lvl9pPr marL="3657600" algn="l" defTabSz="914400" rtl="0" eaLnBrk="1" latinLnBrk="0" hangingPunct="1">
+      <a:defRPr sz="1200" kern="1200">
+        <a:solidFill>
+          <a:schemeClr val="tx1"/>
+        </a:solidFill>
+        <a:latin typeface="+mn-lt"/>
+        <a:ea typeface="+mn-ea"/>
+        <a:cs typeface="+mn-cs"/>
+      </a:defRPr>
+    </a:lvl9pPr>
+  </p:notesStyle>
+</p:notesMaster>
+</file>
+
+<file path=ppt/notesSlides/notesSlide1.xml><?xml version="1.0" encoding="utf-8"?>
+<p:notes xmlns:a="http://schemas.openxmlformats.org/drawingml/2006/main" xmlns:r="http://schemas.openxmlformats.org/officeDocument/2006/relationships" xmlns:p="http://schemas.openxmlformats.org/presentationml/2006/main">
+  <p:cSld>
+    <p:spTree>
+      <p:nvGrpSpPr>
+        <p:cNvPr id="1" name=""/>
+        <p:cNvGrpSpPr/>
+        <p:nvPr/>
+      </p:nvGrpSpPr>
+      <p:grpSpPr/>
+      <p:sp>
+        <p:nvSpPr>
+          <p:cNvPr id="2" name="幻灯片图像占位符 1"/>
+          <p:cNvSpPr>
+            <a:spLocks noGrp="1"/>
+          </p:cNvSpPr>
+          <p:nvPr>
+            <p:ph type="sldImg" idx="2"/>
+          </p:nvPr>
+        </p:nvSpPr>
+        <p:spPr/>
+      </p:sp>
+      <p:sp>
+        <p:nvSpPr>
+          <p:cNvPr id="3" name="文本占位符 2"/>
+          <p:cNvSpPr>
+            <a:spLocks noGrp="1"/>
+          </p:cNvSpPr>
+          <p:nvPr>
+            <p:ph type="body" idx="3"/>
+          </p:nvPr>
+        </p:nvSpPr>
+        <p:spPr/>
+        <p:txBody>
+          <a:bodyPr/>
+          <a:p>
+            <a:endParaRPr lang="zh-CN" altLang="en-US"/>
+          </a:p>
+        </p:txBody>
+      </p:sp>
+    </p:spTree>
+  </p:cSld>
+  <p:clrMapOvr>
+    <a:masterClrMapping/>
+  </p:clrMapOvr>
+</p:notes>
 </file>
 
 <file path=ppt/slideLayouts/slideLayout1.xml><?xml version="1.0" encoding="utf-8"?>
@@ -248,7 +642,6 @@
           <a:p>
             <a:fld id="{791025AC-6364-4DCA-9BF0-1CB07E70C9CD}" type="datetimeFigureOut">
               <a:rPr lang="zh-CN" altLang="en-US" smtClean="0"/>
-              <a:t>2022/3/5</a:t>
             </a:fld>
             <a:endParaRPr lang="zh-CN" altLang="en-US"/>
           </a:p>
@@ -290,7 +683,6 @@
           <a:p>
             <a:fld id="{B11A056D-85D3-471D-A642-53DA42750F49}" type="slidenum">
               <a:rPr lang="zh-CN" altLang="en-US" smtClean="0"/>
-              <a:t>‹#›</a:t>
             </a:fld>
             <a:endParaRPr lang="zh-CN" altLang="en-US"/>
           </a:p>
@@ -364,6 +756,7 @@
               <a:rPr lang="zh-CN" altLang="en-US" smtClean="0"/>
               <a:t>单击此处编辑母版文本样式</a:t>
             </a:r>
+            <a:endParaRPr lang="zh-CN" altLang="en-US" smtClean="0"/>
           </a:p>
           <a:p>
             <a:pPr lvl="1"/>
@@ -371,6 +764,7 @@
               <a:rPr lang="zh-CN" altLang="en-US" smtClean="0"/>
               <a:t>第二级</a:t>
             </a:r>
+            <a:endParaRPr lang="zh-CN" altLang="en-US" smtClean="0"/>
           </a:p>
           <a:p>
             <a:pPr lvl="2"/>
@@ -378,6 +772,7 @@
               <a:rPr lang="zh-CN" altLang="en-US" smtClean="0"/>
               <a:t>第三级</a:t>
             </a:r>
+            <a:endParaRPr lang="zh-CN" altLang="en-US" smtClean="0"/>
           </a:p>
           <a:p>
             <a:pPr lvl="3"/>
@@ -385,6 +780,7 @@
               <a:rPr lang="zh-CN" altLang="en-US" smtClean="0"/>
               <a:t>第四级</a:t>
             </a:r>
+            <a:endParaRPr lang="zh-CN" altLang="en-US" smtClean="0"/>
           </a:p>
           <a:p>
             <a:pPr lvl="4"/>
@@ -413,7 +809,6 @@
           <a:p>
             <a:fld id="{791025AC-6364-4DCA-9BF0-1CB07E70C9CD}" type="datetimeFigureOut">
               <a:rPr lang="zh-CN" altLang="en-US" smtClean="0"/>
-              <a:t>2022/3/5</a:t>
             </a:fld>
             <a:endParaRPr lang="zh-CN" altLang="en-US"/>
           </a:p>
@@ -455,7 +850,6 @@
           <a:p>
             <a:fld id="{B11A056D-85D3-471D-A642-53DA42750F49}" type="slidenum">
               <a:rPr lang="zh-CN" altLang="en-US" smtClean="0"/>
-              <a:t>‹#›</a:t>
             </a:fld>
             <a:endParaRPr lang="zh-CN" altLang="en-US"/>
           </a:p>
@@ -539,6 +933,7 @@
               <a:rPr lang="zh-CN" altLang="en-US" smtClean="0"/>
               <a:t>单击此处编辑母版文本样式</a:t>
             </a:r>
+            <a:endParaRPr lang="zh-CN" altLang="en-US" smtClean="0"/>
           </a:p>
           <a:p>
             <a:pPr lvl="1"/>
@@ -546,6 +941,7 @@
               <a:rPr lang="zh-CN" altLang="en-US" smtClean="0"/>
               <a:t>第二级</a:t>
             </a:r>
+            <a:endParaRPr lang="zh-CN" altLang="en-US" smtClean="0"/>
           </a:p>
           <a:p>
             <a:pPr lvl="2"/>
@@ -553,6 +949,7 @@
               <a:rPr lang="zh-CN" altLang="en-US" smtClean="0"/>
               <a:t>第三级</a:t>
             </a:r>
+            <a:endParaRPr lang="zh-CN" altLang="en-US" smtClean="0"/>
           </a:p>
           <a:p>
             <a:pPr lvl="3"/>
@@ -560,6 +957,7 @@
               <a:rPr lang="zh-CN" altLang="en-US" smtClean="0"/>
               <a:t>第四级</a:t>
             </a:r>
+            <a:endParaRPr lang="zh-CN" altLang="en-US" smtClean="0"/>
           </a:p>
           <a:p>
             <a:pPr lvl="4"/>
@@ -588,7 +986,6 @@
           <a:p>
             <a:fld id="{791025AC-6364-4DCA-9BF0-1CB07E70C9CD}" type="datetimeFigureOut">
               <a:rPr lang="zh-CN" altLang="en-US" smtClean="0"/>
-              <a:t>2022/3/5</a:t>
             </a:fld>
             <a:endParaRPr lang="zh-CN" altLang="en-US"/>
           </a:p>
@@ -630,7 +1027,6 @@
           <a:p>
             <a:fld id="{B11A056D-85D3-471D-A642-53DA42750F49}" type="slidenum">
               <a:rPr lang="zh-CN" altLang="en-US" smtClean="0"/>
-              <a:t>‹#›</a:t>
             </a:fld>
             <a:endParaRPr lang="zh-CN" altLang="en-US"/>
           </a:p>
@@ -704,6 +1100,7 @@
               <a:rPr lang="zh-CN" altLang="en-US" smtClean="0"/>
               <a:t>单击此处编辑母版文本样式</a:t>
             </a:r>
+            <a:endParaRPr lang="zh-CN" altLang="en-US" smtClean="0"/>
           </a:p>
           <a:p>
             <a:pPr lvl="1"/>
@@ -711,6 +1108,7 @@
               <a:rPr lang="zh-CN" altLang="en-US" smtClean="0"/>
               <a:t>第二级</a:t>
             </a:r>
+            <a:endParaRPr lang="zh-CN" altLang="en-US" smtClean="0"/>
           </a:p>
           <a:p>
             <a:pPr lvl="2"/>
@@ -718,6 +1116,7 @@
               <a:rPr lang="zh-CN" altLang="en-US" smtClean="0"/>
               <a:t>第三级</a:t>
             </a:r>
+            <a:endParaRPr lang="zh-CN" altLang="en-US" smtClean="0"/>
           </a:p>
           <a:p>
             <a:pPr lvl="3"/>
@@ -725,6 +1124,7 @@
               <a:rPr lang="zh-CN" altLang="en-US" smtClean="0"/>
               <a:t>第四级</a:t>
             </a:r>
+            <a:endParaRPr lang="zh-CN" altLang="en-US" smtClean="0"/>
           </a:p>
           <a:p>
             <a:pPr lvl="4"/>
@@ -753,7 +1153,6 @@
           <a:p>
             <a:fld id="{791025AC-6364-4DCA-9BF0-1CB07E70C9CD}" type="datetimeFigureOut">
               <a:rPr lang="zh-CN" altLang="en-US" smtClean="0"/>
-              <a:t>2022/3/5</a:t>
             </a:fld>
             <a:endParaRPr lang="zh-CN" altLang="en-US"/>
           </a:p>
@@ -795,7 +1194,6 @@
           <a:p>
             <a:fld id="{B11A056D-85D3-471D-A642-53DA42750F49}" type="slidenum">
               <a:rPr lang="zh-CN" altLang="en-US" smtClean="0"/>
-              <a:t>‹#›</a:t>
             </a:fld>
             <a:endParaRPr lang="zh-CN" altLang="en-US"/>
           </a:p>
@@ -974,6 +1372,7 @@
               <a:rPr lang="zh-CN" altLang="en-US" smtClean="0"/>
               <a:t>单击此处编辑母版文本样式</a:t>
             </a:r>
+            <a:endParaRPr lang="zh-CN" altLang="en-US" smtClean="0"/>
           </a:p>
         </p:txBody>
       </p:sp>
@@ -994,7 +1393,6 @@
           <a:p>
             <a:fld id="{791025AC-6364-4DCA-9BF0-1CB07E70C9CD}" type="datetimeFigureOut">
               <a:rPr lang="zh-CN" altLang="en-US" smtClean="0"/>
-              <a:t>2022/3/5</a:t>
             </a:fld>
             <a:endParaRPr lang="zh-CN" altLang="en-US"/>
           </a:p>
@@ -1036,7 +1434,6 @@
           <a:p>
             <a:fld id="{B11A056D-85D3-471D-A642-53DA42750F49}" type="slidenum">
               <a:rPr lang="zh-CN" altLang="en-US" smtClean="0"/>
-              <a:t>‹#›</a:t>
             </a:fld>
             <a:endParaRPr lang="zh-CN" altLang="en-US"/>
           </a:p>
@@ -1115,6 +1512,7 @@
               <a:rPr lang="zh-CN" altLang="en-US" smtClean="0"/>
               <a:t>单击此处编辑母版文本样式</a:t>
             </a:r>
+            <a:endParaRPr lang="zh-CN" altLang="en-US" smtClean="0"/>
           </a:p>
           <a:p>
             <a:pPr lvl="1"/>
@@ -1122,6 +1520,7 @@
               <a:rPr lang="zh-CN" altLang="en-US" smtClean="0"/>
               <a:t>第二级</a:t>
             </a:r>
+            <a:endParaRPr lang="zh-CN" altLang="en-US" smtClean="0"/>
           </a:p>
           <a:p>
             <a:pPr lvl="2"/>
@@ -1129,6 +1528,7 @@
               <a:rPr lang="zh-CN" altLang="en-US" smtClean="0"/>
               <a:t>第三级</a:t>
             </a:r>
+            <a:endParaRPr lang="zh-CN" altLang="en-US" smtClean="0"/>
           </a:p>
           <a:p>
             <a:pPr lvl="3"/>
@@ -1136,6 +1536,7 @@
               <a:rPr lang="zh-CN" altLang="en-US" smtClean="0"/>
               <a:t>第四级</a:t>
             </a:r>
+            <a:endParaRPr lang="zh-CN" altLang="en-US" smtClean="0"/>
           </a:p>
           <a:p>
             <a:pPr lvl="4"/>
@@ -1172,6 +1573,7 @@
               <a:rPr lang="zh-CN" altLang="en-US" smtClean="0"/>
               <a:t>单击此处编辑母版文本样式</a:t>
             </a:r>
+            <a:endParaRPr lang="zh-CN" altLang="en-US" smtClean="0"/>
           </a:p>
           <a:p>
             <a:pPr lvl="1"/>
@@ -1179,6 +1581,7 @@
               <a:rPr lang="zh-CN" altLang="en-US" smtClean="0"/>
               <a:t>第二级</a:t>
             </a:r>
+            <a:endParaRPr lang="zh-CN" altLang="en-US" smtClean="0"/>
           </a:p>
           <a:p>
             <a:pPr lvl="2"/>
@@ -1186,6 +1589,7 @@
               <a:rPr lang="zh-CN" altLang="en-US" smtClean="0"/>
               <a:t>第三级</a:t>
             </a:r>
+            <a:endParaRPr lang="zh-CN" altLang="en-US" smtClean="0"/>
           </a:p>
           <a:p>
             <a:pPr lvl="3"/>
@@ -1193,6 +1597,7 @@
               <a:rPr lang="zh-CN" altLang="en-US" smtClean="0"/>
               <a:t>第四级</a:t>
             </a:r>
+            <a:endParaRPr lang="zh-CN" altLang="en-US" smtClean="0"/>
           </a:p>
           <a:p>
             <a:pPr lvl="4"/>
@@ -1221,7 +1626,6 @@
           <a:p>
             <a:fld id="{791025AC-6364-4DCA-9BF0-1CB07E70C9CD}" type="datetimeFigureOut">
               <a:rPr lang="zh-CN" altLang="en-US" smtClean="0"/>
-              <a:t>2022/3/5</a:t>
             </a:fld>
             <a:endParaRPr lang="zh-CN" altLang="en-US"/>
           </a:p>
@@ -1263,7 +1667,6 @@
           <a:p>
             <a:fld id="{B11A056D-85D3-471D-A642-53DA42750F49}" type="slidenum">
               <a:rPr lang="zh-CN" altLang="en-US" smtClean="0"/>
-              <a:t>‹#›</a:t>
             </a:fld>
             <a:endParaRPr lang="zh-CN" altLang="en-US"/>
           </a:p>
@@ -1384,6 +1787,7 @@
               <a:rPr lang="zh-CN" altLang="en-US" smtClean="0"/>
               <a:t>单击此处编辑母版文本样式</a:t>
             </a:r>
+            <a:endParaRPr lang="zh-CN" altLang="en-US" smtClean="0"/>
           </a:p>
         </p:txBody>
       </p:sp>
@@ -1412,6 +1816,7 @@
               <a:rPr lang="zh-CN" altLang="en-US" smtClean="0"/>
               <a:t>单击此处编辑母版文本样式</a:t>
             </a:r>
+            <a:endParaRPr lang="zh-CN" altLang="en-US" smtClean="0"/>
           </a:p>
           <a:p>
             <a:pPr lvl="1"/>
@@ -1419,6 +1824,7 @@
               <a:rPr lang="zh-CN" altLang="en-US" smtClean="0"/>
               <a:t>第二级</a:t>
             </a:r>
+            <a:endParaRPr lang="zh-CN" altLang="en-US" smtClean="0"/>
           </a:p>
           <a:p>
             <a:pPr lvl="2"/>
@@ -1426,6 +1832,7 @@
               <a:rPr lang="zh-CN" altLang="en-US" smtClean="0"/>
               <a:t>第三级</a:t>
             </a:r>
+            <a:endParaRPr lang="zh-CN" altLang="en-US" smtClean="0"/>
           </a:p>
           <a:p>
             <a:pPr lvl="3"/>
@@ -1433,6 +1840,7 @@
               <a:rPr lang="zh-CN" altLang="en-US" smtClean="0"/>
               <a:t>第四级</a:t>
             </a:r>
+            <a:endParaRPr lang="zh-CN" altLang="en-US" smtClean="0"/>
           </a:p>
           <a:p>
             <a:pPr lvl="4"/>
@@ -1506,6 +1914,7 @@
               <a:rPr lang="zh-CN" altLang="en-US" smtClean="0"/>
               <a:t>单击此处编辑母版文本样式</a:t>
             </a:r>
+            <a:endParaRPr lang="zh-CN" altLang="en-US" smtClean="0"/>
           </a:p>
         </p:txBody>
       </p:sp>
@@ -1534,6 +1943,7 @@
               <a:rPr lang="zh-CN" altLang="en-US" smtClean="0"/>
               <a:t>单击此处编辑母版文本样式</a:t>
             </a:r>
+            <a:endParaRPr lang="zh-CN" altLang="en-US" smtClean="0"/>
           </a:p>
           <a:p>
             <a:pPr lvl="1"/>
@@ -1541,6 +1951,7 @@
               <a:rPr lang="zh-CN" altLang="en-US" smtClean="0"/>
               <a:t>第二级</a:t>
             </a:r>
+            <a:endParaRPr lang="zh-CN" altLang="en-US" smtClean="0"/>
           </a:p>
           <a:p>
             <a:pPr lvl="2"/>
@@ -1548,6 +1959,7 @@
               <a:rPr lang="zh-CN" altLang="en-US" smtClean="0"/>
               <a:t>第三级</a:t>
             </a:r>
+            <a:endParaRPr lang="zh-CN" altLang="en-US" smtClean="0"/>
           </a:p>
           <a:p>
             <a:pPr lvl="3"/>
@@ -1555,6 +1967,7 @@
               <a:rPr lang="zh-CN" altLang="en-US" smtClean="0"/>
               <a:t>第四级</a:t>
             </a:r>
+            <a:endParaRPr lang="zh-CN" altLang="en-US" smtClean="0"/>
           </a:p>
           <a:p>
             <a:pPr lvl="4"/>
@@ -1583,7 +1996,6 @@
           <a:p>
             <a:fld id="{791025AC-6364-4DCA-9BF0-1CB07E70C9CD}" type="datetimeFigureOut">
               <a:rPr lang="zh-CN" altLang="en-US" smtClean="0"/>
-              <a:t>2022/3/5</a:t>
             </a:fld>
             <a:endParaRPr lang="zh-CN" altLang="en-US"/>
           </a:p>
@@ -1625,7 +2037,6 @@
           <a:p>
             <a:fld id="{B11A056D-85D3-471D-A642-53DA42750F49}" type="slidenum">
               <a:rPr lang="zh-CN" altLang="en-US" smtClean="0"/>
-              <a:t>‹#›</a:t>
             </a:fld>
             <a:endParaRPr lang="zh-CN" altLang="en-US"/>
           </a:p>
@@ -1696,7 +2107,6 @@
           <a:p>
             <a:fld id="{791025AC-6364-4DCA-9BF0-1CB07E70C9CD}" type="datetimeFigureOut">
               <a:rPr lang="zh-CN" altLang="en-US" smtClean="0"/>
-              <a:t>2022/3/5</a:t>
             </a:fld>
             <a:endParaRPr lang="zh-CN" altLang="en-US"/>
           </a:p>
@@ -1738,7 +2148,6 @@
           <a:p>
             <a:fld id="{B11A056D-85D3-471D-A642-53DA42750F49}" type="slidenum">
               <a:rPr lang="zh-CN" altLang="en-US" smtClean="0"/>
-              <a:t>‹#›</a:t>
             </a:fld>
             <a:endParaRPr lang="zh-CN" altLang="en-US"/>
           </a:p>
@@ -1786,7 +2195,6 @@
           <a:p>
             <a:fld id="{791025AC-6364-4DCA-9BF0-1CB07E70C9CD}" type="datetimeFigureOut">
               <a:rPr lang="zh-CN" altLang="en-US" smtClean="0"/>
-              <a:t>2022/3/5</a:t>
             </a:fld>
             <a:endParaRPr lang="zh-CN" altLang="en-US"/>
           </a:p>
@@ -1828,7 +2236,6 @@
           <a:p>
             <a:fld id="{B11A056D-85D3-471D-A642-53DA42750F49}" type="slidenum">
               <a:rPr lang="zh-CN" altLang="en-US" smtClean="0"/>
-              <a:t>‹#›</a:t>
             </a:fld>
             <a:endParaRPr lang="zh-CN" altLang="en-US"/>
           </a:p>
@@ -1944,6 +2351,7 @@
               <a:rPr lang="zh-CN" altLang="en-US" smtClean="0"/>
               <a:t>单击此处编辑母版文本样式</a:t>
             </a:r>
+            <a:endParaRPr lang="zh-CN" altLang="en-US" smtClean="0"/>
           </a:p>
           <a:p>
             <a:pPr lvl="1"/>
@@ -1951,6 +2359,7 @@
               <a:rPr lang="zh-CN" altLang="en-US" smtClean="0"/>
               <a:t>第二级</a:t>
             </a:r>
+            <a:endParaRPr lang="zh-CN" altLang="en-US" smtClean="0"/>
           </a:p>
           <a:p>
             <a:pPr lvl="2"/>
@@ -1958,6 +2367,7 @@
               <a:rPr lang="zh-CN" altLang="en-US" smtClean="0"/>
               <a:t>第三级</a:t>
             </a:r>
+            <a:endParaRPr lang="zh-CN" altLang="en-US" smtClean="0"/>
           </a:p>
           <a:p>
             <a:pPr lvl="3"/>
@@ -1965,6 +2375,7 @@
               <a:rPr lang="zh-CN" altLang="en-US" smtClean="0"/>
               <a:t>第四级</a:t>
             </a:r>
+            <a:endParaRPr lang="zh-CN" altLang="en-US" smtClean="0"/>
           </a:p>
           <a:p>
             <a:pPr lvl="4"/>
@@ -2038,6 +2449,7 @@
               <a:rPr lang="zh-CN" altLang="en-US" smtClean="0"/>
               <a:t>单击此处编辑母版文本样式</a:t>
             </a:r>
+            <a:endParaRPr lang="zh-CN" altLang="en-US" smtClean="0"/>
           </a:p>
         </p:txBody>
       </p:sp>
@@ -2058,7 +2470,6 @@
           <a:p>
             <a:fld id="{791025AC-6364-4DCA-9BF0-1CB07E70C9CD}" type="datetimeFigureOut">
               <a:rPr lang="zh-CN" altLang="en-US" smtClean="0"/>
-              <a:t>2022/3/5</a:t>
             </a:fld>
             <a:endParaRPr lang="zh-CN" altLang="en-US"/>
           </a:p>
@@ -2100,7 +2511,6 @@
           <a:p>
             <a:fld id="{B11A056D-85D3-471D-A642-53DA42750F49}" type="slidenum">
               <a:rPr lang="zh-CN" altLang="en-US" smtClean="0"/>
-              <a:t>‹#›</a:t>
             </a:fld>
             <a:endParaRPr lang="zh-CN" altLang="en-US"/>
           </a:p>
@@ -2286,6 +2696,7 @@
               <a:rPr lang="zh-CN" altLang="en-US" smtClean="0"/>
               <a:t>单击此处编辑母版文本样式</a:t>
             </a:r>
+            <a:endParaRPr lang="zh-CN" altLang="en-US" smtClean="0"/>
           </a:p>
         </p:txBody>
       </p:sp>
@@ -2306,7 +2717,6 @@
           <a:p>
             <a:fld id="{791025AC-6364-4DCA-9BF0-1CB07E70C9CD}" type="datetimeFigureOut">
               <a:rPr lang="zh-CN" altLang="en-US" smtClean="0"/>
-              <a:t>2022/3/5</a:t>
             </a:fld>
             <a:endParaRPr lang="zh-CN" altLang="en-US"/>
           </a:p>
@@ -2348,7 +2758,6 @@
           <a:p>
             <a:fld id="{B11A056D-85D3-471D-A642-53DA42750F49}" type="slidenum">
               <a:rPr lang="zh-CN" altLang="en-US" smtClean="0"/>
-              <a:t>‹#›</a:t>
             </a:fld>
             <a:endParaRPr lang="zh-CN" altLang="en-US"/>
           </a:p>
@@ -2447,6 +2856,7 @@
               <a:rPr lang="zh-CN" altLang="en-US" smtClean="0"/>
               <a:t>单击此处编辑母版文本样式</a:t>
             </a:r>
+            <a:endParaRPr lang="zh-CN" altLang="en-US" smtClean="0"/>
           </a:p>
           <a:p>
             <a:pPr lvl="1"/>
@@ -2454,6 +2864,7 @@
               <a:rPr lang="zh-CN" altLang="en-US" smtClean="0"/>
               <a:t>第二级</a:t>
             </a:r>
+            <a:endParaRPr lang="zh-CN" altLang="en-US" smtClean="0"/>
           </a:p>
           <a:p>
             <a:pPr lvl="2"/>
@@ -2461,6 +2872,7 @@
               <a:rPr lang="zh-CN" altLang="en-US" smtClean="0"/>
               <a:t>第三级</a:t>
             </a:r>
+            <a:endParaRPr lang="zh-CN" altLang="en-US" smtClean="0"/>
           </a:p>
           <a:p>
             <a:pPr lvl="3"/>
@@ -2468,6 +2880,7 @@
               <a:rPr lang="zh-CN" altLang="en-US" smtClean="0"/>
               <a:t>第四级</a:t>
             </a:r>
+            <a:endParaRPr lang="zh-CN" altLang="en-US" smtClean="0"/>
           </a:p>
           <a:p>
             <a:pPr lvl="4"/>
@@ -2514,7 +2927,6 @@
           <a:p>
             <a:fld id="{791025AC-6364-4DCA-9BF0-1CB07E70C9CD}" type="datetimeFigureOut">
               <a:rPr lang="zh-CN" altLang="en-US" smtClean="0"/>
-              <a:t>2022/3/5</a:t>
             </a:fld>
             <a:endParaRPr lang="zh-CN" altLang="en-US"/>
           </a:p>
@@ -2592,7 +3004,6 @@
           <a:p>
             <a:fld id="{B11A056D-85D3-471D-A642-53DA42750F49}" type="slidenum">
               <a:rPr lang="zh-CN" altLang="en-US" smtClean="0"/>
-              <a:t>‹#›</a:t>
             </a:fld>
             <a:endParaRPr lang="zh-CN" altLang="en-US"/>
           </a:p>
@@ -3207,6 +3618,13 @@
               </a:rPr>
               <a:t>×</a:t>
             </a:r>
+            <a:endParaRPr lang="en-US" altLang="zh-CN">
+              <a:solidFill>
+                <a:schemeClr val="tx1"/>
+              </a:solidFill>
+              <a:latin typeface="微软雅黑" panose="020B0503020204020204" pitchFamily="34" charset="-122"/>
+              <a:ea typeface="微软雅黑" panose="020B0503020204020204" pitchFamily="34" charset="-122"/>
+            </a:endParaRPr>
           </a:p>
         </p:txBody>
       </p:sp>
@@ -3267,6 +3685,13 @@
               </a:rPr>
               <a:t>□</a:t>
             </a:r>
+            <a:endParaRPr lang="zh-CN" altLang="en-US">
+              <a:solidFill>
+                <a:schemeClr val="tx1"/>
+              </a:solidFill>
+              <a:latin typeface="微软雅黑" panose="020B0503020204020204" pitchFamily="34" charset="-122"/>
+              <a:ea typeface="微软雅黑" panose="020B0503020204020204" pitchFamily="34" charset="-122"/>
+            </a:endParaRPr>
           </a:p>
         </p:txBody>
       </p:sp>
@@ -3325,6 +3750,11 @@
               </a:rPr>
               <a:t>_</a:t>
             </a:r>
+            <a:endParaRPr lang="en-US" altLang="zh-CN" sz="900">
+              <a:solidFill>
+                <a:schemeClr val="tx1"/>
+              </a:solidFill>
+            </a:endParaRPr>
           </a:p>
         </p:txBody>
       </p:sp>
@@ -3361,6 +3791,14 @@
               </a:rPr>
               <a:t>Category</a:t>
             </a:r>
+            <a:endParaRPr lang="en-US" altLang="zh-CN" b="1" dirty="0" err="1" smtClean="0">
+              <a:solidFill>
+                <a:schemeClr val="accent1">
+                  <a:lumMod val="75000"/>
+                </a:schemeClr>
+              </a:solidFill>
+              <a:effectLst/>
+            </a:endParaRPr>
           </a:p>
         </p:txBody>
       </p:sp>
@@ -3432,6 +3870,14 @@
               </a:rPr>
               <a:t>SARibbonTabBar</a:t>
             </a:r>
+            <a:endParaRPr lang="en-US" altLang="zh-CN" b="1" dirty="0" err="1" smtClean="0">
+              <a:solidFill>
+                <a:schemeClr val="accent1">
+                  <a:lumMod val="75000"/>
+                </a:schemeClr>
+              </a:solidFill>
+              <a:effectLst/>
+            </a:endParaRPr>
           </a:p>
         </p:txBody>
       </p:sp>
@@ -3501,6 +3947,14 @@
               </a:rPr>
               <a:t>titleBar</a:t>
             </a:r>
+            <a:endParaRPr lang="en-US" altLang="zh-CN" b="1" dirty="0" err="1" smtClean="0">
+              <a:solidFill>
+                <a:schemeClr val="accent1">
+                  <a:lumMod val="75000"/>
+                </a:schemeClr>
+              </a:solidFill>
+              <a:effectLst/>
+            </a:endParaRPr>
           </a:p>
         </p:txBody>
       </p:sp>
@@ -3537,6 +3991,7 @@
               <a:rPr lang="en-US" altLang="zh-CN" sz="1000"/>
               <a:t>window title</a:t>
             </a:r>
+            <a:endParaRPr lang="en-US" altLang="zh-CN" sz="1000"/>
           </a:p>
         </p:txBody>
       </p:sp>
@@ -3608,6 +4063,14 @@
               </a:rPr>
               <a:t>SARibbonQuickAccessBar</a:t>
             </a:r>
+            <a:endParaRPr lang="en-US" altLang="zh-CN" b="1" dirty="0" err="1" smtClean="0">
+              <a:solidFill>
+                <a:schemeClr val="accent1">
+                  <a:lumMod val="75000"/>
+                </a:schemeClr>
+              </a:solidFill>
+              <a:effectLst/>
+            </a:endParaRPr>
           </a:p>
         </p:txBody>
       </p:sp>
@@ -3679,6 +4142,14 @@
               </a:rPr>
               <a:t>applicationButton</a:t>
             </a:r>
+            <a:endParaRPr lang="en-US" altLang="zh-CN" b="1" dirty="0" err="1" smtClean="0">
+              <a:solidFill>
+                <a:schemeClr val="accent1">
+                  <a:lumMod val="75000"/>
+                </a:schemeClr>
+              </a:solidFill>
+              <a:effectLst/>
+            </a:endParaRPr>
           </a:p>
         </p:txBody>
       </p:sp>
@@ -4098,6 +4569,7 @@
               <a:rPr lang="en-US" altLang="zh-CN" sz="1200" dirty="0" smtClean="0"/>
               <a:t> Title</a:t>
             </a:r>
+            <a:endParaRPr lang="en-US" altLang="zh-CN" sz="1200" dirty="0" smtClean="0"/>
           </a:p>
         </p:txBody>
       </p:sp>
@@ -4213,6 +4685,14 @@
               </a:rPr>
               <a:t>Pannel</a:t>
             </a:r>
+            <a:endParaRPr lang="en-US" altLang="zh-CN" b="1" dirty="0" err="1" smtClean="0">
+              <a:solidFill>
+                <a:schemeClr val="accent1">
+                  <a:lumMod val="75000"/>
+                </a:schemeClr>
+              </a:solidFill>
+              <a:effectLst/>
+            </a:endParaRPr>
           </a:p>
         </p:txBody>
       </p:sp>
@@ -4327,6 +4807,11 @@
               </a:rPr>
               <a:t>模式示例</a:t>
             </a:r>
+            <a:endParaRPr lang="zh-CN" altLang="en-US" b="1">
+              <a:latin typeface="微软雅黑" panose="020B0503020204020204" pitchFamily="34" charset="-122"/>
+              <a:ea typeface="微软雅黑" panose="020B0503020204020204" pitchFamily="34" charset="-122"/>
+              <a:cs typeface="微软雅黑" panose="020B0503020204020204" pitchFamily="34" charset="-122"/>
+            </a:endParaRPr>
           </a:p>
         </p:txBody>
       </p:sp>
@@ -4339,7 +4824,7 @@
           <p:nvPr/>
         </p:nvPicPr>
         <p:blipFill>
-          <a:blip r:embed="rId2"/>
+          <a:blip r:embed="rId1"/>
           <a:stretch>
             <a:fillRect/>
           </a:stretch>
@@ -4776,6 +5261,13 @@
               </a:rPr>
               <a:t>×</a:t>
             </a:r>
+            <a:endParaRPr lang="en-US" altLang="zh-CN">
+              <a:solidFill>
+                <a:schemeClr val="tx1"/>
+              </a:solidFill>
+              <a:latin typeface="微软雅黑" panose="020B0503020204020204" pitchFamily="34" charset="-122"/>
+              <a:ea typeface="微软雅黑" panose="020B0503020204020204" pitchFamily="34" charset="-122"/>
+            </a:endParaRPr>
           </a:p>
         </p:txBody>
       </p:sp>
@@ -4836,6 +5328,13 @@
               </a:rPr>
               <a:t>□</a:t>
             </a:r>
+            <a:endParaRPr lang="zh-CN" altLang="en-US">
+              <a:solidFill>
+                <a:schemeClr val="tx1"/>
+              </a:solidFill>
+              <a:latin typeface="微软雅黑" panose="020B0503020204020204" pitchFamily="34" charset="-122"/>
+              <a:ea typeface="微软雅黑" panose="020B0503020204020204" pitchFamily="34" charset="-122"/>
+            </a:endParaRPr>
           </a:p>
         </p:txBody>
       </p:sp>
@@ -4894,6 +5393,11 @@
               </a:rPr>
               <a:t>_</a:t>
             </a:r>
+            <a:endParaRPr lang="en-US" altLang="zh-CN" sz="900">
+              <a:solidFill>
+                <a:schemeClr val="tx1"/>
+              </a:solidFill>
+            </a:endParaRPr>
           </a:p>
         </p:txBody>
       </p:sp>
@@ -4930,6 +5434,14 @@
               </a:rPr>
               <a:t>Category</a:t>
             </a:r>
+            <a:endParaRPr lang="en-US" altLang="zh-CN" b="1" dirty="0" err="1" smtClean="0">
+              <a:solidFill>
+                <a:schemeClr val="accent1">
+                  <a:lumMod val="75000"/>
+                </a:schemeClr>
+              </a:solidFill>
+              <a:effectLst/>
+            </a:endParaRPr>
           </a:p>
         </p:txBody>
       </p:sp>
@@ -5001,6 +5513,14 @@
               </a:rPr>
               <a:t>SARibbonTabBar</a:t>
             </a:r>
+            <a:endParaRPr lang="en-US" altLang="zh-CN" b="1" dirty="0" err="1" smtClean="0">
+              <a:solidFill>
+                <a:schemeClr val="accent1">
+                  <a:lumMod val="75000"/>
+                </a:schemeClr>
+              </a:solidFill>
+              <a:effectLst/>
+            </a:endParaRPr>
           </a:p>
         </p:txBody>
       </p:sp>
@@ -5072,6 +5592,14 @@
               </a:rPr>
               <a:t>titleBar</a:t>
             </a:r>
+            <a:endParaRPr lang="en-US" altLang="zh-CN" b="1" dirty="0" err="1" smtClean="0">
+              <a:solidFill>
+                <a:schemeClr val="accent1">
+                  <a:lumMod val="75000"/>
+                </a:schemeClr>
+              </a:solidFill>
+              <a:effectLst/>
+            </a:endParaRPr>
           </a:p>
         </p:txBody>
       </p:sp>
@@ -5108,6 +5636,7 @@
               <a:rPr lang="en-US" altLang="zh-CN" sz="1000"/>
               <a:t>window title</a:t>
             </a:r>
+            <a:endParaRPr lang="en-US" altLang="zh-CN" sz="1000"/>
           </a:p>
         </p:txBody>
       </p:sp>
@@ -5179,6 +5708,14 @@
               </a:rPr>
               <a:t>SARibbonQuickAccessBar</a:t>
             </a:r>
+            <a:endParaRPr lang="en-US" altLang="zh-CN" b="1" dirty="0" err="1" smtClean="0">
+              <a:solidFill>
+                <a:schemeClr val="accent1">
+                  <a:lumMod val="75000"/>
+                </a:schemeClr>
+              </a:solidFill>
+              <a:effectLst/>
+            </a:endParaRPr>
           </a:p>
         </p:txBody>
       </p:sp>
@@ -5250,6 +5787,14 @@
               </a:rPr>
               <a:t>applicationButton</a:t>
             </a:r>
+            <a:endParaRPr lang="en-US" altLang="zh-CN" b="1" dirty="0" err="1" smtClean="0">
+              <a:solidFill>
+                <a:schemeClr val="accent1">
+                  <a:lumMod val="75000"/>
+                </a:schemeClr>
+              </a:solidFill>
+              <a:effectLst/>
+            </a:endParaRPr>
           </a:p>
         </p:txBody>
       </p:sp>
@@ -5669,6 +6214,7 @@
               <a:rPr lang="en-US" altLang="zh-CN" sz="1200" dirty="0" smtClean="0"/>
               <a:t> Title</a:t>
             </a:r>
+            <a:endParaRPr lang="en-US" altLang="zh-CN" sz="1200" dirty="0" smtClean="0"/>
           </a:p>
         </p:txBody>
       </p:sp>
@@ -5784,6 +6330,14 @@
               </a:rPr>
               <a:t>Pannel</a:t>
             </a:r>
+            <a:endParaRPr lang="en-US" altLang="zh-CN" b="1" dirty="0" err="1" smtClean="0">
+              <a:solidFill>
+                <a:schemeClr val="accent1">
+                  <a:lumMod val="75000"/>
+                </a:schemeClr>
+              </a:solidFill>
+              <a:effectLst/>
+            </a:endParaRPr>
           </a:p>
         </p:txBody>
       </p:sp>
@@ -5906,15 +6460,15 @@
               </a:rPr>
               <a:t>模式示例</a:t>
             </a:r>
+            <a:endParaRPr lang="zh-CN" altLang="en-US" b="1">
+              <a:latin typeface="微软雅黑" panose="020B0503020204020204" pitchFamily="34" charset="-122"/>
+              <a:ea typeface="微软雅黑" panose="020B0503020204020204" pitchFamily="34" charset="-122"/>
+              <a:cs typeface="微软雅黑" panose="020B0503020204020204" pitchFamily="34" charset="-122"/>
+            </a:endParaRPr>
           </a:p>
         </p:txBody>
       </p:sp>
     </p:spTree>
-    <p:extLst>
-      <p:ext uri="{BB962C8B-B14F-4D97-AF65-F5344CB8AC3E}">
-        <p14:creationId xmlns:p14="http://schemas.microsoft.com/office/powerpoint/2010/main" val="1024006020"/>
-      </p:ext>
-    </p:extLst>
   </p:cSld>
   <p:clrMapOvr>
     <a:masterClrMapping/>
@@ -6428,7 +6982,7 @@
           <p:nvPr/>
         </p:nvPicPr>
         <p:blipFill>
-          <a:blip r:embed="rId2"/>
+          <a:blip r:embed="rId1"/>
           <a:stretch>
             <a:fillRect/>
           </a:stretch>
@@ -6452,7 +7006,7 @@
           <p:nvPr/>
         </p:nvPicPr>
         <p:blipFill>
-          <a:blip r:embed="rId3"/>
+          <a:blip r:embed="rId2"/>
           <a:stretch>
             <a:fillRect/>
           </a:stretch>
@@ -6476,7 +7030,7 @@
           <p:nvPr/>
         </p:nvPicPr>
         <p:blipFill>
-          <a:blip r:embed="rId4"/>
+          <a:blip r:embed="rId3"/>
           <a:stretch>
             <a:fillRect/>
           </a:stretch>
@@ -8628,7 +9182,7 @@
           <p:nvPr/>
         </p:nvPicPr>
         <p:blipFill>
-          <a:blip r:embed="rId2"/>
+          <a:blip r:embed="rId1"/>
           <a:stretch>
             <a:fillRect/>
           </a:stretch>
@@ -9047,7 +9601,7 @@
           <p:nvPr/>
         </p:nvPicPr>
         <p:blipFill>
-          <a:blip r:embed="rId3"/>
+          <a:blip r:embed="rId2"/>
           <a:stretch>
             <a:fillRect/>
           </a:stretch>
@@ -9732,6 +10286,13 @@
               </a:rPr>
               <a:t>×</a:t>
             </a:r>
+            <a:endParaRPr lang="en-US" altLang="zh-CN">
+              <a:solidFill>
+                <a:schemeClr val="tx1"/>
+              </a:solidFill>
+              <a:latin typeface="微软雅黑" panose="020B0503020204020204" pitchFamily="34" charset="-122"/>
+              <a:ea typeface="微软雅黑" panose="020B0503020204020204" pitchFamily="34" charset="-122"/>
+            </a:endParaRPr>
           </a:p>
         </p:txBody>
       </p:sp>
@@ -9792,6 +10353,13 @@
               </a:rPr>
               <a:t>□</a:t>
             </a:r>
+            <a:endParaRPr lang="zh-CN" altLang="en-US">
+              <a:solidFill>
+                <a:schemeClr val="tx1"/>
+              </a:solidFill>
+              <a:latin typeface="微软雅黑" panose="020B0503020204020204" pitchFamily="34" charset="-122"/>
+              <a:ea typeface="微软雅黑" panose="020B0503020204020204" pitchFamily="34" charset="-122"/>
+            </a:endParaRPr>
           </a:p>
         </p:txBody>
       </p:sp>
@@ -9850,6 +10418,11 @@
               </a:rPr>
               <a:t>_</a:t>
             </a:r>
+            <a:endParaRPr lang="en-US" altLang="zh-CN" sz="900">
+              <a:solidFill>
+                <a:schemeClr val="tx1"/>
+              </a:solidFill>
+            </a:endParaRPr>
           </a:p>
         </p:txBody>
       </p:sp>
@@ -9886,6 +10459,14 @@
               </a:rPr>
               <a:t>Category</a:t>
             </a:r>
+            <a:endParaRPr lang="en-US" altLang="zh-CN" b="1" dirty="0" err="1" smtClean="0">
+              <a:solidFill>
+                <a:schemeClr val="accent1">
+                  <a:lumMod val="75000"/>
+                </a:schemeClr>
+              </a:solidFill>
+              <a:effectLst/>
+            </a:endParaRPr>
           </a:p>
         </p:txBody>
       </p:sp>
@@ -9957,6 +10538,14 @@
               </a:rPr>
               <a:t>SARibbonTabBar</a:t>
             </a:r>
+            <a:endParaRPr lang="en-US" altLang="zh-CN" b="1" dirty="0" err="1" smtClean="0">
+              <a:solidFill>
+                <a:schemeClr val="accent1">
+                  <a:lumMod val="75000"/>
+                </a:schemeClr>
+              </a:solidFill>
+              <a:effectLst/>
+            </a:endParaRPr>
           </a:p>
         </p:txBody>
       </p:sp>
@@ -10028,6 +10617,14 @@
               </a:rPr>
               <a:t>titleBar</a:t>
             </a:r>
+            <a:endParaRPr lang="en-US" altLang="zh-CN" b="1" dirty="0" err="1" smtClean="0">
+              <a:solidFill>
+                <a:schemeClr val="accent1">
+                  <a:lumMod val="75000"/>
+                </a:schemeClr>
+              </a:solidFill>
+              <a:effectLst/>
+            </a:endParaRPr>
           </a:p>
         </p:txBody>
       </p:sp>
@@ -10064,6 +10661,7 @@
               <a:rPr lang="en-US" altLang="zh-CN" sz="1000"/>
               <a:t>window title</a:t>
             </a:r>
+            <a:endParaRPr lang="en-US" altLang="zh-CN" sz="1000"/>
           </a:p>
         </p:txBody>
       </p:sp>
@@ -10135,6 +10733,14 @@
               </a:rPr>
               <a:t>SARibbonQuickAccessBar</a:t>
             </a:r>
+            <a:endParaRPr lang="en-US" altLang="zh-CN" b="1" dirty="0" err="1" smtClean="0">
+              <a:solidFill>
+                <a:schemeClr val="accent1">
+                  <a:lumMod val="75000"/>
+                </a:schemeClr>
+              </a:solidFill>
+              <a:effectLst/>
+            </a:endParaRPr>
           </a:p>
         </p:txBody>
       </p:sp>
@@ -10206,6 +10812,14 @@
               </a:rPr>
               <a:t>applicationButton</a:t>
             </a:r>
+            <a:endParaRPr lang="en-US" altLang="zh-CN" b="1" dirty="0" err="1" smtClean="0">
+              <a:solidFill>
+                <a:schemeClr val="accent1">
+                  <a:lumMod val="75000"/>
+                </a:schemeClr>
+              </a:solidFill>
+              <a:effectLst/>
+            </a:endParaRPr>
           </a:p>
         </p:txBody>
       </p:sp>
@@ -10625,6 +11239,7 @@
               <a:rPr lang="en-US" altLang="zh-CN" sz="1200" dirty="0" smtClean="0"/>
               <a:t> Title</a:t>
             </a:r>
+            <a:endParaRPr lang="en-US" altLang="zh-CN" sz="1200" dirty="0" smtClean="0"/>
           </a:p>
         </p:txBody>
       </p:sp>
@@ -10740,6 +11355,14 @@
               </a:rPr>
               <a:t>Pannel</a:t>
             </a:r>
+            <a:endParaRPr lang="en-US" altLang="zh-CN" b="1" dirty="0" err="1" smtClean="0">
+              <a:solidFill>
+                <a:schemeClr val="accent1">
+                  <a:lumMod val="75000"/>
+                </a:schemeClr>
+              </a:solidFill>
+              <a:effectLst/>
+            </a:endParaRPr>
           </a:p>
         </p:txBody>
       </p:sp>
@@ -10862,6 +11485,11 @@
               </a:rPr>
               <a:t>模式示例</a:t>
             </a:r>
+            <a:endParaRPr lang="zh-CN" altLang="en-US" b="1">
+              <a:latin typeface="微软雅黑" panose="020B0503020204020204" pitchFamily="34" charset="-122"/>
+              <a:ea typeface="微软雅黑" panose="020B0503020204020204" pitchFamily="34" charset="-122"/>
+              <a:cs typeface="微软雅黑" panose="020B0503020204020204" pitchFamily="34" charset="-122"/>
+            </a:endParaRPr>
           </a:p>
         </p:txBody>
       </p:sp>
@@ -10898,8 +11526,8 @@
         </p:nvSpPr>
         <p:spPr>
           <a:xfrm>
-            <a:off x="1049020" y="2129155"/>
-            <a:ext cx="10530840" cy="1493520"/>
+            <a:off x="1188720" y="1941195"/>
+            <a:ext cx="10530840" cy="1757680"/>
           </a:xfrm>
           <a:prstGeom prst="rect">
             <a:avLst/>
@@ -11000,8 +11628,8 @@
         </p:nvSpPr>
         <p:spPr>
           <a:xfrm>
-            <a:off x="1717992" y="2880995"/>
-            <a:ext cx="412115" cy="205740"/>
+            <a:off x="1960245" y="3020695"/>
+            <a:ext cx="412115" cy="260350"/>
           </a:xfrm>
           <a:prstGeom prst="rect">
             <a:avLst/>
@@ -11047,7 +11675,7 @@
         </p:nvSpPr>
         <p:spPr>
           <a:xfrm>
-            <a:off x="2461260" y="2950220"/>
+            <a:off x="2442210" y="2943870"/>
             <a:ext cx="646429" cy="255816"/>
           </a:xfrm>
           <a:prstGeom prst="rect">
@@ -11103,7 +11731,7 @@
         </p:nvSpPr>
         <p:spPr>
           <a:xfrm>
-            <a:off x="8964295" y="1712138"/>
+            <a:off x="2236470" y="2575103"/>
             <a:ext cx="1477010" cy="248285"/>
           </a:xfrm>
           <a:prstGeom prst="rect">
@@ -11158,10 +11786,10 @@
         </p:nvGrpSpPr>
         <p:grpSpPr>
           <a:xfrm>
-            <a:off x="10520045" y="1488122"/>
-            <a:ext cx="842645" cy="328295"/>
-            <a:chOff x="10888980" y="1430655"/>
-            <a:chExt cx="842645" cy="328295"/>
+            <a:off x="10208895" y="1401762"/>
+            <a:ext cx="793115" cy="319405"/>
+            <a:chOff x="10888980" y="1439545"/>
+            <a:chExt cx="793115" cy="319405"/>
           </a:xfrm>
         </p:grpSpPr>
         <p:sp>
@@ -11172,21 +11800,21 @@
           </p:nvSpPr>
           <p:spPr>
             <a:xfrm>
-              <a:off x="11448415" y="1430655"/>
+              <a:off x="11398885" y="1439545"/>
               <a:ext cx="283210" cy="242570"/>
             </a:xfrm>
             <a:prstGeom prst="rect">
               <a:avLst/>
             </a:prstGeom>
             <a:solidFill>
-              <a:schemeClr val="accent2">
+              <a:schemeClr val="accent1">
                 <a:lumMod val="20000"/>
                 <a:lumOff val="80000"/>
               </a:schemeClr>
             </a:solidFill>
             <a:ln>
               <a:solidFill>
-                <a:schemeClr val="accent2"/>
+                <a:schemeClr val="accent1"/>
               </a:solidFill>
             </a:ln>
             <a:scene3d>
@@ -11225,6 +11853,13 @@
                 </a:rPr>
                 <a:t>×</a:t>
               </a:r>
+              <a:endParaRPr lang="en-US" altLang="zh-CN">
+                <a:solidFill>
+                  <a:schemeClr val="tx1"/>
+                </a:solidFill>
+                <a:latin typeface="微软雅黑" panose="020B0503020204020204" pitchFamily="34" charset="-122"/>
+                <a:ea typeface="微软雅黑" panose="020B0503020204020204" pitchFamily="34" charset="-122"/>
+              </a:endParaRPr>
             </a:p>
           </p:txBody>
         </p:sp>
@@ -11236,21 +11871,21 @@
           </p:nvSpPr>
           <p:spPr>
             <a:xfrm>
-              <a:off x="11172190" y="1468755"/>
+              <a:off x="11145520" y="1478280"/>
               <a:ext cx="283210" cy="242570"/>
             </a:xfrm>
             <a:prstGeom prst="rect">
               <a:avLst/>
             </a:prstGeom>
             <a:solidFill>
-              <a:schemeClr val="accent2">
+              <a:schemeClr val="accent1">
                 <a:lumMod val="20000"/>
                 <a:lumOff val="80000"/>
               </a:schemeClr>
             </a:solidFill>
             <a:ln>
               <a:solidFill>
-                <a:schemeClr val="accent2"/>
+                <a:schemeClr val="accent1"/>
               </a:solidFill>
             </a:ln>
             <a:scene3d>
@@ -11289,6 +11924,13 @@
                 </a:rPr>
                 <a:t>□</a:t>
               </a:r>
+              <a:endParaRPr lang="zh-CN" altLang="en-US">
+                <a:solidFill>
+                  <a:schemeClr val="tx1"/>
+                </a:solidFill>
+                <a:latin typeface="微软雅黑" panose="020B0503020204020204" pitchFamily="34" charset="-122"/>
+                <a:ea typeface="微软雅黑" panose="020B0503020204020204" pitchFamily="34" charset="-122"/>
+              </a:endParaRPr>
             </a:p>
           </p:txBody>
         </p:sp>
@@ -11307,14 +11949,14 @@
               <a:avLst/>
             </a:prstGeom>
             <a:solidFill>
-              <a:schemeClr val="accent2">
+              <a:schemeClr val="accent1">
                 <a:lumMod val="20000"/>
                 <a:lumOff val="80000"/>
               </a:schemeClr>
             </a:solidFill>
             <a:ln>
               <a:solidFill>
-                <a:schemeClr val="accent2"/>
+                <a:schemeClr val="accent1"/>
               </a:solidFill>
             </a:ln>
             <a:scene3d>
@@ -11351,6 +11993,11 @@
                 </a:rPr>
                 <a:t>_</a:t>
               </a:r>
+              <a:endParaRPr lang="en-US" altLang="zh-CN" sz="900">
+                <a:solidFill>
+                  <a:schemeClr val="tx1"/>
+                </a:solidFill>
+              </a:endParaRPr>
             </a:p>
           </p:txBody>
         </p:sp>
@@ -11380,14 +12027,18 @@
             <a:r>
               <a:rPr lang="en-US" altLang="zh-CN" b="1" dirty="0" err="1" smtClean="0">
                 <a:solidFill>
-                  <a:schemeClr val="accent1">
-                    <a:lumMod val="75000"/>
-                  </a:schemeClr>
+                  <a:schemeClr val="tx1"/>
                 </a:solidFill>
                 <a:effectLst/>
               </a:rPr>
               <a:t>Category</a:t>
             </a:r>
+            <a:endParaRPr lang="en-US" altLang="zh-CN" b="1" dirty="0" err="1" smtClean="0">
+              <a:solidFill>
+                <a:schemeClr val="tx1"/>
+              </a:solidFill>
+              <a:effectLst/>
+            </a:endParaRPr>
           </a:p>
         </p:txBody>
       </p:sp>
@@ -11432,8 +12083,8 @@
         </p:nvSpPr>
         <p:spPr>
           <a:xfrm>
-            <a:off x="6170929" y="1468120"/>
-            <a:ext cx="890905" cy="368300"/>
+            <a:off x="5481319" y="1400810"/>
+            <a:ext cx="1454150" cy="368300"/>
           </a:xfrm>
           <a:prstGeom prst="rect">
             <a:avLst/>
@@ -11449,14 +12100,37 @@
             <a:r>
               <a:rPr lang="en-US" altLang="zh-CN" b="1" dirty="0" err="1" smtClean="0">
                 <a:solidFill>
-                  <a:schemeClr val="accent1">
-                    <a:lumMod val="75000"/>
-                  </a:schemeClr>
+                  <a:schemeClr val="tx1"/>
+                </a:solidFill>
+                <a:effectLst/>
+                <a:sym typeface="+mn-ea"/>
+              </a:rPr>
+              <a:t>Window </a:t>
+            </a:r>
+            <a:r>
+              <a:rPr lang="en-US" altLang="zh-CN" b="1" dirty="0" err="1" smtClean="0">
+                <a:solidFill>
+                  <a:schemeClr val="tx1"/>
                 </a:solidFill>
                 <a:effectLst/>
               </a:rPr>
-              <a:t>titleBar</a:t>
-            </a:r>
+              <a:t>T</a:t>
+            </a:r>
+            <a:r>
+              <a:rPr lang="en-US" altLang="zh-CN" b="1" dirty="0" err="1" smtClean="0">
+                <a:solidFill>
+                  <a:schemeClr val="tx1"/>
+                </a:solidFill>
+                <a:effectLst/>
+              </a:rPr>
+              <a:t>itle</a:t>
+            </a:r>
+            <a:endParaRPr lang="en-US" altLang="zh-CN" b="1" dirty="0" err="1" smtClean="0">
+              <a:solidFill>
+                <a:schemeClr val="tx1"/>
+              </a:solidFill>
+              <a:effectLst/>
+            </a:endParaRPr>
           </a:p>
         </p:txBody>
       </p:sp>
@@ -11468,8 +12142,8 @@
         </p:nvSpPr>
         <p:spPr>
           <a:xfrm>
-            <a:off x="4952365" y="2128520"/>
-            <a:ext cx="4161790" cy="245110"/>
+            <a:off x="3389630" y="2019300"/>
+            <a:ext cx="6716395" cy="245110"/>
           </a:xfrm>
           <a:prstGeom prst="rect">
             <a:avLst/>
@@ -11497,6 +12171,7 @@
               <a:rPr lang="en-US" altLang="zh-CN" sz="1000"/>
               <a:t>window title</a:t>
             </a:r>
+            <a:endParaRPr lang="en-US" altLang="zh-CN" sz="1000"/>
           </a:p>
         </p:txBody>
       </p:sp>
@@ -11509,9 +12184,9 @@
           <p:nvPr/>
         </p:nvCxnSpPr>
         <p:spPr>
-          <a:xfrm flipH="1">
-            <a:off x="6449058" y="1836281"/>
-            <a:ext cx="167640" cy="362585"/>
+          <a:xfrm>
+            <a:off x="6208393" y="1768971"/>
+            <a:ext cx="95250" cy="314325"/>
           </a:xfrm>
           <a:prstGeom prst="straightConnector1">
             <a:avLst/>
@@ -11543,8 +12218,8 @@
         </p:nvSpPr>
         <p:spPr>
           <a:xfrm>
-            <a:off x="7968612" y="1145858"/>
-            <a:ext cx="2593340" cy="368300"/>
+            <a:off x="2442207" y="1447483"/>
+            <a:ext cx="1777365" cy="368300"/>
           </a:xfrm>
           <a:prstGeom prst="rect">
             <a:avLst/>
@@ -11560,14 +12235,18 @@
             <a:r>
               <a:rPr lang="en-US" altLang="zh-CN" b="1" dirty="0" err="1" smtClean="0">
                 <a:solidFill>
-                  <a:schemeClr val="accent1">
-                    <a:lumMod val="75000"/>
-                  </a:schemeClr>
+                  <a:schemeClr val="tx1"/>
                 </a:solidFill>
                 <a:effectLst/>
               </a:rPr>
-              <a:t>SARibbonQuickAccessBar</a:t>
-            </a:r>
+              <a:t>Quick Access Bar</a:t>
+            </a:r>
+            <a:endParaRPr lang="en-US" altLang="zh-CN" b="1" dirty="0" err="1" smtClean="0">
+              <a:solidFill>
+                <a:schemeClr val="tx1"/>
+              </a:solidFill>
+              <a:effectLst/>
+            </a:endParaRPr>
           </a:p>
         </p:txBody>
       </p:sp>
@@ -11576,18 +12255,22 @@
           <p:cNvPr id="39" name="直接箭头连接符 38"/>
           <p:cNvCxnSpPr>
             <a:stCxn id="38" idx="2"/>
+            <a:endCxn id="10" idx="0"/>
           </p:cNvCxnSpPr>
           <p:nvPr/>
         </p:nvCxnSpPr>
         <p:spPr>
-          <a:xfrm>
-            <a:off x="9265282" y="1514158"/>
-            <a:ext cx="144149" cy="254634"/>
+          <a:xfrm flipH="1">
+            <a:off x="2974972" y="1815783"/>
+            <a:ext cx="355600" cy="758825"/>
           </a:xfrm>
           <a:prstGeom prst="straightConnector1">
             <a:avLst/>
           </a:prstGeom>
           <a:ln>
+            <a:solidFill>
+              <a:schemeClr val="accent2"/>
+            </a:solidFill>
             <a:tailEnd type="arrow"/>
           </a:ln>
         </p:spPr>
@@ -11614,8 +12297,8 @@
         </p:nvSpPr>
         <p:spPr>
           <a:xfrm>
-            <a:off x="962342" y="2222025"/>
-            <a:ext cx="1887855" cy="368300"/>
+            <a:off x="1049337" y="1816260"/>
+            <a:ext cx="1964690" cy="368300"/>
           </a:xfrm>
           <a:prstGeom prst="rect">
             <a:avLst/>
@@ -11631,14 +12314,18 @@
             <a:r>
               <a:rPr lang="en-US" altLang="zh-CN" b="1" dirty="0" err="1" smtClean="0">
                 <a:solidFill>
-                  <a:schemeClr val="accent1">
-                    <a:lumMod val="75000"/>
-                  </a:schemeClr>
+                  <a:schemeClr val="tx1"/>
                 </a:solidFill>
                 <a:effectLst/>
               </a:rPr>
-              <a:t>applicationButton</a:t>
-            </a:r>
+              <a:t>Application Button</a:t>
+            </a:r>
+            <a:endParaRPr lang="en-US" altLang="zh-CN" b="1" dirty="0" err="1" smtClean="0">
+              <a:solidFill>
+                <a:schemeClr val="tx1"/>
+              </a:solidFill>
+              <a:effectLst/>
+            </a:endParaRPr>
           </a:p>
         </p:txBody>
       </p:sp>
@@ -12112,6 +12799,2203 @@
                 <a:rPr lang="en-US" altLang="zh-CN" sz="1200" dirty="0" smtClean="0"/>
                 <a:t> Title</a:t>
               </a:r>
+              <a:endParaRPr lang="en-US" altLang="zh-CN" sz="1200" dirty="0" smtClean="0"/>
+            </a:p>
+          </p:txBody>
+        </p:sp>
+        <p:sp>
+          <p:nvSpPr>
+            <p:cNvPr id="52" name="矩形 51"/>
+            <p:cNvSpPr/>
+            <p:nvPr/>
+          </p:nvSpPr>
+          <p:spPr>
+            <a:xfrm>
+              <a:off x="4861560" y="3247232"/>
+              <a:ext cx="671195" cy="892175"/>
+            </a:xfrm>
+            <a:prstGeom prst="rect">
+              <a:avLst/>
+            </a:prstGeom>
+            <a:scene3d>
+              <a:camera prst="isometricOffAxis1Right"/>
+              <a:lightRig rig="threePt" dir="t"/>
+            </a:scene3d>
+          </p:spPr>
+          <p:style>
+            <a:lnRef idx="2">
+              <a:schemeClr val="accent1">
+                <a:shade val="50000"/>
+              </a:schemeClr>
+            </a:lnRef>
+            <a:fillRef idx="1">
+              <a:schemeClr val="accent1"/>
+            </a:fillRef>
+            <a:effectRef idx="0">
+              <a:schemeClr val="accent1"/>
+            </a:effectRef>
+            <a:fontRef idx="minor">
+              <a:schemeClr val="lt1"/>
+            </a:fontRef>
+          </p:style>
+          <p:txBody>
+            <a:bodyPr rtlCol="0" anchor="ctr"/>
+            <a:lstStyle/>
+            <a:p>
+              <a:pPr algn="ctr"/>
+              <a:endParaRPr lang="zh-CN" altLang="en-US"/>
+            </a:p>
+          </p:txBody>
+        </p:sp>
+      </p:grpSp>
+      <p:sp>
+        <p:nvSpPr>
+          <p:cNvPr id="53" name="矩形 52"/>
+          <p:cNvSpPr/>
+          <p:nvPr/>
+        </p:nvSpPr>
+        <p:spPr>
+          <a:xfrm>
+            <a:off x="424179" y="4410554"/>
+            <a:ext cx="828675" cy="368300"/>
+          </a:xfrm>
+          <a:prstGeom prst="rect">
+            <a:avLst/>
+          </a:prstGeom>
+        </p:spPr>
+        <p:txBody>
+          <a:bodyPr wrap="none">
+            <a:spAutoFit/>
+          </a:bodyPr>
+          <a:lstStyle/>
+          <a:p>
+            <a:pPr algn="l"/>
+            <a:r>
+              <a:rPr lang="en-US" altLang="zh-CN" b="1" dirty="0" err="1" smtClean="0">
+                <a:solidFill>
+                  <a:schemeClr val="tx1"/>
+                </a:solidFill>
+                <a:effectLst/>
+              </a:rPr>
+              <a:t>Pannel</a:t>
+            </a:r>
+            <a:endParaRPr lang="en-US" altLang="zh-CN" b="1" dirty="0" err="1" smtClean="0">
+              <a:solidFill>
+                <a:schemeClr val="tx1"/>
+              </a:solidFill>
+              <a:effectLst/>
+            </a:endParaRPr>
+          </a:p>
+        </p:txBody>
+      </p:sp>
+      <p:cxnSp>
+        <p:nvCxnSpPr>
+          <p:cNvPr id="54" name="直接箭头连接符 53"/>
+          <p:cNvCxnSpPr/>
+          <p:nvPr/>
+        </p:nvCxnSpPr>
+        <p:spPr>
+          <a:xfrm flipV="1">
+            <a:off x="1221739" y="4198630"/>
+            <a:ext cx="1200468" cy="426196"/>
+          </a:xfrm>
+          <a:prstGeom prst="straightConnector1">
+            <a:avLst/>
+          </a:prstGeom>
+          <a:ln>
+            <a:tailEnd type="arrow"/>
+          </a:ln>
+        </p:spPr>
+        <p:style>
+          <a:lnRef idx="1">
+            <a:schemeClr val="accent1"/>
+          </a:lnRef>
+          <a:fillRef idx="0">
+            <a:schemeClr val="accent1"/>
+          </a:fillRef>
+          <a:effectRef idx="0">
+            <a:schemeClr val="accent1"/>
+          </a:effectRef>
+          <a:fontRef idx="minor">
+            <a:schemeClr val="tx1"/>
+          </a:fontRef>
+        </p:style>
+      </p:cxnSp>
+      <p:sp>
+        <p:nvSpPr>
+          <p:cNvPr id="55" name="文本框 54"/>
+          <p:cNvSpPr txBox="1"/>
+          <p:nvPr/>
+        </p:nvSpPr>
+        <p:spPr>
+          <a:xfrm>
+            <a:off x="4053840" y="137795"/>
+            <a:ext cx="5345430" cy="368300"/>
+          </a:xfrm>
+          <a:prstGeom prst="rect">
+            <a:avLst/>
+          </a:prstGeom>
+        </p:spPr>
+        <p:style>
+          <a:lnRef idx="2">
+            <a:schemeClr val="dk1"/>
+          </a:lnRef>
+          <a:fillRef idx="1">
+            <a:schemeClr val="lt1"/>
+          </a:fillRef>
+          <a:effectRef idx="0">
+            <a:schemeClr val="dk1"/>
+          </a:effectRef>
+          <a:fontRef idx="minor">
+            <a:schemeClr val="dk1"/>
+          </a:fontRef>
+        </p:style>
+        <p:txBody>
+          <a:bodyPr wrap="square" rtlCol="0" anchor="t">
+            <a:spAutoFit/>
+          </a:bodyPr>
+          <a:lstStyle/>
+          <a:p>
+            <a:pPr algn="ctr"/>
+            <a:r>
+              <a:rPr lang="zh-CN" altLang="en-US" b="1" dirty="0" smtClean="0">
+                <a:latin typeface="微软雅黑" panose="020B0503020204020204" pitchFamily="34" charset="-122"/>
+                <a:ea typeface="微软雅黑" panose="020B0503020204020204" pitchFamily="34" charset="-122"/>
+                <a:cs typeface="微软雅黑" panose="020B0503020204020204" pitchFamily="34" charset="-122"/>
+              </a:rPr>
+              <a:t>SARibbonBar层级关系</a:t>
+            </a:r>
+            <a:endParaRPr lang="zh-CN" altLang="en-US" b="1" dirty="0">
+              <a:latin typeface="微软雅黑" panose="020B0503020204020204" pitchFamily="34" charset="-122"/>
+              <a:ea typeface="微软雅黑" panose="020B0503020204020204" pitchFamily="34" charset="-122"/>
+              <a:cs typeface="微软雅黑" panose="020B0503020204020204" pitchFamily="34" charset="-122"/>
+            </a:endParaRPr>
+          </a:p>
+        </p:txBody>
+      </p:sp>
+      <p:sp>
+        <p:nvSpPr>
+          <p:cNvPr id="56" name="矩形 55"/>
+          <p:cNvSpPr/>
+          <p:nvPr/>
+        </p:nvSpPr>
+        <p:spPr>
+          <a:xfrm>
+            <a:off x="0" y="3274854"/>
+            <a:ext cx="1435393" cy="369332"/>
+          </a:xfrm>
+          <a:prstGeom prst="rect">
+            <a:avLst/>
+          </a:prstGeom>
+        </p:spPr>
+        <p:txBody>
+          <a:bodyPr wrap="none">
+            <a:spAutoFit/>
+          </a:bodyPr>
+          <a:lstStyle/>
+          <a:p>
+            <a:r>
+              <a:rPr lang="zh-CN" altLang="en-US" b="1" dirty="0">
+                <a:solidFill>
+                  <a:schemeClr val="tx1"/>
+                </a:solidFill>
+              </a:rPr>
+              <a:t>SARibbonBar</a:t>
+            </a:r>
+            <a:endParaRPr lang="zh-CN" altLang="en-US" b="1" dirty="0">
+              <a:solidFill>
+                <a:schemeClr val="tx1"/>
+              </a:solidFill>
+            </a:endParaRPr>
+          </a:p>
+        </p:txBody>
+      </p:sp>
+      <p:cxnSp>
+        <p:nvCxnSpPr>
+          <p:cNvPr id="18" name="直接箭头连接符 17"/>
+          <p:cNvCxnSpPr/>
+          <p:nvPr/>
+        </p:nvCxnSpPr>
+        <p:spPr>
+          <a:xfrm>
+            <a:off x="1352550" y="3459520"/>
+            <a:ext cx="384175" cy="42545"/>
+          </a:xfrm>
+          <a:prstGeom prst="straightConnector1">
+            <a:avLst/>
+          </a:prstGeom>
+          <a:ln>
+            <a:tailEnd type="arrow"/>
+          </a:ln>
+        </p:spPr>
+        <p:style>
+          <a:lnRef idx="1">
+            <a:schemeClr val="accent1"/>
+          </a:lnRef>
+          <a:fillRef idx="0">
+            <a:schemeClr val="accent1"/>
+          </a:fillRef>
+          <a:effectRef idx="0">
+            <a:schemeClr val="accent1"/>
+          </a:effectRef>
+          <a:fontRef idx="minor">
+            <a:schemeClr val="tx1"/>
+          </a:fontRef>
+        </p:style>
+      </p:cxnSp>
+      <p:sp>
+        <p:nvSpPr>
+          <p:cNvPr id="6" name="矩形 5"/>
+          <p:cNvSpPr/>
+          <p:nvPr/>
+        </p:nvSpPr>
+        <p:spPr>
+          <a:xfrm>
+            <a:off x="3107690" y="2844175"/>
+            <a:ext cx="646429" cy="255816"/>
+          </a:xfrm>
+          <a:prstGeom prst="rect">
+            <a:avLst/>
+          </a:prstGeom>
+          <a:solidFill>
+            <a:schemeClr val="accent2"/>
+          </a:solidFill>
+          <a:ln>
+            <a:solidFill>
+              <a:schemeClr val="accent2"/>
+            </a:solidFill>
+          </a:ln>
+          <a:scene3d>
+            <a:camera prst="isometricOffAxis1Right"/>
+            <a:lightRig rig="threePt" dir="t"/>
+          </a:scene3d>
+        </p:spPr>
+        <p:style>
+          <a:lnRef idx="2">
+            <a:schemeClr val="accent1">
+              <a:shade val="50000"/>
+            </a:schemeClr>
+          </a:lnRef>
+          <a:fillRef idx="1">
+            <a:schemeClr val="accent1"/>
+          </a:fillRef>
+          <a:effectRef idx="0">
+            <a:schemeClr val="accent1"/>
+          </a:effectRef>
+          <a:fontRef idx="minor">
+            <a:schemeClr val="lt1"/>
+          </a:fontRef>
+        </p:style>
+        <p:txBody>
+          <a:bodyPr rtlCol="0" anchor="ctr"/>
+          <a:p>
+            <a:pPr algn="ctr"/>
+            <a:r>
+              <a:rPr lang="en-US" altLang="zh-CN" dirty="0" err="1" smtClean="0"/>
+              <a:t>Tab2</a:t>
+            </a:r>
+            <a:endParaRPr lang="zh-CN" altLang="en-US" dirty="0"/>
+          </a:p>
+        </p:txBody>
+      </p:sp>
+      <p:sp>
+        <p:nvSpPr>
+          <p:cNvPr id="8" name="矩形 7"/>
+          <p:cNvSpPr/>
+          <p:nvPr/>
+        </p:nvSpPr>
+        <p:spPr>
+          <a:xfrm>
+            <a:off x="1960245" y="2702560"/>
+            <a:ext cx="262890" cy="260350"/>
+          </a:xfrm>
+          <a:prstGeom prst="rect">
+            <a:avLst/>
+          </a:prstGeom>
+          <a:solidFill>
+            <a:schemeClr val="accent6"/>
+          </a:solidFill>
+          <a:ln>
+            <a:solidFill>
+              <a:schemeClr val="accent6"/>
+            </a:solidFill>
+          </a:ln>
+          <a:scene3d>
+            <a:camera prst="isometricOffAxis1Right"/>
+            <a:lightRig rig="threePt" dir="t"/>
+          </a:scene3d>
+        </p:spPr>
+        <p:style>
+          <a:lnRef idx="2">
+            <a:schemeClr val="accent1">
+              <a:shade val="50000"/>
+            </a:schemeClr>
+          </a:lnRef>
+          <a:fillRef idx="1">
+            <a:schemeClr val="accent1"/>
+          </a:fillRef>
+          <a:effectRef idx="0">
+            <a:schemeClr val="accent1"/>
+          </a:effectRef>
+          <a:fontRef idx="minor">
+            <a:schemeClr val="lt1"/>
+          </a:fontRef>
+        </p:style>
+        <p:txBody>
+          <a:bodyPr rtlCol="0" anchor="ctr"/>
+          <a:p>
+            <a:pPr algn="ctr"/>
+            <a:endParaRPr lang="zh-CN" altLang="en-US"/>
+          </a:p>
+        </p:txBody>
+      </p:sp>
+      <p:cxnSp>
+        <p:nvCxnSpPr>
+          <p:cNvPr id="9" name="直接箭头连接符 8"/>
+          <p:cNvCxnSpPr>
+            <a:endCxn id="8" idx="1"/>
+          </p:cNvCxnSpPr>
+          <p:nvPr/>
+        </p:nvCxnSpPr>
+        <p:spPr>
+          <a:xfrm>
+            <a:off x="1250950" y="2622302"/>
+            <a:ext cx="709295" cy="210185"/>
+          </a:xfrm>
+          <a:prstGeom prst="straightConnector1">
+            <a:avLst/>
+          </a:prstGeom>
+          <a:ln>
+            <a:solidFill>
+              <a:schemeClr val="accent6"/>
+            </a:solidFill>
+            <a:tailEnd type="arrow"/>
+          </a:ln>
+        </p:spPr>
+        <p:style>
+          <a:lnRef idx="1">
+            <a:schemeClr val="accent1"/>
+          </a:lnRef>
+          <a:fillRef idx="0">
+            <a:schemeClr val="accent1"/>
+          </a:fillRef>
+          <a:effectRef idx="0">
+            <a:schemeClr val="accent1"/>
+          </a:effectRef>
+          <a:fontRef idx="minor">
+            <a:schemeClr val="tx1"/>
+          </a:fontRef>
+        </p:style>
+      </p:cxnSp>
+      <p:sp>
+        <p:nvSpPr>
+          <p:cNvPr id="12" name="矩形 11"/>
+          <p:cNvSpPr/>
+          <p:nvPr/>
+        </p:nvSpPr>
+        <p:spPr>
+          <a:xfrm>
+            <a:off x="212407" y="2352200"/>
+            <a:ext cx="1436370" cy="368300"/>
+          </a:xfrm>
+          <a:prstGeom prst="rect">
+            <a:avLst/>
+          </a:prstGeom>
+        </p:spPr>
+        <p:txBody>
+          <a:bodyPr wrap="none">
+            <a:spAutoFit/>
+          </a:bodyPr>
+          <a:p>
+            <a:pPr algn="l"/>
+            <a:r>
+              <a:rPr lang="en-US" altLang="zh-CN" b="1" dirty="0" err="1" smtClean="0">
+                <a:solidFill>
+                  <a:schemeClr val="tx1"/>
+                </a:solidFill>
+                <a:effectLst/>
+              </a:rPr>
+              <a:t>Window Icon</a:t>
+            </a:r>
+            <a:endParaRPr lang="en-US" altLang="zh-CN" b="1" dirty="0" err="1" smtClean="0">
+              <a:solidFill>
+                <a:schemeClr val="tx1"/>
+              </a:solidFill>
+              <a:effectLst/>
+            </a:endParaRPr>
+          </a:p>
+        </p:txBody>
+      </p:sp>
+      <p:sp>
+        <p:nvSpPr>
+          <p:cNvPr id="14" name="矩形 13"/>
+          <p:cNvSpPr/>
+          <p:nvPr/>
+        </p:nvSpPr>
+        <p:spPr>
+          <a:xfrm>
+            <a:off x="1997710" y="2419350"/>
+            <a:ext cx="8127365" cy="286385"/>
+          </a:xfrm>
+          <a:prstGeom prst="rect">
+            <a:avLst/>
+          </a:prstGeom>
+          <a:noFill/>
+          <a:ln>
+            <a:solidFill>
+              <a:schemeClr val="accent2"/>
+            </a:solidFill>
+            <a:prstDash val="dash"/>
+          </a:ln>
+          <a:scene3d>
+            <a:camera prst="isometricOffAxis1Right"/>
+            <a:lightRig rig="threePt" dir="t"/>
+          </a:scene3d>
+          <a:extLst>
+            <a:ext uri="{909E8E84-426E-40DD-AFC4-6F175D3DCCD1}">
+              <a14:hiddenFill xmlns:a14="http://schemas.microsoft.com/office/drawing/2010/main">
+                <a:solidFill>
+                  <a:schemeClr val="accent2"/>
+                </a:solidFill>
+              </a14:hiddenFill>
+            </a:ext>
+          </a:extLst>
+        </p:spPr>
+        <p:style>
+          <a:lnRef idx="2">
+            <a:schemeClr val="accent1">
+              <a:shade val="50000"/>
+            </a:schemeClr>
+          </a:lnRef>
+          <a:fillRef idx="1">
+            <a:schemeClr val="accent1"/>
+          </a:fillRef>
+          <a:effectRef idx="0">
+            <a:schemeClr val="accent1"/>
+          </a:effectRef>
+          <a:fontRef idx="minor">
+            <a:schemeClr val="lt1"/>
+          </a:fontRef>
+        </p:style>
+        <p:txBody>
+          <a:bodyPr rtlCol="0" anchor="ctr"/>
+          <a:p>
+            <a:pPr algn="ctr"/>
+            <a:endParaRPr lang="zh-CN" altLang="en-US" dirty="0"/>
+          </a:p>
+        </p:txBody>
+      </p:sp>
+      <p:sp>
+        <p:nvSpPr>
+          <p:cNvPr id="17" name="矩形 16"/>
+          <p:cNvSpPr/>
+          <p:nvPr/>
+        </p:nvSpPr>
+        <p:spPr>
+          <a:xfrm>
+            <a:off x="3770630" y="2753370"/>
+            <a:ext cx="646429" cy="255816"/>
+          </a:xfrm>
+          <a:prstGeom prst="rect">
+            <a:avLst/>
+          </a:prstGeom>
+          <a:solidFill>
+            <a:schemeClr val="accent2"/>
+          </a:solidFill>
+          <a:ln>
+            <a:solidFill>
+              <a:schemeClr val="accent2"/>
+            </a:solidFill>
+          </a:ln>
+          <a:scene3d>
+            <a:camera prst="isometricOffAxis1Right"/>
+            <a:lightRig rig="threePt" dir="t"/>
+          </a:scene3d>
+        </p:spPr>
+        <p:style>
+          <a:lnRef idx="2">
+            <a:schemeClr val="accent1">
+              <a:shade val="50000"/>
+            </a:schemeClr>
+          </a:lnRef>
+          <a:fillRef idx="1">
+            <a:schemeClr val="accent1"/>
+          </a:fillRef>
+          <a:effectRef idx="0">
+            <a:schemeClr val="accent1"/>
+          </a:effectRef>
+          <a:fontRef idx="minor">
+            <a:schemeClr val="lt1"/>
+          </a:fontRef>
+        </p:style>
+        <p:txBody>
+          <a:bodyPr rtlCol="0" anchor="ctr"/>
+          <a:p>
+            <a:pPr algn="ctr"/>
+            <a:r>
+              <a:rPr lang="en-US" altLang="zh-CN" dirty="0" err="1" smtClean="0"/>
+              <a:t>Tab3</a:t>
+            </a:r>
+            <a:endParaRPr lang="zh-CN" altLang="en-US" dirty="0"/>
+          </a:p>
+        </p:txBody>
+      </p:sp>
+      <p:sp>
+        <p:nvSpPr>
+          <p:cNvPr id="19" name="矩形 18"/>
+          <p:cNvSpPr/>
+          <p:nvPr/>
+        </p:nvSpPr>
+        <p:spPr>
+          <a:xfrm>
+            <a:off x="3615689" y="1830705"/>
+            <a:ext cx="836295" cy="368300"/>
+          </a:xfrm>
+          <a:prstGeom prst="rect">
+            <a:avLst/>
+          </a:prstGeom>
+        </p:spPr>
+        <p:txBody>
+          <a:bodyPr wrap="none">
+            <a:spAutoFit/>
+          </a:bodyPr>
+          <a:p>
+            <a:pPr algn="l"/>
+            <a:r>
+              <a:rPr lang="en-US" altLang="zh-CN" b="1" dirty="0" err="1" smtClean="0">
+                <a:solidFill>
+                  <a:schemeClr val="tx1"/>
+                </a:solidFill>
+                <a:effectLst/>
+              </a:rPr>
+              <a:t>TabBar</a:t>
+            </a:r>
+            <a:endParaRPr lang="en-US" altLang="zh-CN" b="1" dirty="0" err="1" smtClean="0">
+              <a:solidFill>
+                <a:schemeClr val="tx1"/>
+              </a:solidFill>
+              <a:effectLst/>
+            </a:endParaRPr>
+          </a:p>
+        </p:txBody>
+      </p:sp>
+      <p:cxnSp>
+        <p:nvCxnSpPr>
+          <p:cNvPr id="20" name="直接箭头连接符 19"/>
+          <p:cNvCxnSpPr>
+            <a:stCxn id="19" idx="2"/>
+          </p:cNvCxnSpPr>
+          <p:nvPr/>
+        </p:nvCxnSpPr>
+        <p:spPr>
+          <a:xfrm>
+            <a:off x="4034153" y="2198866"/>
+            <a:ext cx="461645" cy="452120"/>
+          </a:xfrm>
+          <a:prstGeom prst="straightConnector1">
+            <a:avLst/>
+          </a:prstGeom>
+          <a:ln>
+            <a:solidFill>
+              <a:schemeClr val="accent2"/>
+            </a:solidFill>
+            <a:tailEnd type="arrow"/>
+          </a:ln>
+        </p:spPr>
+        <p:style>
+          <a:lnRef idx="1">
+            <a:schemeClr val="accent1"/>
+          </a:lnRef>
+          <a:fillRef idx="0">
+            <a:schemeClr val="accent1"/>
+          </a:fillRef>
+          <a:effectRef idx="0">
+            <a:schemeClr val="accent1"/>
+          </a:effectRef>
+          <a:fontRef idx="minor">
+            <a:schemeClr val="tx1"/>
+          </a:fontRef>
+        </p:style>
+      </p:cxnSp>
+      <p:sp>
+        <p:nvSpPr>
+          <p:cNvPr id="21" name="矩形 20"/>
+          <p:cNvSpPr/>
+          <p:nvPr/>
+        </p:nvSpPr>
+        <p:spPr>
+          <a:xfrm>
+            <a:off x="9722485" y="1761033"/>
+            <a:ext cx="1477010" cy="248285"/>
+          </a:xfrm>
+          <a:prstGeom prst="rect">
+            <a:avLst/>
+          </a:prstGeom>
+          <a:solidFill>
+            <a:schemeClr val="accent4">
+              <a:lumMod val="20000"/>
+              <a:lumOff val="80000"/>
+            </a:schemeClr>
+          </a:solidFill>
+          <a:ln>
+            <a:solidFill>
+              <a:schemeClr val="accent4"/>
+            </a:solidFill>
+          </a:ln>
+          <a:scene3d>
+            <a:camera prst="isometricOffAxis1Right"/>
+            <a:lightRig rig="threePt" dir="t"/>
+          </a:scene3d>
+        </p:spPr>
+        <p:style>
+          <a:lnRef idx="2">
+            <a:schemeClr val="accent1">
+              <a:shade val="50000"/>
+            </a:schemeClr>
+          </a:lnRef>
+          <a:fillRef idx="1">
+            <a:schemeClr val="accent1"/>
+          </a:fillRef>
+          <a:effectRef idx="0">
+            <a:schemeClr val="accent1"/>
+          </a:effectRef>
+          <a:fontRef idx="minor">
+            <a:schemeClr val="lt1"/>
+          </a:fontRef>
+        </p:style>
+        <p:txBody>
+          <a:bodyPr rtlCol="0" anchor="ctr"/>
+          <a:p>
+            <a:pPr algn="ctr"/>
+            <a:endParaRPr lang="zh-CN" altLang="en-US"/>
+          </a:p>
+        </p:txBody>
+      </p:sp>
+      <p:sp>
+        <p:nvSpPr>
+          <p:cNvPr id="22" name="矩形 21"/>
+          <p:cNvSpPr/>
+          <p:nvPr/>
+        </p:nvSpPr>
+        <p:spPr>
+          <a:xfrm>
+            <a:off x="9817735" y="1526540"/>
+            <a:ext cx="427355" cy="242570"/>
+          </a:xfrm>
+          <a:prstGeom prst="rect">
+            <a:avLst/>
+          </a:prstGeom>
+          <a:solidFill>
+            <a:schemeClr val="accent1">
+              <a:lumMod val="20000"/>
+              <a:lumOff val="80000"/>
+            </a:schemeClr>
+          </a:solidFill>
+          <a:ln>
+            <a:solidFill>
+              <a:schemeClr val="accent1"/>
+            </a:solidFill>
+          </a:ln>
+          <a:scene3d>
+            <a:camera prst="isometricOffAxis1Right"/>
+            <a:lightRig rig="threePt" dir="t"/>
+          </a:scene3d>
+        </p:spPr>
+        <p:style>
+          <a:lnRef idx="2">
+            <a:schemeClr val="accent1">
+              <a:shade val="50000"/>
+            </a:schemeClr>
+          </a:lnRef>
+          <a:fillRef idx="1">
+            <a:schemeClr val="accent1"/>
+          </a:fillRef>
+          <a:effectRef idx="0">
+            <a:schemeClr val="accent1"/>
+          </a:effectRef>
+          <a:fontRef idx="minor">
+            <a:schemeClr val="lt1"/>
+          </a:fontRef>
+        </p:style>
+        <p:txBody>
+          <a:bodyPr rtlCol="0" anchor="ctr"/>
+          <a:p>
+            <a:pPr algn="ctr"/>
+            <a:endParaRPr lang="zh-CN" altLang="en-US"/>
+          </a:p>
+        </p:txBody>
+      </p:sp>
+      <p:cxnSp>
+        <p:nvCxnSpPr>
+          <p:cNvPr id="23" name="直接箭头连接符 22"/>
+          <p:cNvCxnSpPr/>
+          <p:nvPr/>
+        </p:nvCxnSpPr>
+        <p:spPr>
+          <a:xfrm>
+            <a:off x="9065257" y="1401763"/>
+            <a:ext cx="710565" cy="601345"/>
+          </a:xfrm>
+          <a:prstGeom prst="straightConnector1">
+            <a:avLst/>
+          </a:prstGeom>
+          <a:ln>
+            <a:solidFill>
+              <a:schemeClr val="accent4"/>
+            </a:solidFill>
+            <a:tailEnd type="arrow"/>
+          </a:ln>
+        </p:spPr>
+        <p:style>
+          <a:lnRef idx="1">
+            <a:schemeClr val="accent1"/>
+          </a:lnRef>
+          <a:fillRef idx="0">
+            <a:schemeClr val="accent1"/>
+          </a:fillRef>
+          <a:effectRef idx="0">
+            <a:schemeClr val="accent1"/>
+          </a:effectRef>
+          <a:fontRef idx="minor">
+            <a:schemeClr val="tx1"/>
+          </a:fontRef>
+        </p:style>
+      </p:cxnSp>
+      <p:sp>
+        <p:nvSpPr>
+          <p:cNvPr id="25" name="矩形 24"/>
+          <p:cNvSpPr/>
+          <p:nvPr/>
+        </p:nvSpPr>
+        <p:spPr>
+          <a:xfrm>
+            <a:off x="7863837" y="1033463"/>
+            <a:ext cx="2019935" cy="368300"/>
+          </a:xfrm>
+          <a:prstGeom prst="rect">
+            <a:avLst/>
+          </a:prstGeom>
+        </p:spPr>
+        <p:txBody>
+          <a:bodyPr wrap="none">
+            <a:spAutoFit/>
+          </a:bodyPr>
+          <a:p>
+            <a:pPr algn="l"/>
+            <a:r>
+              <a:rPr lang="en-US" altLang="zh-CN" b="1" dirty="0" err="1" smtClean="0">
+                <a:solidFill>
+                  <a:schemeClr val="tx1"/>
+                </a:solidFill>
+                <a:effectLst/>
+              </a:rPr>
+              <a:t>Right Button Group</a:t>
+            </a:r>
+            <a:endParaRPr lang="en-US" altLang="zh-CN" b="1" dirty="0" err="1" smtClean="0">
+              <a:solidFill>
+                <a:schemeClr val="tx1"/>
+              </a:solidFill>
+              <a:effectLst/>
+            </a:endParaRPr>
+          </a:p>
+        </p:txBody>
+      </p:sp>
+      <p:sp>
+        <p:nvSpPr>
+          <p:cNvPr id="27" name="矩形 26"/>
+          <p:cNvSpPr/>
+          <p:nvPr/>
+        </p:nvSpPr>
+        <p:spPr>
+          <a:xfrm>
+            <a:off x="9883772" y="811213"/>
+            <a:ext cx="2058670" cy="368300"/>
+          </a:xfrm>
+          <a:prstGeom prst="rect">
+            <a:avLst/>
+          </a:prstGeom>
+        </p:spPr>
+        <p:txBody>
+          <a:bodyPr wrap="none">
+            <a:spAutoFit/>
+          </a:bodyPr>
+          <a:p>
+            <a:pPr algn="l"/>
+            <a:r>
+              <a:rPr lang="en-US" altLang="zh-CN" b="1" dirty="0" err="1" smtClean="0">
+                <a:solidFill>
+                  <a:schemeClr val="tx1"/>
+                </a:solidFill>
+                <a:effectLst/>
+              </a:rPr>
+              <a:t>Window Button Bar</a:t>
+            </a:r>
+            <a:endParaRPr lang="en-US" altLang="zh-CN" b="1" dirty="0" err="1" smtClean="0">
+              <a:solidFill>
+                <a:schemeClr val="tx1"/>
+              </a:solidFill>
+              <a:effectLst/>
+            </a:endParaRPr>
+          </a:p>
+        </p:txBody>
+      </p:sp>
+      <p:cxnSp>
+        <p:nvCxnSpPr>
+          <p:cNvPr id="41" name="直接箭头连接符 40"/>
+          <p:cNvCxnSpPr>
+            <a:endCxn id="3" idx="0"/>
+          </p:cNvCxnSpPr>
+          <p:nvPr/>
+        </p:nvCxnSpPr>
+        <p:spPr>
+          <a:xfrm flipH="1">
+            <a:off x="2166620" y="2155577"/>
+            <a:ext cx="173355" cy="864870"/>
+          </a:xfrm>
+          <a:prstGeom prst="straightConnector1">
+            <a:avLst/>
+          </a:prstGeom>
+          <a:ln>
+            <a:solidFill>
+              <a:srgbClr val="C00000"/>
+            </a:solidFill>
+            <a:tailEnd type="arrow"/>
+          </a:ln>
+        </p:spPr>
+        <p:style>
+          <a:lnRef idx="1">
+            <a:schemeClr val="accent1"/>
+          </a:lnRef>
+          <a:fillRef idx="0">
+            <a:schemeClr val="accent1"/>
+          </a:fillRef>
+          <a:effectRef idx="0">
+            <a:schemeClr val="accent1"/>
+          </a:effectRef>
+          <a:fontRef idx="minor">
+            <a:schemeClr val="tx1"/>
+          </a:fontRef>
+        </p:style>
+      </p:cxnSp>
+      <p:cxnSp>
+        <p:nvCxnSpPr>
+          <p:cNvPr id="28" name="直接箭头连接符 27"/>
+          <p:cNvCxnSpPr>
+            <a:stCxn id="27" idx="2"/>
+            <a:endCxn id="24" idx="0"/>
+          </p:cNvCxnSpPr>
+          <p:nvPr/>
+        </p:nvCxnSpPr>
+        <p:spPr>
+          <a:xfrm flipH="1">
+            <a:off x="10607037" y="1179513"/>
+            <a:ext cx="306070" cy="260350"/>
+          </a:xfrm>
+          <a:prstGeom prst="straightConnector1">
+            <a:avLst/>
+          </a:prstGeom>
+          <a:ln>
+            <a:tailEnd type="arrow"/>
+          </a:ln>
+        </p:spPr>
+        <p:style>
+          <a:lnRef idx="1">
+            <a:schemeClr val="accent1"/>
+          </a:lnRef>
+          <a:fillRef idx="0">
+            <a:schemeClr val="accent1"/>
+          </a:fillRef>
+          <a:effectRef idx="0">
+            <a:schemeClr val="accent1"/>
+          </a:effectRef>
+          <a:fontRef idx="minor">
+            <a:schemeClr val="tx1"/>
+          </a:fontRef>
+        </p:style>
+      </p:cxnSp>
+    </p:spTree>
+  </p:cSld>
+  <p:clrMapOvr>
+    <a:masterClrMapping/>
+  </p:clrMapOvr>
+</p:sld>
+</file>
+
+<file path=ppt/slides/slide7.xml><?xml version="1.0" encoding="utf-8"?>
+<p:sld xmlns:a="http://schemas.openxmlformats.org/drawingml/2006/main" xmlns:r="http://schemas.openxmlformats.org/officeDocument/2006/relationships" xmlns:p="http://schemas.openxmlformats.org/presentationml/2006/main">
+  <p:cSld>
+    <p:spTree>
+      <p:nvGrpSpPr>
+        <p:cNvPr id="1" name=""/>
+        <p:cNvGrpSpPr/>
+        <p:nvPr/>
+      </p:nvGrpSpPr>
+      <p:grpSpPr>
+        <a:xfrm>
+          <a:off x="0" y="0"/>
+          <a:ext cx="0" cy="0"/>
+          <a:chOff x="0" y="0"/>
+          <a:chExt cx="0" cy="0"/>
+        </a:xfrm>
+      </p:grpSpPr>
+      <p:sp>
+        <p:nvSpPr>
+          <p:cNvPr id="4" name="矩形 3"/>
+          <p:cNvSpPr/>
+          <p:nvPr/>
+        </p:nvSpPr>
+        <p:spPr>
+          <a:xfrm>
+            <a:off x="1049020" y="2129155"/>
+            <a:ext cx="10530840" cy="1493520"/>
+          </a:xfrm>
+          <a:prstGeom prst="rect">
+            <a:avLst/>
+          </a:prstGeom>
+          <a:solidFill>
+            <a:schemeClr val="accent1">
+              <a:lumMod val="20000"/>
+              <a:lumOff val="80000"/>
+            </a:schemeClr>
+          </a:solidFill>
+          <a:ln>
+            <a:solidFill>
+              <a:schemeClr val="tx1"/>
+            </a:solidFill>
+          </a:ln>
+          <a:scene3d>
+            <a:camera prst="isometricOffAxis1Right"/>
+            <a:lightRig rig="threePt" dir="t"/>
+          </a:scene3d>
+        </p:spPr>
+        <p:style>
+          <a:lnRef idx="2">
+            <a:schemeClr val="accent1">
+              <a:shade val="50000"/>
+            </a:schemeClr>
+          </a:lnRef>
+          <a:fillRef idx="1">
+            <a:schemeClr val="accent1"/>
+          </a:fillRef>
+          <a:effectRef idx="0">
+            <a:schemeClr val="accent1"/>
+          </a:effectRef>
+          <a:fontRef idx="minor">
+            <a:schemeClr val="lt1"/>
+          </a:fontRef>
+        </p:style>
+        <p:txBody>
+          <a:bodyPr rtlCol="0" anchor="ctr"/>
+          <a:lstStyle/>
+          <a:p>
+            <a:pPr algn="ctr"/>
+            <a:endParaRPr lang="zh-CN" altLang="en-US"/>
+          </a:p>
+        </p:txBody>
+      </p:sp>
+      <p:sp>
+        <p:nvSpPr>
+          <p:cNvPr id="2" name="矩形 1"/>
+          <p:cNvSpPr/>
+          <p:nvPr/>
+        </p:nvSpPr>
+        <p:spPr>
+          <a:xfrm>
+            <a:off x="1437640" y="2599056"/>
+            <a:ext cx="10530205" cy="1248410"/>
+          </a:xfrm>
+          <a:prstGeom prst="rect">
+            <a:avLst/>
+          </a:prstGeom>
+          <a:solidFill>
+            <a:schemeClr val="bg1"/>
+          </a:solidFill>
+          <a:scene3d>
+            <a:camera prst="isometricOffAxis1Right"/>
+            <a:lightRig rig="threePt" dir="t"/>
+          </a:scene3d>
+        </p:spPr>
+        <p:style>
+          <a:lnRef idx="2">
+            <a:schemeClr val="accent1">
+              <a:shade val="50000"/>
+            </a:schemeClr>
+          </a:lnRef>
+          <a:fillRef idx="1">
+            <a:schemeClr val="accent1"/>
+          </a:fillRef>
+          <a:effectRef idx="0">
+            <a:schemeClr val="accent1"/>
+          </a:effectRef>
+          <a:fontRef idx="minor">
+            <a:schemeClr val="lt1"/>
+          </a:fontRef>
+        </p:style>
+        <p:txBody>
+          <a:bodyPr rtlCol="0" anchor="ctr"/>
+          <a:lstStyle/>
+          <a:p>
+            <a:pPr algn="ctr"/>
+            <a:endParaRPr lang="zh-CN" altLang="en-US"/>
+          </a:p>
+        </p:txBody>
+      </p:sp>
+      <p:sp>
+        <p:nvSpPr>
+          <p:cNvPr id="3" name="矩形 2"/>
+          <p:cNvSpPr/>
+          <p:nvPr/>
+        </p:nvSpPr>
+        <p:spPr>
+          <a:xfrm>
+            <a:off x="2245995" y="2988945"/>
+            <a:ext cx="412115" cy="260350"/>
+          </a:xfrm>
+          <a:prstGeom prst="rect">
+            <a:avLst/>
+          </a:prstGeom>
+          <a:solidFill>
+            <a:srgbClr val="C00000"/>
+          </a:solidFill>
+          <a:scene3d>
+            <a:camera prst="isometricOffAxis1Right"/>
+            <a:lightRig rig="threePt" dir="t"/>
+          </a:scene3d>
+        </p:spPr>
+        <p:style>
+          <a:lnRef idx="2">
+            <a:schemeClr val="accent1">
+              <a:shade val="50000"/>
+            </a:schemeClr>
+          </a:lnRef>
+          <a:fillRef idx="1">
+            <a:schemeClr val="accent1"/>
+          </a:fillRef>
+          <a:effectRef idx="0">
+            <a:schemeClr val="accent1"/>
+          </a:effectRef>
+          <a:fontRef idx="minor">
+            <a:schemeClr val="lt1"/>
+          </a:fontRef>
+        </p:style>
+        <p:txBody>
+          <a:bodyPr rtlCol="0" anchor="ctr"/>
+          <a:lstStyle/>
+          <a:p>
+            <a:pPr algn="ctr"/>
+            <a:endParaRPr lang="zh-CN" altLang="en-US"/>
+          </a:p>
+        </p:txBody>
+      </p:sp>
+      <p:sp>
+        <p:nvSpPr>
+          <p:cNvPr id="7" name="矩形 6"/>
+          <p:cNvSpPr/>
+          <p:nvPr/>
+        </p:nvSpPr>
+        <p:spPr>
+          <a:xfrm>
+            <a:off x="2727960" y="2912120"/>
+            <a:ext cx="646429" cy="255816"/>
+          </a:xfrm>
+          <a:prstGeom prst="rect">
+            <a:avLst/>
+          </a:prstGeom>
+          <a:solidFill>
+            <a:schemeClr val="accent2"/>
+          </a:solidFill>
+          <a:ln>
+            <a:solidFill>
+              <a:schemeClr val="accent2"/>
+            </a:solidFill>
+          </a:ln>
+          <a:scene3d>
+            <a:camera prst="isometricOffAxis1Right"/>
+            <a:lightRig rig="threePt" dir="t"/>
+          </a:scene3d>
+        </p:spPr>
+        <p:style>
+          <a:lnRef idx="2">
+            <a:schemeClr val="accent1">
+              <a:shade val="50000"/>
+            </a:schemeClr>
+          </a:lnRef>
+          <a:fillRef idx="1">
+            <a:schemeClr val="accent1"/>
+          </a:fillRef>
+          <a:effectRef idx="0">
+            <a:schemeClr val="accent1"/>
+          </a:effectRef>
+          <a:fontRef idx="minor">
+            <a:schemeClr val="lt1"/>
+          </a:fontRef>
+        </p:style>
+        <p:txBody>
+          <a:bodyPr rtlCol="0" anchor="ctr"/>
+          <a:lstStyle/>
+          <a:p>
+            <a:pPr algn="ctr"/>
+            <a:r>
+              <a:rPr lang="en-US" altLang="zh-CN" dirty="0" err="1" smtClean="0"/>
+              <a:t>Tab1</a:t>
+            </a:r>
+            <a:endParaRPr lang="zh-CN" altLang="en-US" dirty="0"/>
+          </a:p>
+        </p:txBody>
+      </p:sp>
+      <p:sp>
+        <p:nvSpPr>
+          <p:cNvPr id="10" name="矩形 9"/>
+          <p:cNvSpPr/>
+          <p:nvPr/>
+        </p:nvSpPr>
+        <p:spPr>
+          <a:xfrm>
+            <a:off x="7094220" y="2176323"/>
+            <a:ext cx="1477010" cy="248285"/>
+          </a:xfrm>
+          <a:prstGeom prst="rect">
+            <a:avLst/>
+          </a:prstGeom>
+          <a:solidFill>
+            <a:schemeClr val="accent2">
+              <a:lumMod val="20000"/>
+              <a:lumOff val="80000"/>
+            </a:schemeClr>
+          </a:solidFill>
+          <a:ln>
+            <a:solidFill>
+              <a:schemeClr val="accent2"/>
+            </a:solidFill>
+          </a:ln>
+          <a:scene3d>
+            <a:camera prst="isometricOffAxis1Right"/>
+            <a:lightRig rig="threePt" dir="t"/>
+          </a:scene3d>
+        </p:spPr>
+        <p:style>
+          <a:lnRef idx="2">
+            <a:schemeClr val="accent1">
+              <a:shade val="50000"/>
+            </a:schemeClr>
+          </a:lnRef>
+          <a:fillRef idx="1">
+            <a:schemeClr val="accent1"/>
+          </a:fillRef>
+          <a:effectRef idx="0">
+            <a:schemeClr val="accent1"/>
+          </a:effectRef>
+          <a:fontRef idx="minor">
+            <a:schemeClr val="lt1"/>
+          </a:fontRef>
+        </p:style>
+        <p:txBody>
+          <a:bodyPr rtlCol="0" anchor="ctr"/>
+          <a:lstStyle/>
+          <a:p>
+            <a:pPr algn="ctr"/>
+            <a:endParaRPr lang="zh-CN" altLang="en-US"/>
+          </a:p>
+        </p:txBody>
+      </p:sp>
+      <p:grpSp>
+        <p:nvGrpSpPr>
+          <p:cNvPr id="5" name="组合 4"/>
+          <p:cNvGrpSpPr/>
+          <p:nvPr/>
+        </p:nvGrpSpPr>
+        <p:grpSpPr>
+          <a:xfrm>
+            <a:off x="10520045" y="1497012"/>
+            <a:ext cx="793115" cy="319405"/>
+            <a:chOff x="10888980" y="1439545"/>
+            <a:chExt cx="793115" cy="319405"/>
+          </a:xfrm>
+        </p:grpSpPr>
+        <p:sp>
+          <p:nvSpPr>
+            <p:cNvPr id="13" name="矩形 12"/>
+            <p:cNvSpPr/>
+            <p:nvPr/>
+          </p:nvSpPr>
+          <p:spPr>
+            <a:xfrm>
+              <a:off x="11398885" y="1439545"/>
+              <a:ext cx="283210" cy="242570"/>
+            </a:xfrm>
+            <a:prstGeom prst="rect">
+              <a:avLst/>
+            </a:prstGeom>
+            <a:solidFill>
+              <a:schemeClr val="accent1">
+                <a:lumMod val="20000"/>
+                <a:lumOff val="80000"/>
+              </a:schemeClr>
+            </a:solidFill>
+            <a:ln>
+              <a:solidFill>
+                <a:schemeClr val="accent1"/>
+              </a:solidFill>
+            </a:ln>
+            <a:scene3d>
+              <a:camera prst="isometricOffAxis1Right"/>
+              <a:lightRig rig="threePt" dir="t"/>
+            </a:scene3d>
+          </p:spPr>
+          <p:style>
+            <a:lnRef idx="2">
+              <a:schemeClr val="accent1">
+                <a:shade val="50000"/>
+              </a:schemeClr>
+            </a:lnRef>
+            <a:fillRef idx="1">
+              <a:schemeClr val="accent1"/>
+            </a:fillRef>
+            <a:effectRef idx="0">
+              <a:schemeClr val="accent1"/>
+            </a:effectRef>
+            <a:fontRef idx="minor">
+              <a:schemeClr val="lt1"/>
+            </a:fontRef>
+          </p:style>
+          <p:txBody>
+            <a:bodyPr rtlCol="0" anchor="ctr"/>
+            <a:lstStyle/>
+            <a:p>
+              <a:pPr algn="ctr"/>
+              <a:r>
+                <a:rPr lang="en-US" altLang="zh-CN">
+                  <a:solidFill>
+                    <a:schemeClr val="tx1"/>
+                  </a:solidFill>
+                  <a:latin typeface="微软雅黑" panose="020B0503020204020204" pitchFamily="34" charset="-122"/>
+                  <a:ea typeface="微软雅黑" panose="020B0503020204020204" pitchFamily="34" charset="-122"/>
+                </a:rPr>
+                <a:t>×</a:t>
+              </a:r>
+              <a:endParaRPr lang="en-US" altLang="zh-CN">
+                <a:solidFill>
+                  <a:schemeClr val="tx1"/>
+                </a:solidFill>
+                <a:latin typeface="微软雅黑" panose="020B0503020204020204" pitchFamily="34" charset="-122"/>
+                <a:ea typeface="微软雅黑" panose="020B0503020204020204" pitchFamily="34" charset="-122"/>
+              </a:endParaRPr>
+            </a:p>
+          </p:txBody>
+        </p:sp>
+        <p:sp>
+          <p:nvSpPr>
+            <p:cNvPr id="24" name="矩形 23"/>
+            <p:cNvSpPr/>
+            <p:nvPr/>
+          </p:nvSpPr>
+          <p:spPr>
+            <a:xfrm>
+              <a:off x="11145520" y="1478280"/>
+              <a:ext cx="283210" cy="242570"/>
+            </a:xfrm>
+            <a:prstGeom prst="rect">
+              <a:avLst/>
+            </a:prstGeom>
+            <a:solidFill>
+              <a:schemeClr val="accent1">
+                <a:lumMod val="20000"/>
+                <a:lumOff val="80000"/>
+              </a:schemeClr>
+            </a:solidFill>
+            <a:ln>
+              <a:solidFill>
+                <a:schemeClr val="accent1"/>
+              </a:solidFill>
+            </a:ln>
+            <a:scene3d>
+              <a:camera prst="isometricOffAxis1Right"/>
+              <a:lightRig rig="threePt" dir="t"/>
+            </a:scene3d>
+          </p:spPr>
+          <p:style>
+            <a:lnRef idx="2">
+              <a:schemeClr val="accent1">
+                <a:shade val="50000"/>
+              </a:schemeClr>
+            </a:lnRef>
+            <a:fillRef idx="1">
+              <a:schemeClr val="accent1"/>
+            </a:fillRef>
+            <a:effectRef idx="0">
+              <a:schemeClr val="accent1"/>
+            </a:effectRef>
+            <a:fontRef idx="minor">
+              <a:schemeClr val="lt1"/>
+            </a:fontRef>
+          </p:style>
+          <p:txBody>
+            <a:bodyPr rtlCol="0" anchor="ctr"/>
+            <a:lstStyle/>
+            <a:p>
+              <a:pPr algn="ctr"/>
+              <a:r>
+                <a:rPr lang="zh-CN" altLang="en-US">
+                  <a:solidFill>
+                    <a:schemeClr val="tx1"/>
+                  </a:solidFill>
+                  <a:latin typeface="微软雅黑" panose="020B0503020204020204" pitchFamily="34" charset="-122"/>
+                  <a:ea typeface="微软雅黑" panose="020B0503020204020204" pitchFamily="34" charset="-122"/>
+                </a:rPr>
+                <a:t>□</a:t>
+              </a:r>
+              <a:endParaRPr lang="zh-CN" altLang="en-US">
+                <a:solidFill>
+                  <a:schemeClr val="tx1"/>
+                </a:solidFill>
+                <a:latin typeface="微软雅黑" panose="020B0503020204020204" pitchFamily="34" charset="-122"/>
+                <a:ea typeface="微软雅黑" panose="020B0503020204020204" pitchFamily="34" charset="-122"/>
+              </a:endParaRPr>
+            </a:p>
+          </p:txBody>
+        </p:sp>
+        <p:sp>
+          <p:nvSpPr>
+            <p:cNvPr id="26" name="矩形 25"/>
+            <p:cNvSpPr/>
+            <p:nvPr/>
+          </p:nvSpPr>
+          <p:spPr>
+            <a:xfrm>
+              <a:off x="10888980" y="1516380"/>
+              <a:ext cx="283210" cy="242570"/>
+            </a:xfrm>
+            <a:prstGeom prst="rect">
+              <a:avLst/>
+            </a:prstGeom>
+            <a:solidFill>
+              <a:schemeClr val="accent1">
+                <a:lumMod val="20000"/>
+                <a:lumOff val="80000"/>
+              </a:schemeClr>
+            </a:solidFill>
+            <a:ln>
+              <a:solidFill>
+                <a:schemeClr val="accent1"/>
+              </a:solidFill>
+            </a:ln>
+            <a:scene3d>
+              <a:camera prst="isometricOffAxis1Right"/>
+              <a:lightRig rig="threePt" dir="t"/>
+            </a:scene3d>
+          </p:spPr>
+          <p:style>
+            <a:lnRef idx="2">
+              <a:schemeClr val="accent1">
+                <a:shade val="50000"/>
+              </a:schemeClr>
+            </a:lnRef>
+            <a:fillRef idx="1">
+              <a:schemeClr val="accent1"/>
+            </a:fillRef>
+            <a:effectRef idx="0">
+              <a:schemeClr val="accent1"/>
+            </a:effectRef>
+            <a:fontRef idx="minor">
+              <a:schemeClr val="lt1"/>
+            </a:fontRef>
+          </p:style>
+          <p:txBody>
+            <a:bodyPr rtlCol="0" anchor="ctr"/>
+            <a:lstStyle/>
+            <a:p>
+              <a:pPr algn="ctr"/>
+              <a:r>
+                <a:rPr lang="en-US" altLang="zh-CN" sz="900">
+                  <a:solidFill>
+                    <a:schemeClr val="tx1"/>
+                  </a:solidFill>
+                </a:rPr>
+                <a:t>_</a:t>
+              </a:r>
+              <a:endParaRPr lang="en-US" altLang="zh-CN" sz="900">
+                <a:solidFill>
+                  <a:schemeClr val="tx1"/>
+                </a:solidFill>
+              </a:endParaRPr>
+            </a:p>
+          </p:txBody>
+        </p:sp>
+      </p:grpSp>
+      <p:sp>
+        <p:nvSpPr>
+          <p:cNvPr id="29" name="矩形 28"/>
+          <p:cNvSpPr/>
+          <p:nvPr/>
+        </p:nvSpPr>
+        <p:spPr>
+          <a:xfrm>
+            <a:off x="172719" y="3886281"/>
+            <a:ext cx="1025525" cy="368300"/>
+          </a:xfrm>
+          <a:prstGeom prst="rect">
+            <a:avLst/>
+          </a:prstGeom>
+        </p:spPr>
+        <p:txBody>
+          <a:bodyPr wrap="none">
+            <a:spAutoFit/>
+          </a:bodyPr>
+          <a:lstStyle/>
+          <a:p>
+            <a:pPr algn="l"/>
+            <a:r>
+              <a:rPr lang="en-US" altLang="zh-CN" b="1" dirty="0" err="1" smtClean="0">
+                <a:solidFill>
+                  <a:schemeClr val="tx1"/>
+                </a:solidFill>
+                <a:effectLst/>
+              </a:rPr>
+              <a:t>Category</a:t>
+            </a:r>
+            <a:endParaRPr lang="en-US" altLang="zh-CN" b="1" dirty="0" err="1" smtClean="0">
+              <a:solidFill>
+                <a:schemeClr val="tx1"/>
+              </a:solidFill>
+              <a:effectLst/>
+            </a:endParaRPr>
+          </a:p>
+        </p:txBody>
+      </p:sp>
+      <p:cxnSp>
+        <p:nvCxnSpPr>
+          <p:cNvPr id="30" name="直接箭头连接符 29"/>
+          <p:cNvCxnSpPr/>
+          <p:nvPr/>
+        </p:nvCxnSpPr>
+        <p:spPr>
+          <a:xfrm flipV="1">
+            <a:off x="1119981" y="3889932"/>
+            <a:ext cx="829152" cy="202644"/>
+          </a:xfrm>
+          <a:prstGeom prst="straightConnector1">
+            <a:avLst/>
+          </a:prstGeom>
+          <a:ln>
+            <a:tailEnd type="arrow"/>
+          </a:ln>
+        </p:spPr>
+        <p:style>
+          <a:lnRef idx="1">
+            <a:schemeClr val="accent1"/>
+          </a:lnRef>
+          <a:fillRef idx="0">
+            <a:schemeClr val="accent1"/>
+          </a:fillRef>
+          <a:effectRef idx="0">
+            <a:schemeClr val="accent1"/>
+          </a:effectRef>
+          <a:fontRef idx="minor">
+            <a:schemeClr val="tx1"/>
+          </a:fontRef>
+        </p:style>
+      </p:cxnSp>
+      <p:sp>
+        <p:nvSpPr>
+          <p:cNvPr id="35" name="矩形 34"/>
+          <p:cNvSpPr/>
+          <p:nvPr/>
+        </p:nvSpPr>
+        <p:spPr>
+          <a:xfrm>
+            <a:off x="5532119" y="1760855"/>
+            <a:ext cx="1454150" cy="368300"/>
+          </a:xfrm>
+          <a:prstGeom prst="rect">
+            <a:avLst/>
+          </a:prstGeom>
+        </p:spPr>
+        <p:txBody>
+          <a:bodyPr wrap="none">
+            <a:spAutoFit/>
+          </a:bodyPr>
+          <a:lstStyle/>
+          <a:p>
+            <a:pPr algn="l"/>
+            <a:r>
+              <a:rPr lang="en-US" altLang="zh-CN" b="1" dirty="0" err="1" smtClean="0">
+                <a:solidFill>
+                  <a:schemeClr val="tx1"/>
+                </a:solidFill>
+                <a:effectLst/>
+              </a:rPr>
+              <a:t>Window Title</a:t>
+            </a:r>
+            <a:endParaRPr lang="en-US" altLang="zh-CN" b="1" dirty="0" err="1" smtClean="0">
+              <a:solidFill>
+                <a:schemeClr val="tx1"/>
+              </a:solidFill>
+              <a:effectLst/>
+            </a:endParaRPr>
+          </a:p>
+        </p:txBody>
+      </p:sp>
+      <p:sp>
+        <p:nvSpPr>
+          <p:cNvPr id="36" name="文本框 35"/>
+          <p:cNvSpPr txBox="1"/>
+          <p:nvPr/>
+        </p:nvSpPr>
+        <p:spPr>
+          <a:xfrm>
+            <a:off x="4685665" y="2475230"/>
+            <a:ext cx="2480310" cy="245110"/>
+          </a:xfrm>
+          <a:prstGeom prst="rect">
+            <a:avLst/>
+          </a:prstGeom>
+          <a:noFill/>
+          <a:ln>
+            <a:solidFill>
+              <a:schemeClr val="tx1"/>
+            </a:solidFill>
+            <a:prstDash val="sysDot"/>
+          </a:ln>
+          <a:scene3d>
+            <a:camera prst="isometricOffAxis1Right"/>
+            <a:lightRig rig="threePt" dir="t"/>
+          </a:scene3d>
+        </p:spPr>
+        <p:txBody>
+          <a:bodyPr wrap="square" rtlCol="0">
+            <a:spAutoFit/>
+          </a:bodyPr>
+          <a:lstStyle/>
+          <a:p>
+            <a:pPr algn="ctr"/>
+            <a:r>
+              <a:rPr lang="en-US" altLang="zh-CN" sz="1000"/>
+              <a:t>window title</a:t>
+            </a:r>
+            <a:endParaRPr lang="en-US" altLang="zh-CN" sz="1000"/>
+          </a:p>
+        </p:txBody>
+      </p:sp>
+      <p:cxnSp>
+        <p:nvCxnSpPr>
+          <p:cNvPr id="37" name="直接箭头连接符 36"/>
+          <p:cNvCxnSpPr/>
+          <p:nvPr/>
+        </p:nvCxnSpPr>
+        <p:spPr>
+          <a:xfrm flipH="1">
+            <a:off x="5842633" y="2129016"/>
+            <a:ext cx="167640" cy="362585"/>
+          </a:xfrm>
+          <a:prstGeom prst="straightConnector1">
+            <a:avLst/>
+          </a:prstGeom>
+          <a:ln>
+            <a:tailEnd type="arrow"/>
+          </a:ln>
+        </p:spPr>
+        <p:style>
+          <a:lnRef idx="1">
+            <a:schemeClr val="accent1"/>
+          </a:lnRef>
+          <a:fillRef idx="0">
+            <a:schemeClr val="accent1"/>
+          </a:fillRef>
+          <a:effectRef idx="0">
+            <a:schemeClr val="accent1"/>
+          </a:effectRef>
+          <a:fontRef idx="minor">
+            <a:schemeClr val="tx1"/>
+          </a:fontRef>
+        </p:style>
+      </p:cxnSp>
+      <p:sp>
+        <p:nvSpPr>
+          <p:cNvPr id="38" name="矩形 37"/>
+          <p:cNvSpPr/>
+          <p:nvPr/>
+        </p:nvSpPr>
+        <p:spPr>
+          <a:xfrm>
+            <a:off x="6793862" y="1355408"/>
+            <a:ext cx="1777365" cy="368300"/>
+          </a:xfrm>
+          <a:prstGeom prst="rect">
+            <a:avLst/>
+          </a:prstGeom>
+        </p:spPr>
+        <p:txBody>
+          <a:bodyPr wrap="none">
+            <a:spAutoFit/>
+          </a:bodyPr>
+          <a:lstStyle/>
+          <a:p>
+            <a:pPr algn="l"/>
+            <a:r>
+              <a:rPr lang="en-US" altLang="zh-CN" b="1" dirty="0" err="1" smtClean="0">
+                <a:solidFill>
+                  <a:schemeClr val="tx1"/>
+                </a:solidFill>
+                <a:effectLst/>
+              </a:rPr>
+              <a:t>Quick Access Bar</a:t>
+            </a:r>
+            <a:endParaRPr lang="en-US" altLang="zh-CN" b="1" dirty="0" err="1" smtClean="0">
+              <a:solidFill>
+                <a:schemeClr val="tx1"/>
+              </a:solidFill>
+              <a:effectLst/>
+            </a:endParaRPr>
+          </a:p>
+        </p:txBody>
+      </p:sp>
+      <p:cxnSp>
+        <p:nvCxnSpPr>
+          <p:cNvPr id="39" name="直接箭头连接符 38"/>
+          <p:cNvCxnSpPr/>
+          <p:nvPr/>
+        </p:nvCxnSpPr>
+        <p:spPr>
+          <a:xfrm>
+            <a:off x="7642857" y="1643063"/>
+            <a:ext cx="175895" cy="555625"/>
+          </a:xfrm>
+          <a:prstGeom prst="straightConnector1">
+            <a:avLst/>
+          </a:prstGeom>
+          <a:ln>
+            <a:solidFill>
+              <a:schemeClr val="accent2"/>
+            </a:solidFill>
+            <a:tailEnd type="arrow"/>
+          </a:ln>
+        </p:spPr>
+        <p:style>
+          <a:lnRef idx="1">
+            <a:schemeClr val="accent1"/>
+          </a:lnRef>
+          <a:fillRef idx="0">
+            <a:schemeClr val="accent1"/>
+          </a:fillRef>
+          <a:effectRef idx="0">
+            <a:schemeClr val="accent1"/>
+          </a:effectRef>
+          <a:fontRef idx="minor">
+            <a:schemeClr val="tx1"/>
+          </a:fontRef>
+        </p:style>
+      </p:cxnSp>
+      <p:sp>
+        <p:nvSpPr>
+          <p:cNvPr id="40" name="矩形 39"/>
+          <p:cNvSpPr/>
+          <p:nvPr/>
+        </p:nvSpPr>
+        <p:spPr>
+          <a:xfrm>
+            <a:off x="1560512" y="2067085"/>
+            <a:ext cx="1964690" cy="368300"/>
+          </a:xfrm>
+          <a:prstGeom prst="rect">
+            <a:avLst/>
+          </a:prstGeom>
+        </p:spPr>
+        <p:txBody>
+          <a:bodyPr wrap="none">
+            <a:spAutoFit/>
+          </a:bodyPr>
+          <a:lstStyle/>
+          <a:p>
+            <a:pPr algn="l"/>
+            <a:r>
+              <a:rPr lang="en-US" altLang="zh-CN" b="1" dirty="0" err="1" smtClean="0">
+                <a:solidFill>
+                  <a:schemeClr val="tx1"/>
+                </a:solidFill>
+                <a:effectLst/>
+              </a:rPr>
+              <a:t>Application Button</a:t>
+            </a:r>
+            <a:endParaRPr lang="en-US" altLang="zh-CN" b="1" dirty="0" err="1" smtClean="0">
+              <a:solidFill>
+                <a:schemeClr val="tx1"/>
+              </a:solidFill>
+              <a:effectLst/>
+            </a:endParaRPr>
+          </a:p>
+        </p:txBody>
+      </p:sp>
+      <p:grpSp>
+        <p:nvGrpSpPr>
+          <p:cNvPr id="11" name="组合 10"/>
+          <p:cNvGrpSpPr/>
+          <p:nvPr/>
+        </p:nvGrpSpPr>
+        <p:grpSpPr>
+          <a:xfrm>
+            <a:off x="2272665" y="3238580"/>
+            <a:ext cx="3782060" cy="1267301"/>
+            <a:chOff x="2085340" y="3247232"/>
+            <a:chExt cx="3782060" cy="1267301"/>
+          </a:xfrm>
+        </p:grpSpPr>
+        <p:sp>
+          <p:nvSpPr>
+            <p:cNvPr id="42" name="矩形 41"/>
+            <p:cNvSpPr/>
+            <p:nvPr/>
+          </p:nvSpPr>
+          <p:spPr>
+            <a:xfrm>
+              <a:off x="2087245" y="3373438"/>
+              <a:ext cx="3780155" cy="1141095"/>
+            </a:xfrm>
+            <a:prstGeom prst="rect">
+              <a:avLst/>
+            </a:prstGeom>
+            <a:solidFill>
+              <a:schemeClr val="accent1">
+                <a:lumMod val="20000"/>
+                <a:lumOff val="80000"/>
+              </a:schemeClr>
+            </a:solidFill>
+            <a:ln>
+              <a:solidFill>
+                <a:schemeClr val="tx1"/>
+              </a:solidFill>
+            </a:ln>
+            <a:scene3d>
+              <a:camera prst="isometricOffAxis1Right"/>
+              <a:lightRig rig="threePt" dir="t"/>
+            </a:scene3d>
+          </p:spPr>
+          <p:style>
+            <a:lnRef idx="2">
+              <a:schemeClr val="accent1">
+                <a:shade val="50000"/>
+              </a:schemeClr>
+            </a:lnRef>
+            <a:fillRef idx="1">
+              <a:schemeClr val="accent1"/>
+            </a:fillRef>
+            <a:effectRef idx="0">
+              <a:schemeClr val="accent1"/>
+            </a:effectRef>
+            <a:fontRef idx="minor">
+              <a:schemeClr val="lt1"/>
+            </a:fontRef>
+          </p:style>
+          <p:txBody>
+            <a:bodyPr rtlCol="0" anchor="ctr"/>
+            <a:lstStyle/>
+            <a:p>
+              <a:pPr algn="ctr"/>
+              <a:endParaRPr lang="zh-CN" altLang="en-US"/>
+            </a:p>
+          </p:txBody>
+        </p:sp>
+        <p:sp>
+          <p:nvSpPr>
+            <p:cNvPr id="43" name="矩形 42"/>
+            <p:cNvSpPr/>
+            <p:nvPr/>
+          </p:nvSpPr>
+          <p:spPr>
+            <a:xfrm>
+              <a:off x="2087880" y="3373438"/>
+              <a:ext cx="3779520" cy="976630"/>
+            </a:xfrm>
+            <a:prstGeom prst="rect">
+              <a:avLst/>
+            </a:prstGeom>
+            <a:solidFill>
+              <a:schemeClr val="bg1"/>
+            </a:solidFill>
+            <a:scene3d>
+              <a:camera prst="isometricOffAxis1Right"/>
+              <a:lightRig rig="threePt" dir="t"/>
+            </a:scene3d>
+          </p:spPr>
+          <p:style>
+            <a:lnRef idx="2">
+              <a:schemeClr val="accent1">
+                <a:shade val="50000"/>
+              </a:schemeClr>
+            </a:lnRef>
+            <a:fillRef idx="1">
+              <a:schemeClr val="accent1"/>
+            </a:fillRef>
+            <a:effectRef idx="0">
+              <a:schemeClr val="accent1"/>
+            </a:effectRef>
+            <a:fontRef idx="minor">
+              <a:schemeClr val="lt1"/>
+            </a:fontRef>
+          </p:style>
+          <p:txBody>
+            <a:bodyPr rtlCol="0" anchor="ctr"/>
+            <a:lstStyle/>
+            <a:p>
+              <a:pPr algn="ctr"/>
+              <a:endParaRPr lang="zh-CN" altLang="en-US"/>
+            </a:p>
+          </p:txBody>
+        </p:sp>
+        <p:sp>
+          <p:nvSpPr>
+            <p:cNvPr id="44" name="矩形 43"/>
+            <p:cNvSpPr/>
+            <p:nvPr/>
+          </p:nvSpPr>
+          <p:spPr>
+            <a:xfrm>
+              <a:off x="5523230" y="4106546"/>
+              <a:ext cx="132080" cy="111125"/>
+            </a:xfrm>
+            <a:prstGeom prst="rect">
+              <a:avLst/>
+            </a:prstGeom>
+            <a:solidFill>
+              <a:schemeClr val="accent2"/>
+            </a:solidFill>
+            <a:scene3d>
+              <a:camera prst="isometricOffAxis1Right"/>
+              <a:lightRig rig="threePt" dir="t"/>
+            </a:scene3d>
+          </p:spPr>
+          <p:style>
+            <a:lnRef idx="2">
+              <a:schemeClr val="accent1">
+                <a:shade val="50000"/>
+              </a:schemeClr>
+            </a:lnRef>
+            <a:fillRef idx="1">
+              <a:schemeClr val="accent1"/>
+            </a:fillRef>
+            <a:effectRef idx="0">
+              <a:schemeClr val="accent1"/>
+            </a:effectRef>
+            <a:fontRef idx="minor">
+              <a:schemeClr val="lt1"/>
+            </a:fontRef>
+          </p:style>
+          <p:txBody>
+            <a:bodyPr rtlCol="0" anchor="ctr"/>
+            <a:lstStyle/>
+            <a:p>
+              <a:pPr algn="ctr"/>
+              <a:endParaRPr lang="zh-CN" altLang="en-US"/>
+            </a:p>
+          </p:txBody>
+        </p:sp>
+        <p:sp>
+          <p:nvSpPr>
+            <p:cNvPr id="45" name="矩形 44"/>
+            <p:cNvSpPr/>
+            <p:nvPr/>
+          </p:nvSpPr>
+          <p:spPr>
+            <a:xfrm>
+              <a:off x="2357437" y="3615373"/>
+              <a:ext cx="671195" cy="892175"/>
+            </a:xfrm>
+            <a:prstGeom prst="rect">
+              <a:avLst/>
+            </a:prstGeom>
+            <a:scene3d>
+              <a:camera prst="isometricOffAxis1Right"/>
+              <a:lightRig rig="threePt" dir="t"/>
+            </a:scene3d>
+          </p:spPr>
+          <p:style>
+            <a:lnRef idx="2">
+              <a:schemeClr val="accent1">
+                <a:shade val="50000"/>
+              </a:schemeClr>
+            </a:lnRef>
+            <a:fillRef idx="1">
+              <a:schemeClr val="accent1"/>
+            </a:fillRef>
+            <a:effectRef idx="0">
+              <a:schemeClr val="accent1"/>
+            </a:effectRef>
+            <a:fontRef idx="minor">
+              <a:schemeClr val="lt1"/>
+            </a:fontRef>
+          </p:style>
+          <p:txBody>
+            <a:bodyPr rtlCol="0" anchor="ctr"/>
+            <a:lstStyle/>
+            <a:p>
+              <a:pPr algn="ctr"/>
+              <a:endParaRPr lang="zh-CN" altLang="en-US"/>
+            </a:p>
+          </p:txBody>
+        </p:sp>
+        <p:sp>
+          <p:nvSpPr>
+            <p:cNvPr id="46" name="矩形 45"/>
+            <p:cNvSpPr/>
+            <p:nvPr/>
+          </p:nvSpPr>
+          <p:spPr>
+            <a:xfrm>
+              <a:off x="3043236" y="4128136"/>
+              <a:ext cx="894715" cy="255270"/>
+            </a:xfrm>
+            <a:prstGeom prst="rect">
+              <a:avLst/>
+            </a:prstGeom>
+            <a:scene3d>
+              <a:camera prst="isometricOffAxis1Right"/>
+              <a:lightRig rig="threePt" dir="t"/>
+            </a:scene3d>
+          </p:spPr>
+          <p:style>
+            <a:lnRef idx="2">
+              <a:schemeClr val="accent1">
+                <a:shade val="50000"/>
+              </a:schemeClr>
+            </a:lnRef>
+            <a:fillRef idx="1">
+              <a:schemeClr val="accent1"/>
+            </a:fillRef>
+            <a:effectRef idx="0">
+              <a:schemeClr val="accent1"/>
+            </a:effectRef>
+            <a:fontRef idx="minor">
+              <a:schemeClr val="lt1"/>
+            </a:fontRef>
+          </p:style>
+          <p:txBody>
+            <a:bodyPr rtlCol="0" anchor="ctr"/>
+            <a:lstStyle/>
+            <a:p>
+              <a:pPr algn="ctr"/>
+              <a:endParaRPr lang="zh-CN" altLang="en-US"/>
+            </a:p>
+          </p:txBody>
+        </p:sp>
+        <p:sp>
+          <p:nvSpPr>
+            <p:cNvPr id="47" name="矩形 46"/>
+            <p:cNvSpPr/>
+            <p:nvPr/>
+          </p:nvSpPr>
+          <p:spPr>
+            <a:xfrm>
+              <a:off x="3030537" y="3525203"/>
+              <a:ext cx="894715" cy="255270"/>
+            </a:xfrm>
+            <a:prstGeom prst="rect">
+              <a:avLst/>
+            </a:prstGeom>
+            <a:scene3d>
+              <a:camera prst="isometricOffAxis1Right"/>
+              <a:lightRig rig="threePt" dir="t"/>
+            </a:scene3d>
+          </p:spPr>
+          <p:style>
+            <a:lnRef idx="2">
+              <a:schemeClr val="accent1">
+                <a:shade val="50000"/>
+              </a:schemeClr>
+            </a:lnRef>
+            <a:fillRef idx="1">
+              <a:schemeClr val="accent1"/>
+            </a:fillRef>
+            <a:effectRef idx="0">
+              <a:schemeClr val="accent1"/>
+            </a:effectRef>
+            <a:fontRef idx="minor">
+              <a:schemeClr val="lt1"/>
+            </a:fontRef>
+          </p:style>
+          <p:txBody>
+            <a:bodyPr rtlCol="0" anchor="ctr"/>
+            <a:lstStyle/>
+            <a:p>
+              <a:pPr algn="ctr"/>
+              <a:endParaRPr lang="zh-CN" altLang="en-US"/>
+            </a:p>
+          </p:txBody>
+        </p:sp>
+        <p:sp>
+          <p:nvSpPr>
+            <p:cNvPr id="48" name="矩形 47"/>
+            <p:cNvSpPr/>
+            <p:nvPr/>
+          </p:nvSpPr>
+          <p:spPr>
+            <a:xfrm>
+              <a:off x="3043237" y="3823813"/>
+              <a:ext cx="894715" cy="255270"/>
+            </a:xfrm>
+            <a:prstGeom prst="rect">
+              <a:avLst/>
+            </a:prstGeom>
+            <a:scene3d>
+              <a:camera prst="isometricOffAxis1Right"/>
+              <a:lightRig rig="threePt" dir="t"/>
+            </a:scene3d>
+          </p:spPr>
+          <p:style>
+            <a:lnRef idx="2">
+              <a:schemeClr val="accent1">
+                <a:shade val="50000"/>
+              </a:schemeClr>
+            </a:lnRef>
+            <a:fillRef idx="1">
+              <a:schemeClr val="accent1"/>
+            </a:fillRef>
+            <a:effectRef idx="0">
+              <a:schemeClr val="accent1"/>
+            </a:effectRef>
+            <a:fontRef idx="minor">
+              <a:schemeClr val="lt1"/>
+            </a:fontRef>
+          </p:style>
+          <p:txBody>
+            <a:bodyPr rtlCol="0" anchor="ctr"/>
+            <a:lstStyle/>
+            <a:p>
+              <a:pPr algn="ctr"/>
+              <a:endParaRPr lang="zh-CN" altLang="en-US"/>
+            </a:p>
+          </p:txBody>
+        </p:sp>
+        <p:sp>
+          <p:nvSpPr>
+            <p:cNvPr id="49" name="矩形 48"/>
+            <p:cNvSpPr/>
+            <p:nvPr/>
+          </p:nvSpPr>
+          <p:spPr>
+            <a:xfrm>
+              <a:off x="3912235" y="3898583"/>
+              <a:ext cx="894715" cy="255270"/>
+            </a:xfrm>
+            <a:prstGeom prst="rect">
+              <a:avLst/>
+            </a:prstGeom>
+            <a:scene3d>
+              <a:camera prst="isometricOffAxis1Right"/>
+              <a:lightRig rig="threePt" dir="t"/>
+            </a:scene3d>
+          </p:spPr>
+          <p:style>
+            <a:lnRef idx="2">
+              <a:schemeClr val="accent1">
+                <a:shade val="50000"/>
+              </a:schemeClr>
+            </a:lnRef>
+            <a:fillRef idx="1">
+              <a:schemeClr val="accent1"/>
+            </a:fillRef>
+            <a:effectRef idx="0">
+              <a:schemeClr val="accent1"/>
+            </a:effectRef>
+            <a:fontRef idx="minor">
+              <a:schemeClr val="lt1"/>
+            </a:fontRef>
+          </p:style>
+          <p:txBody>
+            <a:bodyPr rtlCol="0" anchor="ctr"/>
+            <a:lstStyle/>
+            <a:p>
+              <a:pPr algn="ctr"/>
+              <a:endParaRPr lang="zh-CN" altLang="en-US"/>
+            </a:p>
+          </p:txBody>
+        </p:sp>
+        <p:sp>
+          <p:nvSpPr>
+            <p:cNvPr id="50" name="矩形 49"/>
+            <p:cNvSpPr/>
+            <p:nvPr/>
+          </p:nvSpPr>
+          <p:spPr>
+            <a:xfrm>
+              <a:off x="3912235" y="3525203"/>
+              <a:ext cx="894715" cy="255270"/>
+            </a:xfrm>
+            <a:prstGeom prst="rect">
+              <a:avLst/>
+            </a:prstGeom>
+            <a:scene3d>
+              <a:camera prst="isometricOffAxis1Right"/>
+              <a:lightRig rig="threePt" dir="t"/>
+            </a:scene3d>
+          </p:spPr>
+          <p:style>
+            <a:lnRef idx="2">
+              <a:schemeClr val="accent1">
+                <a:shade val="50000"/>
+              </a:schemeClr>
+            </a:lnRef>
+            <a:fillRef idx="1">
+              <a:schemeClr val="accent1"/>
+            </a:fillRef>
+            <a:effectRef idx="0">
+              <a:schemeClr val="accent1"/>
+            </a:effectRef>
+            <a:fontRef idx="minor">
+              <a:schemeClr val="lt1"/>
+            </a:fontRef>
+          </p:style>
+          <p:txBody>
+            <a:bodyPr rtlCol="0" anchor="ctr"/>
+            <a:lstStyle/>
+            <a:p>
+              <a:pPr algn="ctr"/>
+              <a:endParaRPr lang="zh-CN" altLang="en-US"/>
+            </a:p>
+          </p:txBody>
+        </p:sp>
+        <p:sp>
+          <p:nvSpPr>
+            <p:cNvPr id="51" name="文本框 50"/>
+            <p:cNvSpPr txBox="1"/>
+            <p:nvPr/>
+          </p:nvSpPr>
+          <p:spPr>
+            <a:xfrm>
+              <a:off x="2085340" y="4350703"/>
+              <a:ext cx="3606800" cy="158750"/>
+            </a:xfrm>
+            <a:prstGeom prst="rect">
+              <a:avLst/>
+            </a:prstGeom>
+            <a:noFill/>
+            <a:ln>
+              <a:solidFill>
+                <a:schemeClr val="bg1">
+                  <a:lumMod val="50000"/>
+                </a:schemeClr>
+              </a:solidFill>
+              <a:prstDash val="dash"/>
+            </a:ln>
+            <a:scene3d>
+              <a:camera prst="isometricOffAxis1Right"/>
+              <a:lightRig rig="threePt" dir="t"/>
+            </a:scene3d>
+          </p:spPr>
+          <p:txBody>
+            <a:bodyPr wrap="square" lIns="0" tIns="0" rIns="0" bIns="0" rtlCol="0">
+              <a:noAutofit/>
+            </a:bodyPr>
+            <a:lstStyle/>
+            <a:p>
+              <a:pPr algn="ctr"/>
+              <a:r>
+                <a:rPr lang="en-US" altLang="zh-CN" sz="1200" dirty="0" err="1" smtClean="0"/>
+                <a:t>Pannel</a:t>
+              </a:r>
+              <a:r>
+                <a:rPr lang="en-US" altLang="zh-CN" sz="1200" dirty="0" smtClean="0"/>
+                <a:t> Title</a:t>
+              </a:r>
+              <a:endParaRPr lang="en-US" altLang="zh-CN" sz="1200" dirty="0" smtClean="0"/>
             </a:p>
           </p:txBody>
         </p:sp>
@@ -12168,15 +15052,15 @@
         </p:nvCxnSpPr>
         <p:spPr>
           <a:xfrm flipH="1">
-            <a:off x="1906270" y="2523877"/>
-            <a:ext cx="149860" cy="345688"/>
+            <a:off x="2452370" y="2373382"/>
+            <a:ext cx="92075" cy="615315"/>
           </a:xfrm>
           <a:prstGeom prst="straightConnector1">
             <a:avLst/>
           </a:prstGeom>
           <a:ln>
             <a:solidFill>
-              <a:schemeClr val="tx1"/>
+              <a:srgbClr val="C00000"/>
             </a:solidFill>
             <a:tailEnd type="arrow"/>
           </a:ln>
@@ -12204,7 +15088,7 @@
         </p:nvSpPr>
         <p:spPr>
           <a:xfrm>
-            <a:off x="424179" y="4410554"/>
+            <a:off x="172719" y="4410554"/>
             <a:ext cx="828675" cy="368300"/>
           </a:xfrm>
           <a:prstGeom prst="rect">
@@ -12221,14 +15105,18 @@
             <a:r>
               <a:rPr lang="en-US" altLang="zh-CN" b="1" dirty="0" err="1" smtClean="0">
                 <a:solidFill>
-                  <a:schemeClr val="accent1">
-                    <a:lumMod val="75000"/>
-                  </a:schemeClr>
+                  <a:schemeClr val="tx1"/>
                 </a:solidFill>
                 <a:effectLst/>
               </a:rPr>
               <a:t>Pannel</a:t>
             </a:r>
+            <a:endParaRPr lang="en-US" altLang="zh-CN" b="1" dirty="0" err="1" smtClean="0">
+              <a:solidFill>
+                <a:schemeClr val="tx1"/>
+              </a:solidFill>
+              <a:effectLst/>
+            </a:endParaRPr>
           </a:p>
         </p:txBody>
       </p:sp>
@@ -12341,18 +15229,14 @@
             <a:r>
               <a:rPr lang="zh-CN" altLang="en-US" b="1" dirty="0">
                 <a:solidFill>
-                  <a:schemeClr val="accent1">
-                    <a:lumMod val="75000"/>
-                  </a:schemeClr>
+                  <a:schemeClr val="tx1"/>
                 </a:solidFill>
               </a:rPr>
               <a:t>SARibbonBar</a:t>
             </a:r>
-            <a:endParaRPr lang="en-US" altLang="zh-CN" b="1" dirty="0" err="1">
+            <a:endParaRPr lang="zh-CN" altLang="en-US" b="1" dirty="0">
               <a:solidFill>
-                <a:schemeClr val="accent1">
-                  <a:lumMod val="75000"/>
-                </a:schemeClr>
+                <a:schemeClr val="tx1"/>
               </a:solidFill>
             </a:endParaRPr>
           </a:p>
@@ -12391,12 +15275,637 @@
           </a:fontRef>
         </p:style>
       </p:cxnSp>
+      <p:sp>
+        <p:nvSpPr>
+          <p:cNvPr id="6" name="矩形 5"/>
+          <p:cNvSpPr/>
+          <p:nvPr/>
+        </p:nvSpPr>
+        <p:spPr>
+          <a:xfrm>
+            <a:off x="3393440" y="2812425"/>
+            <a:ext cx="646429" cy="255816"/>
+          </a:xfrm>
+          <a:prstGeom prst="rect">
+            <a:avLst/>
+          </a:prstGeom>
+          <a:solidFill>
+            <a:schemeClr val="accent2"/>
+          </a:solidFill>
+          <a:ln>
+            <a:solidFill>
+              <a:schemeClr val="accent2"/>
+            </a:solidFill>
+          </a:ln>
+          <a:scene3d>
+            <a:camera prst="isometricOffAxis1Right"/>
+            <a:lightRig rig="threePt" dir="t"/>
+          </a:scene3d>
+        </p:spPr>
+        <p:style>
+          <a:lnRef idx="2">
+            <a:schemeClr val="accent1">
+              <a:shade val="50000"/>
+            </a:schemeClr>
+          </a:lnRef>
+          <a:fillRef idx="1">
+            <a:schemeClr val="accent1"/>
+          </a:fillRef>
+          <a:effectRef idx="0">
+            <a:schemeClr val="accent1"/>
+          </a:effectRef>
+          <a:fontRef idx="minor">
+            <a:schemeClr val="lt1"/>
+          </a:fontRef>
+        </p:style>
+        <p:txBody>
+          <a:bodyPr rtlCol="0" anchor="ctr"/>
+          <a:p>
+            <a:pPr algn="ctr"/>
+            <a:r>
+              <a:rPr lang="en-US" altLang="zh-CN" dirty="0" err="1" smtClean="0"/>
+              <a:t>Tab2</a:t>
+            </a:r>
+            <a:endParaRPr lang="zh-CN" altLang="en-US" dirty="0"/>
+          </a:p>
+        </p:txBody>
+      </p:sp>
+      <p:sp>
+        <p:nvSpPr>
+          <p:cNvPr id="8" name="矩形 7"/>
+          <p:cNvSpPr/>
+          <p:nvPr/>
+        </p:nvSpPr>
+        <p:spPr>
+          <a:xfrm>
+            <a:off x="1970405" y="3041015"/>
+            <a:ext cx="262890" cy="260350"/>
+          </a:xfrm>
+          <a:prstGeom prst="rect">
+            <a:avLst/>
+          </a:prstGeom>
+          <a:solidFill>
+            <a:schemeClr val="accent6"/>
+          </a:solidFill>
+          <a:ln>
+            <a:solidFill>
+              <a:schemeClr val="accent6"/>
+            </a:solidFill>
+          </a:ln>
+          <a:scene3d>
+            <a:camera prst="isometricOffAxis1Right"/>
+            <a:lightRig rig="threePt" dir="t"/>
+          </a:scene3d>
+        </p:spPr>
+        <p:style>
+          <a:lnRef idx="2">
+            <a:schemeClr val="accent1">
+              <a:shade val="50000"/>
+            </a:schemeClr>
+          </a:lnRef>
+          <a:fillRef idx="1">
+            <a:schemeClr val="accent1"/>
+          </a:fillRef>
+          <a:effectRef idx="0">
+            <a:schemeClr val="accent1"/>
+          </a:effectRef>
+          <a:fontRef idx="minor">
+            <a:schemeClr val="lt1"/>
+          </a:fontRef>
+        </p:style>
+        <p:txBody>
+          <a:bodyPr rtlCol="0" anchor="ctr"/>
+          <a:p>
+            <a:pPr algn="ctr"/>
+            <a:endParaRPr lang="zh-CN" altLang="en-US"/>
+          </a:p>
+        </p:txBody>
+      </p:sp>
+      <p:cxnSp>
+        <p:nvCxnSpPr>
+          <p:cNvPr id="9" name="直接箭头连接符 8"/>
+          <p:cNvCxnSpPr/>
+          <p:nvPr/>
+        </p:nvCxnSpPr>
+        <p:spPr>
+          <a:xfrm>
+            <a:off x="1250950" y="2622302"/>
+            <a:ext cx="805180" cy="427990"/>
+          </a:xfrm>
+          <a:prstGeom prst="straightConnector1">
+            <a:avLst/>
+          </a:prstGeom>
+          <a:ln>
+            <a:solidFill>
+              <a:schemeClr val="accent6"/>
+            </a:solidFill>
+            <a:tailEnd type="arrow"/>
+          </a:ln>
+        </p:spPr>
+        <p:style>
+          <a:lnRef idx="1">
+            <a:schemeClr val="accent1"/>
+          </a:lnRef>
+          <a:fillRef idx="0">
+            <a:schemeClr val="accent1"/>
+          </a:fillRef>
+          <a:effectRef idx="0">
+            <a:schemeClr val="accent1"/>
+          </a:effectRef>
+          <a:fontRef idx="minor">
+            <a:schemeClr val="tx1"/>
+          </a:fontRef>
+        </p:style>
+      </p:cxnSp>
+      <p:sp>
+        <p:nvSpPr>
+          <p:cNvPr id="12" name="矩形 11"/>
+          <p:cNvSpPr/>
+          <p:nvPr/>
+        </p:nvSpPr>
+        <p:spPr>
+          <a:xfrm>
+            <a:off x="212407" y="2352200"/>
+            <a:ext cx="1436370" cy="368300"/>
+          </a:xfrm>
+          <a:prstGeom prst="rect">
+            <a:avLst/>
+          </a:prstGeom>
+        </p:spPr>
+        <p:txBody>
+          <a:bodyPr wrap="none">
+            <a:spAutoFit/>
+          </a:bodyPr>
+          <a:p>
+            <a:pPr algn="l"/>
+            <a:r>
+              <a:rPr lang="en-US" altLang="zh-CN" b="1" dirty="0" err="1" smtClean="0">
+                <a:solidFill>
+                  <a:schemeClr val="tx1"/>
+                </a:solidFill>
+                <a:effectLst/>
+              </a:rPr>
+              <a:t>Window Icon</a:t>
+            </a:r>
+            <a:endParaRPr lang="en-US" altLang="zh-CN" b="1" dirty="0" err="1" smtClean="0">
+              <a:solidFill>
+                <a:schemeClr val="tx1"/>
+              </a:solidFill>
+              <a:effectLst/>
+            </a:endParaRPr>
+          </a:p>
+        </p:txBody>
+      </p:sp>
+      <p:sp>
+        <p:nvSpPr>
+          <p:cNvPr id="14" name="矩形 13"/>
+          <p:cNvSpPr/>
+          <p:nvPr/>
+        </p:nvSpPr>
+        <p:spPr>
+          <a:xfrm>
+            <a:off x="2581910" y="2794000"/>
+            <a:ext cx="2296160" cy="286385"/>
+          </a:xfrm>
+          <a:prstGeom prst="rect">
+            <a:avLst/>
+          </a:prstGeom>
+          <a:noFill/>
+          <a:ln>
+            <a:solidFill>
+              <a:schemeClr val="accent2"/>
+            </a:solidFill>
+            <a:prstDash val="dash"/>
+          </a:ln>
+          <a:scene3d>
+            <a:camera prst="isometricOffAxis1Right"/>
+            <a:lightRig rig="threePt" dir="t"/>
+          </a:scene3d>
+          <a:extLst>
+            <a:ext uri="{909E8E84-426E-40DD-AFC4-6F175D3DCCD1}">
+              <a14:hiddenFill xmlns:a14="http://schemas.microsoft.com/office/drawing/2010/main">
+                <a:solidFill>
+                  <a:schemeClr val="accent2"/>
+                </a:solidFill>
+              </a14:hiddenFill>
+            </a:ext>
+          </a:extLst>
+        </p:spPr>
+        <p:style>
+          <a:lnRef idx="2">
+            <a:schemeClr val="accent1">
+              <a:shade val="50000"/>
+            </a:schemeClr>
+          </a:lnRef>
+          <a:fillRef idx="1">
+            <a:schemeClr val="accent1"/>
+          </a:fillRef>
+          <a:effectRef idx="0">
+            <a:schemeClr val="accent1"/>
+          </a:effectRef>
+          <a:fontRef idx="minor">
+            <a:schemeClr val="lt1"/>
+          </a:fontRef>
+        </p:style>
+        <p:txBody>
+          <a:bodyPr rtlCol="0" anchor="ctr"/>
+          <a:p>
+            <a:pPr algn="ctr"/>
+            <a:endParaRPr lang="zh-CN" altLang="en-US" dirty="0"/>
+          </a:p>
+        </p:txBody>
+      </p:sp>
+      <p:sp>
+        <p:nvSpPr>
+          <p:cNvPr id="17" name="矩形 16"/>
+          <p:cNvSpPr/>
+          <p:nvPr/>
+        </p:nvSpPr>
+        <p:spPr>
+          <a:xfrm>
+            <a:off x="4056380" y="2721620"/>
+            <a:ext cx="646429" cy="255816"/>
+          </a:xfrm>
+          <a:prstGeom prst="rect">
+            <a:avLst/>
+          </a:prstGeom>
+          <a:solidFill>
+            <a:schemeClr val="accent2"/>
+          </a:solidFill>
+          <a:ln>
+            <a:solidFill>
+              <a:schemeClr val="accent2"/>
+            </a:solidFill>
+          </a:ln>
+          <a:scene3d>
+            <a:camera prst="isometricOffAxis1Right"/>
+            <a:lightRig rig="threePt" dir="t"/>
+          </a:scene3d>
+        </p:spPr>
+        <p:style>
+          <a:lnRef idx="2">
+            <a:schemeClr val="accent1">
+              <a:shade val="50000"/>
+            </a:schemeClr>
+          </a:lnRef>
+          <a:fillRef idx="1">
+            <a:schemeClr val="accent1"/>
+          </a:fillRef>
+          <a:effectRef idx="0">
+            <a:schemeClr val="accent1"/>
+          </a:effectRef>
+          <a:fontRef idx="minor">
+            <a:schemeClr val="lt1"/>
+          </a:fontRef>
+        </p:style>
+        <p:txBody>
+          <a:bodyPr rtlCol="0" anchor="ctr"/>
+          <a:p>
+            <a:pPr algn="ctr"/>
+            <a:r>
+              <a:rPr lang="en-US" altLang="zh-CN" dirty="0" err="1" smtClean="0"/>
+              <a:t>Tab3</a:t>
+            </a:r>
+            <a:endParaRPr lang="zh-CN" altLang="en-US" dirty="0"/>
+          </a:p>
+        </p:txBody>
+      </p:sp>
+      <p:sp>
+        <p:nvSpPr>
+          <p:cNvPr id="19" name="矩形 18"/>
+          <p:cNvSpPr/>
+          <p:nvPr/>
+        </p:nvSpPr>
+        <p:spPr>
+          <a:xfrm>
+            <a:off x="3615689" y="1830705"/>
+            <a:ext cx="836295" cy="368300"/>
+          </a:xfrm>
+          <a:prstGeom prst="rect">
+            <a:avLst/>
+          </a:prstGeom>
+        </p:spPr>
+        <p:txBody>
+          <a:bodyPr wrap="none">
+            <a:spAutoFit/>
+          </a:bodyPr>
+          <a:p>
+            <a:pPr algn="l"/>
+            <a:r>
+              <a:rPr lang="en-US" altLang="zh-CN" b="1" dirty="0" err="1" smtClean="0">
+                <a:solidFill>
+                  <a:schemeClr val="tx1"/>
+                </a:solidFill>
+                <a:effectLst/>
+              </a:rPr>
+              <a:t>TabBar</a:t>
+            </a:r>
+            <a:endParaRPr lang="en-US" altLang="zh-CN" b="1" dirty="0" err="1" smtClean="0">
+              <a:solidFill>
+                <a:schemeClr val="tx1"/>
+              </a:solidFill>
+              <a:effectLst/>
+            </a:endParaRPr>
+          </a:p>
+        </p:txBody>
+      </p:sp>
+      <p:cxnSp>
+        <p:nvCxnSpPr>
+          <p:cNvPr id="20" name="直接箭头连接符 19"/>
+          <p:cNvCxnSpPr>
+            <a:stCxn id="19" idx="2"/>
+            <a:endCxn id="14" idx="0"/>
+          </p:cNvCxnSpPr>
+          <p:nvPr/>
+        </p:nvCxnSpPr>
+        <p:spPr>
+          <a:xfrm flipH="1">
+            <a:off x="3729988" y="2198866"/>
+            <a:ext cx="304165" cy="594995"/>
+          </a:xfrm>
+          <a:prstGeom prst="straightConnector1">
+            <a:avLst/>
+          </a:prstGeom>
+          <a:ln>
+            <a:solidFill>
+              <a:schemeClr val="accent2"/>
+            </a:solidFill>
+            <a:tailEnd type="arrow"/>
+          </a:ln>
+        </p:spPr>
+        <p:style>
+          <a:lnRef idx="1">
+            <a:schemeClr val="accent1"/>
+          </a:lnRef>
+          <a:fillRef idx="0">
+            <a:schemeClr val="accent1"/>
+          </a:fillRef>
+          <a:effectRef idx="0">
+            <a:schemeClr val="accent1"/>
+          </a:effectRef>
+          <a:fontRef idx="minor">
+            <a:schemeClr val="tx1"/>
+          </a:fontRef>
+        </p:style>
+      </p:cxnSp>
+      <p:sp>
+        <p:nvSpPr>
+          <p:cNvPr id="21" name="矩形 20"/>
+          <p:cNvSpPr/>
+          <p:nvPr/>
+        </p:nvSpPr>
+        <p:spPr>
+          <a:xfrm>
+            <a:off x="8501380" y="1957883"/>
+            <a:ext cx="1477010" cy="248285"/>
+          </a:xfrm>
+          <a:prstGeom prst="rect">
+            <a:avLst/>
+          </a:prstGeom>
+          <a:solidFill>
+            <a:schemeClr val="accent4">
+              <a:lumMod val="20000"/>
+              <a:lumOff val="80000"/>
+            </a:schemeClr>
+          </a:solidFill>
+          <a:ln>
+            <a:solidFill>
+              <a:schemeClr val="accent4"/>
+            </a:solidFill>
+          </a:ln>
+          <a:scene3d>
+            <a:camera prst="isometricOffAxis1Right"/>
+            <a:lightRig rig="threePt" dir="t"/>
+          </a:scene3d>
+        </p:spPr>
+        <p:style>
+          <a:lnRef idx="2">
+            <a:schemeClr val="accent1">
+              <a:shade val="50000"/>
+            </a:schemeClr>
+          </a:lnRef>
+          <a:fillRef idx="1">
+            <a:schemeClr val="accent1"/>
+          </a:fillRef>
+          <a:effectRef idx="0">
+            <a:schemeClr val="accent1"/>
+          </a:effectRef>
+          <a:fontRef idx="minor">
+            <a:schemeClr val="lt1"/>
+          </a:fontRef>
+        </p:style>
+        <p:txBody>
+          <a:bodyPr rtlCol="0" anchor="ctr"/>
+          <a:p>
+            <a:pPr algn="ctr"/>
+            <a:endParaRPr lang="zh-CN" altLang="en-US"/>
+          </a:p>
+        </p:txBody>
+      </p:sp>
+      <p:sp>
+        <p:nvSpPr>
+          <p:cNvPr id="22" name="矩形 21"/>
+          <p:cNvSpPr/>
+          <p:nvPr/>
+        </p:nvSpPr>
+        <p:spPr>
+          <a:xfrm>
+            <a:off x="10128885" y="1621790"/>
+            <a:ext cx="427355" cy="242570"/>
+          </a:xfrm>
+          <a:prstGeom prst="rect">
+            <a:avLst/>
+          </a:prstGeom>
+          <a:solidFill>
+            <a:schemeClr val="accent1">
+              <a:lumMod val="20000"/>
+              <a:lumOff val="80000"/>
+            </a:schemeClr>
+          </a:solidFill>
+          <a:ln>
+            <a:solidFill>
+              <a:schemeClr val="accent1"/>
+            </a:solidFill>
+          </a:ln>
+          <a:scene3d>
+            <a:camera prst="isometricOffAxis1Right"/>
+            <a:lightRig rig="threePt" dir="t"/>
+          </a:scene3d>
+        </p:spPr>
+        <p:style>
+          <a:lnRef idx="2">
+            <a:schemeClr val="accent1">
+              <a:shade val="50000"/>
+            </a:schemeClr>
+          </a:lnRef>
+          <a:fillRef idx="1">
+            <a:schemeClr val="accent1"/>
+          </a:fillRef>
+          <a:effectRef idx="0">
+            <a:schemeClr val="accent1"/>
+          </a:effectRef>
+          <a:fontRef idx="minor">
+            <a:schemeClr val="lt1"/>
+          </a:fontRef>
+        </p:style>
+        <p:txBody>
+          <a:bodyPr rtlCol="0" anchor="ctr"/>
+          <a:p>
+            <a:pPr algn="ctr"/>
+            <a:endParaRPr lang="zh-CN" altLang="en-US"/>
+          </a:p>
+        </p:txBody>
+      </p:sp>
+      <p:cxnSp>
+        <p:nvCxnSpPr>
+          <p:cNvPr id="23" name="直接箭头连接符 22"/>
+          <p:cNvCxnSpPr/>
+          <p:nvPr/>
+        </p:nvCxnSpPr>
+        <p:spPr>
+          <a:xfrm>
+            <a:off x="9065257" y="1401763"/>
+            <a:ext cx="175895" cy="555625"/>
+          </a:xfrm>
+          <a:prstGeom prst="straightConnector1">
+            <a:avLst/>
+          </a:prstGeom>
+          <a:ln>
+            <a:solidFill>
+              <a:schemeClr val="accent4"/>
+            </a:solidFill>
+            <a:tailEnd type="arrow"/>
+          </a:ln>
+        </p:spPr>
+        <p:style>
+          <a:lnRef idx="1">
+            <a:schemeClr val="accent1"/>
+          </a:lnRef>
+          <a:fillRef idx="0">
+            <a:schemeClr val="accent1"/>
+          </a:fillRef>
+          <a:effectRef idx="0">
+            <a:schemeClr val="accent1"/>
+          </a:effectRef>
+          <a:fontRef idx="minor">
+            <a:schemeClr val="tx1"/>
+          </a:fontRef>
+        </p:style>
+      </p:cxnSp>
+      <p:sp>
+        <p:nvSpPr>
+          <p:cNvPr id="25" name="矩形 24"/>
+          <p:cNvSpPr/>
+          <p:nvPr/>
+        </p:nvSpPr>
+        <p:spPr>
+          <a:xfrm>
+            <a:off x="8029572" y="1033463"/>
+            <a:ext cx="2019935" cy="368300"/>
+          </a:xfrm>
+          <a:prstGeom prst="rect">
+            <a:avLst/>
+          </a:prstGeom>
+        </p:spPr>
+        <p:txBody>
+          <a:bodyPr wrap="none">
+            <a:spAutoFit/>
+          </a:bodyPr>
+          <a:p>
+            <a:pPr algn="l"/>
+            <a:r>
+              <a:rPr lang="en-US" altLang="zh-CN" b="1" dirty="0" err="1" smtClean="0">
+                <a:solidFill>
+                  <a:schemeClr val="tx1"/>
+                </a:solidFill>
+                <a:effectLst/>
+              </a:rPr>
+              <a:t>Right Button Group</a:t>
+            </a:r>
+            <a:endParaRPr lang="en-US" altLang="zh-CN" b="1" dirty="0" err="1" smtClean="0">
+              <a:solidFill>
+                <a:schemeClr val="tx1"/>
+              </a:solidFill>
+              <a:effectLst/>
+            </a:endParaRPr>
+          </a:p>
+        </p:txBody>
+      </p:sp>
+      <p:sp>
+        <p:nvSpPr>
+          <p:cNvPr id="27" name="矩形 26"/>
+          <p:cNvSpPr/>
+          <p:nvPr/>
+        </p:nvSpPr>
+        <p:spPr>
+          <a:xfrm>
+            <a:off x="9883772" y="887413"/>
+            <a:ext cx="2058670" cy="368300"/>
+          </a:xfrm>
+          <a:prstGeom prst="rect">
+            <a:avLst/>
+          </a:prstGeom>
+        </p:spPr>
+        <p:txBody>
+          <a:bodyPr wrap="none">
+            <a:spAutoFit/>
+          </a:bodyPr>
+          <a:p>
+            <a:pPr algn="l"/>
+            <a:r>
+              <a:rPr lang="en-US" altLang="zh-CN" b="1" dirty="0" err="1" smtClean="0">
+                <a:solidFill>
+                  <a:schemeClr val="tx1"/>
+                </a:solidFill>
+                <a:effectLst/>
+              </a:rPr>
+              <a:t>Window Button Bar</a:t>
+            </a:r>
+            <a:endParaRPr lang="en-US" altLang="zh-CN" b="1" dirty="0" err="1" smtClean="0">
+              <a:solidFill>
+                <a:schemeClr val="tx1"/>
+              </a:solidFill>
+              <a:effectLst/>
+            </a:endParaRPr>
+          </a:p>
+        </p:txBody>
+      </p:sp>
+      <p:cxnSp>
+        <p:nvCxnSpPr>
+          <p:cNvPr id="15" name="直接箭头连接符 14"/>
+          <p:cNvCxnSpPr>
+            <a:endCxn id="26" idx="0"/>
+          </p:cNvCxnSpPr>
+          <p:nvPr/>
+        </p:nvCxnSpPr>
+        <p:spPr>
+          <a:xfrm flipH="1">
+            <a:off x="10661648" y="1210806"/>
+            <a:ext cx="141605" cy="362585"/>
+          </a:xfrm>
+          <a:prstGeom prst="straightConnector1">
+            <a:avLst/>
+          </a:prstGeom>
+          <a:ln>
+            <a:tailEnd type="arrow"/>
+          </a:ln>
+        </p:spPr>
+        <p:style>
+          <a:lnRef idx="1">
+            <a:schemeClr val="accent1"/>
+          </a:lnRef>
+          <a:fillRef idx="0">
+            <a:schemeClr val="accent1"/>
+          </a:fillRef>
+          <a:effectRef idx="0">
+            <a:schemeClr val="accent1"/>
+          </a:effectRef>
+          <a:fontRef idx="minor">
+            <a:schemeClr val="tx1"/>
+          </a:fontRef>
+        </p:style>
+      </p:cxnSp>
     </p:spTree>
-    <p:extLst>
-      <p:ext uri="{BB962C8B-B14F-4D97-AF65-F5344CB8AC3E}">
-        <p14:creationId xmlns:p14="http://schemas.microsoft.com/office/powerpoint/2010/main" val="1321318070"/>
-      </p:ext>
-    </p:extLst>
   </p:cSld>
   <p:clrMapOvr>
     <a:masterClrMapping/>
@@ -12655,8 +16164,265 @@
       </a:bgFillStyleLst>
     </a:fmtScheme>
   </a:themeElements>
-  <a:objectDefaults/>
-  <a:extraClrSchemeLst/>
+  <a:extLst>
+    <a:ext uri="{05A4C25C-085E-4340-85A3-A5531E510DB2}">
+      <thm15:themeFamily xmlns:thm15="http://schemas.microsoft.com/office/thememl/2012/main" name="Office Theme" id="{62F939B6-93AF-4DB8-9C6B-D6C7DFDC589F}" vid="{4A3C46E8-61CC-4603-A589-7422A47A8E4A}"/>
+    </a:ext>
+  </a:extLst>
+</a:theme>
+</file>
+
+<file path=ppt/theme/theme2.xml><?xml version="1.0" encoding="utf-8"?>
+<a:theme xmlns:a="http://schemas.openxmlformats.org/drawingml/2006/main" name="Office 主题">
+  <a:themeElements>
+    <a:clrScheme name="Office">
+      <a:dk1>
+        <a:sysClr val="windowText" lastClr="000000"/>
+      </a:dk1>
+      <a:lt1>
+        <a:sysClr val="window" lastClr="FFFFFF"/>
+      </a:lt1>
+      <a:dk2>
+        <a:srgbClr val="44546A"/>
+      </a:dk2>
+      <a:lt2>
+        <a:srgbClr val="E7E6E6"/>
+      </a:lt2>
+      <a:accent1>
+        <a:srgbClr val="5B9BD5"/>
+      </a:accent1>
+      <a:accent2>
+        <a:srgbClr val="ED7D31"/>
+      </a:accent2>
+      <a:accent3>
+        <a:srgbClr val="A5A5A5"/>
+      </a:accent3>
+      <a:accent4>
+        <a:srgbClr val="FFC000"/>
+      </a:accent4>
+      <a:accent5>
+        <a:srgbClr val="4472C4"/>
+      </a:accent5>
+      <a:accent6>
+        <a:srgbClr val="70AD47"/>
+      </a:accent6>
+      <a:hlink>
+        <a:srgbClr val="0563C1"/>
+      </a:hlink>
+      <a:folHlink>
+        <a:srgbClr val="954F72"/>
+      </a:folHlink>
+    </a:clrScheme>
+    <a:fontScheme name="Office">
+      <a:majorFont>
+        <a:latin typeface="Calibri Light"/>
+        <a:ea typeface=""/>
+        <a:cs typeface=""/>
+        <a:font script="Jpan" typeface="ＭＳ Ｐゴシック"/>
+        <a:font script="Hang" typeface="맑은 고딕"/>
+        <a:font script="Hans" typeface="宋体"/>
+        <a:font script="Hant" typeface="新細明體"/>
+        <a:font script="Arab" typeface="Times New Roman"/>
+        <a:font script="Hebr" typeface="Times New Roman"/>
+        <a:font script="Thai" typeface="Angsana New"/>
+        <a:font script="Ethi" typeface="Nyala"/>
+        <a:font script="Beng" typeface="Vrinda"/>
+        <a:font script="Gujr" typeface="Shruti"/>
+        <a:font script="Khmr" typeface="MoolBoran"/>
+        <a:font script="Knda" typeface="Tunga"/>
+        <a:font script="Guru" typeface="Raavi"/>
+        <a:font script="Cans" typeface="Euphemia"/>
+        <a:font script="Cher" typeface="Plantagenet Cherokee"/>
+        <a:font script="Yiii" typeface="Microsoft Yi Baiti"/>
+        <a:font script="Tibt" typeface="Microsoft Himalaya"/>
+        <a:font script="Thaa" typeface="MV Boli"/>
+        <a:font script="Deva" typeface="Mangal"/>
+        <a:font script="Telu" typeface="Gautami"/>
+        <a:font script="Taml" typeface="Latha"/>
+        <a:font script="Syrc" typeface="Estrangelo Edessa"/>
+        <a:font script="Orya" typeface="Kalinga"/>
+        <a:font script="Mlym" typeface="Kartika"/>
+        <a:font script="Laoo" typeface="DokChampa"/>
+        <a:font script="Sinh" typeface="Iskoola Pota"/>
+        <a:font script="Mong" typeface="Mongolian Baiti"/>
+        <a:font script="Viet" typeface="Times New Roman"/>
+        <a:font script="Uigh" typeface="Microsoft Uighur"/>
+        <a:font script="Geor" typeface="Sylfaen"/>
+      </a:majorFont>
+      <a:minorFont>
+        <a:latin typeface="Calibri"/>
+        <a:ea typeface=""/>
+        <a:cs typeface=""/>
+        <a:font script="Jpan" typeface="ＭＳ Ｐゴシック"/>
+        <a:font script="Hang" typeface="맑은 고딕"/>
+        <a:font script="Hans" typeface="宋体"/>
+        <a:font script="Hant" typeface="新細明體"/>
+        <a:font script="Arab" typeface="Arial"/>
+        <a:font script="Hebr" typeface="Arial"/>
+        <a:font script="Thai" typeface="Cordia New"/>
+        <a:font script="Ethi" typeface="Nyala"/>
+        <a:font script="Beng" typeface="Vrinda"/>
+        <a:font script="Gujr" typeface="Shruti"/>
+        <a:font script="Khmr" typeface="DaunPenh"/>
+        <a:font script="Knda" typeface="Tunga"/>
+        <a:font script="Guru" typeface="Raavi"/>
+        <a:font script="Cans" typeface="Euphemia"/>
+        <a:font script="Cher" typeface="Plantagenet Cherokee"/>
+        <a:font script="Yiii" typeface="Microsoft Yi Baiti"/>
+        <a:font script="Tibt" typeface="Microsoft Himalaya"/>
+        <a:font script="Thaa" typeface="MV Boli"/>
+        <a:font script="Deva" typeface="Mangal"/>
+        <a:font script="Telu" typeface="Gautami"/>
+        <a:font script="Taml" typeface="Latha"/>
+        <a:font script="Syrc" typeface="Estrangelo Edessa"/>
+        <a:font script="Orya" typeface="Kalinga"/>
+        <a:font script="Mlym" typeface="Kartika"/>
+        <a:font script="Laoo" typeface="DokChampa"/>
+        <a:font script="Sinh" typeface="Iskoola Pota"/>
+        <a:font script="Mong" typeface="Mongolian Baiti"/>
+        <a:font script="Viet" typeface="Arial"/>
+        <a:font script="Uigh" typeface="Microsoft Uighur"/>
+        <a:font script="Geor" typeface="Sylfaen"/>
+      </a:minorFont>
+    </a:fontScheme>
+    <a:fmtScheme name="Office">
+      <a:fillStyleLst>
+        <a:solidFill>
+          <a:schemeClr val="phClr"/>
+        </a:solidFill>
+        <a:gradFill rotWithShape="1">
+          <a:gsLst>
+            <a:gs pos="0">
+              <a:schemeClr val="phClr">
+                <a:lumMod val="110000"/>
+                <a:satMod val="105000"/>
+                <a:tint val="67000"/>
+              </a:schemeClr>
+            </a:gs>
+            <a:gs pos="50000">
+              <a:schemeClr val="phClr">
+                <a:lumMod val="105000"/>
+                <a:satMod val="103000"/>
+                <a:tint val="73000"/>
+              </a:schemeClr>
+            </a:gs>
+            <a:gs pos="100000">
+              <a:schemeClr val="phClr">
+                <a:lumMod val="105000"/>
+                <a:satMod val="109000"/>
+                <a:tint val="81000"/>
+              </a:schemeClr>
+            </a:gs>
+          </a:gsLst>
+          <a:lin ang="5400000" scaled="0"/>
+        </a:gradFill>
+        <a:gradFill rotWithShape="1">
+          <a:gsLst>
+            <a:gs pos="0">
+              <a:schemeClr val="phClr">
+                <a:satMod val="103000"/>
+                <a:lumMod val="102000"/>
+                <a:tint val="94000"/>
+              </a:schemeClr>
+            </a:gs>
+            <a:gs pos="50000">
+              <a:schemeClr val="phClr">
+                <a:satMod val="110000"/>
+                <a:lumMod val="100000"/>
+                <a:shade val="100000"/>
+              </a:schemeClr>
+            </a:gs>
+            <a:gs pos="100000">
+              <a:schemeClr val="phClr">
+                <a:lumMod val="99000"/>
+                <a:satMod val="120000"/>
+                <a:shade val="78000"/>
+              </a:schemeClr>
+            </a:gs>
+          </a:gsLst>
+          <a:lin ang="5400000" scaled="0"/>
+        </a:gradFill>
+      </a:fillStyleLst>
+      <a:lnStyleLst>
+        <a:ln w="6350" cap="flat" cmpd="sng" algn="ctr">
+          <a:solidFill>
+            <a:schemeClr val="phClr"/>
+          </a:solidFill>
+          <a:prstDash val="solid"/>
+          <a:miter lim="800000"/>
+        </a:ln>
+        <a:ln w="12700" cap="flat" cmpd="sng" algn="ctr">
+          <a:solidFill>
+            <a:schemeClr val="phClr"/>
+          </a:solidFill>
+          <a:prstDash val="solid"/>
+          <a:miter lim="800000"/>
+        </a:ln>
+        <a:ln w="19050" cap="flat" cmpd="sng" algn="ctr">
+          <a:solidFill>
+            <a:schemeClr val="phClr"/>
+          </a:solidFill>
+          <a:prstDash val="solid"/>
+          <a:miter lim="800000"/>
+        </a:ln>
+      </a:lnStyleLst>
+      <a:effectStyleLst>
+        <a:effectStyle>
+          <a:effectLst/>
+        </a:effectStyle>
+        <a:effectStyle>
+          <a:effectLst/>
+        </a:effectStyle>
+        <a:effectStyle>
+          <a:effectLst>
+            <a:outerShdw blurRad="57150" dist="19050" dir="5400000" algn="ctr" rotWithShape="0">
+              <a:srgbClr val="000000">
+                <a:alpha val="63000"/>
+              </a:srgbClr>
+            </a:outerShdw>
+          </a:effectLst>
+        </a:effectStyle>
+      </a:effectStyleLst>
+      <a:bgFillStyleLst>
+        <a:solidFill>
+          <a:schemeClr val="phClr"/>
+        </a:solidFill>
+        <a:solidFill>
+          <a:schemeClr val="phClr">
+            <a:tint val="95000"/>
+            <a:satMod val="170000"/>
+          </a:schemeClr>
+        </a:solidFill>
+        <a:gradFill rotWithShape="1">
+          <a:gsLst>
+            <a:gs pos="0">
+              <a:schemeClr val="phClr">
+                <a:tint val="93000"/>
+                <a:satMod val="150000"/>
+                <a:shade val="98000"/>
+                <a:lumMod val="102000"/>
+              </a:schemeClr>
+            </a:gs>
+            <a:gs pos="50000">
+              <a:schemeClr val="phClr">
+                <a:tint val="98000"/>
+                <a:satMod val="130000"/>
+                <a:shade val="90000"/>
+                <a:lumMod val="103000"/>
+              </a:schemeClr>
+            </a:gs>
+            <a:gs pos="100000">
+              <a:schemeClr val="phClr">
+                <a:shade val="63000"/>
+                <a:satMod val="120000"/>
+              </a:schemeClr>
+            </a:gs>
+          </a:gsLst>
+          <a:lin ang="5400000" scaled="0"/>
+        </a:gradFill>
+      </a:bgFillStyleLst>
+    </a:fmtScheme>
+  </a:themeElements>
   <a:extLst>
     <a:ext uri="{05A4C25C-085E-4340-85A3-A5531E510DB2}">
       <thm15:themeFamily xmlns:thm15="http://schemas.microsoft.com/office/thememl/2012/main" name="Office Theme" id="{62F939B6-93AF-4DB8-9C6B-D6C7DFDC589F}" vid="{4A3C46E8-61CC-4603-A589-7422A47A8E4A}"/>
